--- a/STT465_13.pptx
+++ b/STT465_13.pptx
@@ -206,7 +206,7 @@
             <a:fld id="{EC2AD4C0-0FC1-44D9-A720-D776D6428221}" type="datetimeFigureOut">
               <a:rPr lang="en-US" smtClean="0"/>
               <a:pPr/>
-              <a:t>11/16/15</a:t>
+              <a:t>11/18/15</a:t>
             </a:fld>
             <a:endParaRPr lang="en-US"/>
           </a:p>
@@ -1315,7 +1315,7 @@
             <a:fld id="{F9C811E6-0209-4075-80E7-F5953C8ECEE3}" type="datetime1">
               <a:rPr lang="en-US" smtClean="0"/>
               <a:pPr/>
-              <a:t>11/16/15</a:t>
+              <a:t>11/18/15</a:t>
             </a:fld>
             <a:endParaRPr lang="en-US"/>
           </a:p>
@@ -1486,7 +1486,7 @@
             <a:fld id="{648E6BB1-E6D9-4EE7-828F-046F7223761D}" type="datetime1">
               <a:rPr lang="en-US" smtClean="0"/>
               <a:pPr/>
-              <a:t>11/16/15</a:t>
+              <a:t>11/18/15</a:t>
             </a:fld>
             <a:endParaRPr lang="en-US"/>
           </a:p>
@@ -1667,7 +1667,7 @@
             <a:fld id="{B4B9C580-A780-4D76-B2D1-C34F1DA97DF0}" type="datetime1">
               <a:rPr lang="en-US" smtClean="0"/>
               <a:pPr/>
-              <a:t>11/16/15</a:t>
+              <a:t>11/18/15</a:t>
             </a:fld>
             <a:endParaRPr lang="en-US"/>
           </a:p>
@@ -1838,7 +1838,7 @@
             <a:fld id="{EB19DDAF-3255-4785-974C-BB4FAF02D67E}" type="datetime1">
               <a:rPr lang="en-US" smtClean="0"/>
               <a:pPr/>
-              <a:t>11/16/15</a:t>
+              <a:t>11/18/15</a:t>
             </a:fld>
             <a:endParaRPr lang="en-US"/>
           </a:p>
@@ -2085,7 +2085,7 @@
             <a:fld id="{C344AF86-11D1-4E84-BA60-17130236FDAA}" type="datetime1">
               <a:rPr lang="en-US" smtClean="0"/>
               <a:pPr/>
-              <a:t>11/16/15</a:t>
+              <a:t>11/18/15</a:t>
             </a:fld>
             <a:endParaRPr lang="en-US"/>
           </a:p>
@@ -2374,7 +2374,7 @@
             <a:fld id="{A8DD670F-7E07-4783-A6F8-B28127B5AF4A}" type="datetime1">
               <a:rPr lang="en-US" smtClean="0"/>
               <a:pPr/>
-              <a:t>11/16/15</a:t>
+              <a:t>11/18/15</a:t>
             </a:fld>
             <a:endParaRPr lang="en-US"/>
           </a:p>
@@ -2797,7 +2797,7 @@
             <a:fld id="{92676DD9-688F-48EE-8233-B3B78BDDA63D}" type="datetime1">
               <a:rPr lang="en-US" smtClean="0"/>
               <a:pPr/>
-              <a:t>11/16/15</a:t>
+              <a:t>11/18/15</a:t>
             </a:fld>
             <a:endParaRPr lang="en-US"/>
           </a:p>
@@ -2916,7 +2916,7 @@
             <a:fld id="{F6CC4A83-AE34-48B8-B90E-70388FDBF0F7}" type="datetime1">
               <a:rPr lang="en-US" smtClean="0"/>
               <a:pPr/>
-              <a:t>11/16/15</a:t>
+              <a:t>11/18/15</a:t>
             </a:fld>
             <a:endParaRPr lang="en-US"/>
           </a:p>
@@ -3012,7 +3012,7 @@
             <a:fld id="{510CA3E2-9601-488E-B92B-23013819BD02}" type="datetime1">
               <a:rPr lang="en-US" smtClean="0"/>
               <a:pPr/>
-              <a:t>11/16/15</a:t>
+              <a:t>11/18/15</a:t>
             </a:fld>
             <a:endParaRPr lang="en-US"/>
           </a:p>
@@ -3290,7 +3290,7 @@
             <a:fld id="{331F1CBD-358A-4E18-86FD-C337233E15F0}" type="datetime1">
               <a:rPr lang="en-US" smtClean="0"/>
               <a:pPr/>
-              <a:t>11/16/15</a:t>
+              <a:t>11/18/15</a:t>
             </a:fld>
             <a:endParaRPr lang="en-US"/>
           </a:p>
@@ -3544,7 +3544,7 @@
             <a:fld id="{3CB4F0D5-901F-4458-A8F8-F062616694B4}" type="datetime1">
               <a:rPr lang="en-US" smtClean="0"/>
               <a:pPr/>
-              <a:t>11/16/15</a:t>
+              <a:t>11/18/15</a:t>
             </a:fld>
             <a:endParaRPr lang="en-US"/>
           </a:p>
@@ -3758,7 +3758,7 @@
             <a:fld id="{F77D84EF-BDBF-448B-906E-D51D4CAF22DC}" type="datetime1">
               <a:rPr lang="en-US" smtClean="0"/>
               <a:pPr/>
-              <a:t>11/16/15</a:t>
+              <a:t>11/18/15</a:t>
             </a:fld>
             <a:endParaRPr lang="en-US"/>
           </a:p>
@@ -4824,7 +4824,7 @@
           <a:graphicData uri="http://schemas.openxmlformats.org/presentationml/2006/ole">
             <mc:AlternateContent xmlns:mc="http://schemas.openxmlformats.org/markup-compatibility/2006">
               <mc:Choice xmlns:v="urn:schemas-microsoft-com:vml" Requires="v">
-                <p:oleObj spid="_x0000_s1151" name="Equation" r:id="rId4" imgW="1092200" imgH="330200" progId="Equation.3">
+                <p:oleObj spid="_x0000_s1160" name="Equation" r:id="rId4" imgW="1092200" imgH="330200" progId="Equation.3">
                   <p:embed/>
                 </p:oleObj>
               </mc:Choice>
@@ -4881,7 +4881,7 @@
           <a:graphicData uri="http://schemas.openxmlformats.org/presentationml/2006/ole">
             <mc:AlternateContent xmlns:mc="http://schemas.openxmlformats.org/markup-compatibility/2006">
               <mc:Choice xmlns:v="urn:schemas-microsoft-com:vml" Requires="v">
-                <p:oleObj spid="_x0000_s1152" name="Equation" r:id="rId6" imgW="673100" imgH="203200" progId="Equation.3">
+                <p:oleObj spid="_x0000_s1161" name="Equation" r:id="rId6" imgW="673100" imgH="203200" progId="Equation.3">
                   <p:embed/>
                 </p:oleObj>
               </mc:Choice>
@@ -4938,7 +4938,7 @@
           <a:graphicData uri="http://schemas.openxmlformats.org/presentationml/2006/ole">
             <mc:AlternateContent xmlns:mc="http://schemas.openxmlformats.org/markup-compatibility/2006">
               <mc:Choice xmlns:v="urn:schemas-microsoft-com:vml" Requires="v">
-                <p:oleObj spid="_x0000_s1153" name="Equation" r:id="rId8" imgW="1054100" imgH="342900" progId="Equation.3">
+                <p:oleObj spid="_x0000_s1162" name="Equation" r:id="rId8" imgW="1054100" imgH="342900" progId="Equation.3">
                   <p:embed/>
                 </p:oleObj>
               </mc:Choice>
@@ -4995,7 +4995,7 @@
           <a:graphicData uri="http://schemas.openxmlformats.org/presentationml/2006/ole">
             <mc:AlternateContent xmlns:mc="http://schemas.openxmlformats.org/markup-compatibility/2006">
               <mc:Choice xmlns:v="urn:schemas-microsoft-com:vml" Requires="v">
-                <p:oleObj spid="_x0000_s1154" name="Equation" r:id="rId10" imgW="4775200" imgH="1104900" progId="Equation.3">
+                <p:oleObj spid="_x0000_s1163" name="Equation" r:id="rId10" imgW="4775200" imgH="1104900" progId="Equation.3">
                   <p:embed/>
                 </p:oleObj>
               </mc:Choice>
@@ -5097,17 +5097,7 @@
                   </a:schemeClr>
                 </a:solidFill>
               </a:rPr>
-              <a:t>Prior </a:t>
-            </a:r>
-            <a:r>
-              <a:rPr lang="en-US" sz="3200" dirty="0" smtClean="0">
-                <a:solidFill>
-                  <a:schemeClr val="accent2">
-                    <a:lumMod val="75000"/>
-                  </a:schemeClr>
-                </a:solidFill>
-              </a:rPr>
-              <a:t>Distribution</a:t>
+              <a:t>Prior Distribution</a:t>
             </a:r>
             <a:endParaRPr lang="en-US" sz="3200" dirty="0">
               <a:solidFill>
@@ -5411,7 +5401,7 @@
           <a:graphicData uri="http://schemas.openxmlformats.org/presentationml/2006/ole">
             <mc:AlternateContent xmlns:mc="http://schemas.openxmlformats.org/markup-compatibility/2006">
               <mc:Choice xmlns:v="urn:schemas-microsoft-com:vml" Requires="v">
-                <p:oleObj spid="_x0000_s28728" name="Equation" r:id="rId4" imgW="1130300" imgH="508000" progId="Equation.3">
+                <p:oleObj spid="_x0000_s28735" name="Equation" r:id="rId4" imgW="1130300" imgH="508000" progId="Equation.3">
                   <p:embed/>
                 </p:oleObj>
               </mc:Choice>
@@ -5468,7 +5458,7 @@
           <a:graphicData uri="http://schemas.openxmlformats.org/presentationml/2006/ole">
             <mc:AlternateContent xmlns:mc="http://schemas.openxmlformats.org/markup-compatibility/2006">
               <mc:Choice xmlns:v="urn:schemas-microsoft-com:vml" Requires="v">
-                <p:oleObj spid="_x0000_s28729" name="Equation" r:id="rId6" imgW="1168400" imgH="431800" progId="Equation.3">
+                <p:oleObj spid="_x0000_s28736" name="Equation" r:id="rId6" imgW="1168400" imgH="431800" progId="Equation.3">
                   <p:embed/>
                 </p:oleObj>
               </mc:Choice>
@@ -5525,7 +5515,7 @@
           <a:graphicData uri="http://schemas.openxmlformats.org/presentationml/2006/ole">
             <mc:AlternateContent xmlns:mc="http://schemas.openxmlformats.org/markup-compatibility/2006">
               <mc:Choice xmlns:v="urn:schemas-microsoft-com:vml" Requires="v">
-                <p:oleObj spid="_x0000_s28730" name="Equation" r:id="rId8" imgW="1803400" imgH="203200" progId="Equation.3">
+                <p:oleObj spid="_x0000_s28737" name="Equation" r:id="rId8" imgW="1803400" imgH="203200" progId="Equation.3">
                   <p:embed/>
                 </p:oleObj>
               </mc:Choice>
@@ -5909,7 +5899,7 @@
           <a:graphicData uri="http://schemas.openxmlformats.org/presentationml/2006/ole">
             <mc:AlternateContent xmlns:mc="http://schemas.openxmlformats.org/markup-compatibility/2006">
               <mc:Choice xmlns:v="urn:schemas-microsoft-com:vml" Requires="v">
-                <p:oleObj spid="_x0000_s41995" name="Equation" r:id="rId4" imgW="3517900" imgH="622300" progId="Equation.3">
+                <p:oleObj spid="_x0000_s42000" name="Equation" r:id="rId4" imgW="3517900" imgH="622300" progId="Equation.3">
                   <p:embed/>
                 </p:oleObj>
               </mc:Choice>
@@ -5966,7 +5956,7 @@
           <a:graphicData uri="http://schemas.openxmlformats.org/presentationml/2006/ole">
             <mc:AlternateContent xmlns:mc="http://schemas.openxmlformats.org/markup-compatibility/2006">
               <mc:Choice xmlns:v="urn:schemas-microsoft-com:vml" Requires="v">
-                <p:oleObj spid="_x0000_s41996" name="Equation" r:id="rId6" imgW="952500" imgH="292100" progId="Equation.3">
+                <p:oleObj spid="_x0000_s42001" name="Equation" r:id="rId6" imgW="952500" imgH="292100" progId="Equation.3">
                   <p:embed/>
                 </p:oleObj>
               </mc:Choice>
@@ -6351,7 +6341,7 @@
           <a:graphicData uri="http://schemas.openxmlformats.org/presentationml/2006/ole">
             <mc:AlternateContent xmlns:mc="http://schemas.openxmlformats.org/markup-compatibility/2006">
               <mc:Choice xmlns:v="urn:schemas-microsoft-com:vml" Requires="v">
-                <p:oleObj spid="_x0000_s30809" name="Equation" r:id="rId4" imgW="5105400" imgH="1003300" progId="Equation.3">
+                <p:oleObj spid="_x0000_s30812" name="Equation" r:id="rId4" imgW="5105400" imgH="1003300" progId="Equation.3">
                   <p:embed/>
                 </p:oleObj>
               </mc:Choice>
@@ -6751,25 +6741,25 @@
           <p:nvPr>
             <p:extLst>
               <p:ext uri="{D42A27DB-BD31-4B8C-83A1-F6EECF244321}">
-                <p14:modId xmlns:p14="http://schemas.microsoft.com/office/powerpoint/2010/main" val="1008252363"/>
+                <p14:modId xmlns:p14="http://schemas.microsoft.com/office/powerpoint/2010/main" val="4193790359"/>
               </p:ext>
             </p:extLst>
           </p:nvPr>
         </p:nvGraphicFramePr>
         <p:xfrm>
-          <a:off x="2514600" y="4495800"/>
-          <a:ext cx="2973387" cy="1582738"/>
+          <a:off x="2514600" y="4483100"/>
+          <a:ext cx="2973388" cy="1609725"/>
         </p:xfrm>
         <a:graphic>
           <a:graphicData uri="http://schemas.openxmlformats.org/presentationml/2006/ole">
             <mc:AlternateContent xmlns:mc="http://schemas.openxmlformats.org/markup-compatibility/2006">
               <mc:Choice xmlns:v="urn:schemas-microsoft-com:vml" Requires="v">
-                <p:oleObj spid="_x0000_s43023" name="Equation" r:id="rId4" imgW="1384300" imgH="736600" progId="Equation.3">
+                <p:oleObj spid="_x0000_s43030" name="Equation" r:id="rId4" imgW="1384300" imgH="749300" progId="Equation.3">
                   <p:embed/>
                 </p:oleObj>
               </mc:Choice>
               <mc:Fallback>
-                <p:oleObj name="Equation" r:id="rId4" imgW="1384300" imgH="736600" progId="Equation.3">
+                <p:oleObj name="Equation" r:id="rId4" imgW="1384300" imgH="749300" progId="Equation.3">
                   <p:embed/>
                   <p:pic>
                     <p:nvPicPr>
@@ -6785,8 +6775,8 @@
                     </p:blipFill>
                     <p:spPr>
                       <a:xfrm>
-                        <a:off x="2514600" y="4495800"/>
-                        <a:ext cx="2973387" cy="1582738"/>
+                        <a:off x="2514600" y="4483100"/>
+                        <a:ext cx="2973388" cy="1609725"/>
                       </a:xfrm>
                       <a:prstGeom prst="rect">
                         <a:avLst/>
@@ -6808,25 +6798,25 @@
           <p:nvPr>
             <p:extLst>
               <p:ext uri="{D42A27DB-BD31-4B8C-83A1-F6EECF244321}">
-                <p14:modId xmlns:p14="http://schemas.microsoft.com/office/powerpoint/2010/main" val="2901761616"/>
+                <p14:modId xmlns:p14="http://schemas.microsoft.com/office/powerpoint/2010/main" val="2665850036"/>
               </p:ext>
             </p:extLst>
           </p:nvPr>
         </p:nvGraphicFramePr>
         <p:xfrm>
-          <a:off x="990600" y="1295400"/>
-          <a:ext cx="6584950" cy="1400175"/>
+          <a:off x="314325" y="990600"/>
+          <a:ext cx="8142288" cy="1879600"/>
         </p:xfrm>
         <a:graphic>
           <a:graphicData uri="http://schemas.openxmlformats.org/presentationml/2006/ole">
             <mc:AlternateContent xmlns:mc="http://schemas.openxmlformats.org/markup-compatibility/2006">
               <mc:Choice xmlns:v="urn:schemas-microsoft-com:vml" Requires="v">
-                <p:oleObj spid="_x0000_s43024" name="Equation" r:id="rId6" imgW="3644900" imgH="774700" progId="Equation.3">
+                <p:oleObj spid="_x0000_s43031" name="Equation" r:id="rId6" imgW="4787900" imgH="1104900" progId="Equation.3">
                   <p:embed/>
                 </p:oleObj>
               </mc:Choice>
               <mc:Fallback>
-                <p:oleObj name="Equation" r:id="rId6" imgW="3644900" imgH="774700" progId="Equation.3">
+                <p:oleObj name="Equation" r:id="rId6" imgW="4787900" imgH="1104900" progId="Equation.3">
                   <p:embed/>
                   <p:pic>
                     <p:nvPicPr>
@@ -6842,8 +6832,8 @@
                     </p:blipFill>
                     <p:spPr>
                       <a:xfrm>
-                        <a:off x="990600" y="1295400"/>
-                        <a:ext cx="6584950" cy="1400175"/>
+                        <a:off x="314325" y="990600"/>
+                        <a:ext cx="8142288" cy="1879600"/>
                       </a:xfrm>
                       <a:prstGeom prst="rect">
                         <a:avLst/>
@@ -6878,7 +6868,7 @@
           <a:graphicData uri="http://schemas.openxmlformats.org/presentationml/2006/ole">
             <mc:AlternateContent xmlns:mc="http://schemas.openxmlformats.org/markup-compatibility/2006">
               <mc:Choice xmlns:v="urn:schemas-microsoft-com:vml" Requires="v">
-                <p:oleObj spid="_x0000_s43025" name="Equation" r:id="rId8" imgW="2133600" imgH="292100" progId="Equation.3">
+                <p:oleObj spid="_x0000_s43032" name="Equation" r:id="rId8" imgW="2133600" imgH="292100" progId="Equation.3">
                   <p:embed/>
                 </p:oleObj>
               </mc:Choice>
@@ -7263,7 +7253,7 @@
           <a:graphicData uri="http://schemas.openxmlformats.org/presentationml/2006/ole">
             <mc:AlternateContent xmlns:mc="http://schemas.openxmlformats.org/markup-compatibility/2006">
               <mc:Choice xmlns:v="urn:schemas-microsoft-com:vml" Requires="v">
-                <p:oleObj spid="_x0000_s44035" name="Equation" r:id="rId4" imgW="3390900" imgH="1549400" progId="Equation.3">
+                <p:oleObj spid="_x0000_s44038" name="Equation" r:id="rId4" imgW="3390900" imgH="1549400" progId="Equation.3">
                   <p:embed/>
                 </p:oleObj>
               </mc:Choice>
@@ -7662,7 +7652,7 @@
           <a:graphicData uri="http://schemas.openxmlformats.org/presentationml/2006/ole">
             <mc:AlternateContent xmlns:mc="http://schemas.openxmlformats.org/markup-compatibility/2006">
               <mc:Choice xmlns:v="urn:schemas-microsoft-com:vml" Requires="v">
-                <p:oleObj spid="_x0000_s39953" name="Equation" r:id="rId4" imgW="2933700" imgH="304800" progId="Equation.3">
+                <p:oleObj spid="_x0000_s39958" name="Equation" r:id="rId4" imgW="2933700" imgH="304800" progId="Equation.3">
                   <p:embed/>
                 </p:oleObj>
               </mc:Choice>
@@ -7719,7 +7709,7 @@
           <a:graphicData uri="http://schemas.openxmlformats.org/presentationml/2006/ole">
             <mc:AlternateContent xmlns:mc="http://schemas.openxmlformats.org/markup-compatibility/2006">
               <mc:Choice xmlns:v="urn:schemas-microsoft-com:vml" Requires="v">
-                <p:oleObj spid="_x0000_s39954" name="Equation" r:id="rId6" imgW="2882900" imgH="393700" progId="Equation.3">
+                <p:oleObj spid="_x0000_s39959" name="Equation" r:id="rId6" imgW="2882900" imgH="393700" progId="Equation.3">
                   <p:embed/>
                 </p:oleObj>
               </mc:Choice>

--- a/STT465_13.pptx
+++ b/STT465_13.pptx
@@ -5,17 +5,22 @@
     <p:sldMasterId id="2147483648" r:id="rId1"/>
   </p:sldMasterIdLst>
   <p:notesMasterIdLst>
-    <p:notesMasterId r:id="rId10"/>
+    <p:notesMasterId r:id="rId15"/>
   </p:notesMasterIdLst>
   <p:sldIdLst>
     <p:sldId id="338" r:id="rId2"/>
     <p:sldId id="345" r:id="rId3"/>
     <p:sldId id="346" r:id="rId4"/>
-    <p:sldId id="356" r:id="rId5"/>
-    <p:sldId id="348" r:id="rId6"/>
-    <p:sldId id="357" r:id="rId7"/>
-    <p:sldId id="358" r:id="rId8"/>
-    <p:sldId id="355" r:id="rId9"/>
+    <p:sldId id="359" r:id="rId5"/>
+    <p:sldId id="356" r:id="rId6"/>
+    <p:sldId id="348" r:id="rId7"/>
+    <p:sldId id="357" r:id="rId8"/>
+    <p:sldId id="358" r:id="rId9"/>
+    <p:sldId id="355" r:id="rId10"/>
+    <p:sldId id="360" r:id="rId11"/>
+    <p:sldId id="361" r:id="rId12"/>
+    <p:sldId id="362" r:id="rId13"/>
+    <p:sldId id="363" r:id="rId14"/>
   </p:sldIdLst>
   <p:sldSz cx="9144000" cy="6858000" type="screen4x3"/>
   <p:notesSz cx="6858000" cy="9144000"/>
@@ -206,7 +211,7 @@
             <a:fld id="{EC2AD4C0-0FC1-44D9-A720-D776D6428221}" type="datetimeFigureOut">
               <a:rPr lang="en-US" smtClean="0"/>
               <a:pPr/>
-              <a:t>11/18/15</a:t>
+              <a:t>11/23/15</a:t>
             </a:fld>
             <a:endParaRPr lang="en-US"/>
           </a:p>
@@ -559,6 +564,334 @@
 </p:notes>
 </file>
 
+<file path=ppt/notesSlides/notesSlide10.xml><?xml version="1.0" encoding="utf-8"?>
+<p:notes xmlns:a="http://schemas.openxmlformats.org/drawingml/2006/main" xmlns:r="http://schemas.openxmlformats.org/officeDocument/2006/relationships" xmlns:p="http://schemas.openxmlformats.org/presentationml/2006/main">
+  <p:cSld>
+    <p:spTree>
+      <p:nvGrpSpPr>
+        <p:cNvPr id="1" name=""/>
+        <p:cNvGrpSpPr/>
+        <p:nvPr/>
+      </p:nvGrpSpPr>
+      <p:grpSpPr>
+        <a:xfrm>
+          <a:off x="0" y="0"/>
+          <a:ext cx="0" cy="0"/>
+          <a:chOff x="0" y="0"/>
+          <a:chExt cx="0" cy="0"/>
+        </a:xfrm>
+      </p:grpSpPr>
+      <p:sp>
+        <p:nvSpPr>
+          <p:cNvPr id="2" name="Slide Image Placeholder 1"/>
+          <p:cNvSpPr>
+            <a:spLocks noGrp="1" noRot="1" noChangeAspect="1"/>
+          </p:cNvSpPr>
+          <p:nvPr>
+            <p:ph type="sldImg"/>
+          </p:nvPr>
+        </p:nvSpPr>
+        <p:spPr/>
+      </p:sp>
+      <p:sp>
+        <p:nvSpPr>
+          <p:cNvPr id="3" name="Notes Placeholder 2"/>
+          <p:cNvSpPr>
+            <a:spLocks noGrp="1"/>
+          </p:cNvSpPr>
+          <p:nvPr>
+            <p:ph type="body" idx="1"/>
+          </p:nvPr>
+        </p:nvSpPr>
+        <p:spPr/>
+        <p:txBody>
+          <a:bodyPr>
+            <a:normAutofit/>
+          </a:bodyPr>
+          <a:lstStyle/>
+          <a:p>
+            <a:endParaRPr lang="en-US" dirty="0"/>
+          </a:p>
+        </p:txBody>
+      </p:sp>
+      <p:sp>
+        <p:nvSpPr>
+          <p:cNvPr id="4" name="Slide Number Placeholder 3"/>
+          <p:cNvSpPr>
+            <a:spLocks noGrp="1"/>
+          </p:cNvSpPr>
+          <p:nvPr>
+            <p:ph type="sldNum" sz="quarter" idx="10"/>
+          </p:nvPr>
+        </p:nvSpPr>
+        <p:spPr/>
+        <p:txBody>
+          <a:bodyPr/>
+          <a:lstStyle/>
+          <a:p>
+            <a:fld id="{CACBEE2F-8C26-493F-9430-82D1D1B7C623}" type="slidenum">
+              <a:rPr lang="en-US" smtClean="0"/>
+              <a:pPr/>
+              <a:t>10</a:t>
+            </a:fld>
+            <a:endParaRPr lang="en-US"/>
+          </a:p>
+        </p:txBody>
+      </p:sp>
+    </p:spTree>
+  </p:cSld>
+  <p:clrMapOvr>
+    <a:masterClrMapping/>
+  </p:clrMapOvr>
+</p:notes>
+</file>
+
+<file path=ppt/notesSlides/notesSlide11.xml><?xml version="1.0" encoding="utf-8"?>
+<p:notes xmlns:a="http://schemas.openxmlformats.org/drawingml/2006/main" xmlns:r="http://schemas.openxmlformats.org/officeDocument/2006/relationships" xmlns:p="http://schemas.openxmlformats.org/presentationml/2006/main">
+  <p:cSld>
+    <p:spTree>
+      <p:nvGrpSpPr>
+        <p:cNvPr id="1" name=""/>
+        <p:cNvGrpSpPr/>
+        <p:nvPr/>
+      </p:nvGrpSpPr>
+      <p:grpSpPr>
+        <a:xfrm>
+          <a:off x="0" y="0"/>
+          <a:ext cx="0" cy="0"/>
+          <a:chOff x="0" y="0"/>
+          <a:chExt cx="0" cy="0"/>
+        </a:xfrm>
+      </p:grpSpPr>
+      <p:sp>
+        <p:nvSpPr>
+          <p:cNvPr id="2" name="Slide Image Placeholder 1"/>
+          <p:cNvSpPr>
+            <a:spLocks noGrp="1" noRot="1" noChangeAspect="1"/>
+          </p:cNvSpPr>
+          <p:nvPr>
+            <p:ph type="sldImg"/>
+          </p:nvPr>
+        </p:nvSpPr>
+        <p:spPr/>
+      </p:sp>
+      <p:sp>
+        <p:nvSpPr>
+          <p:cNvPr id="3" name="Notes Placeholder 2"/>
+          <p:cNvSpPr>
+            <a:spLocks noGrp="1"/>
+          </p:cNvSpPr>
+          <p:nvPr>
+            <p:ph type="body" idx="1"/>
+          </p:nvPr>
+        </p:nvSpPr>
+        <p:spPr/>
+        <p:txBody>
+          <a:bodyPr>
+            <a:normAutofit/>
+          </a:bodyPr>
+          <a:lstStyle/>
+          <a:p>
+            <a:endParaRPr lang="en-US" dirty="0"/>
+          </a:p>
+        </p:txBody>
+      </p:sp>
+      <p:sp>
+        <p:nvSpPr>
+          <p:cNvPr id="4" name="Slide Number Placeholder 3"/>
+          <p:cNvSpPr>
+            <a:spLocks noGrp="1"/>
+          </p:cNvSpPr>
+          <p:nvPr>
+            <p:ph type="sldNum" sz="quarter" idx="10"/>
+          </p:nvPr>
+        </p:nvSpPr>
+        <p:spPr/>
+        <p:txBody>
+          <a:bodyPr/>
+          <a:lstStyle/>
+          <a:p>
+            <a:fld id="{CACBEE2F-8C26-493F-9430-82D1D1B7C623}" type="slidenum">
+              <a:rPr lang="en-US" smtClean="0"/>
+              <a:pPr/>
+              <a:t>11</a:t>
+            </a:fld>
+            <a:endParaRPr lang="en-US"/>
+          </a:p>
+        </p:txBody>
+      </p:sp>
+    </p:spTree>
+  </p:cSld>
+  <p:clrMapOvr>
+    <a:masterClrMapping/>
+  </p:clrMapOvr>
+</p:notes>
+</file>
+
+<file path=ppt/notesSlides/notesSlide12.xml><?xml version="1.0" encoding="utf-8"?>
+<p:notes xmlns:a="http://schemas.openxmlformats.org/drawingml/2006/main" xmlns:r="http://schemas.openxmlformats.org/officeDocument/2006/relationships" xmlns:p="http://schemas.openxmlformats.org/presentationml/2006/main">
+  <p:cSld>
+    <p:spTree>
+      <p:nvGrpSpPr>
+        <p:cNvPr id="1" name=""/>
+        <p:cNvGrpSpPr/>
+        <p:nvPr/>
+      </p:nvGrpSpPr>
+      <p:grpSpPr>
+        <a:xfrm>
+          <a:off x="0" y="0"/>
+          <a:ext cx="0" cy="0"/>
+          <a:chOff x="0" y="0"/>
+          <a:chExt cx="0" cy="0"/>
+        </a:xfrm>
+      </p:grpSpPr>
+      <p:sp>
+        <p:nvSpPr>
+          <p:cNvPr id="2" name="Slide Image Placeholder 1"/>
+          <p:cNvSpPr>
+            <a:spLocks noGrp="1" noRot="1" noChangeAspect="1"/>
+          </p:cNvSpPr>
+          <p:nvPr>
+            <p:ph type="sldImg"/>
+          </p:nvPr>
+        </p:nvSpPr>
+        <p:spPr/>
+      </p:sp>
+      <p:sp>
+        <p:nvSpPr>
+          <p:cNvPr id="3" name="Notes Placeholder 2"/>
+          <p:cNvSpPr>
+            <a:spLocks noGrp="1"/>
+          </p:cNvSpPr>
+          <p:nvPr>
+            <p:ph type="body" idx="1"/>
+          </p:nvPr>
+        </p:nvSpPr>
+        <p:spPr/>
+        <p:txBody>
+          <a:bodyPr>
+            <a:normAutofit/>
+          </a:bodyPr>
+          <a:lstStyle/>
+          <a:p>
+            <a:endParaRPr lang="en-US" dirty="0"/>
+          </a:p>
+        </p:txBody>
+      </p:sp>
+      <p:sp>
+        <p:nvSpPr>
+          <p:cNvPr id="4" name="Slide Number Placeholder 3"/>
+          <p:cNvSpPr>
+            <a:spLocks noGrp="1"/>
+          </p:cNvSpPr>
+          <p:nvPr>
+            <p:ph type="sldNum" sz="quarter" idx="10"/>
+          </p:nvPr>
+        </p:nvSpPr>
+        <p:spPr/>
+        <p:txBody>
+          <a:bodyPr/>
+          <a:lstStyle/>
+          <a:p>
+            <a:fld id="{CACBEE2F-8C26-493F-9430-82D1D1B7C623}" type="slidenum">
+              <a:rPr lang="en-US" smtClean="0"/>
+              <a:pPr/>
+              <a:t>12</a:t>
+            </a:fld>
+            <a:endParaRPr lang="en-US"/>
+          </a:p>
+        </p:txBody>
+      </p:sp>
+    </p:spTree>
+  </p:cSld>
+  <p:clrMapOvr>
+    <a:masterClrMapping/>
+  </p:clrMapOvr>
+</p:notes>
+</file>
+
+<file path=ppt/notesSlides/notesSlide13.xml><?xml version="1.0" encoding="utf-8"?>
+<p:notes xmlns:a="http://schemas.openxmlformats.org/drawingml/2006/main" xmlns:r="http://schemas.openxmlformats.org/officeDocument/2006/relationships" xmlns:p="http://schemas.openxmlformats.org/presentationml/2006/main">
+  <p:cSld>
+    <p:spTree>
+      <p:nvGrpSpPr>
+        <p:cNvPr id="1" name=""/>
+        <p:cNvGrpSpPr/>
+        <p:nvPr/>
+      </p:nvGrpSpPr>
+      <p:grpSpPr>
+        <a:xfrm>
+          <a:off x="0" y="0"/>
+          <a:ext cx="0" cy="0"/>
+          <a:chOff x="0" y="0"/>
+          <a:chExt cx="0" cy="0"/>
+        </a:xfrm>
+      </p:grpSpPr>
+      <p:sp>
+        <p:nvSpPr>
+          <p:cNvPr id="2" name="Slide Image Placeholder 1"/>
+          <p:cNvSpPr>
+            <a:spLocks noGrp="1" noRot="1" noChangeAspect="1"/>
+          </p:cNvSpPr>
+          <p:nvPr>
+            <p:ph type="sldImg"/>
+          </p:nvPr>
+        </p:nvSpPr>
+        <p:spPr/>
+      </p:sp>
+      <p:sp>
+        <p:nvSpPr>
+          <p:cNvPr id="3" name="Notes Placeholder 2"/>
+          <p:cNvSpPr>
+            <a:spLocks noGrp="1"/>
+          </p:cNvSpPr>
+          <p:nvPr>
+            <p:ph type="body" idx="1"/>
+          </p:nvPr>
+        </p:nvSpPr>
+        <p:spPr/>
+        <p:txBody>
+          <a:bodyPr>
+            <a:normAutofit/>
+          </a:bodyPr>
+          <a:lstStyle/>
+          <a:p>
+            <a:endParaRPr lang="en-US" dirty="0"/>
+          </a:p>
+        </p:txBody>
+      </p:sp>
+      <p:sp>
+        <p:nvSpPr>
+          <p:cNvPr id="4" name="Slide Number Placeholder 3"/>
+          <p:cNvSpPr>
+            <a:spLocks noGrp="1"/>
+          </p:cNvSpPr>
+          <p:nvPr>
+            <p:ph type="sldNum" sz="quarter" idx="10"/>
+          </p:nvPr>
+        </p:nvSpPr>
+        <p:spPr/>
+        <p:txBody>
+          <a:bodyPr/>
+          <a:lstStyle/>
+          <a:p>
+            <a:fld id="{CACBEE2F-8C26-493F-9430-82D1D1B7C623}" type="slidenum">
+              <a:rPr lang="en-US" smtClean="0"/>
+              <a:pPr/>
+              <a:t>13</a:t>
+            </a:fld>
+            <a:endParaRPr lang="en-US"/>
+          </a:p>
+        </p:txBody>
+      </p:sp>
+    </p:spTree>
+  </p:cSld>
+  <p:clrMapOvr>
+    <a:masterClrMapping/>
+  </p:clrMapOvr>
+</p:notes>
+</file>
+
 <file path=ppt/notesSlides/notesSlide2.xml><?xml version="1.0" encoding="utf-8"?>
 <p:notes xmlns:a="http://schemas.openxmlformats.org/drawingml/2006/main" xmlns:r="http://schemas.openxmlformats.org/officeDocument/2006/relationships" xmlns:p="http://schemas.openxmlformats.org/presentationml/2006/main">
   <p:cSld>
@@ -1133,6 +1466,88 @@
 </p:notes>
 </file>
 
+<file path=ppt/notesSlides/notesSlide9.xml><?xml version="1.0" encoding="utf-8"?>
+<p:notes xmlns:a="http://schemas.openxmlformats.org/drawingml/2006/main" xmlns:r="http://schemas.openxmlformats.org/officeDocument/2006/relationships" xmlns:p="http://schemas.openxmlformats.org/presentationml/2006/main">
+  <p:cSld>
+    <p:spTree>
+      <p:nvGrpSpPr>
+        <p:cNvPr id="1" name=""/>
+        <p:cNvGrpSpPr/>
+        <p:nvPr/>
+      </p:nvGrpSpPr>
+      <p:grpSpPr>
+        <a:xfrm>
+          <a:off x="0" y="0"/>
+          <a:ext cx="0" cy="0"/>
+          <a:chOff x="0" y="0"/>
+          <a:chExt cx="0" cy="0"/>
+        </a:xfrm>
+      </p:grpSpPr>
+      <p:sp>
+        <p:nvSpPr>
+          <p:cNvPr id="2" name="Slide Image Placeholder 1"/>
+          <p:cNvSpPr>
+            <a:spLocks noGrp="1" noRot="1" noChangeAspect="1"/>
+          </p:cNvSpPr>
+          <p:nvPr>
+            <p:ph type="sldImg"/>
+          </p:nvPr>
+        </p:nvSpPr>
+        <p:spPr/>
+      </p:sp>
+      <p:sp>
+        <p:nvSpPr>
+          <p:cNvPr id="3" name="Notes Placeholder 2"/>
+          <p:cNvSpPr>
+            <a:spLocks noGrp="1"/>
+          </p:cNvSpPr>
+          <p:nvPr>
+            <p:ph type="body" idx="1"/>
+          </p:nvPr>
+        </p:nvSpPr>
+        <p:spPr/>
+        <p:txBody>
+          <a:bodyPr>
+            <a:normAutofit/>
+          </a:bodyPr>
+          <a:lstStyle/>
+          <a:p>
+            <a:endParaRPr lang="en-US" dirty="0"/>
+          </a:p>
+        </p:txBody>
+      </p:sp>
+      <p:sp>
+        <p:nvSpPr>
+          <p:cNvPr id="4" name="Slide Number Placeholder 3"/>
+          <p:cNvSpPr>
+            <a:spLocks noGrp="1"/>
+          </p:cNvSpPr>
+          <p:nvPr>
+            <p:ph type="sldNum" sz="quarter" idx="10"/>
+          </p:nvPr>
+        </p:nvSpPr>
+        <p:spPr/>
+        <p:txBody>
+          <a:bodyPr/>
+          <a:lstStyle/>
+          <a:p>
+            <a:fld id="{CACBEE2F-8C26-493F-9430-82D1D1B7C623}" type="slidenum">
+              <a:rPr lang="en-US" smtClean="0"/>
+              <a:pPr/>
+              <a:t>9</a:t>
+            </a:fld>
+            <a:endParaRPr lang="en-US"/>
+          </a:p>
+        </p:txBody>
+      </p:sp>
+    </p:spTree>
+  </p:cSld>
+  <p:clrMapOvr>
+    <a:masterClrMapping/>
+  </p:clrMapOvr>
+</p:notes>
+</file>
+
 <file path=ppt/slideLayouts/slideLayout1.xml><?xml version="1.0" encoding="utf-8"?>
 <p:sldLayout xmlns:a="http://schemas.openxmlformats.org/drawingml/2006/main" xmlns:r="http://schemas.openxmlformats.org/officeDocument/2006/relationships" xmlns:p="http://schemas.openxmlformats.org/presentationml/2006/main" type="title" preserve="1">
   <p:cSld name="Title Slide">
@@ -1315,7 +1730,7 @@
             <a:fld id="{F9C811E6-0209-4075-80E7-F5953C8ECEE3}" type="datetime1">
               <a:rPr lang="en-US" smtClean="0"/>
               <a:pPr/>
-              <a:t>11/18/15</a:t>
+              <a:t>11/23/15</a:t>
             </a:fld>
             <a:endParaRPr lang="en-US"/>
           </a:p>
@@ -1486,7 +1901,7 @@
             <a:fld id="{648E6BB1-E6D9-4EE7-828F-046F7223761D}" type="datetime1">
               <a:rPr lang="en-US" smtClean="0"/>
               <a:pPr/>
-              <a:t>11/18/15</a:t>
+              <a:t>11/23/15</a:t>
             </a:fld>
             <a:endParaRPr lang="en-US"/>
           </a:p>
@@ -1667,7 +2082,7 @@
             <a:fld id="{B4B9C580-A780-4D76-B2D1-C34F1DA97DF0}" type="datetime1">
               <a:rPr lang="en-US" smtClean="0"/>
               <a:pPr/>
-              <a:t>11/18/15</a:t>
+              <a:t>11/23/15</a:t>
             </a:fld>
             <a:endParaRPr lang="en-US"/>
           </a:p>
@@ -1838,7 +2253,7 @@
             <a:fld id="{EB19DDAF-3255-4785-974C-BB4FAF02D67E}" type="datetime1">
               <a:rPr lang="en-US" smtClean="0"/>
               <a:pPr/>
-              <a:t>11/18/15</a:t>
+              <a:t>11/23/15</a:t>
             </a:fld>
             <a:endParaRPr lang="en-US"/>
           </a:p>
@@ -2085,7 +2500,7 @@
             <a:fld id="{C344AF86-11D1-4E84-BA60-17130236FDAA}" type="datetime1">
               <a:rPr lang="en-US" smtClean="0"/>
               <a:pPr/>
-              <a:t>11/18/15</a:t>
+              <a:t>11/23/15</a:t>
             </a:fld>
             <a:endParaRPr lang="en-US"/>
           </a:p>
@@ -2374,7 +2789,7 @@
             <a:fld id="{A8DD670F-7E07-4783-A6F8-B28127B5AF4A}" type="datetime1">
               <a:rPr lang="en-US" smtClean="0"/>
               <a:pPr/>
-              <a:t>11/18/15</a:t>
+              <a:t>11/23/15</a:t>
             </a:fld>
             <a:endParaRPr lang="en-US"/>
           </a:p>
@@ -2797,7 +3212,7 @@
             <a:fld id="{92676DD9-688F-48EE-8233-B3B78BDDA63D}" type="datetime1">
               <a:rPr lang="en-US" smtClean="0"/>
               <a:pPr/>
-              <a:t>11/18/15</a:t>
+              <a:t>11/23/15</a:t>
             </a:fld>
             <a:endParaRPr lang="en-US"/>
           </a:p>
@@ -2916,7 +3331,7 @@
             <a:fld id="{F6CC4A83-AE34-48B8-B90E-70388FDBF0F7}" type="datetime1">
               <a:rPr lang="en-US" smtClean="0"/>
               <a:pPr/>
-              <a:t>11/18/15</a:t>
+              <a:t>11/23/15</a:t>
             </a:fld>
             <a:endParaRPr lang="en-US"/>
           </a:p>
@@ -3012,7 +3427,7 @@
             <a:fld id="{510CA3E2-9601-488E-B92B-23013819BD02}" type="datetime1">
               <a:rPr lang="en-US" smtClean="0"/>
               <a:pPr/>
-              <a:t>11/18/15</a:t>
+              <a:t>11/23/15</a:t>
             </a:fld>
             <a:endParaRPr lang="en-US"/>
           </a:p>
@@ -3290,7 +3705,7 @@
             <a:fld id="{331F1CBD-358A-4E18-86FD-C337233E15F0}" type="datetime1">
               <a:rPr lang="en-US" smtClean="0"/>
               <a:pPr/>
-              <a:t>11/18/15</a:t>
+              <a:t>11/23/15</a:t>
             </a:fld>
             <a:endParaRPr lang="en-US"/>
           </a:p>
@@ -3544,7 +3959,7 @@
             <a:fld id="{3CB4F0D5-901F-4458-A8F8-F062616694B4}" type="datetime1">
               <a:rPr lang="en-US" smtClean="0"/>
               <a:pPr/>
-              <a:t>11/18/15</a:t>
+              <a:t>11/23/15</a:t>
             </a:fld>
             <a:endParaRPr lang="en-US"/>
           </a:p>
@@ -3758,7 +4173,7 @@
             <a:fld id="{F77D84EF-BDBF-448B-906E-D51D4CAF22DC}" type="datetime1">
               <a:rPr lang="en-US" smtClean="0"/>
               <a:pPr/>
-              <a:t>11/18/15</a:t>
+              <a:t>11/23/15</a:t>
             </a:fld>
             <a:endParaRPr lang="en-US"/>
           </a:p>
@@ -4346,6 +4761,2364 @@
 </p:sld>
 </file>
 
+<file path=ppt/slides/slide10.xml><?xml version="1.0" encoding="utf-8"?>
+<p:sld xmlns:a="http://schemas.openxmlformats.org/drawingml/2006/main" xmlns:r="http://schemas.openxmlformats.org/officeDocument/2006/relationships" xmlns:p="http://schemas.openxmlformats.org/presentationml/2006/main">
+  <p:cSld>
+    <p:spTree>
+      <p:nvGrpSpPr>
+        <p:cNvPr id="1" name=""/>
+        <p:cNvGrpSpPr/>
+        <p:nvPr/>
+      </p:nvGrpSpPr>
+      <p:grpSpPr>
+        <a:xfrm>
+          <a:off x="0" y="0"/>
+          <a:ext cx="0" cy="0"/>
+          <a:chOff x="0" y="0"/>
+          <a:chExt cx="0" cy="0"/>
+        </a:xfrm>
+      </p:grpSpPr>
+      <p:sp>
+        <p:nvSpPr>
+          <p:cNvPr id="2" name="Title 1"/>
+          <p:cNvSpPr>
+            <a:spLocks noGrp="1"/>
+          </p:cNvSpPr>
+          <p:nvPr>
+            <p:ph type="ctrTitle"/>
+          </p:nvPr>
+        </p:nvSpPr>
+        <p:spPr>
+          <a:xfrm>
+            <a:off x="609600" y="-152400"/>
+            <a:ext cx="7772400" cy="762000"/>
+          </a:xfrm>
+        </p:spPr>
+        <p:txBody>
+          <a:bodyPr>
+            <a:normAutofit/>
+          </a:bodyPr>
+          <a:lstStyle/>
+          <a:p>
+            <a:r>
+              <a:rPr lang="en-US" sz="3200" dirty="0" smtClean="0">
+                <a:solidFill>
+                  <a:schemeClr val="accent2">
+                    <a:lumMod val="75000"/>
+                  </a:schemeClr>
+                </a:solidFill>
+              </a:rPr>
+              <a:t>Gibbs Sampler</a:t>
+            </a:r>
+            <a:endParaRPr lang="en-US" sz="3200" dirty="0">
+              <a:solidFill>
+                <a:schemeClr val="accent2">
+                  <a:lumMod val="75000"/>
+                </a:schemeClr>
+              </a:solidFill>
+            </a:endParaRPr>
+          </a:p>
+        </p:txBody>
+      </p:sp>
+      <p:sp>
+        <p:nvSpPr>
+          <p:cNvPr id="4" name="Footer Placeholder 3"/>
+          <p:cNvSpPr>
+            <a:spLocks noGrp="1"/>
+          </p:cNvSpPr>
+          <p:nvPr>
+            <p:ph type="ftr" sz="quarter" idx="11"/>
+          </p:nvPr>
+        </p:nvSpPr>
+        <p:spPr>
+          <a:xfrm>
+            <a:off x="3124200" y="6569075"/>
+            <a:ext cx="2895600" cy="365125"/>
+          </a:xfrm>
+        </p:spPr>
+        <p:txBody>
+          <a:bodyPr/>
+          <a:lstStyle/>
+          <a:p>
+            <a:r>
+              <a:rPr lang="en-US" dirty="0" smtClean="0">
+                <a:solidFill>
+                  <a:schemeClr val="accent1"/>
+                </a:solidFill>
+              </a:rPr>
+              <a:t>STT 465, MSU, Fall, 2015</a:t>
+            </a:r>
+            <a:endParaRPr lang="en-US" dirty="0">
+              <a:solidFill>
+                <a:schemeClr val="accent1"/>
+              </a:solidFill>
+            </a:endParaRPr>
+          </a:p>
+        </p:txBody>
+      </p:sp>
+      <p:sp>
+        <p:nvSpPr>
+          <p:cNvPr id="6" name="TextBox 5"/>
+          <p:cNvSpPr txBox="1"/>
+          <p:nvPr/>
+        </p:nvSpPr>
+        <p:spPr>
+          <a:xfrm>
+            <a:off x="76200" y="533400"/>
+            <a:ext cx="8991600" cy="5816977"/>
+          </a:xfrm>
+          <a:prstGeom prst="rect">
+            <a:avLst/>
+          </a:prstGeom>
+          <a:noFill/>
+          <a:ln>
+            <a:solidFill>
+              <a:srgbClr val="800000"/>
+            </a:solidFill>
+            <a:prstDash val="sysDash"/>
+          </a:ln>
+        </p:spPr>
+        <p:txBody>
+          <a:bodyPr wrap="square" rtlCol="0">
+            <a:spAutoFit/>
+          </a:bodyPr>
+          <a:lstStyle/>
+          <a:p>
+            <a:r>
+              <a:rPr lang="en-US" sz="2400" b="1" u="sng" dirty="0" smtClean="0">
+                <a:solidFill>
+                  <a:schemeClr val="accent1">
+                    <a:lumMod val="75000"/>
+                  </a:schemeClr>
+                </a:solidFill>
+              </a:rPr>
+              <a:t>Gibbs sampler with scalar updates (sampling one effect at a time)</a:t>
+            </a:r>
+            <a:endParaRPr lang="en-US" sz="2400" dirty="0" smtClean="0">
+              <a:solidFill>
+                <a:schemeClr val="accent1">
+                  <a:lumMod val="75000"/>
+                </a:schemeClr>
+              </a:solidFill>
+            </a:endParaRPr>
+          </a:p>
+          <a:p>
+            <a:r>
+              <a:rPr lang="en-US" sz="2400" dirty="0" smtClean="0">
+                <a:solidFill>
+                  <a:schemeClr val="accent1">
+                    <a:lumMod val="75000"/>
+                  </a:schemeClr>
+                </a:solidFill>
+              </a:rPr>
+              <a:t>   </a:t>
+            </a:r>
+          </a:p>
+          <a:p>
+            <a:r>
+              <a:rPr lang="en-US" sz="2000" dirty="0" smtClean="0">
+                <a:solidFill>
+                  <a:schemeClr val="accent1">
+                    <a:lumMod val="75000"/>
+                  </a:schemeClr>
+                </a:solidFill>
+              </a:rPr>
+              <a:t> - Among the computations we need to perform, inverting the the matrix of coefficients (</a:t>
+            </a:r>
+            <a:r>
+              <a:rPr lang="en-US" sz="2000" dirty="0" err="1" smtClean="0">
+                <a:solidFill>
+                  <a:schemeClr val="accent1">
+                    <a:lumMod val="75000"/>
+                  </a:schemeClr>
+                </a:solidFill>
+              </a:rPr>
+              <a:t>C</a:t>
+            </a:r>
+            <a:r>
+              <a:rPr lang="en-US" sz="2000" baseline="-25000" dirty="0" err="1" smtClean="0">
+                <a:solidFill>
+                  <a:schemeClr val="accent1">
+                    <a:lumMod val="75000"/>
+                  </a:schemeClr>
+                </a:solidFill>
+              </a:rPr>
+              <a:t>k</a:t>
+            </a:r>
+            <a:r>
+              <a:rPr lang="en-US" sz="2000" dirty="0" smtClean="0">
+                <a:solidFill>
+                  <a:schemeClr val="accent1">
+                    <a:lumMod val="75000"/>
+                  </a:schemeClr>
+                </a:solidFill>
+              </a:rPr>
+              <a:t>) is the most demanding. </a:t>
+            </a:r>
+          </a:p>
+          <a:p>
+            <a:r>
+              <a:rPr lang="en-US" sz="2000" dirty="0" smtClean="0">
+                <a:solidFill>
+                  <a:schemeClr val="accent1">
+                    <a:lumMod val="75000"/>
+                  </a:schemeClr>
+                </a:solidFill>
+              </a:rPr>
+              <a:t> </a:t>
+            </a:r>
+          </a:p>
+          <a:p>
+            <a:r>
+              <a:rPr lang="en-US" sz="2000" dirty="0">
+                <a:solidFill>
+                  <a:schemeClr val="accent1">
+                    <a:lumMod val="75000"/>
+                  </a:schemeClr>
+                </a:solidFill>
+              </a:rPr>
+              <a:t> </a:t>
+            </a:r>
+            <a:r>
+              <a:rPr lang="en-US" sz="2000" dirty="0" smtClean="0">
+                <a:solidFill>
+                  <a:schemeClr val="accent1">
+                    <a:lumMod val="75000"/>
+                  </a:schemeClr>
+                </a:solidFill>
+              </a:rPr>
+              <a:t>- This inversion needs to be performed at every iteration of the sampler.</a:t>
+            </a:r>
+          </a:p>
+          <a:p>
+            <a:endParaRPr lang="en-US" sz="2000" dirty="0">
+              <a:solidFill>
+                <a:schemeClr val="accent1">
+                  <a:lumMod val="75000"/>
+                </a:schemeClr>
+              </a:solidFill>
+            </a:endParaRPr>
+          </a:p>
+          <a:p>
+            <a:r>
+              <a:rPr lang="en-US" sz="2000" dirty="0" smtClean="0">
+                <a:solidFill>
+                  <a:schemeClr val="accent1">
+                    <a:lumMod val="75000"/>
+                  </a:schemeClr>
+                </a:solidFill>
+              </a:rPr>
+              <a:t> - We can avoid doing this by sampling effects one at a time. </a:t>
+            </a:r>
+          </a:p>
+          <a:p>
+            <a:endParaRPr lang="en-US" sz="2000" dirty="0">
+              <a:solidFill>
+                <a:schemeClr val="accent1">
+                  <a:lumMod val="75000"/>
+                </a:schemeClr>
+              </a:solidFill>
+            </a:endParaRPr>
+          </a:p>
+          <a:p>
+            <a:r>
+              <a:rPr lang="en-US" sz="2000" dirty="0">
+                <a:solidFill>
+                  <a:schemeClr val="accent1">
+                    <a:lumMod val="75000"/>
+                  </a:schemeClr>
+                </a:solidFill>
+              </a:rPr>
+              <a:t> - </a:t>
+            </a:r>
+            <a:r>
+              <a:rPr lang="en-US" sz="2000" dirty="0" smtClean="0">
+                <a:solidFill>
+                  <a:schemeClr val="accent1">
+                    <a:lumMod val="75000"/>
+                  </a:schemeClr>
+                </a:solidFill>
+              </a:rPr>
+              <a:t>Suppose that the </a:t>
+            </a:r>
+            <a:r>
+              <a:rPr lang="en-US" sz="2000" dirty="0" err="1" smtClean="0">
+                <a:solidFill>
+                  <a:schemeClr val="accent1">
+                    <a:lumMod val="75000"/>
+                  </a:schemeClr>
+                </a:solidFill>
+              </a:rPr>
+              <a:t>k</a:t>
+            </a:r>
+            <a:r>
+              <a:rPr lang="en-US" sz="2000" baseline="30000" dirty="0" err="1" smtClean="0">
+                <a:solidFill>
+                  <a:schemeClr val="accent1">
+                    <a:lumMod val="75000"/>
+                  </a:schemeClr>
+                </a:solidFill>
+              </a:rPr>
+              <a:t>th</a:t>
+            </a:r>
+            <a:r>
+              <a:rPr lang="en-US" sz="2000" dirty="0" smtClean="0">
+                <a:solidFill>
+                  <a:schemeClr val="accent1">
+                    <a:lumMod val="75000"/>
+                  </a:schemeClr>
+                </a:solidFill>
+              </a:rPr>
+              <a:t> group contains only one predictor, then</a:t>
+            </a:r>
+            <a:endParaRPr lang="en-US" sz="2000" dirty="0">
+              <a:solidFill>
+                <a:schemeClr val="accent1">
+                  <a:lumMod val="75000"/>
+                </a:schemeClr>
+              </a:solidFill>
+            </a:endParaRPr>
+          </a:p>
+          <a:p>
+            <a:endParaRPr lang="en-US" sz="2000" dirty="0">
+              <a:solidFill>
+                <a:schemeClr val="accent1">
+                  <a:lumMod val="75000"/>
+                </a:schemeClr>
+              </a:solidFill>
+            </a:endParaRPr>
+          </a:p>
+          <a:p>
+            <a:r>
+              <a:rPr lang="en-US" sz="2000" dirty="0" smtClean="0">
+                <a:solidFill>
+                  <a:schemeClr val="accent1">
+                    <a:lumMod val="75000"/>
+                  </a:schemeClr>
+                </a:solidFill>
+              </a:rPr>
+              <a:t>                                                                        the fully conditional is a normal density, not a multivariate normal.</a:t>
+            </a:r>
+          </a:p>
+          <a:p>
+            <a:endParaRPr lang="en-US" sz="2000" dirty="0" smtClean="0">
+              <a:solidFill>
+                <a:schemeClr val="accent1">
+                  <a:lumMod val="75000"/>
+                </a:schemeClr>
+              </a:solidFill>
+            </a:endParaRPr>
+          </a:p>
+          <a:p>
+            <a:r>
+              <a:rPr lang="en-US" sz="2000" dirty="0" smtClean="0">
+                <a:solidFill>
+                  <a:schemeClr val="accent1">
+                    <a:lumMod val="75000"/>
+                  </a:schemeClr>
+                </a:solidFill>
+              </a:rPr>
+              <a:t>- And                                                                                           are scalar.</a:t>
+            </a:r>
+          </a:p>
+          <a:p>
+            <a:endParaRPr lang="en-US" sz="2000" dirty="0">
+              <a:solidFill>
+                <a:schemeClr val="accent1">
+                  <a:lumMod val="75000"/>
+                </a:schemeClr>
+              </a:solidFill>
+            </a:endParaRPr>
+          </a:p>
+          <a:p>
+            <a:r>
+              <a:rPr lang="en-US" sz="2000" dirty="0" smtClean="0">
+                <a:solidFill>
+                  <a:schemeClr val="accent1">
+                    <a:lumMod val="75000"/>
+                  </a:schemeClr>
+                </a:solidFill>
+              </a:rPr>
+              <a:t>- Therefore                                                    .</a:t>
+            </a:r>
+          </a:p>
+          <a:p>
+            <a:endParaRPr lang="en-US" sz="2400" dirty="0">
+              <a:solidFill>
+                <a:schemeClr val="accent1">
+                  <a:lumMod val="75000"/>
+                </a:schemeClr>
+              </a:solidFill>
+            </a:endParaRPr>
+          </a:p>
+        </p:txBody>
+      </p:sp>
+      <p:graphicFrame>
+        <p:nvGraphicFramePr>
+          <p:cNvPr id="7" name="Object 6"/>
+          <p:cNvGraphicFramePr>
+            <a:graphicFrameLocks noChangeAspect="1"/>
+          </p:cNvGraphicFramePr>
+          <p:nvPr>
+            <p:extLst>
+              <p:ext uri="{D42A27DB-BD31-4B8C-83A1-F6EECF244321}">
+                <p14:modId xmlns:p14="http://schemas.microsoft.com/office/powerpoint/2010/main" val="2553891006"/>
+              </p:ext>
+            </p:extLst>
+          </p:nvPr>
+        </p:nvGraphicFramePr>
+        <p:xfrm>
+          <a:off x="304800" y="3886200"/>
+          <a:ext cx="3854450" cy="527050"/>
+        </p:xfrm>
+        <a:graphic>
+          <a:graphicData uri="http://schemas.openxmlformats.org/presentationml/2006/ole">
+            <mc:AlternateContent xmlns:mc="http://schemas.openxmlformats.org/markup-compatibility/2006">
+              <mc:Choice xmlns:v="urn:schemas-microsoft-com:vml" Requires="v">
+                <p:oleObj spid="_x0000_s48146" name="Equation" r:id="rId4" imgW="2133600" imgH="292100" progId="Equation.3">
+                  <p:embed/>
+                </p:oleObj>
+              </mc:Choice>
+              <mc:Fallback>
+                <p:oleObj name="Equation" r:id="rId4" imgW="2133600" imgH="292100" progId="Equation.3">
+                  <p:embed/>
+                  <p:pic>
+                    <p:nvPicPr>
+                      <p:cNvPr id="0" name=""/>
+                      <p:cNvPicPr/>
+                      <p:nvPr/>
+                    </p:nvPicPr>
+                    <p:blipFill>
+                      <a:blip r:embed="rId5"/>
+                      <a:stretch>
+                        <a:fillRect/>
+                      </a:stretch>
+                    </p:blipFill>
+                    <p:spPr>
+                      <a:xfrm>
+                        <a:off x="304800" y="3886200"/>
+                        <a:ext cx="3854450" cy="527050"/>
+                      </a:xfrm>
+                      <a:prstGeom prst="rect">
+                        <a:avLst/>
+                      </a:prstGeom>
+                    </p:spPr>
+                  </p:pic>
+                </p:oleObj>
+              </mc:Fallback>
+            </mc:AlternateContent>
+          </a:graphicData>
+        </a:graphic>
+      </p:graphicFrame>
+      <p:graphicFrame>
+        <p:nvGraphicFramePr>
+          <p:cNvPr id="10" name="Object 9"/>
+          <p:cNvGraphicFramePr>
+            <a:graphicFrameLocks noChangeAspect="1"/>
+          </p:cNvGraphicFramePr>
+          <p:nvPr>
+            <p:extLst>
+              <p:ext uri="{D42A27DB-BD31-4B8C-83A1-F6EECF244321}">
+                <p14:modId xmlns:p14="http://schemas.microsoft.com/office/powerpoint/2010/main" val="2466067237"/>
+              </p:ext>
+            </p:extLst>
+          </p:nvPr>
+        </p:nvGraphicFramePr>
+        <p:xfrm>
+          <a:off x="1066800" y="4861887"/>
+          <a:ext cx="4699000" cy="472113"/>
+        </p:xfrm>
+        <a:graphic>
+          <a:graphicData uri="http://schemas.openxmlformats.org/presentationml/2006/ole">
+            <mc:AlternateContent xmlns:mc="http://schemas.openxmlformats.org/markup-compatibility/2006">
+              <mc:Choice xmlns:v="urn:schemas-microsoft-com:vml" Requires="v">
+                <p:oleObj spid="_x0000_s48147" name="Equation" r:id="rId6" imgW="2781300" imgH="279400" progId="Equation.3">
+                  <p:embed/>
+                </p:oleObj>
+              </mc:Choice>
+              <mc:Fallback>
+                <p:oleObj name="Equation" r:id="rId6" imgW="2781300" imgH="279400" progId="Equation.3">
+                  <p:embed/>
+                  <p:pic>
+                    <p:nvPicPr>
+                      <p:cNvPr id="0" name=""/>
+                      <p:cNvPicPr/>
+                      <p:nvPr/>
+                    </p:nvPicPr>
+                    <p:blipFill>
+                      <a:blip r:embed="rId7"/>
+                      <a:stretch>
+                        <a:fillRect/>
+                      </a:stretch>
+                    </p:blipFill>
+                    <p:spPr>
+                      <a:xfrm>
+                        <a:off x="1066800" y="4861887"/>
+                        <a:ext cx="4699000" cy="472113"/>
+                      </a:xfrm>
+                      <a:prstGeom prst="rect">
+                        <a:avLst/>
+                      </a:prstGeom>
+                    </p:spPr>
+                  </p:pic>
+                </p:oleObj>
+              </mc:Fallback>
+            </mc:AlternateContent>
+          </a:graphicData>
+        </a:graphic>
+      </p:graphicFrame>
+      <p:graphicFrame>
+        <p:nvGraphicFramePr>
+          <p:cNvPr id="11" name="Object 10"/>
+          <p:cNvGraphicFramePr>
+            <a:graphicFrameLocks noChangeAspect="1"/>
+          </p:cNvGraphicFramePr>
+          <p:nvPr>
+            <p:extLst>
+              <p:ext uri="{D42A27DB-BD31-4B8C-83A1-F6EECF244321}">
+                <p14:modId xmlns:p14="http://schemas.microsoft.com/office/powerpoint/2010/main" val="19945188"/>
+              </p:ext>
+            </p:extLst>
+          </p:nvPr>
+        </p:nvGraphicFramePr>
+        <p:xfrm>
+          <a:off x="1600199" y="5486400"/>
+          <a:ext cx="1321789" cy="457200"/>
+        </p:xfrm>
+        <a:graphic>
+          <a:graphicData uri="http://schemas.openxmlformats.org/presentationml/2006/ole">
+            <mc:AlternateContent xmlns:mc="http://schemas.openxmlformats.org/markup-compatibility/2006">
+              <mc:Choice xmlns:v="urn:schemas-microsoft-com:vml" Requires="v">
+                <p:oleObj spid="_x0000_s48148" name="Equation" r:id="rId8" imgW="698500" imgH="241300" progId="Equation.3">
+                  <p:embed/>
+                </p:oleObj>
+              </mc:Choice>
+              <mc:Fallback>
+                <p:oleObj name="Equation" r:id="rId8" imgW="698500" imgH="241300" progId="Equation.3">
+                  <p:embed/>
+                  <p:pic>
+                    <p:nvPicPr>
+                      <p:cNvPr id="0" name=""/>
+                      <p:cNvPicPr/>
+                      <p:nvPr/>
+                    </p:nvPicPr>
+                    <p:blipFill>
+                      <a:blip r:embed="rId9"/>
+                      <a:stretch>
+                        <a:fillRect/>
+                      </a:stretch>
+                    </p:blipFill>
+                    <p:spPr>
+                      <a:xfrm>
+                        <a:off x="1600199" y="5486400"/>
+                        <a:ext cx="1321789" cy="457200"/>
+                      </a:xfrm>
+                      <a:prstGeom prst="rect">
+                        <a:avLst/>
+                      </a:prstGeom>
+                    </p:spPr>
+                  </p:pic>
+                </p:oleObj>
+              </mc:Fallback>
+            </mc:AlternateContent>
+          </a:graphicData>
+        </a:graphic>
+      </p:graphicFrame>
+    </p:spTree>
+    <p:extLst>
+      <p:ext uri="{BB962C8B-B14F-4D97-AF65-F5344CB8AC3E}">
+        <p14:creationId xmlns:p14="http://schemas.microsoft.com/office/powerpoint/2010/main" val="3992571897"/>
+      </p:ext>
+    </p:extLst>
+  </p:cSld>
+  <p:clrMapOvr>
+    <a:masterClrMapping/>
+  </p:clrMapOvr>
+  <p:timing>
+    <p:tnLst>
+      <p:par>
+        <p:cTn xmlns:p14="http://schemas.microsoft.com/office/powerpoint/2010/main" id="1" dur="indefinite" restart="never" nodeType="tmRoot"/>
+      </p:par>
+    </p:tnLst>
+  </p:timing>
+</p:sld>
+</file>
+
+<file path=ppt/slides/slide11.xml><?xml version="1.0" encoding="utf-8"?>
+<p:sld xmlns:a="http://schemas.openxmlformats.org/drawingml/2006/main" xmlns:r="http://schemas.openxmlformats.org/officeDocument/2006/relationships" xmlns:p="http://schemas.openxmlformats.org/presentationml/2006/main">
+  <p:cSld>
+    <p:spTree>
+      <p:nvGrpSpPr>
+        <p:cNvPr id="1" name=""/>
+        <p:cNvGrpSpPr/>
+        <p:nvPr/>
+      </p:nvGrpSpPr>
+      <p:grpSpPr>
+        <a:xfrm>
+          <a:off x="0" y="0"/>
+          <a:ext cx="0" cy="0"/>
+          <a:chOff x="0" y="0"/>
+          <a:chExt cx="0" cy="0"/>
+        </a:xfrm>
+      </p:grpSpPr>
+      <p:sp>
+        <p:nvSpPr>
+          <p:cNvPr id="2" name="Title 1"/>
+          <p:cNvSpPr>
+            <a:spLocks noGrp="1"/>
+          </p:cNvSpPr>
+          <p:nvPr>
+            <p:ph type="ctrTitle"/>
+          </p:nvPr>
+        </p:nvSpPr>
+        <p:spPr>
+          <a:xfrm>
+            <a:off x="609600" y="-152400"/>
+            <a:ext cx="7772400" cy="762000"/>
+          </a:xfrm>
+        </p:spPr>
+        <p:txBody>
+          <a:bodyPr>
+            <a:normAutofit/>
+          </a:bodyPr>
+          <a:lstStyle/>
+          <a:p>
+            <a:r>
+              <a:rPr lang="en-US" sz="3200" dirty="0" smtClean="0">
+                <a:solidFill>
+                  <a:schemeClr val="accent2">
+                    <a:lumMod val="75000"/>
+                  </a:schemeClr>
+                </a:solidFill>
+              </a:rPr>
+              <a:t>Sample code</a:t>
+            </a:r>
+            <a:endParaRPr lang="en-US" sz="3200" dirty="0">
+              <a:solidFill>
+                <a:schemeClr val="accent2">
+                  <a:lumMod val="75000"/>
+                </a:schemeClr>
+              </a:solidFill>
+            </a:endParaRPr>
+          </a:p>
+        </p:txBody>
+      </p:sp>
+      <p:sp>
+        <p:nvSpPr>
+          <p:cNvPr id="4" name="Footer Placeholder 3"/>
+          <p:cNvSpPr>
+            <a:spLocks noGrp="1"/>
+          </p:cNvSpPr>
+          <p:nvPr>
+            <p:ph type="ftr" sz="quarter" idx="11"/>
+          </p:nvPr>
+        </p:nvSpPr>
+        <p:spPr>
+          <a:xfrm>
+            <a:off x="3124200" y="6569075"/>
+            <a:ext cx="2895600" cy="365125"/>
+          </a:xfrm>
+        </p:spPr>
+        <p:txBody>
+          <a:bodyPr/>
+          <a:lstStyle/>
+          <a:p>
+            <a:r>
+              <a:rPr lang="en-US" dirty="0" smtClean="0">
+                <a:solidFill>
+                  <a:schemeClr val="accent1"/>
+                </a:solidFill>
+              </a:rPr>
+              <a:t>STT 465, MSU, Fall, 2015</a:t>
+            </a:r>
+            <a:endParaRPr lang="en-US" dirty="0">
+              <a:solidFill>
+                <a:schemeClr val="accent1"/>
+              </a:solidFill>
+            </a:endParaRPr>
+          </a:p>
+        </p:txBody>
+      </p:sp>
+      <p:sp>
+        <p:nvSpPr>
+          <p:cNvPr id="6" name="TextBox 5"/>
+          <p:cNvSpPr txBox="1"/>
+          <p:nvPr/>
+        </p:nvSpPr>
+        <p:spPr>
+          <a:xfrm>
+            <a:off x="76200" y="533400"/>
+            <a:ext cx="8991600" cy="6001642"/>
+          </a:xfrm>
+          <a:prstGeom prst="rect">
+            <a:avLst/>
+          </a:prstGeom>
+          <a:noFill/>
+          <a:ln>
+            <a:solidFill>
+              <a:srgbClr val="800000"/>
+            </a:solidFill>
+            <a:prstDash val="sysDash"/>
+          </a:ln>
+        </p:spPr>
+        <p:txBody>
+          <a:bodyPr wrap="square" rtlCol="0">
+            <a:spAutoFit/>
+          </a:bodyPr>
+          <a:lstStyle/>
+          <a:p>
+            <a:endParaRPr lang="en-US" sz="2400" dirty="0" smtClean="0">
+              <a:solidFill>
+                <a:schemeClr val="accent1">
+                  <a:lumMod val="75000"/>
+                </a:schemeClr>
+              </a:solidFill>
+            </a:endParaRPr>
+          </a:p>
+          <a:p>
+            <a:endParaRPr lang="en-US" sz="2400" dirty="0">
+              <a:solidFill>
+                <a:schemeClr val="accent1">
+                  <a:lumMod val="75000"/>
+                </a:schemeClr>
+              </a:solidFill>
+            </a:endParaRPr>
+          </a:p>
+          <a:p>
+            <a:endParaRPr lang="en-US" sz="2400" dirty="0" smtClean="0">
+              <a:solidFill>
+                <a:schemeClr val="accent1">
+                  <a:lumMod val="75000"/>
+                </a:schemeClr>
+              </a:solidFill>
+            </a:endParaRPr>
+          </a:p>
+          <a:p>
+            <a:endParaRPr lang="en-US" sz="2400" dirty="0">
+              <a:solidFill>
+                <a:schemeClr val="accent1">
+                  <a:lumMod val="75000"/>
+                </a:schemeClr>
+              </a:solidFill>
+            </a:endParaRPr>
+          </a:p>
+          <a:p>
+            <a:endParaRPr lang="en-US" sz="2400" dirty="0" smtClean="0">
+              <a:solidFill>
+                <a:schemeClr val="accent1">
+                  <a:lumMod val="75000"/>
+                </a:schemeClr>
+              </a:solidFill>
+            </a:endParaRPr>
+          </a:p>
+          <a:p>
+            <a:endParaRPr lang="en-US" sz="2400" dirty="0">
+              <a:solidFill>
+                <a:schemeClr val="accent1">
+                  <a:lumMod val="75000"/>
+                </a:schemeClr>
+              </a:solidFill>
+            </a:endParaRPr>
+          </a:p>
+          <a:p>
+            <a:endParaRPr lang="en-US" sz="2400" dirty="0" smtClean="0">
+              <a:solidFill>
+                <a:schemeClr val="accent1">
+                  <a:lumMod val="75000"/>
+                </a:schemeClr>
+              </a:solidFill>
+            </a:endParaRPr>
+          </a:p>
+          <a:p>
+            <a:endParaRPr lang="en-US" sz="2400" dirty="0">
+              <a:solidFill>
+                <a:schemeClr val="accent1">
+                  <a:lumMod val="75000"/>
+                </a:schemeClr>
+              </a:solidFill>
+            </a:endParaRPr>
+          </a:p>
+          <a:p>
+            <a:endParaRPr lang="en-US" sz="2400" dirty="0" smtClean="0">
+              <a:solidFill>
+                <a:schemeClr val="accent1">
+                  <a:lumMod val="75000"/>
+                </a:schemeClr>
+              </a:solidFill>
+            </a:endParaRPr>
+          </a:p>
+          <a:p>
+            <a:endParaRPr lang="en-US" sz="2400" dirty="0">
+              <a:solidFill>
+                <a:schemeClr val="accent1">
+                  <a:lumMod val="75000"/>
+                </a:schemeClr>
+              </a:solidFill>
+            </a:endParaRPr>
+          </a:p>
+          <a:p>
+            <a:endParaRPr lang="en-US" sz="2400" dirty="0" smtClean="0">
+              <a:solidFill>
+                <a:schemeClr val="accent1">
+                  <a:lumMod val="75000"/>
+                </a:schemeClr>
+              </a:solidFill>
+            </a:endParaRPr>
+          </a:p>
+          <a:p>
+            <a:endParaRPr lang="en-US" sz="2400" dirty="0">
+              <a:solidFill>
+                <a:schemeClr val="accent1">
+                  <a:lumMod val="75000"/>
+                </a:schemeClr>
+              </a:solidFill>
+            </a:endParaRPr>
+          </a:p>
+          <a:p>
+            <a:endParaRPr lang="en-US" sz="2400" dirty="0" smtClean="0">
+              <a:solidFill>
+                <a:schemeClr val="accent1">
+                  <a:lumMod val="75000"/>
+                </a:schemeClr>
+              </a:solidFill>
+            </a:endParaRPr>
+          </a:p>
+          <a:p>
+            <a:endParaRPr lang="en-US" sz="2400" dirty="0">
+              <a:solidFill>
+                <a:schemeClr val="accent1">
+                  <a:lumMod val="75000"/>
+                </a:schemeClr>
+              </a:solidFill>
+            </a:endParaRPr>
+          </a:p>
+          <a:p>
+            <a:endParaRPr lang="en-US" sz="2400" dirty="0" smtClean="0">
+              <a:solidFill>
+                <a:schemeClr val="accent1">
+                  <a:lumMod val="75000"/>
+                </a:schemeClr>
+              </a:solidFill>
+            </a:endParaRPr>
+          </a:p>
+          <a:p>
+            <a:endParaRPr lang="en-US" sz="2400" dirty="0">
+              <a:solidFill>
+                <a:schemeClr val="accent1">
+                  <a:lumMod val="75000"/>
+                </a:schemeClr>
+              </a:solidFill>
+            </a:endParaRPr>
+          </a:p>
+        </p:txBody>
+      </p:sp>
+      <p:sp>
+        <p:nvSpPr>
+          <p:cNvPr id="3" name="TextBox 2"/>
+          <p:cNvSpPr txBox="1"/>
+          <p:nvPr/>
+        </p:nvSpPr>
+        <p:spPr>
+          <a:xfrm>
+            <a:off x="990600" y="1447800"/>
+            <a:ext cx="7543800" cy="2862323"/>
+          </a:xfrm>
+          <a:prstGeom prst="rect">
+            <a:avLst/>
+          </a:prstGeom>
+          <a:solidFill>
+            <a:schemeClr val="bg2">
+              <a:lumMod val="90000"/>
+            </a:schemeClr>
+          </a:solidFill>
+        </p:spPr>
+        <p:txBody>
+          <a:bodyPr wrap="square" rtlCol="0">
+            <a:spAutoFit/>
+          </a:bodyPr>
+          <a:lstStyle/>
+          <a:p>
+            <a:r>
+              <a:rPr lang="en-US" dirty="0">
+                <a:latin typeface="Courier New"/>
+                <a:cs typeface="Courier New"/>
+              </a:rPr>
+              <a:t> </a:t>
+            </a:r>
+            <a:r>
+              <a:rPr lang="en-US" dirty="0" smtClean="0">
+                <a:latin typeface="Courier New"/>
+                <a:cs typeface="Courier New"/>
+              </a:rPr>
+              <a:t>   z</a:t>
+            </a:r>
+            <a:r>
+              <a:rPr lang="en-US" dirty="0">
+                <a:latin typeface="Courier New"/>
+                <a:cs typeface="Courier New"/>
+              </a:rPr>
+              <a:t>&lt;-</a:t>
+            </a:r>
+            <a:r>
+              <a:rPr lang="en-US" dirty="0" err="1">
+                <a:latin typeface="Courier New"/>
+                <a:cs typeface="Courier New"/>
+              </a:rPr>
+              <a:t>rnorm</a:t>
+            </a:r>
+            <a:r>
+              <a:rPr lang="en-US" dirty="0">
+                <a:latin typeface="Courier New"/>
+                <a:cs typeface="Courier New"/>
+              </a:rPr>
+              <a:t>(</a:t>
+            </a:r>
+            <a:r>
+              <a:rPr lang="en-US" dirty="0" err="1">
+                <a:latin typeface="Courier New"/>
+                <a:cs typeface="Courier New"/>
+              </a:rPr>
+              <a:t>ncol</a:t>
+            </a:r>
+            <a:r>
+              <a:rPr lang="en-US" dirty="0">
+                <a:latin typeface="Courier New"/>
+                <a:cs typeface="Courier New"/>
+              </a:rPr>
+              <a:t>(X))</a:t>
+            </a:r>
+          </a:p>
+          <a:p>
+            <a:r>
+              <a:rPr lang="en-US" dirty="0">
+                <a:latin typeface="Courier New"/>
+                <a:cs typeface="Courier New"/>
+              </a:rPr>
+              <a:t>    for(j in 1:ncol(X)){</a:t>
+            </a:r>
+          </a:p>
+          <a:p>
+            <a:r>
+              <a:rPr lang="en-US" dirty="0">
+                <a:latin typeface="Courier New"/>
+                <a:cs typeface="Courier New"/>
+              </a:rPr>
+              <a:t>        </a:t>
+            </a:r>
+            <a:r>
+              <a:rPr lang="en-US" dirty="0" err="1">
+                <a:latin typeface="Courier New"/>
+                <a:cs typeface="Courier New"/>
+              </a:rPr>
+              <a:t>xj</a:t>
+            </a:r>
+            <a:r>
+              <a:rPr lang="en-US" dirty="0">
+                <a:latin typeface="Courier New"/>
+                <a:cs typeface="Courier New"/>
+              </a:rPr>
+              <a:t>=X[,j]</a:t>
+            </a:r>
+          </a:p>
+          <a:p>
+            <a:r>
+              <a:rPr lang="en-US" dirty="0">
+                <a:latin typeface="Courier New"/>
+                <a:cs typeface="Courier New"/>
+              </a:rPr>
+              <a:t>        error&lt;-</a:t>
+            </a:r>
+            <a:r>
+              <a:rPr lang="en-US" dirty="0" err="1">
+                <a:latin typeface="Courier New"/>
+                <a:cs typeface="Courier New"/>
+              </a:rPr>
+              <a:t>error+xj</a:t>
+            </a:r>
+            <a:r>
+              <a:rPr lang="en-US" dirty="0">
+                <a:latin typeface="Courier New"/>
+                <a:cs typeface="Courier New"/>
+              </a:rPr>
+              <a:t>*beta[j]</a:t>
+            </a:r>
+          </a:p>
+          <a:p>
+            <a:r>
+              <a:rPr lang="en-US" dirty="0">
+                <a:latin typeface="Courier New"/>
+                <a:cs typeface="Courier New"/>
+              </a:rPr>
+              <a:t>         </a:t>
+            </a:r>
+            <a:r>
+              <a:rPr lang="en-US" dirty="0" smtClean="0">
+                <a:latin typeface="Courier New"/>
+                <a:cs typeface="Courier New"/>
+              </a:rPr>
+              <a:t> C</a:t>
+            </a:r>
+            <a:r>
+              <a:rPr lang="en-US" dirty="0">
+                <a:latin typeface="Courier New"/>
+                <a:cs typeface="Courier New"/>
+              </a:rPr>
+              <a:t>=</a:t>
+            </a:r>
+            <a:r>
+              <a:rPr lang="en-US" dirty="0" err="1">
+                <a:latin typeface="Courier New"/>
+                <a:cs typeface="Courier New"/>
+              </a:rPr>
+              <a:t>sumSqX</a:t>
+            </a:r>
+            <a:r>
+              <a:rPr lang="en-US" dirty="0">
+                <a:latin typeface="Courier New"/>
+                <a:cs typeface="Courier New"/>
+              </a:rPr>
+              <a:t>[j]/</a:t>
+            </a:r>
+            <a:r>
+              <a:rPr lang="en-US" dirty="0" err="1">
+                <a:latin typeface="Courier New"/>
+                <a:cs typeface="Courier New"/>
+              </a:rPr>
+              <a:t>varE</a:t>
+            </a:r>
+            <a:r>
+              <a:rPr lang="en-US" dirty="0">
+                <a:latin typeface="Courier New"/>
+                <a:cs typeface="Courier New"/>
+              </a:rPr>
+              <a:t>[</a:t>
+            </a:r>
+            <a:r>
+              <a:rPr lang="en-US" dirty="0" err="1">
+                <a:latin typeface="Courier New"/>
+                <a:cs typeface="Courier New"/>
+              </a:rPr>
+              <a:t>i</a:t>
+            </a:r>
+            <a:r>
+              <a:rPr lang="en-US" dirty="0">
+                <a:latin typeface="Courier New"/>
+                <a:cs typeface="Courier New"/>
+              </a:rPr>
+              <a:t>]+1/</a:t>
+            </a:r>
+            <a:r>
+              <a:rPr lang="en-US" dirty="0" err="1">
+                <a:latin typeface="Courier New"/>
+                <a:cs typeface="Courier New"/>
+              </a:rPr>
+              <a:t>varB</a:t>
+            </a:r>
+            <a:r>
+              <a:rPr lang="en-US" dirty="0">
+                <a:latin typeface="Courier New"/>
+                <a:cs typeface="Courier New"/>
+              </a:rPr>
+              <a:t>[</a:t>
+            </a:r>
+            <a:r>
+              <a:rPr lang="en-US" dirty="0" err="1">
+                <a:latin typeface="Courier New"/>
+                <a:cs typeface="Courier New"/>
+              </a:rPr>
+              <a:t>i,groups</a:t>
+            </a:r>
+            <a:r>
+              <a:rPr lang="en-US" dirty="0">
+                <a:latin typeface="Courier New"/>
+                <a:cs typeface="Courier New"/>
+              </a:rPr>
+              <a:t>[j]]</a:t>
+            </a:r>
+          </a:p>
+          <a:p>
+            <a:r>
+              <a:rPr lang="en-US" dirty="0">
+                <a:latin typeface="Courier New"/>
+                <a:cs typeface="Courier New"/>
+              </a:rPr>
+              <a:t>          </a:t>
+            </a:r>
+            <a:r>
+              <a:rPr lang="en-US" dirty="0" err="1">
+                <a:latin typeface="Courier New"/>
+                <a:cs typeface="Courier New"/>
+              </a:rPr>
+              <a:t>rhs</a:t>
+            </a:r>
+            <a:r>
+              <a:rPr lang="en-US" dirty="0">
+                <a:latin typeface="Courier New"/>
+                <a:cs typeface="Courier New"/>
+              </a:rPr>
+              <a:t>&lt;-sum(</a:t>
+            </a:r>
+            <a:r>
+              <a:rPr lang="en-US" dirty="0" err="1">
+                <a:latin typeface="Courier New"/>
+                <a:cs typeface="Courier New"/>
+              </a:rPr>
+              <a:t>xj</a:t>
+            </a:r>
+            <a:r>
+              <a:rPr lang="en-US" dirty="0">
+                <a:latin typeface="Courier New"/>
+                <a:cs typeface="Courier New"/>
+              </a:rPr>
+              <a:t>*error)/</a:t>
+            </a:r>
+            <a:r>
+              <a:rPr lang="en-US" dirty="0" err="1">
+                <a:latin typeface="Courier New"/>
+                <a:cs typeface="Courier New"/>
+              </a:rPr>
+              <a:t>varE</a:t>
+            </a:r>
+            <a:r>
+              <a:rPr lang="en-US" dirty="0">
+                <a:latin typeface="Courier New"/>
+                <a:cs typeface="Courier New"/>
+              </a:rPr>
+              <a:t>[</a:t>
+            </a:r>
+            <a:r>
+              <a:rPr lang="en-US" dirty="0" err="1">
+                <a:latin typeface="Courier New"/>
+                <a:cs typeface="Courier New"/>
+              </a:rPr>
+              <a:t>i</a:t>
+            </a:r>
+            <a:r>
+              <a:rPr lang="en-US" dirty="0">
+                <a:latin typeface="Courier New"/>
+                <a:cs typeface="Courier New"/>
+              </a:rPr>
+              <a:t>]</a:t>
+            </a:r>
+          </a:p>
+          <a:p>
+            <a:r>
+              <a:rPr lang="en-US" dirty="0">
+                <a:latin typeface="Courier New"/>
+                <a:cs typeface="Courier New"/>
+              </a:rPr>
+              <a:t>          sol&lt;-</a:t>
+            </a:r>
+            <a:r>
+              <a:rPr lang="en-US" dirty="0" err="1">
+                <a:latin typeface="Courier New"/>
+                <a:cs typeface="Courier New"/>
+              </a:rPr>
+              <a:t>rhs</a:t>
+            </a:r>
+            <a:r>
+              <a:rPr lang="en-US" dirty="0">
+                <a:latin typeface="Courier New"/>
+                <a:cs typeface="Courier New"/>
+              </a:rPr>
+              <a:t>/C</a:t>
+            </a:r>
+          </a:p>
+          <a:p>
+            <a:r>
+              <a:rPr lang="en-US" dirty="0">
+                <a:latin typeface="Courier New"/>
+                <a:cs typeface="Courier New"/>
+              </a:rPr>
+              <a:t>          beta[j]&lt;-</a:t>
+            </a:r>
+            <a:r>
+              <a:rPr lang="en-US" dirty="0" err="1">
+                <a:latin typeface="Courier New"/>
+                <a:cs typeface="Courier New"/>
+              </a:rPr>
+              <a:t>sol+z</a:t>
+            </a:r>
+            <a:r>
+              <a:rPr lang="en-US" dirty="0">
+                <a:latin typeface="Courier New"/>
+                <a:cs typeface="Courier New"/>
+              </a:rPr>
+              <a:t>[j]/</a:t>
+            </a:r>
+            <a:r>
+              <a:rPr lang="en-US" dirty="0" err="1">
+                <a:latin typeface="Courier New"/>
+                <a:cs typeface="Courier New"/>
+              </a:rPr>
+              <a:t>sqrt</a:t>
+            </a:r>
+            <a:r>
+              <a:rPr lang="en-US" dirty="0">
+                <a:latin typeface="Courier New"/>
+                <a:cs typeface="Courier New"/>
+              </a:rPr>
+              <a:t>(C)</a:t>
+            </a:r>
+          </a:p>
+          <a:p>
+            <a:r>
+              <a:rPr lang="en-US" dirty="0">
+                <a:latin typeface="Courier New"/>
+                <a:cs typeface="Courier New"/>
+              </a:rPr>
+              <a:t>        error&lt;-error-</a:t>
+            </a:r>
+            <a:r>
+              <a:rPr lang="en-US" dirty="0" err="1">
+                <a:latin typeface="Courier New"/>
+                <a:cs typeface="Courier New"/>
+              </a:rPr>
+              <a:t>xj</a:t>
+            </a:r>
+            <a:r>
+              <a:rPr lang="en-US" dirty="0">
+                <a:latin typeface="Courier New"/>
+                <a:cs typeface="Courier New"/>
+              </a:rPr>
+              <a:t>*beta[j]</a:t>
+            </a:r>
+          </a:p>
+          <a:p>
+            <a:r>
+              <a:rPr lang="en-US" dirty="0">
+                <a:latin typeface="Courier New"/>
+                <a:cs typeface="Courier New"/>
+              </a:rPr>
+              <a:t>    } </a:t>
+            </a:r>
+          </a:p>
+        </p:txBody>
+      </p:sp>
+    </p:spTree>
+    <p:extLst>
+      <p:ext uri="{BB962C8B-B14F-4D97-AF65-F5344CB8AC3E}">
+        <p14:creationId xmlns:p14="http://schemas.microsoft.com/office/powerpoint/2010/main" val="3598872459"/>
+      </p:ext>
+    </p:extLst>
+  </p:cSld>
+  <p:clrMapOvr>
+    <a:masterClrMapping/>
+  </p:clrMapOvr>
+  <p:timing>
+    <p:tnLst>
+      <p:par>
+        <p:cTn xmlns:p14="http://schemas.microsoft.com/office/powerpoint/2010/main" id="1" dur="indefinite" restart="never" nodeType="tmRoot"/>
+      </p:par>
+    </p:tnLst>
+  </p:timing>
+</p:sld>
+</file>
+
+<file path=ppt/slides/slide12.xml><?xml version="1.0" encoding="utf-8"?>
+<p:sld xmlns:a="http://schemas.openxmlformats.org/drawingml/2006/main" xmlns:r="http://schemas.openxmlformats.org/officeDocument/2006/relationships" xmlns:p="http://schemas.openxmlformats.org/presentationml/2006/main">
+  <p:cSld>
+    <p:spTree>
+      <p:nvGrpSpPr>
+        <p:cNvPr id="1" name=""/>
+        <p:cNvGrpSpPr/>
+        <p:nvPr/>
+      </p:nvGrpSpPr>
+      <p:grpSpPr>
+        <a:xfrm>
+          <a:off x="0" y="0"/>
+          <a:ext cx="0" cy="0"/>
+          <a:chOff x="0" y="0"/>
+          <a:chExt cx="0" cy="0"/>
+        </a:xfrm>
+      </p:grpSpPr>
+      <p:sp>
+        <p:nvSpPr>
+          <p:cNvPr id="2" name="Title 1"/>
+          <p:cNvSpPr>
+            <a:spLocks noGrp="1"/>
+          </p:cNvSpPr>
+          <p:nvPr>
+            <p:ph type="ctrTitle"/>
+          </p:nvPr>
+        </p:nvSpPr>
+        <p:spPr>
+          <a:xfrm>
+            <a:off x="609600" y="-152400"/>
+            <a:ext cx="7772400" cy="762000"/>
+          </a:xfrm>
+        </p:spPr>
+        <p:txBody>
+          <a:bodyPr>
+            <a:normAutofit/>
+          </a:bodyPr>
+          <a:lstStyle/>
+          <a:p>
+            <a:r>
+              <a:rPr lang="en-US" sz="3200" dirty="0" smtClean="0">
+                <a:solidFill>
+                  <a:schemeClr val="accent2">
+                    <a:lumMod val="75000"/>
+                  </a:schemeClr>
+                </a:solidFill>
+              </a:rPr>
+              <a:t>Dealing with missing values</a:t>
+            </a:r>
+            <a:endParaRPr lang="en-US" sz="3200" dirty="0">
+              <a:solidFill>
+                <a:schemeClr val="accent2">
+                  <a:lumMod val="75000"/>
+                </a:schemeClr>
+              </a:solidFill>
+            </a:endParaRPr>
+          </a:p>
+        </p:txBody>
+      </p:sp>
+      <p:sp>
+        <p:nvSpPr>
+          <p:cNvPr id="4" name="Footer Placeholder 3"/>
+          <p:cNvSpPr>
+            <a:spLocks noGrp="1"/>
+          </p:cNvSpPr>
+          <p:nvPr>
+            <p:ph type="ftr" sz="quarter" idx="11"/>
+          </p:nvPr>
+        </p:nvSpPr>
+        <p:spPr>
+          <a:xfrm>
+            <a:off x="3124200" y="6569075"/>
+            <a:ext cx="2895600" cy="365125"/>
+          </a:xfrm>
+        </p:spPr>
+        <p:txBody>
+          <a:bodyPr/>
+          <a:lstStyle/>
+          <a:p>
+            <a:r>
+              <a:rPr lang="en-US" dirty="0" smtClean="0">
+                <a:solidFill>
+                  <a:schemeClr val="accent1"/>
+                </a:solidFill>
+              </a:rPr>
+              <a:t>STT 465, MSU, Fall, 2015</a:t>
+            </a:r>
+            <a:endParaRPr lang="en-US" dirty="0">
+              <a:solidFill>
+                <a:schemeClr val="accent1"/>
+              </a:solidFill>
+            </a:endParaRPr>
+          </a:p>
+        </p:txBody>
+      </p:sp>
+      <p:sp>
+        <p:nvSpPr>
+          <p:cNvPr id="6" name="TextBox 5"/>
+          <p:cNvSpPr txBox="1"/>
+          <p:nvPr/>
+        </p:nvSpPr>
+        <p:spPr>
+          <a:xfrm>
+            <a:off x="76200" y="533400"/>
+            <a:ext cx="8991600" cy="6124754"/>
+          </a:xfrm>
+          <a:prstGeom prst="rect">
+            <a:avLst/>
+          </a:prstGeom>
+          <a:noFill/>
+          <a:ln>
+            <a:solidFill>
+              <a:srgbClr val="800000"/>
+            </a:solidFill>
+            <a:prstDash val="sysDash"/>
+          </a:ln>
+        </p:spPr>
+        <p:txBody>
+          <a:bodyPr wrap="square" rtlCol="0">
+            <a:spAutoFit/>
+          </a:bodyPr>
+          <a:lstStyle/>
+          <a:p>
+            <a:r>
+              <a:rPr lang="en-US" sz="2400" b="1" u="sng" dirty="0" smtClean="0">
+                <a:solidFill>
+                  <a:schemeClr val="accent1">
+                    <a:lumMod val="75000"/>
+                  </a:schemeClr>
+                </a:solidFill>
+              </a:rPr>
+              <a:t>Types of missing values</a:t>
+            </a:r>
+            <a:endParaRPr lang="en-US" sz="2400" dirty="0" smtClean="0">
+              <a:solidFill>
+                <a:schemeClr val="accent1">
+                  <a:lumMod val="75000"/>
+                </a:schemeClr>
+              </a:solidFill>
+            </a:endParaRPr>
+          </a:p>
+          <a:p>
+            <a:r>
+              <a:rPr lang="en-US" sz="2400" dirty="0" smtClean="0">
+                <a:solidFill>
+                  <a:schemeClr val="accent1">
+                    <a:lumMod val="75000"/>
+                  </a:schemeClr>
+                </a:solidFill>
+              </a:rPr>
+              <a:t>   </a:t>
+            </a:r>
+          </a:p>
+          <a:p>
+            <a:r>
+              <a:rPr lang="en-US" sz="2000" dirty="0" smtClean="0">
+                <a:solidFill>
+                  <a:schemeClr val="accent1">
+                    <a:lumMod val="75000"/>
+                  </a:schemeClr>
+                </a:solidFill>
+              </a:rPr>
+              <a:t> - Non-informative (e.g., completely at random)</a:t>
+            </a:r>
+          </a:p>
+          <a:p>
+            <a:r>
+              <a:rPr lang="en-US" sz="2000" dirty="0" smtClean="0">
+                <a:solidFill>
+                  <a:schemeClr val="accent1">
+                    <a:lumMod val="75000"/>
+                  </a:schemeClr>
+                </a:solidFill>
+              </a:rPr>
+              <a:t> </a:t>
+            </a:r>
+          </a:p>
+          <a:p>
+            <a:r>
+              <a:rPr lang="en-US" sz="2000" dirty="0">
+                <a:solidFill>
+                  <a:schemeClr val="accent1">
+                    <a:lumMod val="75000"/>
+                  </a:schemeClr>
+                </a:solidFill>
+              </a:rPr>
+              <a:t> </a:t>
+            </a:r>
+            <a:r>
+              <a:rPr lang="en-US" sz="2000" dirty="0" smtClean="0">
+                <a:solidFill>
+                  <a:schemeClr val="accent1">
+                    <a:lumMod val="75000"/>
+                  </a:schemeClr>
+                </a:solidFill>
+              </a:rPr>
+              <a:t>- Informative (e.g., censoring)</a:t>
+            </a:r>
+          </a:p>
+          <a:p>
+            <a:endParaRPr lang="en-US" sz="2000" dirty="0">
+              <a:solidFill>
+                <a:schemeClr val="accent1">
+                  <a:lumMod val="75000"/>
+                </a:schemeClr>
+              </a:solidFill>
+            </a:endParaRPr>
+          </a:p>
+          <a:p>
+            <a:endParaRPr lang="en-US" sz="2000" dirty="0" smtClean="0">
+              <a:solidFill>
+                <a:schemeClr val="accent1">
+                  <a:lumMod val="75000"/>
+                </a:schemeClr>
+              </a:solidFill>
+            </a:endParaRPr>
+          </a:p>
+          <a:p>
+            <a:r>
+              <a:rPr lang="en-US" sz="2000" dirty="0" smtClean="0">
+                <a:solidFill>
+                  <a:schemeClr val="accent1">
+                    <a:lumMod val="75000"/>
+                  </a:schemeClr>
+                </a:solidFill>
+              </a:rPr>
+              <a:t>Non-informative </a:t>
+            </a:r>
+            <a:r>
+              <a:rPr lang="en-US" sz="2000" dirty="0" err="1" smtClean="0">
+                <a:solidFill>
+                  <a:schemeClr val="accent1">
+                    <a:lumMod val="75000"/>
+                  </a:schemeClr>
+                </a:solidFill>
+              </a:rPr>
+              <a:t>missings</a:t>
+            </a:r>
+            <a:r>
+              <a:rPr lang="en-US" sz="2000" dirty="0" smtClean="0">
+                <a:solidFill>
+                  <a:schemeClr val="accent1">
+                    <a:lumMod val="75000"/>
+                  </a:schemeClr>
+                </a:solidFill>
+              </a:rPr>
+              <a:t> can be simply removed, e.g.,</a:t>
+            </a:r>
+          </a:p>
+          <a:p>
+            <a:endParaRPr lang="en-US" sz="2000" dirty="0" smtClean="0">
+              <a:solidFill>
+                <a:schemeClr val="accent1">
+                  <a:lumMod val="75000"/>
+                </a:schemeClr>
+              </a:solidFill>
+            </a:endParaRPr>
+          </a:p>
+          <a:p>
+            <a:endParaRPr lang="en-US" sz="2000" dirty="0">
+              <a:solidFill>
+                <a:schemeClr val="accent1">
+                  <a:lumMod val="75000"/>
+                </a:schemeClr>
+              </a:solidFill>
+            </a:endParaRPr>
+          </a:p>
+          <a:p>
+            <a:endParaRPr lang="en-US" sz="2000" dirty="0" smtClean="0">
+              <a:solidFill>
+                <a:schemeClr val="accent1">
+                  <a:lumMod val="75000"/>
+                </a:schemeClr>
+              </a:solidFill>
+            </a:endParaRPr>
+          </a:p>
+          <a:p>
+            <a:endParaRPr lang="en-US" sz="2000" dirty="0">
+              <a:solidFill>
+                <a:schemeClr val="accent1">
+                  <a:lumMod val="75000"/>
+                </a:schemeClr>
+              </a:solidFill>
+            </a:endParaRPr>
+          </a:p>
+          <a:p>
+            <a:endParaRPr lang="en-US" sz="2000" dirty="0" smtClean="0">
+              <a:solidFill>
+                <a:schemeClr val="accent1">
+                  <a:lumMod val="75000"/>
+                </a:schemeClr>
+              </a:solidFill>
+            </a:endParaRPr>
+          </a:p>
+          <a:p>
+            <a:endParaRPr lang="en-US" sz="2000" dirty="0">
+              <a:solidFill>
+                <a:schemeClr val="accent1">
+                  <a:lumMod val="75000"/>
+                </a:schemeClr>
+              </a:solidFill>
+            </a:endParaRPr>
+          </a:p>
+          <a:p>
+            <a:endParaRPr lang="en-US" sz="2000" dirty="0">
+              <a:solidFill>
+                <a:schemeClr val="accent1">
+                  <a:lumMod val="75000"/>
+                </a:schemeClr>
+              </a:solidFill>
+            </a:endParaRPr>
+          </a:p>
+          <a:p>
+            <a:r>
+              <a:rPr lang="en-US" sz="2000" dirty="0" smtClean="0">
+                <a:solidFill>
+                  <a:schemeClr val="accent1">
+                    <a:lumMod val="75000"/>
+                  </a:schemeClr>
+                </a:solidFill>
+              </a:rPr>
+              <a:t>But we can also deal with NAs in different manner: that is by sampling the unobserved values from fully conditionals.</a:t>
+            </a:r>
+          </a:p>
+          <a:p>
+            <a:endParaRPr lang="en-US" sz="2000" dirty="0">
+              <a:solidFill>
+                <a:schemeClr val="accent1">
+                  <a:lumMod val="75000"/>
+                </a:schemeClr>
+              </a:solidFill>
+            </a:endParaRPr>
+          </a:p>
+          <a:p>
+            <a:endParaRPr lang="en-US" sz="2400" dirty="0">
+              <a:solidFill>
+                <a:schemeClr val="accent1">
+                  <a:lumMod val="75000"/>
+                </a:schemeClr>
+              </a:solidFill>
+            </a:endParaRPr>
+          </a:p>
+        </p:txBody>
+      </p:sp>
+      <p:sp>
+        <p:nvSpPr>
+          <p:cNvPr id="9" name="TextBox 8"/>
+          <p:cNvSpPr txBox="1"/>
+          <p:nvPr/>
+        </p:nvSpPr>
+        <p:spPr>
+          <a:xfrm>
+            <a:off x="457200" y="3429000"/>
+            <a:ext cx="7543800" cy="1477328"/>
+          </a:xfrm>
+          <a:prstGeom prst="rect">
+            <a:avLst/>
+          </a:prstGeom>
+          <a:solidFill>
+            <a:schemeClr val="bg2">
+              <a:lumMod val="90000"/>
+            </a:schemeClr>
+          </a:solidFill>
+        </p:spPr>
+        <p:txBody>
+          <a:bodyPr wrap="square" rtlCol="0">
+            <a:spAutoFit/>
+          </a:bodyPr>
+          <a:lstStyle/>
+          <a:p>
+            <a:r>
+              <a:rPr lang="en-US" dirty="0">
+                <a:latin typeface="Courier New"/>
+                <a:cs typeface="Courier New"/>
+              </a:rPr>
+              <a:t> </a:t>
+            </a:r>
+            <a:r>
+              <a:rPr lang="en-US" dirty="0" err="1">
+                <a:latin typeface="Courier New"/>
+                <a:cs typeface="Courier New"/>
+              </a:rPr>
+              <a:t>isNA</a:t>
+            </a:r>
+            <a:r>
+              <a:rPr lang="en-US" dirty="0">
+                <a:latin typeface="Courier New"/>
+                <a:cs typeface="Courier New"/>
+              </a:rPr>
+              <a:t>=</a:t>
+            </a:r>
+            <a:r>
+              <a:rPr lang="en-US" dirty="0" err="1">
+                <a:latin typeface="Courier New"/>
+                <a:cs typeface="Courier New"/>
+              </a:rPr>
+              <a:t>is.na</a:t>
+            </a:r>
+            <a:r>
+              <a:rPr lang="en-US" dirty="0">
+                <a:latin typeface="Courier New"/>
+                <a:cs typeface="Courier New"/>
+              </a:rPr>
+              <a:t>(y)</a:t>
+            </a:r>
+          </a:p>
+          <a:p>
+            <a:r>
+              <a:rPr lang="en-US" dirty="0">
+                <a:latin typeface="Courier New"/>
+                <a:cs typeface="Courier New"/>
+              </a:rPr>
+              <a:t> </a:t>
+            </a:r>
+          </a:p>
+          <a:p>
+            <a:r>
+              <a:rPr lang="en-US" dirty="0" smtClean="0">
+                <a:latin typeface="Courier New"/>
+                <a:cs typeface="Courier New"/>
+              </a:rPr>
+              <a:t> </a:t>
+            </a:r>
+            <a:r>
+              <a:rPr lang="en-US" dirty="0" err="1" smtClean="0">
+                <a:latin typeface="Courier New"/>
+                <a:cs typeface="Courier New"/>
+              </a:rPr>
+              <a:t>y_no_NA</a:t>
+            </a:r>
+            <a:r>
+              <a:rPr lang="en-US" dirty="0">
+                <a:latin typeface="Courier New"/>
+                <a:cs typeface="Courier New"/>
+              </a:rPr>
+              <a:t>=y[!</a:t>
+            </a:r>
+            <a:r>
+              <a:rPr lang="en-US" dirty="0" err="1">
+                <a:latin typeface="Courier New"/>
+                <a:cs typeface="Courier New"/>
+              </a:rPr>
+              <a:t>isNA</a:t>
+            </a:r>
+            <a:r>
+              <a:rPr lang="en-US" dirty="0">
+                <a:latin typeface="Courier New"/>
+                <a:cs typeface="Courier New"/>
+              </a:rPr>
+              <a:t>]</a:t>
+            </a:r>
+          </a:p>
+          <a:p>
+            <a:r>
+              <a:rPr lang="en-US" dirty="0" smtClean="0">
+                <a:latin typeface="Courier New"/>
+                <a:cs typeface="Courier New"/>
+              </a:rPr>
+              <a:t> </a:t>
+            </a:r>
+            <a:r>
+              <a:rPr lang="en-US" dirty="0" err="1" smtClean="0">
+                <a:latin typeface="Courier New"/>
+                <a:cs typeface="Courier New"/>
+              </a:rPr>
+              <a:t>X_no_NA</a:t>
+            </a:r>
+            <a:r>
+              <a:rPr lang="en-US" dirty="0">
+                <a:latin typeface="Courier New"/>
+                <a:cs typeface="Courier New"/>
+              </a:rPr>
+              <a:t>=X[!</a:t>
+            </a:r>
+            <a:r>
+              <a:rPr lang="en-US" dirty="0" err="1">
+                <a:latin typeface="Courier New"/>
+                <a:cs typeface="Courier New"/>
+              </a:rPr>
+              <a:t>isNA</a:t>
+            </a:r>
+            <a:r>
+              <a:rPr lang="en-US" dirty="0">
+                <a:latin typeface="Courier New"/>
+                <a:cs typeface="Courier New"/>
+              </a:rPr>
+              <a:t>,]</a:t>
+            </a:r>
+          </a:p>
+          <a:p>
+            <a:r>
+              <a:rPr lang="en-US" dirty="0" smtClean="0">
+                <a:latin typeface="Courier New"/>
+                <a:cs typeface="Courier New"/>
+              </a:rPr>
+              <a:t> #</a:t>
+            </a:r>
+            <a:r>
+              <a:rPr lang="en-US" dirty="0">
+                <a:latin typeface="Courier New"/>
+                <a:cs typeface="Courier New"/>
+              </a:rPr>
+              <a:t># now regress </a:t>
+            </a:r>
+            <a:r>
+              <a:rPr lang="en-US" dirty="0" err="1">
+                <a:latin typeface="Courier New"/>
+                <a:cs typeface="Courier New"/>
+              </a:rPr>
+              <a:t>y_no_NA</a:t>
+            </a:r>
+            <a:r>
+              <a:rPr lang="en-US" dirty="0">
+                <a:latin typeface="Courier New"/>
+                <a:cs typeface="Courier New"/>
+              </a:rPr>
+              <a:t> on </a:t>
+            </a:r>
+            <a:r>
+              <a:rPr lang="en-US" dirty="0" err="1">
+                <a:latin typeface="Courier New"/>
+                <a:cs typeface="Courier New"/>
+              </a:rPr>
+              <a:t>X_no_NA</a:t>
+            </a:r>
+            <a:endParaRPr lang="en-US" dirty="0">
+              <a:latin typeface="Courier New"/>
+              <a:cs typeface="Courier New"/>
+            </a:endParaRPr>
+          </a:p>
+        </p:txBody>
+      </p:sp>
+    </p:spTree>
+    <p:extLst>
+      <p:ext uri="{BB962C8B-B14F-4D97-AF65-F5344CB8AC3E}">
+        <p14:creationId xmlns:p14="http://schemas.microsoft.com/office/powerpoint/2010/main" val="2371846364"/>
+      </p:ext>
+    </p:extLst>
+  </p:cSld>
+  <p:clrMapOvr>
+    <a:masterClrMapping/>
+  </p:clrMapOvr>
+  <p:timing>
+    <p:tnLst>
+      <p:par>
+        <p:cTn xmlns:p14="http://schemas.microsoft.com/office/powerpoint/2010/main" id="1" dur="indefinite" restart="never" nodeType="tmRoot"/>
+      </p:par>
+    </p:tnLst>
+  </p:timing>
+</p:sld>
+</file>
+
+<file path=ppt/slides/slide13.xml><?xml version="1.0" encoding="utf-8"?>
+<p:sld xmlns:a="http://schemas.openxmlformats.org/drawingml/2006/main" xmlns:r="http://schemas.openxmlformats.org/officeDocument/2006/relationships" xmlns:p="http://schemas.openxmlformats.org/presentationml/2006/main">
+  <p:cSld>
+    <p:spTree>
+      <p:nvGrpSpPr>
+        <p:cNvPr id="1" name=""/>
+        <p:cNvGrpSpPr/>
+        <p:nvPr/>
+      </p:nvGrpSpPr>
+      <p:grpSpPr>
+        <a:xfrm>
+          <a:off x="0" y="0"/>
+          <a:ext cx="0" cy="0"/>
+          <a:chOff x="0" y="0"/>
+          <a:chExt cx="0" cy="0"/>
+        </a:xfrm>
+      </p:grpSpPr>
+      <p:sp>
+        <p:nvSpPr>
+          <p:cNvPr id="2" name="Title 1"/>
+          <p:cNvSpPr>
+            <a:spLocks noGrp="1"/>
+          </p:cNvSpPr>
+          <p:nvPr>
+            <p:ph type="ctrTitle"/>
+          </p:nvPr>
+        </p:nvSpPr>
+        <p:spPr>
+          <a:xfrm>
+            <a:off x="609600" y="-152400"/>
+            <a:ext cx="7772400" cy="762000"/>
+          </a:xfrm>
+        </p:spPr>
+        <p:txBody>
+          <a:bodyPr>
+            <a:normAutofit/>
+          </a:bodyPr>
+          <a:lstStyle/>
+          <a:p>
+            <a:r>
+              <a:rPr lang="en-US" sz="3200" dirty="0" smtClean="0">
+                <a:solidFill>
+                  <a:schemeClr val="accent2">
+                    <a:lumMod val="75000"/>
+                  </a:schemeClr>
+                </a:solidFill>
+              </a:rPr>
+              <a:t>Sampling Non-Informative Missing Values</a:t>
+            </a:r>
+            <a:endParaRPr lang="en-US" sz="3200" dirty="0">
+              <a:solidFill>
+                <a:schemeClr val="accent2">
+                  <a:lumMod val="75000"/>
+                </a:schemeClr>
+              </a:solidFill>
+            </a:endParaRPr>
+          </a:p>
+        </p:txBody>
+      </p:sp>
+      <p:sp>
+        <p:nvSpPr>
+          <p:cNvPr id="4" name="Footer Placeholder 3"/>
+          <p:cNvSpPr>
+            <a:spLocks noGrp="1"/>
+          </p:cNvSpPr>
+          <p:nvPr>
+            <p:ph type="ftr" sz="quarter" idx="11"/>
+          </p:nvPr>
+        </p:nvSpPr>
+        <p:spPr>
+          <a:xfrm>
+            <a:off x="3124200" y="6569075"/>
+            <a:ext cx="2895600" cy="365125"/>
+          </a:xfrm>
+        </p:spPr>
+        <p:txBody>
+          <a:bodyPr/>
+          <a:lstStyle/>
+          <a:p>
+            <a:r>
+              <a:rPr lang="en-US" dirty="0" smtClean="0">
+                <a:solidFill>
+                  <a:schemeClr val="accent1"/>
+                </a:solidFill>
+              </a:rPr>
+              <a:t>STT 465, MSU, Fall, 2015</a:t>
+            </a:r>
+            <a:endParaRPr lang="en-US" dirty="0">
+              <a:solidFill>
+                <a:schemeClr val="accent1"/>
+              </a:solidFill>
+            </a:endParaRPr>
+          </a:p>
+        </p:txBody>
+      </p:sp>
+      <p:sp>
+        <p:nvSpPr>
+          <p:cNvPr id="6" name="TextBox 5"/>
+          <p:cNvSpPr txBox="1"/>
+          <p:nvPr/>
+        </p:nvSpPr>
+        <p:spPr>
+          <a:xfrm>
+            <a:off x="76200" y="533400"/>
+            <a:ext cx="8991600" cy="6124754"/>
+          </a:xfrm>
+          <a:prstGeom prst="rect">
+            <a:avLst/>
+          </a:prstGeom>
+          <a:noFill/>
+          <a:ln>
+            <a:solidFill>
+              <a:srgbClr val="800000"/>
+            </a:solidFill>
+            <a:prstDash val="sysDash"/>
+          </a:ln>
+        </p:spPr>
+        <p:txBody>
+          <a:bodyPr wrap="square" rtlCol="0">
+            <a:spAutoFit/>
+          </a:bodyPr>
+          <a:lstStyle/>
+          <a:p>
+            <a:r>
+              <a:rPr lang="en-US" sz="2400" b="1" u="sng" dirty="0" smtClean="0">
+                <a:solidFill>
+                  <a:schemeClr val="accent1">
+                    <a:lumMod val="75000"/>
+                  </a:schemeClr>
+                </a:solidFill>
+              </a:rPr>
+              <a:t>Types of missing values</a:t>
+            </a:r>
+            <a:endParaRPr lang="en-US" sz="2400" dirty="0" smtClean="0">
+              <a:solidFill>
+                <a:schemeClr val="accent1">
+                  <a:lumMod val="75000"/>
+                </a:schemeClr>
+              </a:solidFill>
+            </a:endParaRPr>
+          </a:p>
+          <a:p>
+            <a:r>
+              <a:rPr lang="en-US" sz="2400" dirty="0" smtClean="0">
+                <a:solidFill>
+                  <a:schemeClr val="accent1">
+                    <a:lumMod val="75000"/>
+                  </a:schemeClr>
+                </a:solidFill>
+              </a:rPr>
+              <a:t>   </a:t>
+            </a:r>
+          </a:p>
+          <a:p>
+            <a:r>
+              <a:rPr lang="en-US" sz="2000" dirty="0" smtClean="0">
+                <a:solidFill>
+                  <a:schemeClr val="accent1">
+                    <a:lumMod val="75000"/>
+                  </a:schemeClr>
+                </a:solidFill>
+              </a:rPr>
+              <a:t> - Non-informative (e.g., completely at random)</a:t>
+            </a:r>
+          </a:p>
+          <a:p>
+            <a:r>
+              <a:rPr lang="en-US" sz="2000" dirty="0" smtClean="0">
+                <a:solidFill>
+                  <a:schemeClr val="accent1">
+                    <a:lumMod val="75000"/>
+                  </a:schemeClr>
+                </a:solidFill>
+              </a:rPr>
+              <a:t> </a:t>
+            </a:r>
+          </a:p>
+          <a:p>
+            <a:r>
+              <a:rPr lang="en-US" sz="2000" dirty="0">
+                <a:solidFill>
+                  <a:schemeClr val="accent1">
+                    <a:lumMod val="75000"/>
+                  </a:schemeClr>
+                </a:solidFill>
+              </a:rPr>
+              <a:t> </a:t>
+            </a:r>
+            <a:r>
+              <a:rPr lang="en-US" sz="2000" dirty="0" smtClean="0">
+                <a:solidFill>
+                  <a:schemeClr val="accent1">
+                    <a:lumMod val="75000"/>
+                  </a:schemeClr>
+                </a:solidFill>
+              </a:rPr>
+              <a:t>- Informative (e.g., censoring)</a:t>
+            </a:r>
+          </a:p>
+          <a:p>
+            <a:endParaRPr lang="en-US" sz="2000" dirty="0">
+              <a:solidFill>
+                <a:schemeClr val="accent1">
+                  <a:lumMod val="75000"/>
+                </a:schemeClr>
+              </a:solidFill>
+            </a:endParaRPr>
+          </a:p>
+          <a:p>
+            <a:endParaRPr lang="en-US" sz="2000" dirty="0" smtClean="0">
+              <a:solidFill>
+                <a:schemeClr val="accent1">
+                  <a:lumMod val="75000"/>
+                </a:schemeClr>
+              </a:solidFill>
+            </a:endParaRPr>
+          </a:p>
+          <a:p>
+            <a:r>
+              <a:rPr lang="en-US" sz="2000" dirty="0" smtClean="0">
+                <a:solidFill>
+                  <a:schemeClr val="accent1">
+                    <a:lumMod val="75000"/>
+                  </a:schemeClr>
+                </a:solidFill>
+              </a:rPr>
+              <a:t>Non-informative </a:t>
+            </a:r>
+            <a:r>
+              <a:rPr lang="en-US" sz="2000" dirty="0" err="1" smtClean="0">
+                <a:solidFill>
+                  <a:schemeClr val="accent1">
+                    <a:lumMod val="75000"/>
+                  </a:schemeClr>
+                </a:solidFill>
+              </a:rPr>
+              <a:t>missings</a:t>
+            </a:r>
+            <a:r>
+              <a:rPr lang="en-US" sz="2000" dirty="0" smtClean="0">
+                <a:solidFill>
+                  <a:schemeClr val="accent1">
+                    <a:lumMod val="75000"/>
+                  </a:schemeClr>
+                </a:solidFill>
+              </a:rPr>
+              <a:t> can be simply removed, e.g.,</a:t>
+            </a:r>
+          </a:p>
+          <a:p>
+            <a:endParaRPr lang="en-US" sz="2000" dirty="0" smtClean="0">
+              <a:solidFill>
+                <a:schemeClr val="accent1">
+                  <a:lumMod val="75000"/>
+                </a:schemeClr>
+              </a:solidFill>
+            </a:endParaRPr>
+          </a:p>
+          <a:p>
+            <a:endParaRPr lang="en-US" sz="2000" dirty="0">
+              <a:solidFill>
+                <a:schemeClr val="accent1">
+                  <a:lumMod val="75000"/>
+                </a:schemeClr>
+              </a:solidFill>
+            </a:endParaRPr>
+          </a:p>
+          <a:p>
+            <a:endParaRPr lang="en-US" sz="2000" dirty="0" smtClean="0">
+              <a:solidFill>
+                <a:schemeClr val="accent1">
+                  <a:lumMod val="75000"/>
+                </a:schemeClr>
+              </a:solidFill>
+            </a:endParaRPr>
+          </a:p>
+          <a:p>
+            <a:endParaRPr lang="en-US" sz="2000" dirty="0">
+              <a:solidFill>
+                <a:schemeClr val="accent1">
+                  <a:lumMod val="75000"/>
+                </a:schemeClr>
+              </a:solidFill>
+            </a:endParaRPr>
+          </a:p>
+          <a:p>
+            <a:endParaRPr lang="en-US" sz="2000" dirty="0" smtClean="0">
+              <a:solidFill>
+                <a:schemeClr val="accent1">
+                  <a:lumMod val="75000"/>
+                </a:schemeClr>
+              </a:solidFill>
+            </a:endParaRPr>
+          </a:p>
+          <a:p>
+            <a:endParaRPr lang="en-US" sz="2000" dirty="0">
+              <a:solidFill>
+                <a:schemeClr val="accent1">
+                  <a:lumMod val="75000"/>
+                </a:schemeClr>
+              </a:solidFill>
+            </a:endParaRPr>
+          </a:p>
+          <a:p>
+            <a:endParaRPr lang="en-US" sz="2000" dirty="0">
+              <a:solidFill>
+                <a:schemeClr val="accent1">
+                  <a:lumMod val="75000"/>
+                </a:schemeClr>
+              </a:solidFill>
+            </a:endParaRPr>
+          </a:p>
+          <a:p>
+            <a:r>
+              <a:rPr lang="en-US" sz="2000" dirty="0" smtClean="0">
+                <a:solidFill>
+                  <a:schemeClr val="accent1">
+                    <a:lumMod val="75000"/>
+                  </a:schemeClr>
+                </a:solidFill>
+              </a:rPr>
+              <a:t>But we can also deal with NAs in different manner: that is by sampling the unobserved values from fully conditionals.</a:t>
+            </a:r>
+          </a:p>
+          <a:p>
+            <a:endParaRPr lang="en-US" sz="2000" dirty="0">
+              <a:solidFill>
+                <a:schemeClr val="accent1">
+                  <a:lumMod val="75000"/>
+                </a:schemeClr>
+              </a:solidFill>
+            </a:endParaRPr>
+          </a:p>
+          <a:p>
+            <a:endParaRPr lang="en-US" sz="2400" dirty="0">
+              <a:solidFill>
+                <a:schemeClr val="accent1">
+                  <a:lumMod val="75000"/>
+                </a:schemeClr>
+              </a:solidFill>
+            </a:endParaRPr>
+          </a:p>
+        </p:txBody>
+      </p:sp>
+      <p:sp>
+        <p:nvSpPr>
+          <p:cNvPr id="9" name="TextBox 8"/>
+          <p:cNvSpPr txBox="1"/>
+          <p:nvPr/>
+        </p:nvSpPr>
+        <p:spPr>
+          <a:xfrm>
+            <a:off x="457200" y="3429000"/>
+            <a:ext cx="7543800" cy="1477328"/>
+          </a:xfrm>
+          <a:prstGeom prst="rect">
+            <a:avLst/>
+          </a:prstGeom>
+          <a:solidFill>
+            <a:schemeClr val="bg2">
+              <a:lumMod val="90000"/>
+            </a:schemeClr>
+          </a:solidFill>
+        </p:spPr>
+        <p:txBody>
+          <a:bodyPr wrap="square" rtlCol="0">
+            <a:spAutoFit/>
+          </a:bodyPr>
+          <a:lstStyle/>
+          <a:p>
+            <a:r>
+              <a:rPr lang="en-US" dirty="0">
+                <a:latin typeface="Courier New"/>
+                <a:cs typeface="Courier New"/>
+              </a:rPr>
+              <a:t> </a:t>
+            </a:r>
+            <a:r>
+              <a:rPr lang="en-US" dirty="0" err="1">
+                <a:latin typeface="Courier New"/>
+                <a:cs typeface="Courier New"/>
+              </a:rPr>
+              <a:t>isNA</a:t>
+            </a:r>
+            <a:r>
+              <a:rPr lang="en-US" dirty="0">
+                <a:latin typeface="Courier New"/>
+                <a:cs typeface="Courier New"/>
+              </a:rPr>
+              <a:t>=</a:t>
+            </a:r>
+            <a:r>
+              <a:rPr lang="en-US" dirty="0" err="1">
+                <a:latin typeface="Courier New"/>
+                <a:cs typeface="Courier New"/>
+              </a:rPr>
+              <a:t>is.na</a:t>
+            </a:r>
+            <a:r>
+              <a:rPr lang="en-US" dirty="0">
+                <a:latin typeface="Courier New"/>
+                <a:cs typeface="Courier New"/>
+              </a:rPr>
+              <a:t>(y)</a:t>
+            </a:r>
+          </a:p>
+          <a:p>
+            <a:r>
+              <a:rPr lang="en-US" dirty="0">
+                <a:latin typeface="Courier New"/>
+                <a:cs typeface="Courier New"/>
+              </a:rPr>
+              <a:t> </a:t>
+            </a:r>
+          </a:p>
+          <a:p>
+            <a:r>
+              <a:rPr lang="en-US" dirty="0" smtClean="0">
+                <a:latin typeface="Courier New"/>
+                <a:cs typeface="Courier New"/>
+              </a:rPr>
+              <a:t> </a:t>
+            </a:r>
+            <a:r>
+              <a:rPr lang="en-US" dirty="0" err="1" smtClean="0">
+                <a:latin typeface="Courier New"/>
+                <a:cs typeface="Courier New"/>
+              </a:rPr>
+              <a:t>y_no_NA</a:t>
+            </a:r>
+            <a:r>
+              <a:rPr lang="en-US" dirty="0">
+                <a:latin typeface="Courier New"/>
+                <a:cs typeface="Courier New"/>
+              </a:rPr>
+              <a:t>=y[!</a:t>
+            </a:r>
+            <a:r>
+              <a:rPr lang="en-US" dirty="0" err="1">
+                <a:latin typeface="Courier New"/>
+                <a:cs typeface="Courier New"/>
+              </a:rPr>
+              <a:t>isNA</a:t>
+            </a:r>
+            <a:r>
+              <a:rPr lang="en-US" dirty="0">
+                <a:latin typeface="Courier New"/>
+                <a:cs typeface="Courier New"/>
+              </a:rPr>
+              <a:t>]</a:t>
+            </a:r>
+          </a:p>
+          <a:p>
+            <a:r>
+              <a:rPr lang="en-US" dirty="0" smtClean="0">
+                <a:latin typeface="Courier New"/>
+                <a:cs typeface="Courier New"/>
+              </a:rPr>
+              <a:t> </a:t>
+            </a:r>
+            <a:r>
+              <a:rPr lang="en-US" dirty="0" err="1" smtClean="0">
+                <a:latin typeface="Courier New"/>
+                <a:cs typeface="Courier New"/>
+              </a:rPr>
+              <a:t>X_no_NA</a:t>
+            </a:r>
+            <a:r>
+              <a:rPr lang="en-US" dirty="0">
+                <a:latin typeface="Courier New"/>
+                <a:cs typeface="Courier New"/>
+              </a:rPr>
+              <a:t>=X[!</a:t>
+            </a:r>
+            <a:r>
+              <a:rPr lang="en-US" dirty="0" err="1">
+                <a:latin typeface="Courier New"/>
+                <a:cs typeface="Courier New"/>
+              </a:rPr>
+              <a:t>isNA</a:t>
+            </a:r>
+            <a:r>
+              <a:rPr lang="en-US" dirty="0">
+                <a:latin typeface="Courier New"/>
+                <a:cs typeface="Courier New"/>
+              </a:rPr>
+              <a:t>,]</a:t>
+            </a:r>
+          </a:p>
+          <a:p>
+            <a:r>
+              <a:rPr lang="en-US" dirty="0" smtClean="0">
+                <a:latin typeface="Courier New"/>
+                <a:cs typeface="Courier New"/>
+              </a:rPr>
+              <a:t> #</a:t>
+            </a:r>
+            <a:r>
+              <a:rPr lang="en-US" dirty="0">
+                <a:latin typeface="Courier New"/>
+                <a:cs typeface="Courier New"/>
+              </a:rPr>
+              <a:t># now regress </a:t>
+            </a:r>
+            <a:r>
+              <a:rPr lang="en-US" dirty="0" err="1">
+                <a:latin typeface="Courier New"/>
+                <a:cs typeface="Courier New"/>
+              </a:rPr>
+              <a:t>y_no_NA</a:t>
+            </a:r>
+            <a:r>
+              <a:rPr lang="en-US" dirty="0">
+                <a:latin typeface="Courier New"/>
+                <a:cs typeface="Courier New"/>
+              </a:rPr>
+              <a:t> on </a:t>
+            </a:r>
+            <a:r>
+              <a:rPr lang="en-US" dirty="0" err="1">
+                <a:latin typeface="Courier New"/>
+                <a:cs typeface="Courier New"/>
+              </a:rPr>
+              <a:t>X_no_NA</a:t>
+            </a:r>
+            <a:endParaRPr lang="en-US" dirty="0">
+              <a:latin typeface="Courier New"/>
+              <a:cs typeface="Courier New"/>
+            </a:endParaRPr>
+          </a:p>
+        </p:txBody>
+      </p:sp>
+    </p:spTree>
+    <p:extLst>
+      <p:ext uri="{BB962C8B-B14F-4D97-AF65-F5344CB8AC3E}">
+        <p14:creationId xmlns:p14="http://schemas.microsoft.com/office/powerpoint/2010/main" val="2386310098"/>
+      </p:ext>
+    </p:extLst>
+  </p:cSld>
+  <p:clrMapOvr>
+    <a:masterClrMapping/>
+  </p:clrMapOvr>
+  <p:timing>
+    <p:tnLst>
+      <p:par>
+        <p:cTn xmlns:p14="http://schemas.microsoft.com/office/powerpoint/2010/main" id="1" dur="indefinite" restart="never" nodeType="tmRoot"/>
+      </p:par>
+    </p:tnLst>
+  </p:timing>
+</p:sld>
+</file>
+
 <file path=ppt/slides/slide2.xml><?xml version="1.0" encoding="utf-8"?>
 <p:sld xmlns:a="http://schemas.openxmlformats.org/drawingml/2006/main" xmlns:r="http://schemas.openxmlformats.org/officeDocument/2006/relationships" xmlns:p="http://schemas.openxmlformats.org/presentationml/2006/main">
   <p:cSld>
@@ -4824,7 +7597,7 @@
           <a:graphicData uri="http://schemas.openxmlformats.org/presentationml/2006/ole">
             <mc:AlternateContent xmlns:mc="http://schemas.openxmlformats.org/markup-compatibility/2006">
               <mc:Choice xmlns:v="urn:schemas-microsoft-com:vml" Requires="v">
-                <p:oleObj spid="_x0000_s1160" name="Equation" r:id="rId4" imgW="1092200" imgH="330200" progId="Equation.3">
+                <p:oleObj spid="_x0000_s1187" name="Equation" r:id="rId4" imgW="1092200" imgH="330200" progId="Equation.3">
                   <p:embed/>
                 </p:oleObj>
               </mc:Choice>
@@ -4881,7 +7654,7 @@
           <a:graphicData uri="http://schemas.openxmlformats.org/presentationml/2006/ole">
             <mc:AlternateContent xmlns:mc="http://schemas.openxmlformats.org/markup-compatibility/2006">
               <mc:Choice xmlns:v="urn:schemas-microsoft-com:vml" Requires="v">
-                <p:oleObj spid="_x0000_s1161" name="Equation" r:id="rId6" imgW="673100" imgH="203200" progId="Equation.3">
+                <p:oleObj spid="_x0000_s1188" name="Equation" r:id="rId6" imgW="673100" imgH="203200" progId="Equation.3">
                   <p:embed/>
                 </p:oleObj>
               </mc:Choice>
@@ -4938,7 +7711,7 @@
           <a:graphicData uri="http://schemas.openxmlformats.org/presentationml/2006/ole">
             <mc:AlternateContent xmlns:mc="http://schemas.openxmlformats.org/markup-compatibility/2006">
               <mc:Choice xmlns:v="urn:schemas-microsoft-com:vml" Requires="v">
-                <p:oleObj spid="_x0000_s1162" name="Equation" r:id="rId8" imgW="1054100" imgH="342900" progId="Equation.3">
+                <p:oleObj spid="_x0000_s1189" name="Equation" r:id="rId8" imgW="1054100" imgH="342900" progId="Equation.3">
                   <p:embed/>
                 </p:oleObj>
               </mc:Choice>
@@ -4982,25 +7755,25 @@
           <p:nvPr>
             <p:extLst>
               <p:ext uri="{D42A27DB-BD31-4B8C-83A1-F6EECF244321}">
-                <p14:modId xmlns:p14="http://schemas.microsoft.com/office/powerpoint/2010/main" val="4109641812"/>
+                <p14:modId xmlns:p14="http://schemas.microsoft.com/office/powerpoint/2010/main" val="2364319164"/>
               </p:ext>
             </p:extLst>
           </p:nvPr>
         </p:nvGraphicFramePr>
         <p:xfrm>
-          <a:off x="609600" y="4419600"/>
-          <a:ext cx="7924800" cy="1837119"/>
+          <a:off x="1273175" y="4535488"/>
+          <a:ext cx="6596063" cy="1604962"/>
         </p:xfrm>
         <a:graphic>
           <a:graphicData uri="http://schemas.openxmlformats.org/presentationml/2006/ole">
             <mc:AlternateContent xmlns:mc="http://schemas.openxmlformats.org/markup-compatibility/2006">
               <mc:Choice xmlns:v="urn:schemas-microsoft-com:vml" Requires="v">
-                <p:oleObj spid="_x0000_s1163" name="Equation" r:id="rId10" imgW="4775200" imgH="1104900" progId="Equation.3">
+                <p:oleObj spid="_x0000_s1190" name="Equation" r:id="rId10" imgW="3975100" imgH="965200" progId="Equation.3">
                   <p:embed/>
                 </p:oleObj>
               </mc:Choice>
               <mc:Fallback>
-                <p:oleObj name="Equation" r:id="rId10" imgW="4775200" imgH="1104900" progId="Equation.3">
+                <p:oleObj name="Equation" r:id="rId10" imgW="3975100" imgH="965200" progId="Equation.3">
                   <p:embed/>
                   <p:pic>
                     <p:nvPicPr>
@@ -5016,8 +7789,8 @@
                     </p:blipFill>
                     <p:spPr>
                       <a:xfrm>
-                        <a:off x="609600" y="4419600"/>
-                        <a:ext cx="7924800" cy="1837119"/>
+                        <a:off x="1273175" y="4535488"/>
+                        <a:ext cx="6596063" cy="1604962"/>
                       </a:xfrm>
                       <a:prstGeom prst="rect">
                         <a:avLst/>
@@ -5401,7 +8174,7 @@
           <a:graphicData uri="http://schemas.openxmlformats.org/presentationml/2006/ole">
             <mc:AlternateContent xmlns:mc="http://schemas.openxmlformats.org/markup-compatibility/2006">
               <mc:Choice xmlns:v="urn:schemas-microsoft-com:vml" Requires="v">
-                <p:oleObj spid="_x0000_s28735" name="Equation" r:id="rId4" imgW="1130300" imgH="508000" progId="Equation.3">
+                <p:oleObj spid="_x0000_s28756" name="Equation" r:id="rId4" imgW="1130300" imgH="508000" progId="Equation.3">
                   <p:embed/>
                 </p:oleObj>
               </mc:Choice>
@@ -5458,7 +8231,7 @@
           <a:graphicData uri="http://schemas.openxmlformats.org/presentationml/2006/ole">
             <mc:AlternateContent xmlns:mc="http://schemas.openxmlformats.org/markup-compatibility/2006">
               <mc:Choice xmlns:v="urn:schemas-microsoft-com:vml" Requires="v">
-                <p:oleObj spid="_x0000_s28736" name="Equation" r:id="rId6" imgW="1168400" imgH="431800" progId="Equation.3">
+                <p:oleObj spid="_x0000_s28757" name="Equation" r:id="rId6" imgW="1168400" imgH="431800" progId="Equation.3">
                   <p:embed/>
                 </p:oleObj>
               </mc:Choice>
@@ -5515,7 +8288,7 @@
           <a:graphicData uri="http://schemas.openxmlformats.org/presentationml/2006/ole">
             <mc:AlternateContent xmlns:mc="http://schemas.openxmlformats.org/markup-compatibility/2006">
               <mc:Choice xmlns:v="urn:schemas-microsoft-com:vml" Requires="v">
-                <p:oleObj spid="_x0000_s28737" name="Equation" r:id="rId8" imgW="1803400" imgH="203200" progId="Equation.3">
+                <p:oleObj spid="_x0000_s28758" name="Equation" r:id="rId8" imgW="1803400" imgH="203200" progId="Equation.3">
                   <p:embed/>
                 </p:oleObj>
               </mc:Choice>
@@ -5617,7 +8390,7 @@
                   </a:schemeClr>
                 </a:solidFill>
               </a:rPr>
-              <a:t>Prior Distribution</a:t>
+              <a:t>Bayesian Multiple Linear Regression</a:t>
             </a:r>
             <a:endParaRPr lang="en-US" sz="3200" dirty="0">
               <a:solidFill>
@@ -5673,8 +8446,8 @@
         </p:nvSpPr>
         <p:spPr>
           <a:xfrm>
-            <a:off x="381000" y="531197"/>
-            <a:ext cx="8229600" cy="5693867"/>
+            <a:off x="381000" y="638174"/>
+            <a:ext cx="8229600" cy="5386091"/>
           </a:xfrm>
           <a:prstGeom prst="rect">
             <a:avLst/>
@@ -5693,60 +8466,41 @@
           </a:bodyPr>
           <a:lstStyle/>
           <a:p>
-            <a:r>
-              <a:rPr lang="en-US" sz="2000" dirty="0" smtClean="0">
-                <a:solidFill>
-                  <a:schemeClr val="tx2"/>
-                </a:solidFill>
-              </a:rPr>
-              <a:t>=&gt; Assume that effects are independent, each following a normal distribution with mean zero and group-specific variance, that is</a:t>
-            </a:r>
-            <a:endParaRPr lang="en-US" dirty="0" smtClean="0">
-              <a:solidFill>
-                <a:schemeClr val="accent1">
-                  <a:lumMod val="75000"/>
-                </a:schemeClr>
-              </a:solidFill>
-            </a:endParaRPr>
-          </a:p>
-          <a:p>
-            <a:endParaRPr lang="en-US" dirty="0">
-              <a:solidFill>
-                <a:schemeClr val="accent1">
-                  <a:lumMod val="75000"/>
-                </a:schemeClr>
-              </a:solidFill>
-            </a:endParaRPr>
-          </a:p>
-          <a:p>
-            <a:endParaRPr lang="en-US" dirty="0" smtClean="0">
-              <a:solidFill>
-                <a:schemeClr val="accent1">
-                  <a:lumMod val="75000"/>
-                </a:schemeClr>
-              </a:solidFill>
-            </a:endParaRPr>
-          </a:p>
-          <a:p>
-            <a:endParaRPr lang="en-US" dirty="0">
-              <a:solidFill>
-                <a:schemeClr val="accent1">
-                  <a:lumMod val="75000"/>
-                </a:schemeClr>
-              </a:solidFill>
-            </a:endParaRPr>
-          </a:p>
-          <a:p>
-            <a:r>
-              <a:rPr lang="en-US" dirty="0" smtClean="0">
+            <a:endParaRPr lang="en-US" b="1" dirty="0">
+              <a:solidFill>
+                <a:schemeClr val="accent1">
+                  <a:lumMod val="75000"/>
+                </a:schemeClr>
+              </a:solidFill>
+            </a:endParaRPr>
+          </a:p>
+          <a:p>
+            <a:r>
+              <a:rPr lang="en-US" sz="2000" b="1" dirty="0" smtClean="0">
                 <a:solidFill>
                   <a:schemeClr val="accent1">
                     <a:lumMod val="75000"/>
                   </a:schemeClr>
                 </a:solidFill>
               </a:rPr>
-              <a:t>   </a:t>
-            </a:r>
+              <a:t>- If we group predictors in k sets we can write the regression as follows</a:t>
+            </a:r>
+            <a:endParaRPr lang="en-US" sz="2000" b="1" dirty="0">
+              <a:solidFill>
+                <a:schemeClr val="accent1">
+                  <a:lumMod val="75000"/>
+                </a:schemeClr>
+              </a:solidFill>
+            </a:endParaRPr>
+          </a:p>
+          <a:p>
+            <a:endParaRPr lang="en-US" dirty="0">
+              <a:solidFill>
+                <a:schemeClr val="accent1">
+                  <a:lumMod val="75000"/>
+                </a:schemeClr>
+              </a:solidFill>
+            </a:endParaRPr>
           </a:p>
           <a:p>
             <a:r>
@@ -5757,8 +8511,10 @@
                   </a:schemeClr>
                 </a:solidFill>
               </a:rPr>
-              <a:t>=&gt; If we assign scaled-inverse chi-squared priors to each of these variances the joint prior becomes</a:t>
-            </a:r>
+              <a:t>    </a:t>
+            </a:r>
+          </a:p>
+          <a:p>
             <a:endParaRPr lang="en-US" dirty="0">
               <a:solidFill>
                 <a:schemeClr val="accent1">
@@ -5795,15 +8551,25 @@
             </a:endParaRPr>
           </a:p>
           <a:p>
-            <a:endParaRPr lang="en-US" dirty="0">
-              <a:solidFill>
-                <a:schemeClr val="accent1">
-                  <a:lumMod val="75000"/>
-                </a:schemeClr>
-              </a:solidFill>
-            </a:endParaRPr>
-          </a:p>
-          <a:p>
+            <a:endParaRPr lang="en-US" b="1" dirty="0">
+              <a:solidFill>
+                <a:schemeClr val="accent1">
+                  <a:lumMod val="75000"/>
+                </a:schemeClr>
+              </a:solidFill>
+            </a:endParaRPr>
+          </a:p>
+          <a:p>
+            <a:r>
+              <a:rPr lang="en-US" b="1" dirty="0" smtClean="0">
+                <a:solidFill>
+                  <a:schemeClr val="accent1">
+                    <a:lumMod val="75000"/>
+                  </a:schemeClr>
+                </a:solidFill>
+              </a:rPr>
+              <a:t>- And the likelihood can be expressed as</a:t>
+            </a:r>
             <a:endParaRPr lang="en-US" dirty="0" smtClean="0">
               <a:solidFill>
                 <a:schemeClr val="accent1">
@@ -5813,25 +8579,63 @@
             </a:endParaRPr>
           </a:p>
           <a:p>
-            <a:endParaRPr lang="en-US" dirty="0" smtClean="0">
-              <a:solidFill>
-                <a:schemeClr val="accent1">
-                  <a:lumMod val="75000"/>
-                </a:schemeClr>
-              </a:solidFill>
-            </a:endParaRPr>
-          </a:p>
-          <a:p>
-            <a:endParaRPr lang="en-US" dirty="0">
-              <a:solidFill>
-                <a:schemeClr val="accent1">
-                  <a:lumMod val="75000"/>
-                </a:schemeClr>
-              </a:solidFill>
-            </a:endParaRPr>
-          </a:p>
-          <a:p>
-            <a:endParaRPr lang="en-US" dirty="0" smtClean="0">
+            <a:pPr marL="285750" indent="-285750">
+              <a:buFontTx/>
+              <a:buChar char="-"/>
+            </a:pPr>
+            <a:endParaRPr lang="en-US" b="1" u="sng" dirty="0">
+              <a:solidFill>
+                <a:schemeClr val="accent1">
+                  <a:lumMod val="75000"/>
+                </a:schemeClr>
+              </a:solidFill>
+            </a:endParaRPr>
+          </a:p>
+          <a:p>
+            <a:pPr marL="285750" indent="-285750">
+              <a:buFontTx/>
+              <a:buChar char="-"/>
+            </a:pPr>
+            <a:endParaRPr lang="en-US" b="1" u="sng" dirty="0" smtClean="0">
+              <a:solidFill>
+                <a:schemeClr val="accent1">
+                  <a:lumMod val="75000"/>
+                </a:schemeClr>
+              </a:solidFill>
+            </a:endParaRPr>
+          </a:p>
+          <a:p>
+            <a:pPr marL="285750" indent="-285750">
+              <a:buFontTx/>
+              <a:buChar char="-"/>
+            </a:pPr>
+            <a:endParaRPr lang="en-US" b="1" u="sng" dirty="0">
+              <a:solidFill>
+                <a:schemeClr val="accent1">
+                  <a:lumMod val="75000"/>
+                </a:schemeClr>
+              </a:solidFill>
+            </a:endParaRPr>
+          </a:p>
+          <a:p>
+            <a:pPr marL="285750" indent="-285750">
+              <a:buFontTx/>
+              <a:buChar char="-"/>
+            </a:pPr>
+            <a:endParaRPr lang="en-US" b="1" u="sng" dirty="0" smtClean="0">
+              <a:solidFill>
+                <a:schemeClr val="accent1">
+                  <a:lumMod val="75000"/>
+                </a:schemeClr>
+              </a:solidFill>
+            </a:endParaRPr>
+          </a:p>
+          <a:p>
+            <a:pPr marL="285750" indent="-285750">
+              <a:buFontTx/>
+              <a:buChar char="-"/>
+            </a:pPr>
+            <a:endParaRPr lang="en-US" b="1" u="sng" dirty="0">
               <a:solidFill>
                 <a:schemeClr val="accent1">
                   <a:lumMod val="75000"/>
@@ -5879,32 +8683,32 @@
       </p:sp>
       <p:graphicFrame>
         <p:nvGraphicFramePr>
-          <p:cNvPr id="7" name="Object 6"/>
+          <p:cNvPr id="3" name="Object 2"/>
           <p:cNvGraphicFramePr>
             <a:graphicFrameLocks noChangeAspect="1"/>
           </p:cNvGraphicFramePr>
           <p:nvPr>
             <p:extLst>
               <p:ext uri="{D42A27DB-BD31-4B8C-83A1-F6EECF244321}">
-                <p14:modId xmlns:p14="http://schemas.microsoft.com/office/powerpoint/2010/main" val="3981767316"/>
+                <p14:modId xmlns:p14="http://schemas.microsoft.com/office/powerpoint/2010/main" val="2989947695"/>
               </p:ext>
             </p:extLst>
           </p:nvPr>
         </p:nvGraphicFramePr>
         <p:xfrm>
-          <a:off x="976313" y="3556000"/>
-          <a:ext cx="7007225" cy="1239838"/>
+          <a:off x="2514600" y="1524000"/>
+          <a:ext cx="2717800" cy="781050"/>
         </p:xfrm>
         <a:graphic>
           <a:graphicData uri="http://schemas.openxmlformats.org/presentationml/2006/ole">
             <mc:AlternateContent xmlns:mc="http://schemas.openxmlformats.org/markup-compatibility/2006">
               <mc:Choice xmlns:v="urn:schemas-microsoft-com:vml" Requires="v">
-                <p:oleObj spid="_x0000_s42000" name="Equation" r:id="rId4" imgW="3517900" imgH="622300" progId="Equation.3">
+                <p:oleObj spid="_x0000_s47117" name="Equation" r:id="rId4" imgW="1104900" imgH="317500" progId="Equation.3">
                   <p:embed/>
                 </p:oleObj>
               </mc:Choice>
               <mc:Fallback>
-                <p:oleObj name="Equation" r:id="rId4" imgW="3517900" imgH="622300" progId="Equation.3">
+                <p:oleObj name="Equation" r:id="rId4" imgW="1104900" imgH="317500" progId="Equation.3">
                   <p:embed/>
                   <p:pic>
                     <p:nvPicPr>
@@ -5920,8 +8724,8 @@
                     </p:blipFill>
                     <p:spPr>
                       <a:xfrm>
-                        <a:off x="976313" y="3556000"/>
-                        <a:ext cx="7007225" cy="1239838"/>
+                        <a:off x="2514600" y="1524000"/>
+                        <a:ext cx="2717800" cy="781050"/>
                       </a:xfrm>
                       <a:prstGeom prst="rect">
                         <a:avLst/>
@@ -5936,32 +8740,32 @@
       </p:graphicFrame>
       <p:graphicFrame>
         <p:nvGraphicFramePr>
-          <p:cNvPr id="8" name="Object 7"/>
+          <p:cNvPr id="12" name="Object 11"/>
           <p:cNvGraphicFramePr>
             <a:graphicFrameLocks noChangeAspect="1"/>
           </p:cNvGraphicFramePr>
           <p:nvPr>
             <p:extLst>
               <p:ext uri="{D42A27DB-BD31-4B8C-83A1-F6EECF244321}">
-                <p14:modId xmlns:p14="http://schemas.microsoft.com/office/powerpoint/2010/main" val="3027839538"/>
+                <p14:modId xmlns:p14="http://schemas.microsoft.com/office/powerpoint/2010/main" val="240865901"/>
               </p:ext>
             </p:extLst>
           </p:nvPr>
         </p:nvGraphicFramePr>
         <p:xfrm>
-          <a:off x="2589213" y="1352550"/>
-          <a:ext cx="2044700" cy="627063"/>
+          <a:off x="533400" y="3877881"/>
+          <a:ext cx="7924800" cy="1837119"/>
         </p:xfrm>
         <a:graphic>
           <a:graphicData uri="http://schemas.openxmlformats.org/presentationml/2006/ole">
             <mc:AlternateContent xmlns:mc="http://schemas.openxmlformats.org/markup-compatibility/2006">
               <mc:Choice xmlns:v="urn:schemas-microsoft-com:vml" Requires="v">
-                <p:oleObj spid="_x0000_s42001" name="Equation" r:id="rId6" imgW="952500" imgH="292100" progId="Equation.3">
+                <p:oleObj spid="_x0000_s47118" name="Equation" r:id="rId6" imgW="4775200" imgH="1104900" progId="Equation.3">
                   <p:embed/>
                 </p:oleObj>
               </mc:Choice>
               <mc:Fallback>
-                <p:oleObj name="Equation" r:id="rId6" imgW="952500" imgH="292100" progId="Equation.3">
+                <p:oleObj name="Equation" r:id="rId6" imgW="4775200" imgH="1104900" progId="Equation.3">
                   <p:embed/>
                   <p:pic>
                     <p:nvPicPr>
@@ -5977,8 +8781,8 @@
                     </p:blipFill>
                     <p:spPr>
                       <a:xfrm>
-                        <a:off x="2589213" y="1352550"/>
-                        <a:ext cx="2044700" cy="627063"/>
+                        <a:off x="533400" y="3877881"/>
+                        <a:ext cx="7924800" cy="1837119"/>
                       </a:xfrm>
                       <a:prstGeom prst="rect">
                         <a:avLst/>
@@ -5994,7 +8798,7 @@
     </p:spTree>
     <p:extLst>
       <p:ext uri="{BB962C8B-B14F-4D97-AF65-F5344CB8AC3E}">
-        <p14:creationId xmlns:p14="http://schemas.microsoft.com/office/powerpoint/2010/main" val="1478490046"/>
+        <p14:creationId xmlns:p14="http://schemas.microsoft.com/office/powerpoint/2010/main" val="3882422442"/>
       </p:ext>
     </p:extLst>
   </p:cSld>
@@ -6058,6 +8862,447 @@
                   </a:schemeClr>
                 </a:solidFill>
               </a:rPr>
+              <a:t>Prior Distribution</a:t>
+            </a:r>
+            <a:endParaRPr lang="en-US" sz="3200" dirty="0">
+              <a:solidFill>
+                <a:schemeClr val="accent2">
+                  <a:lumMod val="75000"/>
+                </a:schemeClr>
+              </a:solidFill>
+            </a:endParaRPr>
+          </a:p>
+        </p:txBody>
+      </p:sp>
+      <p:sp>
+        <p:nvSpPr>
+          <p:cNvPr id="4" name="Footer Placeholder 3"/>
+          <p:cNvSpPr>
+            <a:spLocks noGrp="1"/>
+          </p:cNvSpPr>
+          <p:nvPr>
+            <p:ph type="ftr" sz="quarter" idx="11"/>
+          </p:nvPr>
+        </p:nvSpPr>
+        <p:spPr>
+          <a:xfrm>
+            <a:off x="3124200" y="6569075"/>
+            <a:ext cx="2895600" cy="365125"/>
+          </a:xfrm>
+        </p:spPr>
+        <p:txBody>
+          <a:bodyPr/>
+          <a:lstStyle/>
+          <a:p>
+            <a:r>
+              <a:rPr lang="en-US" dirty="0" smtClean="0">
+                <a:solidFill>
+                  <a:schemeClr val="accent1"/>
+                </a:solidFill>
+              </a:rPr>
+              <a:t>STT 465, MSU, Fall, 2015</a:t>
+            </a:r>
+            <a:endParaRPr lang="en-US" dirty="0">
+              <a:solidFill>
+                <a:schemeClr val="accent1"/>
+              </a:solidFill>
+            </a:endParaRPr>
+          </a:p>
+        </p:txBody>
+      </p:sp>
+      <p:sp>
+        <p:nvSpPr>
+          <p:cNvPr id="6" name="TextBox 5"/>
+          <p:cNvSpPr txBox="1"/>
+          <p:nvPr/>
+        </p:nvSpPr>
+        <p:spPr>
+          <a:xfrm>
+            <a:off x="381000" y="531197"/>
+            <a:ext cx="8229600" cy="5693867"/>
+          </a:xfrm>
+          <a:prstGeom prst="rect">
+            <a:avLst/>
+          </a:prstGeom>
+          <a:noFill/>
+          <a:ln>
+            <a:solidFill>
+              <a:srgbClr val="800000"/>
+            </a:solidFill>
+            <a:prstDash val="sysDash"/>
+          </a:ln>
+        </p:spPr>
+        <p:txBody>
+          <a:bodyPr wrap="square" rtlCol="0">
+            <a:spAutoFit/>
+          </a:bodyPr>
+          <a:lstStyle/>
+          <a:p>
+            <a:r>
+              <a:rPr lang="en-US" sz="2000" dirty="0" smtClean="0">
+                <a:solidFill>
+                  <a:schemeClr val="tx2"/>
+                </a:solidFill>
+              </a:rPr>
+              <a:t>=&gt; Assume that effects are independent, each following a normal distribution with mean zero and group-specific variance, that is</a:t>
+            </a:r>
+            <a:endParaRPr lang="en-US" dirty="0" smtClean="0">
+              <a:solidFill>
+                <a:schemeClr val="accent1">
+                  <a:lumMod val="75000"/>
+                </a:schemeClr>
+              </a:solidFill>
+            </a:endParaRPr>
+          </a:p>
+          <a:p>
+            <a:endParaRPr lang="en-US" dirty="0">
+              <a:solidFill>
+                <a:schemeClr val="accent1">
+                  <a:lumMod val="75000"/>
+                </a:schemeClr>
+              </a:solidFill>
+            </a:endParaRPr>
+          </a:p>
+          <a:p>
+            <a:endParaRPr lang="en-US" dirty="0" smtClean="0">
+              <a:solidFill>
+                <a:schemeClr val="accent1">
+                  <a:lumMod val="75000"/>
+                </a:schemeClr>
+              </a:solidFill>
+            </a:endParaRPr>
+          </a:p>
+          <a:p>
+            <a:endParaRPr lang="en-US" dirty="0">
+              <a:solidFill>
+                <a:schemeClr val="accent1">
+                  <a:lumMod val="75000"/>
+                </a:schemeClr>
+              </a:solidFill>
+            </a:endParaRPr>
+          </a:p>
+          <a:p>
+            <a:r>
+              <a:rPr lang="en-US" dirty="0" smtClean="0">
+                <a:solidFill>
+                  <a:schemeClr val="accent1">
+                    <a:lumMod val="75000"/>
+                  </a:schemeClr>
+                </a:solidFill>
+              </a:rPr>
+              <a:t>   </a:t>
+            </a:r>
+          </a:p>
+          <a:p>
+            <a:r>
+              <a:rPr lang="en-US" dirty="0" smtClean="0">
+                <a:solidFill>
+                  <a:schemeClr val="accent1">
+                    <a:lumMod val="75000"/>
+                  </a:schemeClr>
+                </a:solidFill>
+              </a:rPr>
+              <a:t>=&gt; If we assign scaled-inverse chi-squared priors to each of these variances the joint prior becomes</a:t>
+            </a:r>
+            <a:endParaRPr lang="en-US" dirty="0">
+              <a:solidFill>
+                <a:schemeClr val="accent1">
+                  <a:lumMod val="75000"/>
+                </a:schemeClr>
+              </a:solidFill>
+            </a:endParaRPr>
+          </a:p>
+          <a:p>
+            <a:endParaRPr lang="en-US" dirty="0" smtClean="0">
+              <a:solidFill>
+                <a:schemeClr val="accent1">
+                  <a:lumMod val="75000"/>
+                </a:schemeClr>
+              </a:solidFill>
+            </a:endParaRPr>
+          </a:p>
+          <a:p>
+            <a:endParaRPr lang="en-US" dirty="0">
+              <a:solidFill>
+                <a:schemeClr val="accent1">
+                  <a:lumMod val="75000"/>
+                </a:schemeClr>
+              </a:solidFill>
+            </a:endParaRPr>
+          </a:p>
+          <a:p>
+            <a:endParaRPr lang="en-US" dirty="0" smtClean="0">
+              <a:solidFill>
+                <a:schemeClr val="accent1">
+                  <a:lumMod val="75000"/>
+                </a:schemeClr>
+              </a:solidFill>
+            </a:endParaRPr>
+          </a:p>
+          <a:p>
+            <a:endParaRPr lang="en-US" dirty="0">
+              <a:solidFill>
+                <a:schemeClr val="accent1">
+                  <a:lumMod val="75000"/>
+                </a:schemeClr>
+              </a:solidFill>
+            </a:endParaRPr>
+          </a:p>
+          <a:p>
+            <a:endParaRPr lang="en-US" dirty="0" smtClean="0">
+              <a:solidFill>
+                <a:schemeClr val="accent1">
+                  <a:lumMod val="75000"/>
+                </a:schemeClr>
+              </a:solidFill>
+            </a:endParaRPr>
+          </a:p>
+          <a:p>
+            <a:endParaRPr lang="en-US" dirty="0" smtClean="0">
+              <a:solidFill>
+                <a:schemeClr val="accent1">
+                  <a:lumMod val="75000"/>
+                </a:schemeClr>
+              </a:solidFill>
+            </a:endParaRPr>
+          </a:p>
+          <a:p>
+            <a:endParaRPr lang="en-US" dirty="0">
+              <a:solidFill>
+                <a:schemeClr val="accent1">
+                  <a:lumMod val="75000"/>
+                </a:schemeClr>
+              </a:solidFill>
+            </a:endParaRPr>
+          </a:p>
+          <a:p>
+            <a:endParaRPr lang="en-US" dirty="0" smtClean="0">
+              <a:solidFill>
+                <a:schemeClr val="accent1">
+                  <a:lumMod val="75000"/>
+                </a:schemeClr>
+              </a:solidFill>
+            </a:endParaRPr>
+          </a:p>
+          <a:p>
+            <a:endParaRPr lang="en-US" dirty="0">
+              <a:solidFill>
+                <a:schemeClr val="accent1">
+                  <a:lumMod val="75000"/>
+                </a:schemeClr>
+              </a:solidFill>
+            </a:endParaRPr>
+          </a:p>
+          <a:p>
+            <a:endParaRPr lang="en-US" dirty="0" smtClean="0">
+              <a:solidFill>
+                <a:schemeClr val="accent1">
+                  <a:lumMod val="75000"/>
+                </a:schemeClr>
+              </a:solidFill>
+            </a:endParaRPr>
+          </a:p>
+          <a:p>
+            <a:endParaRPr lang="en-US" dirty="0">
+              <a:solidFill>
+                <a:schemeClr val="accent1">
+                  <a:lumMod val="75000"/>
+                </a:schemeClr>
+              </a:solidFill>
+            </a:endParaRPr>
+          </a:p>
+          <a:p>
+            <a:endParaRPr lang="en-US" dirty="0">
+              <a:solidFill>
+                <a:schemeClr val="accent1">
+                  <a:lumMod val="75000"/>
+                </a:schemeClr>
+              </a:solidFill>
+            </a:endParaRPr>
+          </a:p>
+        </p:txBody>
+      </p:sp>
+      <p:graphicFrame>
+        <p:nvGraphicFramePr>
+          <p:cNvPr id="7" name="Object 6"/>
+          <p:cNvGraphicFramePr>
+            <a:graphicFrameLocks noChangeAspect="1"/>
+          </p:cNvGraphicFramePr>
+          <p:nvPr>
+            <p:extLst>
+              <p:ext uri="{D42A27DB-BD31-4B8C-83A1-F6EECF244321}">
+                <p14:modId xmlns:p14="http://schemas.microsoft.com/office/powerpoint/2010/main" val="3795785558"/>
+              </p:ext>
+            </p:extLst>
+          </p:nvPr>
+        </p:nvGraphicFramePr>
+        <p:xfrm>
+          <a:off x="609600" y="3352800"/>
+          <a:ext cx="7751908" cy="1371600"/>
+        </p:xfrm>
+        <a:graphic>
+          <a:graphicData uri="http://schemas.openxmlformats.org/presentationml/2006/ole">
+            <mc:AlternateContent xmlns:mc="http://schemas.openxmlformats.org/markup-compatibility/2006">
+              <mc:Choice xmlns:v="urn:schemas-microsoft-com:vml" Requires="v">
+                <p:oleObj spid="_x0000_s42015" name="Equation" r:id="rId4" imgW="3517900" imgH="622300" progId="Equation.3">
+                  <p:embed/>
+                </p:oleObj>
+              </mc:Choice>
+              <mc:Fallback>
+                <p:oleObj name="Equation" r:id="rId4" imgW="3517900" imgH="622300" progId="Equation.3">
+                  <p:embed/>
+                  <p:pic>
+                    <p:nvPicPr>
+                      <p:cNvPr id="0" name=""/>
+                      <p:cNvPicPr/>
+                      <p:nvPr/>
+                    </p:nvPicPr>
+                    <p:blipFill>
+                      <a:blip r:embed="rId5"/>
+                      <a:stretch>
+                        <a:fillRect/>
+                      </a:stretch>
+                    </p:blipFill>
+                    <p:spPr>
+                      <a:xfrm>
+                        <a:off x="609600" y="3352800"/>
+                        <a:ext cx="7751908" cy="1371600"/>
+                      </a:xfrm>
+                      <a:prstGeom prst="rect">
+                        <a:avLst/>
+                      </a:prstGeom>
+                    </p:spPr>
+                  </p:pic>
+                </p:oleObj>
+              </mc:Fallback>
+            </mc:AlternateContent>
+          </a:graphicData>
+        </a:graphic>
+      </p:graphicFrame>
+      <p:graphicFrame>
+        <p:nvGraphicFramePr>
+          <p:cNvPr id="8" name="Object 7"/>
+          <p:cNvGraphicFramePr>
+            <a:graphicFrameLocks noChangeAspect="1"/>
+          </p:cNvGraphicFramePr>
+          <p:nvPr>
+            <p:extLst>
+              <p:ext uri="{D42A27DB-BD31-4B8C-83A1-F6EECF244321}">
+                <p14:modId xmlns:p14="http://schemas.microsoft.com/office/powerpoint/2010/main" val="3563663006"/>
+              </p:ext>
+            </p:extLst>
+          </p:nvPr>
+        </p:nvGraphicFramePr>
+        <p:xfrm>
+          <a:off x="1687513" y="1352550"/>
+          <a:ext cx="5780087" cy="627063"/>
+        </p:xfrm>
+        <a:graphic>
+          <a:graphicData uri="http://schemas.openxmlformats.org/presentationml/2006/ole">
+            <mc:AlternateContent xmlns:mc="http://schemas.openxmlformats.org/markup-compatibility/2006">
+              <mc:Choice xmlns:v="urn:schemas-microsoft-com:vml" Requires="v">
+                <p:oleObj spid="_x0000_s42016" name="Equation" r:id="rId6" imgW="2692400" imgH="292100" progId="Equation.3">
+                  <p:embed/>
+                </p:oleObj>
+              </mc:Choice>
+              <mc:Fallback>
+                <p:oleObj name="Equation" r:id="rId6" imgW="2692400" imgH="292100" progId="Equation.3">
+                  <p:embed/>
+                  <p:pic>
+                    <p:nvPicPr>
+                      <p:cNvPr id="0" name=""/>
+                      <p:cNvPicPr/>
+                      <p:nvPr/>
+                    </p:nvPicPr>
+                    <p:blipFill>
+                      <a:blip r:embed="rId7"/>
+                      <a:stretch>
+                        <a:fillRect/>
+                      </a:stretch>
+                    </p:blipFill>
+                    <p:spPr>
+                      <a:xfrm>
+                        <a:off x="1687513" y="1352550"/>
+                        <a:ext cx="5780087" cy="627063"/>
+                      </a:xfrm>
+                      <a:prstGeom prst="rect">
+                        <a:avLst/>
+                      </a:prstGeom>
+                    </p:spPr>
+                  </p:pic>
+                </p:oleObj>
+              </mc:Fallback>
+            </mc:AlternateContent>
+          </a:graphicData>
+        </a:graphic>
+      </p:graphicFrame>
+    </p:spTree>
+    <p:extLst>
+      <p:ext uri="{BB962C8B-B14F-4D97-AF65-F5344CB8AC3E}">
+        <p14:creationId xmlns:p14="http://schemas.microsoft.com/office/powerpoint/2010/main" val="1478490046"/>
+      </p:ext>
+    </p:extLst>
+  </p:cSld>
+  <p:clrMapOvr>
+    <a:masterClrMapping/>
+  </p:clrMapOvr>
+  <p:timing>
+    <p:tnLst>
+      <p:par>
+        <p:cTn xmlns:p14="http://schemas.microsoft.com/office/powerpoint/2010/main" id="1" dur="indefinite" restart="never" nodeType="tmRoot"/>
+      </p:par>
+    </p:tnLst>
+  </p:timing>
+</p:sld>
+</file>
+
+<file path=ppt/slides/slide6.xml><?xml version="1.0" encoding="utf-8"?>
+<p:sld xmlns:a="http://schemas.openxmlformats.org/drawingml/2006/main" xmlns:r="http://schemas.openxmlformats.org/officeDocument/2006/relationships" xmlns:p="http://schemas.openxmlformats.org/presentationml/2006/main">
+  <p:cSld>
+    <p:spTree>
+      <p:nvGrpSpPr>
+        <p:cNvPr id="1" name=""/>
+        <p:cNvGrpSpPr/>
+        <p:nvPr/>
+      </p:nvGrpSpPr>
+      <p:grpSpPr>
+        <a:xfrm>
+          <a:off x="0" y="0"/>
+          <a:ext cx="0" cy="0"/>
+          <a:chOff x="0" y="0"/>
+          <a:chExt cx="0" cy="0"/>
+        </a:xfrm>
+      </p:grpSpPr>
+      <p:sp>
+        <p:nvSpPr>
+          <p:cNvPr id="2" name="Title 1"/>
+          <p:cNvSpPr>
+            <a:spLocks noGrp="1"/>
+          </p:cNvSpPr>
+          <p:nvPr>
+            <p:ph type="ctrTitle"/>
+          </p:nvPr>
+        </p:nvSpPr>
+        <p:spPr>
+          <a:xfrm>
+            <a:off x="609600" y="-152400"/>
+            <a:ext cx="7772400" cy="762000"/>
+          </a:xfrm>
+        </p:spPr>
+        <p:txBody>
+          <a:bodyPr>
+            <a:normAutofit/>
+          </a:bodyPr>
+          <a:lstStyle/>
+          <a:p>
+            <a:r>
+              <a:rPr lang="en-US" sz="3200" dirty="0" smtClean="0">
+                <a:solidFill>
+                  <a:schemeClr val="accent2">
+                    <a:lumMod val="75000"/>
+                  </a:schemeClr>
+                </a:solidFill>
+              </a:rPr>
               <a:t>Posterior Density</a:t>
             </a:r>
             <a:endParaRPr lang="en-US" sz="3200" dirty="0">
@@ -6341,7 +9586,7 @@
           <a:graphicData uri="http://schemas.openxmlformats.org/presentationml/2006/ole">
             <mc:AlternateContent xmlns:mc="http://schemas.openxmlformats.org/markup-compatibility/2006">
               <mc:Choice xmlns:v="urn:schemas-microsoft-com:vml" Requires="v">
-                <p:oleObj spid="_x0000_s30812" name="Equation" r:id="rId4" imgW="5105400" imgH="1003300" progId="Equation.3">
+                <p:oleObj spid="_x0000_s30821" name="Equation" r:id="rId4" imgW="5105400" imgH="1003300" progId="Equation.3">
                   <p:embed/>
                 </p:oleObj>
               </mc:Choice>
@@ -6396,7 +9641,7 @@
 </p:sld>
 </file>
 
-<file path=ppt/slides/slide6.xml><?xml version="1.0" encoding="utf-8"?>
+<file path=ppt/slides/slide7.xml><?xml version="1.0" encoding="utf-8"?>
 <p:sld xmlns:a="http://schemas.openxmlformats.org/drawingml/2006/main" xmlns:r="http://schemas.openxmlformats.org/officeDocument/2006/relationships" xmlns:p="http://schemas.openxmlformats.org/presentationml/2006/main">
   <p:cSld>
     <p:spTree>
@@ -6741,20 +9986,20 @@
           <p:nvPr>
             <p:extLst>
               <p:ext uri="{D42A27DB-BD31-4B8C-83A1-F6EECF244321}">
-                <p14:modId xmlns:p14="http://schemas.microsoft.com/office/powerpoint/2010/main" val="4193790359"/>
+                <p14:modId xmlns:p14="http://schemas.microsoft.com/office/powerpoint/2010/main" val="4065832533"/>
               </p:ext>
             </p:extLst>
           </p:nvPr>
         </p:nvGraphicFramePr>
         <p:xfrm>
-          <a:off x="2514600" y="4483100"/>
+          <a:off x="2133600" y="4191000"/>
           <a:ext cx="2973388" cy="1609725"/>
         </p:xfrm>
         <a:graphic>
           <a:graphicData uri="http://schemas.openxmlformats.org/presentationml/2006/ole">
             <mc:AlternateContent xmlns:mc="http://schemas.openxmlformats.org/markup-compatibility/2006">
               <mc:Choice xmlns:v="urn:schemas-microsoft-com:vml" Requires="v">
-                <p:oleObj spid="_x0000_s43030" name="Equation" r:id="rId4" imgW="1384300" imgH="749300" progId="Equation.3">
+                <p:oleObj spid="_x0000_s43054" name="Equation" r:id="rId4" imgW="1384300" imgH="749300" progId="Equation.3">
                   <p:embed/>
                 </p:oleObj>
               </mc:Choice>
@@ -6775,7 +10020,7 @@
                     </p:blipFill>
                     <p:spPr>
                       <a:xfrm>
-                        <a:off x="2514600" y="4483100"/>
+                        <a:off x="2133600" y="4191000"/>
                         <a:ext cx="2973388" cy="1609725"/>
                       </a:xfrm>
                       <a:prstGeom prst="rect">
@@ -6811,7 +10056,7 @@
           <a:graphicData uri="http://schemas.openxmlformats.org/presentationml/2006/ole">
             <mc:AlternateContent xmlns:mc="http://schemas.openxmlformats.org/markup-compatibility/2006">
               <mc:Choice xmlns:v="urn:schemas-microsoft-com:vml" Requires="v">
-                <p:oleObj spid="_x0000_s43031" name="Equation" r:id="rId6" imgW="4787900" imgH="1104900" progId="Equation.3">
+                <p:oleObj spid="_x0000_s43055" name="Equation" r:id="rId6" imgW="4787900" imgH="1104900" progId="Equation.3">
                   <p:embed/>
                 </p:oleObj>
               </mc:Choice>
@@ -6868,7 +10113,7 @@
           <a:graphicData uri="http://schemas.openxmlformats.org/presentationml/2006/ole">
             <mc:AlternateContent xmlns:mc="http://schemas.openxmlformats.org/markup-compatibility/2006">
               <mc:Choice xmlns:v="urn:schemas-microsoft-com:vml" Requires="v">
-                <p:oleObj spid="_x0000_s43032" name="Equation" r:id="rId8" imgW="2133600" imgH="292100" progId="Equation.3">
+                <p:oleObj spid="_x0000_s43056" name="Equation" r:id="rId8" imgW="2133600" imgH="292100" progId="Equation.3">
                   <p:embed/>
                 </p:oleObj>
               </mc:Choice>
@@ -6923,7 +10168,7 @@
 </p:sld>
 </file>
 
-<file path=ppt/slides/slide7.xml><?xml version="1.0" encoding="utf-8"?>
+<file path=ppt/slides/slide8.xml><?xml version="1.0" encoding="utf-8"?>
 <p:sld xmlns:a="http://schemas.openxmlformats.org/drawingml/2006/main" xmlns:r="http://schemas.openxmlformats.org/officeDocument/2006/relationships" xmlns:p="http://schemas.openxmlformats.org/presentationml/2006/main">
   <p:cSld>
     <p:spTree>
@@ -7253,7 +10498,7 @@
           <a:graphicData uri="http://schemas.openxmlformats.org/presentationml/2006/ole">
             <mc:AlternateContent xmlns:mc="http://schemas.openxmlformats.org/markup-compatibility/2006">
               <mc:Choice xmlns:v="urn:schemas-microsoft-com:vml" Requires="v">
-                <p:oleObj spid="_x0000_s44038" name="Equation" r:id="rId4" imgW="3390900" imgH="1549400" progId="Equation.3">
+                <p:oleObj spid="_x0000_s44047" name="Equation" r:id="rId4" imgW="3390900" imgH="1549400" progId="Equation.3">
                   <p:embed/>
                 </p:oleObj>
               </mc:Choice>
@@ -7308,7 +10553,7 @@
 </p:sld>
 </file>
 
-<file path=ppt/slides/slide8.xml><?xml version="1.0" encoding="utf-8"?>
+<file path=ppt/slides/slide9.xml><?xml version="1.0" encoding="utf-8"?>
 <p:sld xmlns:a="http://schemas.openxmlformats.org/drawingml/2006/main" xmlns:r="http://schemas.openxmlformats.org/officeDocument/2006/relationships" xmlns:p="http://schemas.openxmlformats.org/presentationml/2006/main">
   <p:cSld>
     <p:spTree>
@@ -7652,7 +10897,7 @@
           <a:graphicData uri="http://schemas.openxmlformats.org/presentationml/2006/ole">
             <mc:AlternateContent xmlns:mc="http://schemas.openxmlformats.org/markup-compatibility/2006">
               <mc:Choice xmlns:v="urn:schemas-microsoft-com:vml" Requires="v">
-                <p:oleObj spid="_x0000_s39958" name="Equation" r:id="rId4" imgW="2933700" imgH="304800" progId="Equation.3">
+                <p:oleObj spid="_x0000_s39973" name="Equation" r:id="rId4" imgW="2933700" imgH="304800" progId="Equation.3">
                   <p:embed/>
                 </p:oleObj>
               </mc:Choice>
@@ -7709,7 +10954,7 @@
           <a:graphicData uri="http://schemas.openxmlformats.org/presentationml/2006/ole">
             <mc:AlternateContent xmlns:mc="http://schemas.openxmlformats.org/markup-compatibility/2006">
               <mc:Choice xmlns:v="urn:schemas-microsoft-com:vml" Requires="v">
-                <p:oleObj spid="_x0000_s39959" name="Equation" r:id="rId6" imgW="2882900" imgH="393700" progId="Equation.3">
+                <p:oleObj spid="_x0000_s39974" name="Equation" r:id="rId6" imgW="2882900" imgH="393700" progId="Equation.3">
                   <p:embed/>
                 </p:oleObj>
               </mc:Choice>

--- a/STT465_13.pptx
+++ b/STT465_13.pptx
@@ -5,7 +5,7 @@
     <p:sldMasterId id="2147483648" r:id="rId1"/>
   </p:sldMasterIdLst>
   <p:notesMasterIdLst>
-    <p:notesMasterId r:id="rId15"/>
+    <p:notesMasterId r:id="rId24"/>
   </p:notesMasterIdLst>
   <p:sldIdLst>
     <p:sldId id="338" r:id="rId2"/>
@@ -21,6 +21,15 @@
     <p:sldId id="361" r:id="rId12"/>
     <p:sldId id="362" r:id="rId13"/>
     <p:sldId id="363" r:id="rId14"/>
+    <p:sldId id="364" r:id="rId15"/>
+    <p:sldId id="370" r:id="rId16"/>
+    <p:sldId id="367" r:id="rId17"/>
+    <p:sldId id="368" r:id="rId18"/>
+    <p:sldId id="371" r:id="rId19"/>
+    <p:sldId id="369" r:id="rId20"/>
+    <p:sldId id="372" r:id="rId21"/>
+    <p:sldId id="373" r:id="rId22"/>
+    <p:sldId id="374" r:id="rId23"/>
   </p:sldIdLst>
   <p:sldSz cx="9144000" cy="6858000" type="screen4x3"/>
   <p:notesSz cx="6858000" cy="9144000"/>
@@ -211,7 +220,7 @@
             <a:fld id="{EC2AD4C0-0FC1-44D9-A720-D776D6428221}" type="datetimeFigureOut">
               <a:rPr lang="en-US" smtClean="0"/>
               <a:pPr/>
-              <a:t>11/23/15</a:t>
+              <a:t>11/24/15</a:t>
             </a:fld>
             <a:endParaRPr lang="en-US"/>
           </a:p>
@@ -892,6 +901,416 @@
 </p:notes>
 </file>
 
+<file path=ppt/notesSlides/notesSlide14.xml><?xml version="1.0" encoding="utf-8"?>
+<p:notes xmlns:a="http://schemas.openxmlformats.org/drawingml/2006/main" xmlns:r="http://schemas.openxmlformats.org/officeDocument/2006/relationships" xmlns:p="http://schemas.openxmlformats.org/presentationml/2006/main">
+  <p:cSld>
+    <p:spTree>
+      <p:nvGrpSpPr>
+        <p:cNvPr id="1" name=""/>
+        <p:cNvGrpSpPr/>
+        <p:nvPr/>
+      </p:nvGrpSpPr>
+      <p:grpSpPr>
+        <a:xfrm>
+          <a:off x="0" y="0"/>
+          <a:ext cx="0" cy="0"/>
+          <a:chOff x="0" y="0"/>
+          <a:chExt cx="0" cy="0"/>
+        </a:xfrm>
+      </p:grpSpPr>
+      <p:sp>
+        <p:nvSpPr>
+          <p:cNvPr id="2" name="Slide Image Placeholder 1"/>
+          <p:cNvSpPr>
+            <a:spLocks noGrp="1" noRot="1" noChangeAspect="1"/>
+          </p:cNvSpPr>
+          <p:nvPr>
+            <p:ph type="sldImg"/>
+          </p:nvPr>
+        </p:nvSpPr>
+        <p:spPr/>
+      </p:sp>
+      <p:sp>
+        <p:nvSpPr>
+          <p:cNvPr id="3" name="Notes Placeholder 2"/>
+          <p:cNvSpPr>
+            <a:spLocks noGrp="1"/>
+          </p:cNvSpPr>
+          <p:nvPr>
+            <p:ph type="body" idx="1"/>
+          </p:nvPr>
+        </p:nvSpPr>
+        <p:spPr/>
+        <p:txBody>
+          <a:bodyPr>
+            <a:normAutofit/>
+          </a:bodyPr>
+          <a:lstStyle/>
+          <a:p>
+            <a:endParaRPr lang="en-US" dirty="0"/>
+          </a:p>
+        </p:txBody>
+      </p:sp>
+      <p:sp>
+        <p:nvSpPr>
+          <p:cNvPr id="4" name="Slide Number Placeholder 3"/>
+          <p:cNvSpPr>
+            <a:spLocks noGrp="1"/>
+          </p:cNvSpPr>
+          <p:nvPr>
+            <p:ph type="sldNum" sz="quarter" idx="10"/>
+          </p:nvPr>
+        </p:nvSpPr>
+        <p:spPr/>
+        <p:txBody>
+          <a:bodyPr/>
+          <a:lstStyle/>
+          <a:p>
+            <a:fld id="{CACBEE2F-8C26-493F-9430-82D1D1B7C623}" type="slidenum">
+              <a:rPr lang="en-US" smtClean="0"/>
+              <a:pPr/>
+              <a:t>14</a:t>
+            </a:fld>
+            <a:endParaRPr lang="en-US"/>
+          </a:p>
+        </p:txBody>
+      </p:sp>
+    </p:spTree>
+  </p:cSld>
+  <p:clrMapOvr>
+    <a:masterClrMapping/>
+  </p:clrMapOvr>
+</p:notes>
+</file>
+
+<file path=ppt/notesSlides/notesSlide15.xml><?xml version="1.0" encoding="utf-8"?>
+<p:notes xmlns:a="http://schemas.openxmlformats.org/drawingml/2006/main" xmlns:r="http://schemas.openxmlformats.org/officeDocument/2006/relationships" xmlns:p="http://schemas.openxmlformats.org/presentationml/2006/main">
+  <p:cSld>
+    <p:spTree>
+      <p:nvGrpSpPr>
+        <p:cNvPr id="1" name=""/>
+        <p:cNvGrpSpPr/>
+        <p:nvPr/>
+      </p:nvGrpSpPr>
+      <p:grpSpPr>
+        <a:xfrm>
+          <a:off x="0" y="0"/>
+          <a:ext cx="0" cy="0"/>
+          <a:chOff x="0" y="0"/>
+          <a:chExt cx="0" cy="0"/>
+        </a:xfrm>
+      </p:grpSpPr>
+      <p:sp>
+        <p:nvSpPr>
+          <p:cNvPr id="2" name="Slide Image Placeholder 1"/>
+          <p:cNvSpPr>
+            <a:spLocks noGrp="1" noRot="1" noChangeAspect="1"/>
+          </p:cNvSpPr>
+          <p:nvPr>
+            <p:ph type="sldImg"/>
+          </p:nvPr>
+        </p:nvSpPr>
+        <p:spPr/>
+      </p:sp>
+      <p:sp>
+        <p:nvSpPr>
+          <p:cNvPr id="3" name="Notes Placeholder 2"/>
+          <p:cNvSpPr>
+            <a:spLocks noGrp="1"/>
+          </p:cNvSpPr>
+          <p:nvPr>
+            <p:ph type="body" idx="1"/>
+          </p:nvPr>
+        </p:nvSpPr>
+        <p:spPr/>
+        <p:txBody>
+          <a:bodyPr>
+            <a:normAutofit/>
+          </a:bodyPr>
+          <a:lstStyle/>
+          <a:p>
+            <a:endParaRPr lang="en-US"/>
+          </a:p>
+        </p:txBody>
+      </p:sp>
+      <p:sp>
+        <p:nvSpPr>
+          <p:cNvPr id="4" name="Slide Number Placeholder 3"/>
+          <p:cNvSpPr>
+            <a:spLocks noGrp="1"/>
+          </p:cNvSpPr>
+          <p:nvPr>
+            <p:ph type="sldNum" sz="quarter" idx="10"/>
+          </p:nvPr>
+        </p:nvSpPr>
+        <p:spPr/>
+        <p:txBody>
+          <a:bodyPr/>
+          <a:lstStyle/>
+          <a:p>
+            <a:fld id="{CACBEE2F-8C26-493F-9430-82D1D1B7C623}" type="slidenum">
+              <a:rPr lang="en-US" smtClean="0"/>
+              <a:pPr/>
+              <a:t>15</a:t>
+            </a:fld>
+            <a:endParaRPr lang="en-US"/>
+          </a:p>
+        </p:txBody>
+      </p:sp>
+    </p:spTree>
+  </p:cSld>
+  <p:clrMapOvr>
+    <a:masterClrMapping/>
+  </p:clrMapOvr>
+</p:notes>
+</file>
+
+<file path=ppt/notesSlides/notesSlide16.xml><?xml version="1.0" encoding="utf-8"?>
+<p:notes xmlns:a="http://schemas.openxmlformats.org/drawingml/2006/main" xmlns:r="http://schemas.openxmlformats.org/officeDocument/2006/relationships" xmlns:p="http://schemas.openxmlformats.org/presentationml/2006/main">
+  <p:cSld>
+    <p:spTree>
+      <p:nvGrpSpPr>
+        <p:cNvPr id="1" name=""/>
+        <p:cNvGrpSpPr/>
+        <p:nvPr/>
+      </p:nvGrpSpPr>
+      <p:grpSpPr>
+        <a:xfrm>
+          <a:off x="0" y="0"/>
+          <a:ext cx="0" cy="0"/>
+          <a:chOff x="0" y="0"/>
+          <a:chExt cx="0" cy="0"/>
+        </a:xfrm>
+      </p:grpSpPr>
+      <p:sp>
+        <p:nvSpPr>
+          <p:cNvPr id="2" name="Slide Image Placeholder 1"/>
+          <p:cNvSpPr>
+            <a:spLocks noGrp="1" noRot="1" noChangeAspect="1"/>
+          </p:cNvSpPr>
+          <p:nvPr>
+            <p:ph type="sldImg"/>
+          </p:nvPr>
+        </p:nvSpPr>
+        <p:spPr/>
+      </p:sp>
+      <p:sp>
+        <p:nvSpPr>
+          <p:cNvPr id="3" name="Notes Placeholder 2"/>
+          <p:cNvSpPr>
+            <a:spLocks noGrp="1"/>
+          </p:cNvSpPr>
+          <p:nvPr>
+            <p:ph type="body" idx="1"/>
+          </p:nvPr>
+        </p:nvSpPr>
+        <p:spPr/>
+        <p:txBody>
+          <a:bodyPr>
+            <a:normAutofit/>
+          </a:bodyPr>
+          <a:lstStyle/>
+          <a:p>
+            <a:endParaRPr lang="en-US"/>
+          </a:p>
+        </p:txBody>
+      </p:sp>
+      <p:sp>
+        <p:nvSpPr>
+          <p:cNvPr id="4" name="Slide Number Placeholder 3"/>
+          <p:cNvSpPr>
+            <a:spLocks noGrp="1"/>
+          </p:cNvSpPr>
+          <p:nvPr>
+            <p:ph type="sldNum" sz="quarter" idx="10"/>
+          </p:nvPr>
+        </p:nvSpPr>
+        <p:spPr/>
+        <p:txBody>
+          <a:bodyPr/>
+          <a:lstStyle/>
+          <a:p>
+            <a:fld id="{CACBEE2F-8C26-493F-9430-82D1D1B7C623}" type="slidenum">
+              <a:rPr lang="en-US" smtClean="0"/>
+              <a:pPr/>
+              <a:t>19</a:t>
+            </a:fld>
+            <a:endParaRPr lang="en-US"/>
+          </a:p>
+        </p:txBody>
+      </p:sp>
+    </p:spTree>
+  </p:cSld>
+  <p:clrMapOvr>
+    <a:masterClrMapping/>
+  </p:clrMapOvr>
+</p:notes>
+</file>
+
+<file path=ppt/notesSlides/notesSlide17.xml><?xml version="1.0" encoding="utf-8"?>
+<p:notes xmlns:a="http://schemas.openxmlformats.org/drawingml/2006/main" xmlns:r="http://schemas.openxmlformats.org/officeDocument/2006/relationships" xmlns:p="http://schemas.openxmlformats.org/presentationml/2006/main">
+  <p:cSld>
+    <p:spTree>
+      <p:nvGrpSpPr>
+        <p:cNvPr id="1" name=""/>
+        <p:cNvGrpSpPr/>
+        <p:nvPr/>
+      </p:nvGrpSpPr>
+      <p:grpSpPr>
+        <a:xfrm>
+          <a:off x="0" y="0"/>
+          <a:ext cx="0" cy="0"/>
+          <a:chOff x="0" y="0"/>
+          <a:chExt cx="0" cy="0"/>
+        </a:xfrm>
+      </p:grpSpPr>
+      <p:sp>
+        <p:nvSpPr>
+          <p:cNvPr id="2" name="Slide Image Placeholder 1"/>
+          <p:cNvSpPr>
+            <a:spLocks noGrp="1" noRot="1" noChangeAspect="1"/>
+          </p:cNvSpPr>
+          <p:nvPr>
+            <p:ph type="sldImg"/>
+          </p:nvPr>
+        </p:nvSpPr>
+        <p:spPr/>
+      </p:sp>
+      <p:sp>
+        <p:nvSpPr>
+          <p:cNvPr id="3" name="Notes Placeholder 2"/>
+          <p:cNvSpPr>
+            <a:spLocks noGrp="1"/>
+          </p:cNvSpPr>
+          <p:nvPr>
+            <p:ph type="body" idx="1"/>
+          </p:nvPr>
+        </p:nvSpPr>
+        <p:spPr/>
+        <p:txBody>
+          <a:bodyPr>
+            <a:normAutofit/>
+          </a:bodyPr>
+          <a:lstStyle/>
+          <a:p>
+            <a:endParaRPr lang="en-US" dirty="0"/>
+          </a:p>
+        </p:txBody>
+      </p:sp>
+      <p:sp>
+        <p:nvSpPr>
+          <p:cNvPr id="4" name="Slide Number Placeholder 3"/>
+          <p:cNvSpPr>
+            <a:spLocks noGrp="1"/>
+          </p:cNvSpPr>
+          <p:nvPr>
+            <p:ph type="sldNum" sz="quarter" idx="10"/>
+          </p:nvPr>
+        </p:nvSpPr>
+        <p:spPr/>
+        <p:txBody>
+          <a:bodyPr/>
+          <a:lstStyle/>
+          <a:p>
+            <a:fld id="{CACBEE2F-8C26-493F-9430-82D1D1B7C623}" type="slidenum">
+              <a:rPr lang="en-US" smtClean="0"/>
+              <a:pPr/>
+              <a:t>21</a:t>
+            </a:fld>
+            <a:endParaRPr lang="en-US"/>
+          </a:p>
+        </p:txBody>
+      </p:sp>
+    </p:spTree>
+  </p:cSld>
+  <p:clrMapOvr>
+    <a:masterClrMapping/>
+  </p:clrMapOvr>
+</p:notes>
+</file>
+
+<file path=ppt/notesSlides/notesSlide18.xml><?xml version="1.0" encoding="utf-8"?>
+<p:notes xmlns:a="http://schemas.openxmlformats.org/drawingml/2006/main" xmlns:r="http://schemas.openxmlformats.org/officeDocument/2006/relationships" xmlns:p="http://schemas.openxmlformats.org/presentationml/2006/main">
+  <p:cSld>
+    <p:spTree>
+      <p:nvGrpSpPr>
+        <p:cNvPr id="1" name=""/>
+        <p:cNvGrpSpPr/>
+        <p:nvPr/>
+      </p:nvGrpSpPr>
+      <p:grpSpPr>
+        <a:xfrm>
+          <a:off x="0" y="0"/>
+          <a:ext cx="0" cy="0"/>
+          <a:chOff x="0" y="0"/>
+          <a:chExt cx="0" cy="0"/>
+        </a:xfrm>
+      </p:grpSpPr>
+      <p:sp>
+        <p:nvSpPr>
+          <p:cNvPr id="2" name="Slide Image Placeholder 1"/>
+          <p:cNvSpPr>
+            <a:spLocks noGrp="1" noRot="1" noChangeAspect="1"/>
+          </p:cNvSpPr>
+          <p:nvPr>
+            <p:ph type="sldImg"/>
+          </p:nvPr>
+        </p:nvSpPr>
+        <p:spPr/>
+      </p:sp>
+      <p:sp>
+        <p:nvSpPr>
+          <p:cNvPr id="3" name="Notes Placeholder 2"/>
+          <p:cNvSpPr>
+            <a:spLocks noGrp="1"/>
+          </p:cNvSpPr>
+          <p:nvPr>
+            <p:ph type="body" idx="1"/>
+          </p:nvPr>
+        </p:nvSpPr>
+        <p:spPr/>
+        <p:txBody>
+          <a:bodyPr>
+            <a:normAutofit/>
+          </a:bodyPr>
+          <a:lstStyle/>
+          <a:p>
+            <a:endParaRPr lang="en-US" dirty="0"/>
+          </a:p>
+        </p:txBody>
+      </p:sp>
+      <p:sp>
+        <p:nvSpPr>
+          <p:cNvPr id="4" name="Slide Number Placeholder 3"/>
+          <p:cNvSpPr>
+            <a:spLocks noGrp="1"/>
+          </p:cNvSpPr>
+          <p:nvPr>
+            <p:ph type="sldNum" sz="quarter" idx="10"/>
+          </p:nvPr>
+        </p:nvSpPr>
+        <p:spPr/>
+        <p:txBody>
+          <a:bodyPr/>
+          <a:lstStyle/>
+          <a:p>
+            <a:fld id="{CACBEE2F-8C26-493F-9430-82D1D1B7C623}" type="slidenum">
+              <a:rPr lang="en-US" smtClean="0"/>
+              <a:pPr/>
+              <a:t>22</a:t>
+            </a:fld>
+            <a:endParaRPr lang="en-US"/>
+          </a:p>
+        </p:txBody>
+      </p:sp>
+    </p:spTree>
+  </p:cSld>
+  <p:clrMapOvr>
+    <a:masterClrMapping/>
+  </p:clrMapOvr>
+</p:notes>
+</file>
+
 <file path=ppt/notesSlides/notesSlide2.xml><?xml version="1.0" encoding="utf-8"?>
 <p:notes xmlns:a="http://schemas.openxmlformats.org/drawingml/2006/main" xmlns:r="http://schemas.openxmlformats.org/officeDocument/2006/relationships" xmlns:p="http://schemas.openxmlformats.org/presentationml/2006/main">
   <p:cSld>
@@ -1730,7 +2149,7 @@
             <a:fld id="{F9C811E6-0209-4075-80E7-F5953C8ECEE3}" type="datetime1">
               <a:rPr lang="en-US" smtClean="0"/>
               <a:pPr/>
-              <a:t>11/23/15</a:t>
+              <a:t>11/24/15</a:t>
             </a:fld>
             <a:endParaRPr lang="en-US"/>
           </a:p>
@@ -1901,7 +2320,7 @@
             <a:fld id="{648E6BB1-E6D9-4EE7-828F-046F7223761D}" type="datetime1">
               <a:rPr lang="en-US" smtClean="0"/>
               <a:pPr/>
-              <a:t>11/23/15</a:t>
+              <a:t>11/24/15</a:t>
             </a:fld>
             <a:endParaRPr lang="en-US"/>
           </a:p>
@@ -2082,7 +2501,7 @@
             <a:fld id="{B4B9C580-A780-4D76-B2D1-C34F1DA97DF0}" type="datetime1">
               <a:rPr lang="en-US" smtClean="0"/>
               <a:pPr/>
-              <a:t>11/23/15</a:t>
+              <a:t>11/24/15</a:t>
             </a:fld>
             <a:endParaRPr lang="en-US"/>
           </a:p>
@@ -2253,7 +2672,7 @@
             <a:fld id="{EB19DDAF-3255-4785-974C-BB4FAF02D67E}" type="datetime1">
               <a:rPr lang="en-US" smtClean="0"/>
               <a:pPr/>
-              <a:t>11/23/15</a:t>
+              <a:t>11/24/15</a:t>
             </a:fld>
             <a:endParaRPr lang="en-US"/>
           </a:p>
@@ -2500,7 +2919,7 @@
             <a:fld id="{C344AF86-11D1-4E84-BA60-17130236FDAA}" type="datetime1">
               <a:rPr lang="en-US" smtClean="0"/>
               <a:pPr/>
-              <a:t>11/23/15</a:t>
+              <a:t>11/24/15</a:t>
             </a:fld>
             <a:endParaRPr lang="en-US"/>
           </a:p>
@@ -2789,7 +3208,7 @@
             <a:fld id="{A8DD670F-7E07-4783-A6F8-B28127B5AF4A}" type="datetime1">
               <a:rPr lang="en-US" smtClean="0"/>
               <a:pPr/>
-              <a:t>11/23/15</a:t>
+              <a:t>11/24/15</a:t>
             </a:fld>
             <a:endParaRPr lang="en-US"/>
           </a:p>
@@ -3212,7 +3631,7 @@
             <a:fld id="{92676DD9-688F-48EE-8233-B3B78BDDA63D}" type="datetime1">
               <a:rPr lang="en-US" smtClean="0"/>
               <a:pPr/>
-              <a:t>11/23/15</a:t>
+              <a:t>11/24/15</a:t>
             </a:fld>
             <a:endParaRPr lang="en-US"/>
           </a:p>
@@ -3331,7 +3750,7 @@
             <a:fld id="{F6CC4A83-AE34-48B8-B90E-70388FDBF0F7}" type="datetime1">
               <a:rPr lang="en-US" smtClean="0"/>
               <a:pPr/>
-              <a:t>11/23/15</a:t>
+              <a:t>11/24/15</a:t>
             </a:fld>
             <a:endParaRPr lang="en-US"/>
           </a:p>
@@ -3427,7 +3846,7 @@
             <a:fld id="{510CA3E2-9601-488E-B92B-23013819BD02}" type="datetime1">
               <a:rPr lang="en-US" smtClean="0"/>
               <a:pPr/>
-              <a:t>11/23/15</a:t>
+              <a:t>11/24/15</a:t>
             </a:fld>
             <a:endParaRPr lang="en-US"/>
           </a:p>
@@ -3705,7 +4124,7 @@
             <a:fld id="{331F1CBD-358A-4E18-86FD-C337233E15F0}" type="datetime1">
               <a:rPr lang="en-US" smtClean="0"/>
               <a:pPr/>
-              <a:t>11/23/15</a:t>
+              <a:t>11/24/15</a:t>
             </a:fld>
             <a:endParaRPr lang="en-US"/>
           </a:p>
@@ -3959,7 +4378,7 @@
             <a:fld id="{3CB4F0D5-901F-4458-A8F8-F062616694B4}" type="datetime1">
               <a:rPr lang="en-US" smtClean="0"/>
               <a:pPr/>
-              <a:t>11/23/15</a:t>
+              <a:t>11/24/15</a:t>
             </a:fld>
             <a:endParaRPr lang="en-US"/>
           </a:p>
@@ -4173,7 +4592,7 @@
             <a:fld id="{F77D84EF-BDBF-448B-906E-D51D4CAF22DC}" type="datetime1">
               <a:rPr lang="en-US" smtClean="0"/>
               <a:pPr/>
-              <a:t>11/23/15</a:t>
+              <a:t>11/24/15</a:t>
             </a:fld>
             <a:endParaRPr lang="en-US"/>
           </a:p>
@@ -4562,8 +4981,14 @@
         <p:spPr>
           <a:xfrm>
             <a:off x="685800" y="3318"/>
-            <a:ext cx="7772400" cy="2895600"/>
+            <a:ext cx="7772400" cy="1825482"/>
           </a:xfrm>
+          <a:ln>
+            <a:solidFill>
+              <a:srgbClr val="800000"/>
+            </a:solidFill>
+            <a:prstDash val="sysDash"/>
+          </a:ln>
         </p:spPr>
         <p:txBody>
           <a:bodyPr>
@@ -4610,41 +5035,6 @@
               </a:rPr>
               <a:t>Bayesian Multiple Linear Regression: </a:t>
             </a:r>
-            <a:br>
-              <a:rPr lang="en-US" sz="3200" dirty="0" smtClean="0">
-                <a:solidFill>
-                  <a:schemeClr val="accent2">
-                    <a:lumMod val="75000"/>
-                  </a:schemeClr>
-                </a:solidFill>
-              </a:rPr>
-            </a:br>
-            <a:r>
-              <a:rPr lang="en-US" sz="3200" dirty="0">
-                <a:solidFill>
-                  <a:schemeClr val="accent2">
-                    <a:lumMod val="75000"/>
-                  </a:schemeClr>
-                </a:solidFill>
-              </a:rPr>
-              <a:t/>
-            </a:r>
-            <a:br>
-              <a:rPr lang="en-US" sz="3200" dirty="0">
-                <a:solidFill>
-                  <a:schemeClr val="accent2">
-                    <a:lumMod val="75000"/>
-                  </a:schemeClr>
-                </a:solidFill>
-              </a:rPr>
-            </a:br>
-            <a:endParaRPr lang="en-US" sz="3200" dirty="0" smtClean="0">
-              <a:solidFill>
-                <a:schemeClr val="accent2">
-                  <a:lumMod val="75000"/>
-                </a:schemeClr>
-              </a:solidFill>
-            </a:endParaRPr>
           </a:p>
         </p:txBody>
       </p:sp>
@@ -4687,13 +5077,19 @@
         </p:nvSpPr>
         <p:spPr>
           <a:xfrm>
-            <a:off x="990600" y="1981200"/>
-            <a:ext cx="7620000" cy="1200328"/>
+            <a:off x="685800" y="2057400"/>
+            <a:ext cx="8077200" cy="4154983"/>
           </a:xfrm>
           <a:prstGeom prst="rect">
             <a:avLst/>
           </a:prstGeom>
           <a:noFill/>
+          <a:ln w="6350" cmpd="sng">
+            <a:solidFill>
+              <a:schemeClr val="tx2"/>
+            </a:solidFill>
+            <a:prstDash val="sysDash"/>
+          </a:ln>
         </p:spPr>
         <p:txBody>
           <a:bodyPr wrap="square" rtlCol="0">
@@ -4705,20 +5101,23 @@
               <a:buFontTx/>
               <a:buChar char="-"/>
             </a:pPr>
+            <a:endParaRPr lang="en-US" sz="2400" dirty="0" smtClean="0">
+              <a:solidFill>
+                <a:schemeClr val="tx2"/>
+              </a:solidFill>
+            </a:endParaRPr>
+          </a:p>
+          <a:p>
             <a:r>
               <a:rPr lang="en-US" sz="2400" dirty="0" smtClean="0">
                 <a:solidFill>
                   <a:schemeClr val="tx2"/>
                 </a:solidFill>
               </a:rPr>
-              <a:t>Mixed Effects Models</a:t>
-            </a:r>
-          </a:p>
-          <a:p>
-            <a:pPr marL="342900" indent="-342900">
-              <a:buFontTx/>
-              <a:buChar char="-"/>
-            </a:pPr>
+              <a:t>  =&gt;  Mixed Effects Models</a:t>
+            </a:r>
+          </a:p>
+          <a:p>
             <a:endParaRPr lang="en-US" sz="2400" dirty="0">
               <a:solidFill>
                 <a:schemeClr val="tx2"/>
@@ -4726,18 +5125,118 @@
             </a:endParaRPr>
           </a:p>
           <a:p>
-            <a:pPr marL="342900" indent="-342900">
-              <a:buFontTx/>
-              <a:buChar char="-"/>
-            </a:pPr>
+            <a:r>
+              <a:rPr lang="en-US" sz="2400" dirty="0">
+                <a:solidFill>
+                  <a:schemeClr val="tx2"/>
+                </a:solidFill>
+              </a:rPr>
+              <a:t> </a:t>
+            </a:r>
             <a:r>
               <a:rPr lang="en-US" sz="2400" dirty="0" smtClean="0">
                 <a:solidFill>
                   <a:schemeClr val="tx2"/>
                 </a:solidFill>
               </a:rPr>
-              <a:t>Gibbs Sampler with blocked or scalar updates of effects.</a:t>
-            </a:r>
+              <a:t> =&gt;  Gibbs Sampler with blocked or scalar updates of effects.</a:t>
+            </a:r>
+          </a:p>
+          <a:p>
+            <a:r>
+              <a:rPr lang="en-US" sz="2400" dirty="0">
+                <a:solidFill>
+                  <a:schemeClr val="tx2"/>
+                </a:solidFill>
+              </a:rPr>
+              <a:t> </a:t>
+            </a:r>
+            <a:r>
+              <a:rPr lang="en-US" sz="2400" dirty="0" smtClean="0">
+                <a:solidFill>
+                  <a:schemeClr val="tx2"/>
+                </a:solidFill>
+              </a:rPr>
+              <a:t> </a:t>
+            </a:r>
+          </a:p>
+          <a:p>
+            <a:r>
+              <a:rPr lang="en-US" sz="2400" dirty="0">
+                <a:solidFill>
+                  <a:schemeClr val="tx2"/>
+                </a:solidFill>
+              </a:rPr>
+              <a:t> </a:t>
+            </a:r>
+            <a:r>
+              <a:rPr lang="en-US" sz="2400" dirty="0" smtClean="0">
+                <a:solidFill>
+                  <a:schemeClr val="tx2"/>
+                </a:solidFill>
+              </a:rPr>
+              <a:t> =&gt;   Dealing with missing values:</a:t>
+            </a:r>
+          </a:p>
+          <a:p>
+            <a:r>
+              <a:rPr lang="en-US" sz="2400" dirty="0">
+                <a:solidFill>
+                  <a:schemeClr val="tx2"/>
+                </a:solidFill>
+              </a:rPr>
+              <a:t> </a:t>
+            </a:r>
+            <a:r>
+              <a:rPr lang="en-US" sz="2400" dirty="0" smtClean="0">
+                <a:solidFill>
+                  <a:schemeClr val="tx2"/>
+                </a:solidFill>
+              </a:rPr>
+              <a:t>                    	- Un-informative missing</a:t>
+            </a:r>
+          </a:p>
+          <a:p>
+            <a:r>
+              <a:rPr lang="en-US" sz="2400" dirty="0">
+                <a:solidFill>
+                  <a:schemeClr val="tx2"/>
+                </a:solidFill>
+              </a:rPr>
+              <a:t>	</a:t>
+            </a:r>
+            <a:r>
+              <a:rPr lang="en-US" sz="2400" dirty="0" smtClean="0">
+                <a:solidFill>
+                  <a:schemeClr val="tx2"/>
+                </a:solidFill>
+              </a:rPr>
+              <a:t>	- Right Censored data</a:t>
+            </a:r>
+          </a:p>
+          <a:p>
+            <a:endParaRPr lang="en-US" sz="2400" dirty="0" smtClean="0">
+              <a:solidFill>
+                <a:schemeClr val="tx2"/>
+              </a:solidFill>
+            </a:endParaRPr>
+          </a:p>
+          <a:p>
+            <a:r>
+              <a:rPr lang="en-US" sz="2400" dirty="0" smtClean="0">
+                <a:solidFill>
+                  <a:schemeClr val="tx2"/>
+                </a:solidFill>
+              </a:rPr>
+              <a:t>  =&gt; Regression with binary outcomes</a:t>
+            </a:r>
+          </a:p>
+          <a:p>
+            <a:endParaRPr lang="en-US" sz="2400" dirty="0" smtClean="0">
+              <a:solidFill>
+                <a:schemeClr val="tx2"/>
+              </a:solidFill>
+            </a:endParaRPr>
           </a:p>
         </p:txBody>
       </p:sp>
@@ -5175,7 +5674,7 @@
           <a:graphicData uri="http://schemas.openxmlformats.org/presentationml/2006/ole">
             <mc:AlternateContent xmlns:mc="http://schemas.openxmlformats.org/markup-compatibility/2006">
               <mc:Choice xmlns:v="urn:schemas-microsoft-com:vml" Requires="v">
-                <p:oleObj spid="_x0000_s48146" name="Equation" r:id="rId4" imgW="2133600" imgH="292100" progId="Equation.3">
+                <p:oleObj spid="_x0000_s48166" name="Equation" r:id="rId4" imgW="2133600" imgH="292100" progId="Equation.3">
                   <p:embed/>
                 </p:oleObj>
               </mc:Choice>
@@ -5232,7 +5731,7 @@
           <a:graphicData uri="http://schemas.openxmlformats.org/presentationml/2006/ole">
             <mc:AlternateContent xmlns:mc="http://schemas.openxmlformats.org/markup-compatibility/2006">
               <mc:Choice xmlns:v="urn:schemas-microsoft-com:vml" Requires="v">
-                <p:oleObj spid="_x0000_s48147" name="Equation" r:id="rId6" imgW="2781300" imgH="279400" progId="Equation.3">
+                <p:oleObj spid="_x0000_s48167" name="Equation" r:id="rId6" imgW="2781300" imgH="279400" progId="Equation.3">
                   <p:embed/>
                 </p:oleObj>
               </mc:Choice>
@@ -5289,7 +5788,7 @@
           <a:graphicData uri="http://schemas.openxmlformats.org/presentationml/2006/ole">
             <mc:AlternateContent xmlns:mc="http://schemas.openxmlformats.org/markup-compatibility/2006">
               <mc:Choice xmlns:v="urn:schemas-microsoft-com:vml" Requires="v">
-                <p:oleObj spid="_x0000_s48148" name="Equation" r:id="rId8" imgW="698500" imgH="241300" progId="Equation.3">
+                <p:oleObj spid="_x0000_s48168" name="Equation" r:id="rId8" imgW="698500" imgH="241300" progId="Equation.3">
                   <p:embed/>
                 </p:oleObj>
               </mc:Choice>
@@ -6241,27 +6740,7 @@
                   </a:schemeClr>
                 </a:solidFill>
               </a:rPr>
-              <a:t>Non-informative </a:t>
-            </a:r>
-            <a:r>
-              <a:rPr lang="en-US" sz="2000" dirty="0" err="1" smtClean="0">
-                <a:solidFill>
-                  <a:schemeClr val="accent1">
-                    <a:lumMod val="75000"/>
-                  </a:schemeClr>
-                </a:solidFill>
-              </a:rPr>
-              <a:t>missings</a:t>
-            </a:r>
-            <a:r>
-              <a:rPr lang="en-US" sz="2000" dirty="0" smtClean="0">
-                <a:solidFill>
-                  <a:schemeClr val="accent1">
-                    <a:lumMod val="75000"/>
-                  </a:schemeClr>
-                </a:solidFill>
-              </a:rPr>
-              <a:t> can be simply removed, e.g.,</a:t>
+              <a:t>Non-informative missing values can be simply removed, e.g.,</a:t>
             </a:r>
           </a:p>
           <a:p>
@@ -6393,71 +6872,119 @@
               <a:t> </a:t>
             </a:r>
             <a:r>
-              <a:rPr lang="en-US" dirty="0" err="1">
+              <a:rPr lang="en-US" dirty="0" err="1" smtClean="0">
                 <a:latin typeface="Courier New"/>
                 <a:cs typeface="Courier New"/>
               </a:rPr>
-              <a:t>isNA</a:t>
+              <a:t>notNA</a:t>
+            </a:r>
+            <a:r>
+              <a:rPr lang="en-US" dirty="0" smtClean="0">
+                <a:latin typeface="Courier New"/>
+                <a:cs typeface="Courier New"/>
+              </a:rPr>
+              <a:t>=!</a:t>
+            </a:r>
+            <a:r>
+              <a:rPr lang="en-US" dirty="0" err="1" smtClean="0">
+                <a:latin typeface="Courier New"/>
+                <a:cs typeface="Courier New"/>
+              </a:rPr>
+              <a:t>is.na</a:t>
             </a:r>
             <a:r>
               <a:rPr lang="en-US" dirty="0">
                 <a:latin typeface="Courier New"/>
                 <a:cs typeface="Courier New"/>
               </a:rPr>
-              <a:t>=</a:t>
-            </a:r>
-            <a:r>
-              <a:rPr lang="en-US" dirty="0" err="1">
-                <a:latin typeface="Courier New"/>
-                <a:cs typeface="Courier New"/>
-              </a:rPr>
-              <a:t>is.na</a:t>
-            </a:r>
+              <a:t>(y)</a:t>
+            </a:r>
+          </a:p>
+          <a:p>
             <a:r>
               <a:rPr lang="en-US" dirty="0">
                 <a:latin typeface="Courier New"/>
                 <a:cs typeface="Courier New"/>
               </a:rPr>
-              <a:t>(y)</a:t>
-            </a:r>
-          </a:p>
-          <a:p>
+              <a:t> </a:t>
+            </a:r>
+          </a:p>
+          <a:p>
+            <a:r>
+              <a:rPr lang="en-US" dirty="0" smtClean="0">
+                <a:latin typeface="Courier New"/>
+                <a:cs typeface="Courier New"/>
+              </a:rPr>
+              <a:t> y=</a:t>
+            </a:r>
             <a:r>
               <a:rPr lang="en-US" dirty="0">
                 <a:latin typeface="Courier New"/>
                 <a:cs typeface="Courier New"/>
               </a:rPr>
-              <a:t> </a:t>
-            </a:r>
-          </a:p>
-          <a:p>
+              <a:t>y</a:t>
+            </a:r>
             <a:r>
               <a:rPr lang="en-US" dirty="0" smtClean="0">
                 <a:latin typeface="Courier New"/>
                 <a:cs typeface="Courier New"/>
               </a:rPr>
-              <a:t> </a:t>
+              <a:t>[</a:t>
             </a:r>
             <a:r>
               <a:rPr lang="en-US" dirty="0" err="1" smtClean="0">
                 <a:latin typeface="Courier New"/>
                 <a:cs typeface="Courier New"/>
               </a:rPr>
-              <a:t>y_no_NA</a:t>
+              <a:t>notNA</a:t>
+            </a:r>
+            <a:r>
+              <a:rPr lang="en-US" dirty="0" smtClean="0">
+                <a:latin typeface="Courier New"/>
+                <a:cs typeface="Courier New"/>
+              </a:rPr>
+              <a:t>]</a:t>
+            </a:r>
+            <a:endParaRPr lang="en-US" dirty="0">
+              <a:latin typeface="Courier New"/>
+              <a:cs typeface="Courier New"/>
+            </a:endParaRPr>
+          </a:p>
+          <a:p>
+            <a:r>
+              <a:rPr lang="en-US" dirty="0" smtClean="0">
+                <a:latin typeface="Courier New"/>
+                <a:cs typeface="Courier New"/>
+              </a:rPr>
+              <a:t> X=</a:t>
             </a:r>
             <a:r>
               <a:rPr lang="en-US" dirty="0">
                 <a:latin typeface="Courier New"/>
                 <a:cs typeface="Courier New"/>
               </a:rPr>
-              <a:t>=y[!</a:t>
-            </a:r>
-            <a:r>
-              <a:rPr lang="en-US" dirty="0" err="1">
+              <a:t>X</a:t>
+            </a:r>
+            <a:r>
+              <a:rPr lang="en-US" dirty="0" smtClean="0">
                 <a:latin typeface="Courier New"/>
                 <a:cs typeface="Courier New"/>
               </a:rPr>
-              <a:t>isNA</a:t>
+              <a:t>[</a:t>
+            </a:r>
+            <a:r>
+              <a:rPr lang="en-US" dirty="0" err="1" smtClean="0">
+                <a:latin typeface="Courier New"/>
+                <a:cs typeface="Courier New"/>
+              </a:rPr>
+              <a:t>notNA</a:t>
+            </a:r>
+            <a:r>
+              <a:rPr lang="en-US" dirty="0" smtClean="0">
+                <a:latin typeface="Courier New"/>
+                <a:cs typeface="Courier New"/>
+              </a:rPr>
+              <a:t>,</a:t>
             </a:r>
             <a:r>
               <a:rPr lang="en-US" dirty="0">
@@ -6473,72 +7000,21 @@
                 <a:latin typeface="Courier New"/>
                 <a:cs typeface="Courier New"/>
               </a:rPr>
-              <a:t> </a:t>
-            </a:r>
-            <a:r>
-              <a:rPr lang="en-US" dirty="0" err="1" smtClean="0">
-                <a:latin typeface="Courier New"/>
-                <a:cs typeface="Courier New"/>
-              </a:rPr>
-              <a:t>X_no_NA</a:t>
+              <a:t> #</a:t>
             </a:r>
             <a:r>
               <a:rPr lang="en-US" dirty="0">
                 <a:latin typeface="Courier New"/>
                 <a:cs typeface="Courier New"/>
               </a:rPr>
-              <a:t>=X[!</a:t>
-            </a:r>
-            <a:r>
-              <a:rPr lang="en-US" dirty="0" err="1">
-                <a:latin typeface="Courier New"/>
-                <a:cs typeface="Courier New"/>
-              </a:rPr>
-              <a:t>isNA</a:t>
-            </a:r>
-            <a:r>
-              <a:rPr lang="en-US" dirty="0">
-                <a:latin typeface="Courier New"/>
-                <a:cs typeface="Courier New"/>
-              </a:rPr>
-              <a:t>,]</a:t>
-            </a:r>
-          </a:p>
-          <a:p>
+              <a:t># now regress </a:t>
+            </a:r>
             <a:r>
               <a:rPr lang="en-US" dirty="0" smtClean="0">
                 <a:latin typeface="Courier New"/>
                 <a:cs typeface="Courier New"/>
               </a:rPr>
-              <a:t> #</a:t>
-            </a:r>
-            <a:r>
-              <a:rPr lang="en-US" dirty="0">
-                <a:latin typeface="Courier New"/>
-                <a:cs typeface="Courier New"/>
-              </a:rPr>
-              <a:t># now regress </a:t>
-            </a:r>
-            <a:r>
-              <a:rPr lang="en-US" dirty="0" err="1">
-                <a:latin typeface="Courier New"/>
-                <a:cs typeface="Courier New"/>
-              </a:rPr>
-              <a:t>y_no_NA</a:t>
-            </a:r>
-            <a:r>
-              <a:rPr lang="en-US" dirty="0">
-                <a:latin typeface="Courier New"/>
-                <a:cs typeface="Courier New"/>
-              </a:rPr>
-              <a:t> on </a:t>
-            </a:r>
-            <a:r>
-              <a:rPr lang="en-US" dirty="0" err="1">
-                <a:latin typeface="Courier New"/>
-                <a:cs typeface="Courier New"/>
-              </a:rPr>
-              <a:t>X_no_NA</a:t>
+              <a:t>y on X</a:t>
             </a:r>
             <a:endParaRPr lang="en-US" dirty="0">
               <a:latin typeface="Courier New"/>
@@ -6614,7 +7090,7 @@
                   </a:schemeClr>
                 </a:solidFill>
               </a:rPr>
-              <a:t>Sampling Non-Informative Missing Values</a:t>
+              <a:t>Dealing with un-Informative Missing Values</a:t>
             </a:r>
             <a:endParaRPr lang="en-US" sz="3200" dirty="0">
               <a:solidFill>
@@ -6671,7 +7147,7 @@
         <p:spPr>
           <a:xfrm>
             <a:off x="76200" y="533400"/>
-            <a:ext cx="8991600" cy="6124754"/>
+            <a:ext cx="8991600" cy="5693866"/>
           </a:xfrm>
           <a:prstGeom prst="rect">
             <a:avLst/>
@@ -6690,37 +7166,68 @@
           </a:bodyPr>
           <a:lstStyle/>
           <a:p>
-            <a:r>
-              <a:rPr lang="en-US" sz="2400" b="1" u="sng" dirty="0" smtClean="0">
+            <a:pPr marL="342900" indent="-342900">
+              <a:buFontTx/>
+              <a:buChar char="-"/>
+            </a:pPr>
+            <a:r>
+              <a:rPr lang="en-US" sz="2000" dirty="0" smtClean="0">
                 <a:solidFill>
                   <a:schemeClr val="accent1">
                     <a:lumMod val="75000"/>
                   </a:schemeClr>
                 </a:solidFill>
               </a:rPr>
-              <a:t>Types of missing values</a:t>
-            </a:r>
-            <a:endParaRPr lang="en-US" sz="2400" dirty="0" smtClean="0">
-              <a:solidFill>
-                <a:schemeClr val="accent1">
-                  <a:lumMod val="75000"/>
-                </a:schemeClr>
-              </a:solidFill>
-            </a:endParaRPr>
-          </a:p>
-          <a:p>
-            <a:r>
-              <a:rPr lang="en-US" sz="2400" dirty="0" smtClean="0">
+              <a:t>Missing values are, like parameters, unobserved values.</a:t>
+            </a:r>
+          </a:p>
+          <a:p>
+            <a:pPr marL="342900" indent="-342900">
+              <a:buFontTx/>
+              <a:buChar char="-"/>
+            </a:pPr>
+            <a:endParaRPr lang="en-US" sz="2000" dirty="0">
+              <a:solidFill>
+                <a:schemeClr val="accent1">
+                  <a:lumMod val="75000"/>
+                </a:schemeClr>
+              </a:solidFill>
+            </a:endParaRPr>
+          </a:p>
+          <a:p>
+            <a:pPr marL="342900" indent="-342900">
+              <a:buFontTx/>
+              <a:buChar char="-"/>
+            </a:pPr>
+            <a:r>
+              <a:rPr lang="en-US" sz="2000" dirty="0" smtClean="0">
                 <a:solidFill>
                   <a:schemeClr val="accent1">
                     <a:lumMod val="75000"/>
                   </a:schemeClr>
                 </a:solidFill>
               </a:rPr>
-              <a:t>   </a:t>
-            </a:r>
-          </a:p>
-          <a:p>
+              <a:t>From a Bayesian perspective, we can deal with missing values in exactly the same way we deal with parameters: we can sample them from fully conditional posterior densities.</a:t>
+            </a:r>
+          </a:p>
+          <a:p>
+            <a:pPr marL="342900" indent="-342900">
+              <a:buFontTx/>
+              <a:buChar char="-"/>
+            </a:pPr>
+            <a:endParaRPr lang="en-US" sz="2000" dirty="0" smtClean="0">
+              <a:solidFill>
+                <a:schemeClr val="accent1">
+                  <a:lumMod val="75000"/>
+                </a:schemeClr>
+              </a:solidFill>
+            </a:endParaRPr>
+          </a:p>
+          <a:p>
+            <a:pPr marL="342900" indent="-342900">
+              <a:buFontTx/>
+              <a:buChar char="-"/>
+            </a:pPr>
             <a:r>
               <a:rPr lang="en-US" sz="2000" dirty="0" smtClean="0">
                 <a:solidFill>
@@ -6729,10 +7236,27 @@
                   </a:schemeClr>
                 </a:solidFill>
               </a:rPr>
-              <a:t> - Non-informative (e.g., completely at random)</a:t>
-            </a:r>
-          </a:p>
-          <a:p>
+              <a:t>So, we need to find the fully conditional density of missing values.</a:t>
+            </a:r>
+          </a:p>
+          <a:p>
+            <a:pPr marL="342900" indent="-342900">
+              <a:buFontTx/>
+              <a:buChar char="-"/>
+            </a:pPr>
+            <a:endParaRPr lang="en-US" sz="2000" dirty="0">
+              <a:solidFill>
+                <a:schemeClr val="accent1">
+                  <a:lumMod val="75000"/>
+                </a:schemeClr>
+              </a:solidFill>
+            </a:endParaRPr>
+          </a:p>
+          <a:p>
+            <a:pPr marL="342900" indent="-342900">
+              <a:buFontTx/>
+              <a:buChar char="-"/>
+            </a:pPr>
             <a:r>
               <a:rPr lang="en-US" sz="2000" dirty="0" smtClean="0">
                 <a:solidFill>
@@ -6741,7 +7265,7 @@
                   </a:schemeClr>
                 </a:solidFill>
               </a:rPr>
-              <a:t> </a:t>
+              <a:t>The steps are the same as before: </a:t>
             </a:r>
           </a:p>
           <a:p>
@@ -6753,7 +7277,7 @@
                   </a:schemeClr>
                 </a:solidFill>
               </a:rPr>
-              <a:t> </a:t>
+              <a:t>	</a:t>
             </a:r>
             <a:r>
               <a:rPr lang="en-US" sz="2000" dirty="0" smtClean="0">
@@ -6763,123 +7287,42 @@
                   </a:schemeClr>
                 </a:solidFill>
               </a:rPr>
-              <a:t>- Informative (e.g., censoring)</a:t>
-            </a:r>
-          </a:p>
-          <a:p>
-            <a:endParaRPr lang="en-US" sz="2000" dirty="0">
-              <a:solidFill>
-                <a:schemeClr val="accent1">
-                  <a:lumMod val="75000"/>
-                </a:schemeClr>
-              </a:solidFill>
-            </a:endParaRPr>
-          </a:p>
-          <a:p>
-            <a:endParaRPr lang="en-US" sz="2000" dirty="0" smtClean="0">
-              <a:solidFill>
-                <a:schemeClr val="accent1">
-                  <a:lumMod val="75000"/>
-                </a:schemeClr>
-              </a:solidFill>
-            </a:endParaRPr>
-          </a:p>
-          <a:p>
-            <a:r>
-              <a:rPr lang="en-US" sz="2000" dirty="0" smtClean="0">
+              <a:t>(1) Write the joint posterior as the product of the likelihood times the joint 	prior. </a:t>
+            </a:r>
+          </a:p>
+          <a:p>
+            <a:r>
+              <a:rPr lang="en-US" sz="2000" dirty="0">
                 <a:solidFill>
                   <a:schemeClr val="accent1">
                     <a:lumMod val="75000"/>
                   </a:schemeClr>
                 </a:solidFill>
               </a:rPr>
-              <a:t>Non-informative </a:t>
-            </a:r>
-            <a:r>
-              <a:rPr lang="en-US" sz="2000" dirty="0" err="1" smtClean="0">
+              <a:t>	</a:t>
+            </a:r>
+            <a:r>
+              <a:rPr lang="en-US" sz="2000" dirty="0" smtClean="0">
                 <a:solidFill>
                   <a:schemeClr val="accent1">
                     <a:lumMod val="75000"/>
                   </a:schemeClr>
                 </a:solidFill>
               </a:rPr>
-              <a:t>missings</a:t>
-            </a:r>
-            <a:r>
-              <a:rPr lang="en-US" sz="2000" dirty="0" smtClean="0">
+              <a:t>(2)  Remove from the joint posterior all the elements that do not involve the 	missing value you want to sample.</a:t>
+            </a:r>
+          </a:p>
+          <a:p>
+            <a:r>
+              <a:rPr lang="en-US" sz="2000" dirty="0">
                 <a:solidFill>
                   <a:schemeClr val="accent1">
                     <a:lumMod val="75000"/>
                   </a:schemeClr>
                 </a:solidFill>
               </a:rPr>
-              <a:t> can be simply removed, e.g.,</a:t>
-            </a:r>
-          </a:p>
-          <a:p>
-            <a:endParaRPr lang="en-US" sz="2000" dirty="0" smtClean="0">
-              <a:solidFill>
-                <a:schemeClr val="accent1">
-                  <a:lumMod val="75000"/>
-                </a:schemeClr>
-              </a:solidFill>
-            </a:endParaRPr>
-          </a:p>
-          <a:p>
-            <a:endParaRPr lang="en-US" sz="2000" dirty="0">
-              <a:solidFill>
-                <a:schemeClr val="accent1">
-                  <a:lumMod val="75000"/>
-                </a:schemeClr>
-              </a:solidFill>
-            </a:endParaRPr>
-          </a:p>
-          <a:p>
-            <a:endParaRPr lang="en-US" sz="2000" dirty="0" smtClean="0">
-              <a:solidFill>
-                <a:schemeClr val="accent1">
-                  <a:lumMod val="75000"/>
-                </a:schemeClr>
-              </a:solidFill>
-            </a:endParaRPr>
-          </a:p>
-          <a:p>
-            <a:endParaRPr lang="en-US" sz="2000" dirty="0">
-              <a:solidFill>
-                <a:schemeClr val="accent1">
-                  <a:lumMod val="75000"/>
-                </a:schemeClr>
-              </a:solidFill>
-            </a:endParaRPr>
-          </a:p>
-          <a:p>
-            <a:endParaRPr lang="en-US" sz="2000" dirty="0" smtClean="0">
-              <a:solidFill>
-                <a:schemeClr val="accent1">
-                  <a:lumMod val="75000"/>
-                </a:schemeClr>
-              </a:solidFill>
-            </a:endParaRPr>
-          </a:p>
-          <a:p>
-            <a:endParaRPr lang="en-US" sz="2000" dirty="0">
-              <a:solidFill>
-                <a:schemeClr val="accent1">
-                  <a:lumMod val="75000"/>
-                </a:schemeClr>
-              </a:solidFill>
-            </a:endParaRPr>
-          </a:p>
-          <a:p>
-            <a:endParaRPr lang="en-US" sz="2000" dirty="0">
-              <a:solidFill>
-                <a:schemeClr val="accent1">
-                  <a:lumMod val="75000"/>
-                </a:schemeClr>
-              </a:solidFill>
-            </a:endParaRPr>
-          </a:p>
-          <a:p>
+              <a:t>	</a:t>
+            </a:r>
             <a:r>
               <a:rPr lang="en-US" sz="2000" dirty="0" smtClean="0">
                 <a:solidFill>
@@ -6888,17 +7331,64 @@
                   </a:schemeClr>
                 </a:solidFill>
               </a:rPr>
-              <a:t>But we can also deal with NAs in different manner: that is by sampling the unobserved values from fully conditionals.</a:t>
-            </a:r>
-          </a:p>
-          <a:p>
-            <a:endParaRPr lang="en-US" sz="2000" dirty="0">
-              <a:solidFill>
-                <a:schemeClr val="accent1">
-                  <a:lumMod val="75000"/>
-                </a:schemeClr>
-              </a:solidFill>
-            </a:endParaRPr>
+              <a:t>(3)  In most cases the fully conditional will have a closed or simple form. </a:t>
+            </a:r>
+          </a:p>
+          <a:p>
+            <a:r>
+              <a:rPr lang="en-US" sz="2000" dirty="0">
+                <a:solidFill>
+                  <a:schemeClr val="accent1">
+                    <a:lumMod val="75000"/>
+                  </a:schemeClr>
+                </a:solidFill>
+              </a:rPr>
+              <a:t>	</a:t>
+            </a:r>
+            <a:r>
+              <a:rPr lang="en-US" sz="2000" dirty="0" smtClean="0">
+                <a:solidFill>
+                  <a:schemeClr val="accent1">
+                    <a:lumMod val="75000"/>
+                  </a:schemeClr>
+                </a:solidFill>
+              </a:rPr>
+              <a:t>- The reason is that missing values enter only in the likelihood.</a:t>
+            </a:r>
+          </a:p>
+          <a:p>
+            <a:r>
+              <a:rPr lang="en-US" sz="2000" dirty="0">
+                <a:solidFill>
+                  <a:schemeClr val="accent1">
+                    <a:lumMod val="75000"/>
+                  </a:schemeClr>
+                </a:solidFill>
+              </a:rPr>
+              <a:t>	</a:t>
+            </a:r>
+            <a:r>
+              <a:rPr lang="en-US" sz="2000" dirty="0" smtClean="0">
+                <a:solidFill>
+                  <a:schemeClr val="accent1">
+                    <a:lumMod val="75000"/>
+                  </a:schemeClr>
+                </a:solidFill>
+              </a:rPr>
+              <a:t>- Lets see an example.</a:t>
+            </a:r>
+          </a:p>
+          <a:p>
+            <a:r>
+              <a:rPr lang="en-US" sz="2000" dirty="0" smtClean="0">
+                <a:solidFill>
+                  <a:schemeClr val="accent1">
+                    <a:lumMod val="75000"/>
+                  </a:schemeClr>
+                </a:solidFill>
+              </a:rPr>
+              <a:t>                                                    .</a:t>
+            </a:r>
           </a:p>
           <a:p>
             <a:endParaRPr lang="en-US" sz="2400" dirty="0">
@@ -6907,194 +7397,6 @@
                   <a:lumMod val="75000"/>
                 </a:schemeClr>
               </a:solidFill>
-            </a:endParaRPr>
-          </a:p>
-        </p:txBody>
-      </p:sp>
-      <p:sp>
-        <p:nvSpPr>
-          <p:cNvPr id="9" name="TextBox 8"/>
-          <p:cNvSpPr txBox="1"/>
-          <p:nvPr/>
-        </p:nvSpPr>
-        <p:spPr>
-          <a:xfrm>
-            <a:off x="457200" y="3429000"/>
-            <a:ext cx="7543800" cy="1477328"/>
-          </a:xfrm>
-          <a:prstGeom prst="rect">
-            <a:avLst/>
-          </a:prstGeom>
-          <a:solidFill>
-            <a:schemeClr val="bg2">
-              <a:lumMod val="90000"/>
-            </a:schemeClr>
-          </a:solidFill>
-        </p:spPr>
-        <p:txBody>
-          <a:bodyPr wrap="square" rtlCol="0">
-            <a:spAutoFit/>
-          </a:bodyPr>
-          <a:lstStyle/>
-          <a:p>
-            <a:r>
-              <a:rPr lang="en-US" dirty="0">
-                <a:latin typeface="Courier New"/>
-                <a:cs typeface="Courier New"/>
-              </a:rPr>
-              <a:t> </a:t>
-            </a:r>
-            <a:r>
-              <a:rPr lang="en-US" dirty="0" err="1">
-                <a:latin typeface="Courier New"/>
-                <a:cs typeface="Courier New"/>
-              </a:rPr>
-              <a:t>isNA</a:t>
-            </a:r>
-            <a:r>
-              <a:rPr lang="en-US" dirty="0">
-                <a:latin typeface="Courier New"/>
-                <a:cs typeface="Courier New"/>
-              </a:rPr>
-              <a:t>=</a:t>
-            </a:r>
-            <a:r>
-              <a:rPr lang="en-US" dirty="0" err="1">
-                <a:latin typeface="Courier New"/>
-                <a:cs typeface="Courier New"/>
-              </a:rPr>
-              <a:t>is.na</a:t>
-            </a:r>
-            <a:r>
-              <a:rPr lang="en-US" dirty="0">
-                <a:latin typeface="Courier New"/>
-                <a:cs typeface="Courier New"/>
-              </a:rPr>
-              <a:t>(y)</a:t>
-            </a:r>
-          </a:p>
-          <a:p>
-            <a:r>
-              <a:rPr lang="en-US" dirty="0">
-                <a:latin typeface="Courier New"/>
-                <a:cs typeface="Courier New"/>
-              </a:rPr>
-              <a:t> </a:t>
-            </a:r>
-          </a:p>
-          <a:p>
-            <a:r>
-              <a:rPr lang="en-US" dirty="0" smtClean="0">
-                <a:latin typeface="Courier New"/>
-                <a:cs typeface="Courier New"/>
-              </a:rPr>
-              <a:t> </a:t>
-            </a:r>
-            <a:r>
-              <a:rPr lang="en-US" dirty="0" err="1" smtClean="0">
-                <a:latin typeface="Courier New"/>
-                <a:cs typeface="Courier New"/>
-              </a:rPr>
-              <a:t>y_no_NA</a:t>
-            </a:r>
-            <a:r>
-              <a:rPr lang="en-US" dirty="0">
-                <a:latin typeface="Courier New"/>
-                <a:cs typeface="Courier New"/>
-              </a:rPr>
-              <a:t>=y[!</a:t>
-            </a:r>
-            <a:r>
-              <a:rPr lang="en-US" dirty="0" err="1">
-                <a:latin typeface="Courier New"/>
-                <a:cs typeface="Courier New"/>
-              </a:rPr>
-              <a:t>isNA</a:t>
-            </a:r>
-            <a:r>
-              <a:rPr lang="en-US" dirty="0">
-                <a:latin typeface="Courier New"/>
-                <a:cs typeface="Courier New"/>
-              </a:rPr>
-              <a:t>]</a:t>
-            </a:r>
-          </a:p>
-          <a:p>
-            <a:r>
-              <a:rPr lang="en-US" dirty="0" smtClean="0">
-                <a:latin typeface="Courier New"/>
-                <a:cs typeface="Courier New"/>
-              </a:rPr>
-              <a:t> </a:t>
-            </a:r>
-            <a:r>
-              <a:rPr lang="en-US" dirty="0" err="1" smtClean="0">
-                <a:latin typeface="Courier New"/>
-                <a:cs typeface="Courier New"/>
-              </a:rPr>
-              <a:t>X_no_NA</a:t>
-            </a:r>
-            <a:r>
-              <a:rPr lang="en-US" dirty="0">
-                <a:latin typeface="Courier New"/>
-                <a:cs typeface="Courier New"/>
-              </a:rPr>
-              <a:t>=X[!</a:t>
-            </a:r>
-            <a:r>
-              <a:rPr lang="en-US" dirty="0" err="1">
-                <a:latin typeface="Courier New"/>
-                <a:cs typeface="Courier New"/>
-              </a:rPr>
-              <a:t>isNA</a:t>
-            </a:r>
-            <a:r>
-              <a:rPr lang="en-US" dirty="0">
-                <a:latin typeface="Courier New"/>
-                <a:cs typeface="Courier New"/>
-              </a:rPr>
-              <a:t>,]</a:t>
-            </a:r>
-          </a:p>
-          <a:p>
-            <a:r>
-              <a:rPr lang="en-US" dirty="0" smtClean="0">
-                <a:latin typeface="Courier New"/>
-                <a:cs typeface="Courier New"/>
-              </a:rPr>
-              <a:t> #</a:t>
-            </a:r>
-            <a:r>
-              <a:rPr lang="en-US" dirty="0">
-                <a:latin typeface="Courier New"/>
-                <a:cs typeface="Courier New"/>
-              </a:rPr>
-              <a:t># now regress </a:t>
-            </a:r>
-            <a:r>
-              <a:rPr lang="en-US" dirty="0" err="1">
-                <a:latin typeface="Courier New"/>
-                <a:cs typeface="Courier New"/>
-              </a:rPr>
-              <a:t>y_no_NA</a:t>
-            </a:r>
-            <a:r>
-              <a:rPr lang="en-US" dirty="0">
-                <a:latin typeface="Courier New"/>
-                <a:cs typeface="Courier New"/>
-              </a:rPr>
-              <a:t> on </a:t>
-            </a:r>
-            <a:r>
-              <a:rPr lang="en-US" dirty="0" err="1">
-                <a:latin typeface="Courier New"/>
-                <a:cs typeface="Courier New"/>
-              </a:rPr>
-              <a:t>X_no_NA</a:t>
-            </a:r>
-            <a:endParaRPr lang="en-US" dirty="0">
-              <a:latin typeface="Courier New"/>
-              <a:cs typeface="Courier New"/>
             </a:endParaRPr>
           </a:p>
         </p:txBody>
@@ -7102,7 +7404,7 @@
     </p:spTree>
     <p:extLst>
       <p:ext uri="{BB962C8B-B14F-4D97-AF65-F5344CB8AC3E}">
-        <p14:creationId xmlns:p14="http://schemas.microsoft.com/office/powerpoint/2010/main" val="2386310098"/>
+        <p14:creationId xmlns:p14="http://schemas.microsoft.com/office/powerpoint/2010/main" val="1146380115"/>
       </p:ext>
     </p:extLst>
   </p:cSld>
@@ -7115,6 +7417,3403 @@
         <p:cTn xmlns:p14="http://schemas.microsoft.com/office/powerpoint/2010/main" id="1" dur="indefinite" restart="never" nodeType="tmRoot"/>
       </p:par>
     </p:tnLst>
+  </p:timing>
+</p:sld>
+</file>
+
+<file path=ppt/slides/slide14.xml><?xml version="1.0" encoding="utf-8"?>
+<p:sld xmlns:a="http://schemas.openxmlformats.org/drawingml/2006/main" xmlns:r="http://schemas.openxmlformats.org/officeDocument/2006/relationships" xmlns:p="http://schemas.openxmlformats.org/presentationml/2006/main">
+  <p:cSld>
+    <p:spTree>
+      <p:nvGrpSpPr>
+        <p:cNvPr id="1" name=""/>
+        <p:cNvGrpSpPr/>
+        <p:nvPr/>
+      </p:nvGrpSpPr>
+      <p:grpSpPr>
+        <a:xfrm>
+          <a:off x="0" y="0"/>
+          <a:ext cx="0" cy="0"/>
+          <a:chOff x="0" y="0"/>
+          <a:chExt cx="0" cy="0"/>
+        </a:xfrm>
+      </p:grpSpPr>
+      <p:sp>
+        <p:nvSpPr>
+          <p:cNvPr id="2" name="Title 1"/>
+          <p:cNvSpPr>
+            <a:spLocks noGrp="1"/>
+          </p:cNvSpPr>
+          <p:nvPr>
+            <p:ph type="ctrTitle"/>
+          </p:nvPr>
+        </p:nvSpPr>
+        <p:spPr>
+          <a:xfrm>
+            <a:off x="914400" y="152400"/>
+            <a:ext cx="7772400" cy="762000"/>
+          </a:xfrm>
+        </p:spPr>
+        <p:txBody>
+          <a:bodyPr>
+            <a:normAutofit fontScale="90000"/>
+          </a:bodyPr>
+          <a:lstStyle/>
+          <a:p>
+            <a:r>
+              <a:rPr lang="en-US" sz="3200" dirty="0" smtClean="0">
+                <a:solidFill>
+                  <a:schemeClr val="accent2">
+                    <a:lumMod val="75000"/>
+                  </a:schemeClr>
+                </a:solidFill>
+              </a:rPr>
+              <a:t>Sampling Un-informative Missing Values in a Gaussian Models</a:t>
+            </a:r>
+            <a:endParaRPr lang="en-US" sz="3200" dirty="0">
+              <a:solidFill>
+                <a:schemeClr val="accent2">
+                  <a:lumMod val="75000"/>
+                </a:schemeClr>
+              </a:solidFill>
+            </a:endParaRPr>
+          </a:p>
+        </p:txBody>
+      </p:sp>
+      <p:sp>
+        <p:nvSpPr>
+          <p:cNvPr id="4" name="Footer Placeholder 3"/>
+          <p:cNvSpPr>
+            <a:spLocks noGrp="1"/>
+          </p:cNvSpPr>
+          <p:nvPr>
+            <p:ph type="ftr" sz="quarter" idx="11"/>
+          </p:nvPr>
+        </p:nvSpPr>
+        <p:spPr>
+          <a:xfrm>
+            <a:off x="3124200" y="6569075"/>
+            <a:ext cx="2895600" cy="365125"/>
+          </a:xfrm>
+        </p:spPr>
+        <p:txBody>
+          <a:bodyPr/>
+          <a:lstStyle/>
+          <a:p>
+            <a:r>
+              <a:rPr lang="en-US" dirty="0" smtClean="0">
+                <a:solidFill>
+                  <a:schemeClr val="accent1"/>
+                </a:solidFill>
+              </a:rPr>
+              <a:t>STT 465, MSU, Fall, 2015</a:t>
+            </a:r>
+            <a:endParaRPr lang="en-US" dirty="0">
+              <a:solidFill>
+                <a:schemeClr val="accent1"/>
+              </a:solidFill>
+            </a:endParaRPr>
+          </a:p>
+        </p:txBody>
+      </p:sp>
+      <p:sp>
+        <p:nvSpPr>
+          <p:cNvPr id="6" name="TextBox 5"/>
+          <p:cNvSpPr txBox="1"/>
+          <p:nvPr/>
+        </p:nvSpPr>
+        <p:spPr>
+          <a:xfrm>
+            <a:off x="76200" y="990600"/>
+            <a:ext cx="8991600" cy="5632310"/>
+          </a:xfrm>
+          <a:prstGeom prst="rect">
+            <a:avLst/>
+          </a:prstGeom>
+          <a:noFill/>
+          <a:ln>
+            <a:solidFill>
+              <a:srgbClr val="800000"/>
+            </a:solidFill>
+            <a:prstDash val="sysDash"/>
+          </a:ln>
+        </p:spPr>
+        <p:txBody>
+          <a:bodyPr wrap="square" rtlCol="0">
+            <a:spAutoFit/>
+          </a:bodyPr>
+          <a:lstStyle/>
+          <a:p>
+            <a:endParaRPr lang="en-US" sz="2400" dirty="0" smtClean="0">
+              <a:solidFill>
+                <a:schemeClr val="accent1">
+                  <a:lumMod val="75000"/>
+                </a:schemeClr>
+              </a:solidFill>
+            </a:endParaRPr>
+          </a:p>
+          <a:p>
+            <a:endParaRPr lang="en-US" sz="2400" dirty="0">
+              <a:solidFill>
+                <a:schemeClr val="accent1">
+                  <a:lumMod val="75000"/>
+                </a:schemeClr>
+              </a:solidFill>
+            </a:endParaRPr>
+          </a:p>
+          <a:p>
+            <a:endParaRPr lang="en-US" sz="2400" dirty="0" smtClean="0">
+              <a:solidFill>
+                <a:schemeClr val="accent1">
+                  <a:lumMod val="75000"/>
+                </a:schemeClr>
+              </a:solidFill>
+            </a:endParaRPr>
+          </a:p>
+          <a:p>
+            <a:endParaRPr lang="en-US" sz="2400" dirty="0">
+              <a:solidFill>
+                <a:schemeClr val="accent1">
+                  <a:lumMod val="75000"/>
+                </a:schemeClr>
+              </a:solidFill>
+            </a:endParaRPr>
+          </a:p>
+          <a:p>
+            <a:endParaRPr lang="en-US" sz="2400" dirty="0" smtClean="0">
+              <a:solidFill>
+                <a:schemeClr val="accent1">
+                  <a:lumMod val="75000"/>
+                </a:schemeClr>
+              </a:solidFill>
+            </a:endParaRPr>
+          </a:p>
+          <a:p>
+            <a:endParaRPr lang="en-US" sz="2400" dirty="0">
+              <a:solidFill>
+                <a:schemeClr val="accent1">
+                  <a:lumMod val="75000"/>
+                </a:schemeClr>
+              </a:solidFill>
+            </a:endParaRPr>
+          </a:p>
+          <a:p>
+            <a:endParaRPr lang="en-US" sz="2400" dirty="0" smtClean="0">
+              <a:solidFill>
+                <a:schemeClr val="accent1">
+                  <a:lumMod val="75000"/>
+                </a:schemeClr>
+              </a:solidFill>
+            </a:endParaRPr>
+          </a:p>
+          <a:p>
+            <a:endParaRPr lang="en-US" sz="2400" dirty="0">
+              <a:solidFill>
+                <a:schemeClr val="accent1">
+                  <a:lumMod val="75000"/>
+                </a:schemeClr>
+              </a:solidFill>
+            </a:endParaRPr>
+          </a:p>
+          <a:p>
+            <a:endParaRPr lang="en-US" sz="2400" dirty="0" smtClean="0">
+              <a:solidFill>
+                <a:schemeClr val="accent1">
+                  <a:lumMod val="75000"/>
+                </a:schemeClr>
+              </a:solidFill>
+            </a:endParaRPr>
+          </a:p>
+          <a:p>
+            <a:endParaRPr lang="en-US" sz="2400" dirty="0">
+              <a:solidFill>
+                <a:schemeClr val="accent1">
+                  <a:lumMod val="75000"/>
+                </a:schemeClr>
+              </a:solidFill>
+            </a:endParaRPr>
+          </a:p>
+          <a:p>
+            <a:endParaRPr lang="en-US" sz="2400" dirty="0" smtClean="0">
+              <a:solidFill>
+                <a:schemeClr val="accent1">
+                  <a:lumMod val="75000"/>
+                </a:schemeClr>
+              </a:solidFill>
+            </a:endParaRPr>
+          </a:p>
+          <a:p>
+            <a:endParaRPr lang="en-US" sz="2400" dirty="0">
+              <a:solidFill>
+                <a:schemeClr val="accent1">
+                  <a:lumMod val="75000"/>
+                </a:schemeClr>
+              </a:solidFill>
+            </a:endParaRPr>
+          </a:p>
+          <a:p>
+            <a:endParaRPr lang="en-US" sz="2400" dirty="0" smtClean="0">
+              <a:solidFill>
+                <a:schemeClr val="accent1">
+                  <a:lumMod val="75000"/>
+                </a:schemeClr>
+              </a:solidFill>
+            </a:endParaRPr>
+          </a:p>
+          <a:p>
+            <a:endParaRPr lang="en-US" sz="2400" dirty="0">
+              <a:solidFill>
+                <a:schemeClr val="accent1">
+                  <a:lumMod val="75000"/>
+                </a:schemeClr>
+              </a:solidFill>
+            </a:endParaRPr>
+          </a:p>
+          <a:p>
+            <a:endParaRPr lang="en-US" sz="2400" dirty="0">
+              <a:solidFill>
+                <a:schemeClr val="accent1">
+                  <a:lumMod val="75000"/>
+                </a:schemeClr>
+              </a:solidFill>
+            </a:endParaRPr>
+          </a:p>
+        </p:txBody>
+      </p:sp>
+      <p:graphicFrame>
+        <p:nvGraphicFramePr>
+          <p:cNvPr id="5" name="Object 4"/>
+          <p:cNvGraphicFramePr>
+            <a:graphicFrameLocks noChangeAspect="1"/>
+          </p:cNvGraphicFramePr>
+          <p:nvPr>
+            <p:extLst>
+              <p:ext uri="{D42A27DB-BD31-4B8C-83A1-F6EECF244321}">
+                <p14:modId xmlns:p14="http://schemas.microsoft.com/office/powerpoint/2010/main" val="2270877738"/>
+              </p:ext>
+            </p:extLst>
+          </p:nvPr>
+        </p:nvGraphicFramePr>
+        <p:xfrm>
+          <a:off x="2667000" y="990600"/>
+          <a:ext cx="4173537" cy="1308100"/>
+        </p:xfrm>
+        <a:graphic>
+          <a:graphicData uri="http://schemas.openxmlformats.org/presentationml/2006/ole">
+            <mc:AlternateContent xmlns:mc="http://schemas.openxmlformats.org/markup-compatibility/2006">
+              <mc:Choice xmlns:v="urn:schemas-microsoft-com:vml" Requires="v">
+                <p:oleObj spid="_x0000_s55318" name="Equation" r:id="rId4" imgW="2514600" imgH="787400" progId="Equation.3">
+                  <p:embed/>
+                </p:oleObj>
+              </mc:Choice>
+              <mc:Fallback>
+                <p:oleObj name="Equation" r:id="rId4" imgW="2514600" imgH="787400" progId="Equation.3">
+                  <p:embed/>
+                  <p:pic>
+                    <p:nvPicPr>
+                      <p:cNvPr id="0" name=""/>
+                      <p:cNvPicPr/>
+                      <p:nvPr/>
+                    </p:nvPicPr>
+                    <p:blipFill>
+                      <a:blip r:embed="rId5"/>
+                      <a:stretch>
+                        <a:fillRect/>
+                      </a:stretch>
+                    </p:blipFill>
+                    <p:spPr>
+                      <a:xfrm>
+                        <a:off x="2667000" y="990600"/>
+                        <a:ext cx="4173537" cy="1308100"/>
+                      </a:xfrm>
+                      <a:prstGeom prst="rect">
+                        <a:avLst/>
+                      </a:prstGeom>
+                    </p:spPr>
+                  </p:pic>
+                </p:oleObj>
+              </mc:Fallback>
+            </mc:AlternateContent>
+          </a:graphicData>
+        </a:graphic>
+      </p:graphicFrame>
+      <p:sp>
+        <p:nvSpPr>
+          <p:cNvPr id="3" name="TextBox 2"/>
+          <p:cNvSpPr txBox="1"/>
+          <p:nvPr/>
+        </p:nvSpPr>
+        <p:spPr>
+          <a:xfrm>
+            <a:off x="304800" y="1447800"/>
+            <a:ext cx="2057400" cy="461665"/>
+          </a:xfrm>
+          <a:prstGeom prst="rect">
+            <a:avLst/>
+          </a:prstGeom>
+          <a:noFill/>
+        </p:spPr>
+        <p:txBody>
+          <a:bodyPr wrap="square" rtlCol="0">
+            <a:spAutoFit/>
+          </a:bodyPr>
+          <a:lstStyle/>
+          <a:p>
+            <a:r>
+              <a:rPr lang="en-US" sz="2400" dirty="0" smtClean="0">
+                <a:solidFill>
+                  <a:schemeClr val="tx2"/>
+                </a:solidFill>
+              </a:rPr>
+              <a:t>Likelihood:</a:t>
+            </a:r>
+            <a:endParaRPr lang="en-US" sz="2400" dirty="0">
+              <a:solidFill>
+                <a:schemeClr val="tx2"/>
+              </a:solidFill>
+            </a:endParaRPr>
+          </a:p>
+        </p:txBody>
+      </p:sp>
+      <p:sp>
+        <p:nvSpPr>
+          <p:cNvPr id="7" name="TextBox 6"/>
+          <p:cNvSpPr txBox="1"/>
+          <p:nvPr/>
+        </p:nvSpPr>
+        <p:spPr>
+          <a:xfrm>
+            <a:off x="304800" y="2438400"/>
+            <a:ext cx="2057400" cy="461665"/>
+          </a:xfrm>
+          <a:prstGeom prst="rect">
+            <a:avLst/>
+          </a:prstGeom>
+          <a:noFill/>
+        </p:spPr>
+        <p:txBody>
+          <a:bodyPr wrap="square" rtlCol="0">
+            <a:spAutoFit/>
+          </a:bodyPr>
+          <a:lstStyle/>
+          <a:p>
+            <a:r>
+              <a:rPr lang="en-US" sz="2400" dirty="0" smtClean="0">
+                <a:solidFill>
+                  <a:schemeClr val="tx2"/>
+                </a:solidFill>
+              </a:rPr>
+              <a:t>Prior:</a:t>
+            </a:r>
+            <a:endParaRPr lang="en-US" sz="2400" dirty="0">
+              <a:solidFill>
+                <a:schemeClr val="tx2"/>
+              </a:solidFill>
+            </a:endParaRPr>
+          </a:p>
+        </p:txBody>
+      </p:sp>
+      <p:graphicFrame>
+        <p:nvGraphicFramePr>
+          <p:cNvPr id="8" name="Object 7"/>
+          <p:cNvGraphicFramePr>
+            <a:graphicFrameLocks noChangeAspect="1"/>
+          </p:cNvGraphicFramePr>
+          <p:nvPr>
+            <p:extLst>
+              <p:ext uri="{D42A27DB-BD31-4B8C-83A1-F6EECF244321}">
+                <p14:modId xmlns:p14="http://schemas.microsoft.com/office/powerpoint/2010/main" val="1965520203"/>
+              </p:ext>
+            </p:extLst>
+          </p:nvPr>
+        </p:nvGraphicFramePr>
+        <p:xfrm>
+          <a:off x="2667000" y="2438400"/>
+          <a:ext cx="1558925" cy="485775"/>
+        </p:xfrm>
+        <a:graphic>
+          <a:graphicData uri="http://schemas.openxmlformats.org/presentationml/2006/ole">
+            <mc:AlternateContent xmlns:mc="http://schemas.openxmlformats.org/markup-compatibility/2006">
+              <mc:Choice xmlns:v="urn:schemas-microsoft-com:vml" Requires="v">
+                <p:oleObj spid="_x0000_s55319" name="Equation" r:id="rId6" imgW="939800" imgH="292100" progId="Equation.3">
+                  <p:embed/>
+                </p:oleObj>
+              </mc:Choice>
+              <mc:Fallback>
+                <p:oleObj name="Equation" r:id="rId6" imgW="939800" imgH="292100" progId="Equation.3">
+                  <p:embed/>
+                  <p:pic>
+                    <p:nvPicPr>
+                      <p:cNvPr id="0" name=""/>
+                      <p:cNvPicPr/>
+                      <p:nvPr/>
+                    </p:nvPicPr>
+                    <p:blipFill>
+                      <a:blip r:embed="rId7"/>
+                      <a:stretch>
+                        <a:fillRect/>
+                      </a:stretch>
+                    </p:blipFill>
+                    <p:spPr>
+                      <a:xfrm>
+                        <a:off x="2667000" y="2438400"/>
+                        <a:ext cx="1558925" cy="485775"/>
+                      </a:xfrm>
+                      <a:prstGeom prst="rect">
+                        <a:avLst/>
+                      </a:prstGeom>
+                    </p:spPr>
+                  </p:pic>
+                </p:oleObj>
+              </mc:Fallback>
+            </mc:AlternateContent>
+          </a:graphicData>
+        </a:graphic>
+      </p:graphicFrame>
+      <p:sp>
+        <p:nvSpPr>
+          <p:cNvPr id="9" name="TextBox 8"/>
+          <p:cNvSpPr txBox="1"/>
+          <p:nvPr/>
+        </p:nvSpPr>
+        <p:spPr>
+          <a:xfrm>
+            <a:off x="228600" y="3352800"/>
+            <a:ext cx="2057400" cy="461665"/>
+          </a:xfrm>
+          <a:prstGeom prst="rect">
+            <a:avLst/>
+          </a:prstGeom>
+          <a:noFill/>
+        </p:spPr>
+        <p:txBody>
+          <a:bodyPr wrap="square" rtlCol="0">
+            <a:spAutoFit/>
+          </a:bodyPr>
+          <a:lstStyle/>
+          <a:p>
+            <a:r>
+              <a:rPr lang="en-US" sz="2400" dirty="0" smtClean="0">
+                <a:solidFill>
+                  <a:schemeClr val="tx2"/>
+                </a:solidFill>
+              </a:rPr>
+              <a:t>Joint Posterior</a:t>
+            </a:r>
+            <a:endParaRPr lang="en-US" sz="2400" dirty="0">
+              <a:solidFill>
+                <a:schemeClr val="tx2"/>
+              </a:solidFill>
+            </a:endParaRPr>
+          </a:p>
+        </p:txBody>
+      </p:sp>
+      <p:graphicFrame>
+        <p:nvGraphicFramePr>
+          <p:cNvPr id="10" name="Object 9"/>
+          <p:cNvGraphicFramePr>
+            <a:graphicFrameLocks noChangeAspect="1"/>
+          </p:cNvGraphicFramePr>
+          <p:nvPr>
+            <p:extLst>
+              <p:ext uri="{D42A27DB-BD31-4B8C-83A1-F6EECF244321}">
+                <p14:modId xmlns:p14="http://schemas.microsoft.com/office/powerpoint/2010/main" val="2618472021"/>
+              </p:ext>
+            </p:extLst>
+          </p:nvPr>
+        </p:nvGraphicFramePr>
+        <p:xfrm>
+          <a:off x="2514600" y="2819400"/>
+          <a:ext cx="6238875" cy="1308100"/>
+        </p:xfrm>
+        <a:graphic>
+          <a:graphicData uri="http://schemas.openxmlformats.org/presentationml/2006/ole">
+            <mc:AlternateContent xmlns:mc="http://schemas.openxmlformats.org/markup-compatibility/2006">
+              <mc:Choice xmlns:v="urn:schemas-microsoft-com:vml" Requires="v">
+                <p:oleObj spid="_x0000_s55320" name="Equation" r:id="rId8" imgW="3759200" imgH="787400" progId="Equation.3">
+                  <p:embed/>
+                </p:oleObj>
+              </mc:Choice>
+              <mc:Fallback>
+                <p:oleObj name="Equation" r:id="rId8" imgW="3759200" imgH="787400" progId="Equation.3">
+                  <p:embed/>
+                  <p:pic>
+                    <p:nvPicPr>
+                      <p:cNvPr id="0" name=""/>
+                      <p:cNvPicPr/>
+                      <p:nvPr/>
+                    </p:nvPicPr>
+                    <p:blipFill>
+                      <a:blip r:embed="rId9"/>
+                      <a:stretch>
+                        <a:fillRect/>
+                      </a:stretch>
+                    </p:blipFill>
+                    <p:spPr>
+                      <a:xfrm>
+                        <a:off x="2514600" y="2819400"/>
+                        <a:ext cx="6238875" cy="1308100"/>
+                      </a:xfrm>
+                      <a:prstGeom prst="rect">
+                        <a:avLst/>
+                      </a:prstGeom>
+                    </p:spPr>
+                  </p:pic>
+                </p:oleObj>
+              </mc:Fallback>
+            </mc:AlternateContent>
+          </a:graphicData>
+        </a:graphic>
+      </p:graphicFrame>
+      <p:graphicFrame>
+        <p:nvGraphicFramePr>
+          <p:cNvPr id="11" name="Object 10"/>
+          <p:cNvGraphicFramePr>
+            <a:graphicFrameLocks noChangeAspect="1"/>
+          </p:cNvGraphicFramePr>
+          <p:nvPr>
+            <p:extLst>
+              <p:ext uri="{D42A27DB-BD31-4B8C-83A1-F6EECF244321}">
+                <p14:modId xmlns:p14="http://schemas.microsoft.com/office/powerpoint/2010/main" val="1627081840"/>
+              </p:ext>
+            </p:extLst>
+          </p:nvPr>
+        </p:nvGraphicFramePr>
+        <p:xfrm>
+          <a:off x="2971800" y="4419600"/>
+          <a:ext cx="5122862" cy="1308100"/>
+        </p:xfrm>
+        <a:graphic>
+          <a:graphicData uri="http://schemas.openxmlformats.org/presentationml/2006/ole">
+            <mc:AlternateContent xmlns:mc="http://schemas.openxmlformats.org/markup-compatibility/2006">
+              <mc:Choice xmlns:v="urn:schemas-microsoft-com:vml" Requires="v">
+                <p:oleObj spid="_x0000_s55321" name="Equation" r:id="rId10" imgW="3086100" imgH="787400" progId="Equation.3">
+                  <p:embed/>
+                </p:oleObj>
+              </mc:Choice>
+              <mc:Fallback>
+                <p:oleObj name="Equation" r:id="rId10" imgW="3086100" imgH="787400" progId="Equation.3">
+                  <p:embed/>
+                  <p:pic>
+                    <p:nvPicPr>
+                      <p:cNvPr id="0" name=""/>
+                      <p:cNvPicPr/>
+                      <p:nvPr/>
+                    </p:nvPicPr>
+                    <p:blipFill>
+                      <a:blip r:embed="rId11"/>
+                      <a:stretch>
+                        <a:fillRect/>
+                      </a:stretch>
+                    </p:blipFill>
+                    <p:spPr>
+                      <a:xfrm>
+                        <a:off x="2971800" y="4419600"/>
+                        <a:ext cx="5122862" cy="1308100"/>
+                      </a:xfrm>
+                      <a:prstGeom prst="rect">
+                        <a:avLst/>
+                      </a:prstGeom>
+                    </p:spPr>
+                  </p:pic>
+                </p:oleObj>
+              </mc:Fallback>
+            </mc:AlternateContent>
+          </a:graphicData>
+        </a:graphic>
+      </p:graphicFrame>
+      <p:sp>
+        <p:nvSpPr>
+          <p:cNvPr id="12" name="TextBox 11"/>
+          <p:cNvSpPr txBox="1"/>
+          <p:nvPr/>
+        </p:nvSpPr>
+        <p:spPr>
+          <a:xfrm>
+            <a:off x="304800" y="5029200"/>
+            <a:ext cx="2438400" cy="461665"/>
+          </a:xfrm>
+          <a:prstGeom prst="rect">
+            <a:avLst/>
+          </a:prstGeom>
+          <a:noFill/>
+        </p:spPr>
+        <p:txBody>
+          <a:bodyPr wrap="square" rtlCol="0">
+            <a:spAutoFit/>
+          </a:bodyPr>
+          <a:lstStyle/>
+          <a:p>
+            <a:r>
+              <a:rPr lang="en-US" sz="2400" dirty="0" smtClean="0">
+                <a:solidFill>
+                  <a:schemeClr val="tx2"/>
+                </a:solidFill>
+              </a:rPr>
+              <a:t>Fully conditional</a:t>
+            </a:r>
+            <a:endParaRPr lang="en-US" sz="2400" dirty="0">
+              <a:solidFill>
+                <a:schemeClr val="tx2"/>
+              </a:solidFill>
+            </a:endParaRPr>
+          </a:p>
+        </p:txBody>
+      </p:sp>
+      <p:sp>
+        <p:nvSpPr>
+          <p:cNvPr id="13" name="TextBox 12"/>
+          <p:cNvSpPr txBox="1"/>
+          <p:nvPr/>
+        </p:nvSpPr>
+        <p:spPr>
+          <a:xfrm>
+            <a:off x="304800" y="5715000"/>
+            <a:ext cx="7924800" cy="830997"/>
+          </a:xfrm>
+          <a:prstGeom prst="rect">
+            <a:avLst/>
+          </a:prstGeom>
+          <a:noFill/>
+        </p:spPr>
+        <p:txBody>
+          <a:bodyPr wrap="square" rtlCol="0">
+            <a:spAutoFit/>
+          </a:bodyPr>
+          <a:lstStyle/>
+          <a:p>
+            <a:r>
+              <a:rPr lang="en-US" sz="2400" dirty="0" smtClean="0">
+                <a:solidFill>
+                  <a:schemeClr val="tx2"/>
+                </a:solidFill>
+              </a:rPr>
+              <a:t>Therefore: we just need to add to our Gibbs sampler a step to sample the missing values from normal densities. </a:t>
+            </a:r>
+            <a:endParaRPr lang="en-US" sz="2400" dirty="0">
+              <a:solidFill>
+                <a:schemeClr val="tx2"/>
+              </a:solidFill>
+            </a:endParaRPr>
+          </a:p>
+        </p:txBody>
+      </p:sp>
+    </p:spTree>
+    <p:extLst>
+      <p:ext uri="{BB962C8B-B14F-4D97-AF65-F5344CB8AC3E}">
+        <p14:creationId xmlns:p14="http://schemas.microsoft.com/office/powerpoint/2010/main" val="1667033632"/>
+      </p:ext>
+    </p:extLst>
+  </p:cSld>
+  <p:clrMapOvr>
+    <a:masterClrMapping/>
+  </p:clrMapOvr>
+  <p:timing>
+    <p:tnLst>
+      <p:par>
+        <p:cTn xmlns:p14="http://schemas.microsoft.com/office/powerpoint/2010/main" id="1" dur="indefinite" restart="never" nodeType="tmRoot"/>
+      </p:par>
+    </p:tnLst>
+  </p:timing>
+</p:sld>
+</file>
+
+<file path=ppt/slides/slide15.xml><?xml version="1.0" encoding="utf-8"?>
+<p:sld xmlns:a="http://schemas.openxmlformats.org/drawingml/2006/main" xmlns:r="http://schemas.openxmlformats.org/officeDocument/2006/relationships" xmlns:p="http://schemas.openxmlformats.org/presentationml/2006/main">
+  <p:cSld>
+    <p:spTree>
+      <p:nvGrpSpPr>
+        <p:cNvPr id="1" name=""/>
+        <p:cNvGrpSpPr/>
+        <p:nvPr/>
+      </p:nvGrpSpPr>
+      <p:grpSpPr>
+        <a:xfrm>
+          <a:off x="0" y="0"/>
+          <a:ext cx="0" cy="0"/>
+          <a:chOff x="0" y="0"/>
+          <a:chExt cx="0" cy="0"/>
+        </a:xfrm>
+      </p:grpSpPr>
+      <p:sp>
+        <p:nvSpPr>
+          <p:cNvPr id="2" name="Title 1"/>
+          <p:cNvSpPr>
+            <a:spLocks noGrp="1"/>
+          </p:cNvSpPr>
+          <p:nvPr>
+            <p:ph type="ctrTitle"/>
+          </p:nvPr>
+        </p:nvSpPr>
+        <p:spPr>
+          <a:xfrm>
+            <a:off x="533400" y="2133600"/>
+            <a:ext cx="7772400" cy="1825482"/>
+          </a:xfrm>
+          <a:ln>
+            <a:solidFill>
+              <a:srgbClr val="800000"/>
+            </a:solidFill>
+            <a:prstDash val="sysDash"/>
+          </a:ln>
+        </p:spPr>
+        <p:txBody>
+          <a:bodyPr>
+            <a:normAutofit/>
+          </a:bodyPr>
+          <a:lstStyle/>
+          <a:p>
+            <a:r>
+              <a:rPr lang="en-US" sz="3200" dirty="0" smtClean="0">
+                <a:solidFill>
+                  <a:schemeClr val="accent2">
+                    <a:lumMod val="75000"/>
+                  </a:schemeClr>
+                </a:solidFill>
+              </a:rPr>
+              <a:t>Regression with Censored Data</a:t>
+            </a:r>
+            <a:endParaRPr lang="en-US" sz="3200" dirty="0" smtClean="0">
+              <a:solidFill>
+                <a:schemeClr val="accent2">
+                  <a:lumMod val="75000"/>
+                </a:schemeClr>
+              </a:solidFill>
+            </a:endParaRPr>
+          </a:p>
+        </p:txBody>
+      </p:sp>
+      <p:sp>
+        <p:nvSpPr>
+          <p:cNvPr id="4" name="Footer Placeholder 3"/>
+          <p:cNvSpPr>
+            <a:spLocks noGrp="1"/>
+          </p:cNvSpPr>
+          <p:nvPr>
+            <p:ph type="ftr" sz="quarter" idx="11"/>
+          </p:nvPr>
+        </p:nvSpPr>
+        <p:spPr/>
+        <p:txBody>
+          <a:bodyPr/>
+          <a:lstStyle/>
+          <a:p>
+            <a:r>
+              <a:rPr lang="en-US" dirty="0" smtClean="0">
+                <a:solidFill>
+                  <a:schemeClr val="accent1"/>
+                </a:solidFill>
+              </a:rPr>
+              <a:t>STT 465, MSU, Fall, 2015</a:t>
+            </a:r>
+            <a:endParaRPr lang="en-US" dirty="0">
+              <a:solidFill>
+                <a:schemeClr val="accent1"/>
+              </a:solidFill>
+            </a:endParaRPr>
+          </a:p>
+        </p:txBody>
+      </p:sp>
+    </p:spTree>
+    <p:extLst>
+      <p:ext uri="{BB962C8B-B14F-4D97-AF65-F5344CB8AC3E}">
+        <p14:creationId xmlns:p14="http://schemas.microsoft.com/office/powerpoint/2010/main" val="3092593804"/>
+      </p:ext>
+    </p:extLst>
+  </p:cSld>
+  <p:clrMapOvr>
+    <a:masterClrMapping/>
+  </p:clrMapOvr>
+  <p:timing>
+    <p:tnLst>
+      <p:par>
+        <p:cTn xmlns:p14="http://schemas.microsoft.com/office/powerpoint/2010/main" id="1" dur="indefinite" restart="never" nodeType="tmRoot"/>
+      </p:par>
+    </p:tnLst>
+  </p:timing>
+</p:sld>
+</file>
+
+<file path=ppt/slides/slide16.xml><?xml version="1.0" encoding="utf-8"?>
+<p:sld xmlns:a="http://schemas.openxmlformats.org/drawingml/2006/main" xmlns:r="http://schemas.openxmlformats.org/officeDocument/2006/relationships" xmlns:p="http://schemas.openxmlformats.org/presentationml/2006/main">
+  <p:cSld>
+    <p:spTree>
+      <p:nvGrpSpPr>
+        <p:cNvPr id="1" name=""/>
+        <p:cNvGrpSpPr/>
+        <p:nvPr/>
+      </p:nvGrpSpPr>
+      <p:grpSpPr>
+        <a:xfrm>
+          <a:off x="0" y="0"/>
+          <a:ext cx="0" cy="0"/>
+          <a:chOff x="0" y="0"/>
+          <a:chExt cx="0" cy="0"/>
+        </a:xfrm>
+      </p:grpSpPr>
+      <p:sp>
+        <p:nvSpPr>
+          <p:cNvPr id="5" name="TextBox 4"/>
+          <p:cNvSpPr txBox="1"/>
+          <p:nvPr/>
+        </p:nvSpPr>
+        <p:spPr>
+          <a:xfrm>
+            <a:off x="1828800" y="2057400"/>
+            <a:ext cx="1295400" cy="914400"/>
+          </a:xfrm>
+          <a:prstGeom prst="rect">
+            <a:avLst/>
+          </a:prstGeom>
+          <a:solidFill>
+            <a:schemeClr val="tx2">
+              <a:lumMod val="20000"/>
+              <a:lumOff val="80000"/>
+            </a:schemeClr>
+          </a:solidFill>
+          <a:ln>
+            <a:solidFill>
+              <a:schemeClr val="bg1"/>
+            </a:solidFill>
+          </a:ln>
+        </p:spPr>
+        <p:txBody>
+          <a:bodyPr wrap="square" rtlCol="0">
+            <a:spAutoFit/>
+          </a:bodyPr>
+          <a:lstStyle/>
+          <a:p>
+            <a:pPr algn="ctr"/>
+            <a:r>
+              <a:rPr lang="en-US" dirty="0" smtClean="0"/>
+              <a:t>Status</a:t>
+            </a:r>
+          </a:p>
+          <a:p>
+            <a:pPr algn="ctr"/>
+            <a:r>
+              <a:rPr lang="en-US" dirty="0" smtClean="0"/>
+              <a:t>0</a:t>
+            </a:r>
+          </a:p>
+          <a:p>
+            <a:pPr algn="ctr"/>
+            <a:r>
+              <a:rPr lang="en-US" dirty="0" smtClean="0"/>
+              <a:t>(alive)</a:t>
+            </a:r>
+            <a:endParaRPr lang="en-US" dirty="0"/>
+          </a:p>
+        </p:txBody>
+      </p:sp>
+      <p:sp>
+        <p:nvSpPr>
+          <p:cNvPr id="6" name="TextBox 5"/>
+          <p:cNvSpPr txBox="1"/>
+          <p:nvPr/>
+        </p:nvSpPr>
+        <p:spPr>
+          <a:xfrm>
+            <a:off x="4038600" y="2057400"/>
+            <a:ext cx="1295400" cy="914400"/>
+          </a:xfrm>
+          <a:prstGeom prst="rect">
+            <a:avLst/>
+          </a:prstGeom>
+          <a:solidFill>
+            <a:schemeClr val="tx2">
+              <a:lumMod val="20000"/>
+              <a:lumOff val="80000"/>
+            </a:schemeClr>
+          </a:solidFill>
+          <a:ln>
+            <a:solidFill>
+              <a:schemeClr val="bg1"/>
+            </a:solidFill>
+          </a:ln>
+        </p:spPr>
+        <p:txBody>
+          <a:bodyPr wrap="square" rtlCol="0">
+            <a:spAutoFit/>
+          </a:bodyPr>
+          <a:lstStyle/>
+          <a:p>
+            <a:pPr algn="ctr"/>
+            <a:r>
+              <a:rPr lang="en-US" dirty="0" smtClean="0"/>
+              <a:t>Status</a:t>
+            </a:r>
+          </a:p>
+          <a:p>
+            <a:pPr algn="ctr"/>
+            <a:r>
+              <a:rPr lang="en-US" dirty="0" smtClean="0"/>
+              <a:t>1</a:t>
+            </a:r>
+          </a:p>
+          <a:p>
+            <a:pPr algn="ctr"/>
+            <a:r>
+              <a:rPr lang="en-US" dirty="0" smtClean="0"/>
+              <a:t>(death)</a:t>
+            </a:r>
+            <a:endParaRPr lang="en-US" dirty="0"/>
+          </a:p>
+        </p:txBody>
+      </p:sp>
+      <p:cxnSp>
+        <p:nvCxnSpPr>
+          <p:cNvPr id="8" name="Straight Arrow Connector 7"/>
+          <p:cNvCxnSpPr/>
+          <p:nvPr/>
+        </p:nvCxnSpPr>
+        <p:spPr>
+          <a:xfrm>
+            <a:off x="3200400" y="2514600"/>
+            <a:ext cx="685800" cy="0"/>
+          </a:xfrm>
+          <a:prstGeom prst="straightConnector1">
+            <a:avLst/>
+          </a:prstGeom>
+          <a:ln>
+            <a:solidFill>
+              <a:schemeClr val="tx1"/>
+            </a:solidFill>
+            <a:tailEnd type="arrow"/>
+          </a:ln>
+        </p:spPr>
+        <p:style>
+          <a:lnRef idx="1">
+            <a:schemeClr val="accent1"/>
+          </a:lnRef>
+          <a:fillRef idx="0">
+            <a:schemeClr val="accent1"/>
+          </a:fillRef>
+          <a:effectRef idx="0">
+            <a:schemeClr val="accent1"/>
+          </a:effectRef>
+          <a:fontRef idx="minor">
+            <a:schemeClr val="tx1"/>
+          </a:fontRef>
+        </p:style>
+      </p:cxnSp>
+      <p:sp>
+        <p:nvSpPr>
+          <p:cNvPr id="9" name="TextBox 8"/>
+          <p:cNvSpPr txBox="1"/>
+          <p:nvPr/>
+        </p:nvSpPr>
+        <p:spPr>
+          <a:xfrm>
+            <a:off x="1828800" y="3505200"/>
+            <a:ext cx="1295400" cy="914400"/>
+          </a:xfrm>
+          <a:prstGeom prst="rect">
+            <a:avLst/>
+          </a:prstGeom>
+          <a:solidFill>
+            <a:schemeClr val="tx2">
+              <a:lumMod val="20000"/>
+              <a:lumOff val="80000"/>
+            </a:schemeClr>
+          </a:solidFill>
+          <a:ln>
+            <a:solidFill>
+              <a:schemeClr val="bg1"/>
+            </a:solidFill>
+          </a:ln>
+        </p:spPr>
+        <p:txBody>
+          <a:bodyPr wrap="square" rtlCol="0">
+            <a:spAutoFit/>
+          </a:bodyPr>
+          <a:lstStyle/>
+          <a:p>
+            <a:pPr algn="ctr"/>
+            <a:r>
+              <a:rPr lang="en-US" dirty="0" smtClean="0"/>
+              <a:t>Status</a:t>
+            </a:r>
+          </a:p>
+          <a:p>
+            <a:pPr algn="ctr"/>
+            <a:r>
+              <a:rPr lang="en-US" dirty="0" smtClean="0"/>
+              <a:t>0</a:t>
+            </a:r>
+          </a:p>
+          <a:p>
+            <a:pPr algn="ctr"/>
+            <a:r>
+              <a:rPr lang="en-US" dirty="0" smtClean="0"/>
+              <a:t>(alive)</a:t>
+            </a:r>
+            <a:endParaRPr lang="en-US" dirty="0"/>
+          </a:p>
+        </p:txBody>
+      </p:sp>
+      <p:sp>
+        <p:nvSpPr>
+          <p:cNvPr id="10" name="TextBox 9"/>
+          <p:cNvSpPr txBox="1"/>
+          <p:nvPr/>
+        </p:nvSpPr>
+        <p:spPr>
+          <a:xfrm>
+            <a:off x="7239000" y="3505200"/>
+            <a:ext cx="1295400" cy="914400"/>
+          </a:xfrm>
+          <a:prstGeom prst="rect">
+            <a:avLst/>
+          </a:prstGeom>
+          <a:solidFill>
+            <a:schemeClr val="tx2">
+              <a:lumMod val="20000"/>
+              <a:lumOff val="80000"/>
+            </a:schemeClr>
+          </a:solidFill>
+          <a:ln>
+            <a:solidFill>
+              <a:schemeClr val="bg1"/>
+            </a:solidFill>
+          </a:ln>
+        </p:spPr>
+        <p:txBody>
+          <a:bodyPr wrap="square" rtlCol="0">
+            <a:spAutoFit/>
+          </a:bodyPr>
+          <a:lstStyle/>
+          <a:p>
+            <a:pPr algn="ctr"/>
+            <a:r>
+              <a:rPr lang="en-US" dirty="0" smtClean="0"/>
+              <a:t>Status</a:t>
+            </a:r>
+          </a:p>
+          <a:p>
+            <a:pPr algn="ctr"/>
+            <a:r>
+              <a:rPr lang="en-US" dirty="0" smtClean="0"/>
+              <a:t>1</a:t>
+            </a:r>
+          </a:p>
+          <a:p>
+            <a:pPr algn="ctr"/>
+            <a:r>
+              <a:rPr lang="en-US" dirty="0" smtClean="0"/>
+              <a:t>(death)</a:t>
+            </a:r>
+            <a:endParaRPr lang="en-US" dirty="0"/>
+          </a:p>
+        </p:txBody>
+      </p:sp>
+      <p:cxnSp>
+        <p:nvCxnSpPr>
+          <p:cNvPr id="11" name="Straight Arrow Connector 10"/>
+          <p:cNvCxnSpPr>
+            <a:endCxn id="10" idx="1"/>
+          </p:cNvCxnSpPr>
+          <p:nvPr/>
+        </p:nvCxnSpPr>
+        <p:spPr>
+          <a:xfrm>
+            <a:off x="3048000" y="3962400"/>
+            <a:ext cx="4191000" cy="0"/>
+          </a:xfrm>
+          <a:prstGeom prst="straightConnector1">
+            <a:avLst/>
+          </a:prstGeom>
+          <a:ln>
+            <a:solidFill>
+              <a:schemeClr val="tx1"/>
+            </a:solidFill>
+            <a:tailEnd type="arrow"/>
+          </a:ln>
+        </p:spPr>
+        <p:style>
+          <a:lnRef idx="1">
+            <a:schemeClr val="accent1"/>
+          </a:lnRef>
+          <a:fillRef idx="0">
+            <a:schemeClr val="accent1"/>
+          </a:fillRef>
+          <a:effectRef idx="0">
+            <a:schemeClr val="accent1"/>
+          </a:effectRef>
+          <a:fontRef idx="minor">
+            <a:schemeClr val="tx1"/>
+          </a:fontRef>
+        </p:style>
+      </p:cxnSp>
+      <p:sp>
+        <p:nvSpPr>
+          <p:cNvPr id="14" name="TextBox 13"/>
+          <p:cNvSpPr txBox="1"/>
+          <p:nvPr/>
+        </p:nvSpPr>
+        <p:spPr>
+          <a:xfrm>
+            <a:off x="914400" y="0"/>
+            <a:ext cx="7467600" cy="646331"/>
+          </a:xfrm>
+          <a:prstGeom prst="rect">
+            <a:avLst/>
+          </a:prstGeom>
+          <a:noFill/>
+          <a:ln>
+            <a:solidFill>
+              <a:srgbClr val="800000"/>
+            </a:solidFill>
+            <a:prstDash val="sysDash"/>
+          </a:ln>
+        </p:spPr>
+        <p:txBody>
+          <a:bodyPr wrap="square" rtlCol="0">
+            <a:spAutoFit/>
+          </a:bodyPr>
+          <a:lstStyle/>
+          <a:p>
+            <a:endParaRPr lang="en-US" sz="800" dirty="0" smtClean="0">
+              <a:solidFill>
+                <a:srgbClr val="800000"/>
+              </a:solidFill>
+            </a:endParaRPr>
+          </a:p>
+          <a:p>
+            <a:pPr algn="ctr"/>
+            <a:r>
+              <a:rPr lang="en-US" sz="2800" dirty="0" smtClean="0">
+                <a:solidFill>
+                  <a:srgbClr val="800000"/>
+                </a:solidFill>
+              </a:rPr>
+              <a:t>Time to Event Data</a:t>
+            </a:r>
+            <a:endParaRPr lang="en-US" dirty="0" smtClean="0">
+              <a:solidFill>
+                <a:schemeClr val="accent1">
+                  <a:lumMod val="75000"/>
+                </a:schemeClr>
+              </a:solidFill>
+            </a:endParaRPr>
+          </a:p>
+        </p:txBody>
+      </p:sp>
+      <p:sp>
+        <p:nvSpPr>
+          <p:cNvPr id="12" name="Footer Placeholder 3"/>
+          <p:cNvSpPr>
+            <a:spLocks noGrp="1"/>
+          </p:cNvSpPr>
+          <p:nvPr>
+            <p:ph type="ftr" sz="quarter" idx="11"/>
+          </p:nvPr>
+        </p:nvSpPr>
+        <p:spPr>
+          <a:xfrm>
+            <a:off x="3124200" y="6356350"/>
+            <a:ext cx="2895600" cy="365125"/>
+          </a:xfrm>
+        </p:spPr>
+        <p:txBody>
+          <a:bodyPr/>
+          <a:lstStyle/>
+          <a:p>
+            <a:r>
+              <a:rPr lang="en-US" dirty="0" smtClean="0">
+                <a:solidFill>
+                  <a:schemeClr val="accent1"/>
+                </a:solidFill>
+              </a:rPr>
+              <a:t>STT 465, MSU, Fall, 2015</a:t>
+            </a:r>
+            <a:endParaRPr lang="en-US" dirty="0">
+              <a:solidFill>
+                <a:schemeClr val="accent1"/>
+              </a:solidFill>
+            </a:endParaRPr>
+          </a:p>
+        </p:txBody>
+      </p:sp>
+    </p:spTree>
+    <p:extLst>
+      <p:ext uri="{BB962C8B-B14F-4D97-AF65-F5344CB8AC3E}">
+        <p14:creationId xmlns:p14="http://schemas.microsoft.com/office/powerpoint/2010/main" val="3780603645"/>
+      </p:ext>
+    </p:extLst>
+  </p:cSld>
+  <p:clrMapOvr>
+    <a:masterClrMapping/>
+  </p:clrMapOvr>
+  <p:timing>
+    <p:tnLst>
+      <p:par>
+        <p:cTn xmlns:p14="http://schemas.microsoft.com/office/powerpoint/2010/main" id="1" dur="indefinite" restart="never" nodeType="tmRoot">
+          <p:childTnLst>
+            <p:seq concurrent="1" nextAc="seek">
+              <p:cTn id="2" dur="indefinite" nodeType="mainSeq">
+                <p:childTnLst>
+                  <p:par>
+                    <p:cTn id="3" fill="hold">
+                      <p:stCondLst>
+                        <p:cond delay="indefinite"/>
+                      </p:stCondLst>
+                      <p:childTnLst>
+                        <p:par>
+                          <p:cTn id="4" fill="hold">
+                            <p:stCondLst>
+                              <p:cond delay="0"/>
+                            </p:stCondLst>
+                            <p:childTnLst>
+                              <p:par>
+                                <p:cTn id="5" presetID="1" presetClass="entr" presetSubtype="0" fill="hold" grpId="0" nodeType="clickEffect">
+                                  <p:stCondLst>
+                                    <p:cond delay="0"/>
+                                  </p:stCondLst>
+                                  <p:childTnLst>
+                                    <p:set>
+                                      <p:cBhvr>
+                                        <p:cTn id="6" dur="1" fill="hold">
+                                          <p:stCondLst>
+                                            <p:cond delay="0"/>
+                                          </p:stCondLst>
+                                        </p:cTn>
+                                        <p:tgtEl>
+                                          <p:spTgt spid="9"/>
+                                        </p:tgtEl>
+                                        <p:attrNameLst>
+                                          <p:attrName>style.visibility</p:attrName>
+                                        </p:attrNameLst>
+                                      </p:cBhvr>
+                                      <p:to>
+                                        <p:strVal val="visible"/>
+                                      </p:to>
+                                    </p:set>
+                                  </p:childTnLst>
+                                </p:cTn>
+                              </p:par>
+                              <p:par>
+                                <p:cTn id="7" presetID="1" presetClass="entr" presetSubtype="0" fill="hold" nodeType="withEffect">
+                                  <p:stCondLst>
+                                    <p:cond delay="0"/>
+                                  </p:stCondLst>
+                                  <p:childTnLst>
+                                    <p:set>
+                                      <p:cBhvr>
+                                        <p:cTn id="8" dur="1" fill="hold">
+                                          <p:stCondLst>
+                                            <p:cond delay="0"/>
+                                          </p:stCondLst>
+                                        </p:cTn>
+                                        <p:tgtEl>
+                                          <p:spTgt spid="11"/>
+                                        </p:tgtEl>
+                                        <p:attrNameLst>
+                                          <p:attrName>style.visibility</p:attrName>
+                                        </p:attrNameLst>
+                                      </p:cBhvr>
+                                      <p:to>
+                                        <p:strVal val="visible"/>
+                                      </p:to>
+                                    </p:set>
+                                  </p:childTnLst>
+                                </p:cTn>
+                              </p:par>
+                              <p:par>
+                                <p:cTn id="9" presetID="1" presetClass="entr" presetSubtype="0" fill="hold" grpId="0" nodeType="withEffect">
+                                  <p:stCondLst>
+                                    <p:cond delay="0"/>
+                                  </p:stCondLst>
+                                  <p:childTnLst>
+                                    <p:set>
+                                      <p:cBhvr>
+                                        <p:cTn id="10" dur="1" fill="hold">
+                                          <p:stCondLst>
+                                            <p:cond delay="0"/>
+                                          </p:stCondLst>
+                                        </p:cTn>
+                                        <p:tgtEl>
+                                          <p:spTgt spid="10"/>
+                                        </p:tgtEl>
+                                        <p:attrNameLst>
+                                          <p:attrName>style.visibility</p:attrName>
+                                        </p:attrNameLst>
+                                      </p:cBhvr>
+                                      <p:to>
+                                        <p:strVal val="visible"/>
+                                      </p:to>
+                                    </p:set>
+                                  </p:childTnLst>
+                                </p:cTn>
+                              </p:par>
+                            </p:childTnLst>
+                          </p:cTn>
+                        </p:par>
+                      </p:childTnLst>
+                    </p:cTn>
+                  </p:par>
+                </p:childTnLst>
+              </p:cTn>
+              <p:prevCondLst>
+                <p:cond evt="onPrev" delay="0">
+                  <p:tgtEl>
+                    <p:sldTgt/>
+                  </p:tgtEl>
+                </p:cond>
+              </p:prevCondLst>
+              <p:nextCondLst>
+                <p:cond evt="onNext" delay="0">
+                  <p:tgtEl>
+                    <p:sldTgt/>
+                  </p:tgtEl>
+                </p:cond>
+              </p:nextCondLst>
+            </p:seq>
+          </p:childTnLst>
+        </p:cTn>
+      </p:par>
+    </p:tnLst>
+    <p:bldLst>
+      <p:bldP spid="9" grpId="0" animBg="1"/>
+      <p:bldP spid="10" grpId="0" animBg="1"/>
+    </p:bldLst>
+  </p:timing>
+</p:sld>
+</file>
+
+<file path=ppt/slides/slide17.xml><?xml version="1.0" encoding="utf-8"?>
+<p:sld xmlns:a="http://schemas.openxmlformats.org/drawingml/2006/main" xmlns:r="http://schemas.openxmlformats.org/officeDocument/2006/relationships" xmlns:p="http://schemas.openxmlformats.org/presentationml/2006/main">
+  <p:cSld>
+    <p:spTree>
+      <p:nvGrpSpPr>
+        <p:cNvPr id="1" name=""/>
+        <p:cNvGrpSpPr/>
+        <p:nvPr/>
+      </p:nvGrpSpPr>
+      <p:grpSpPr>
+        <a:xfrm>
+          <a:off x="0" y="0"/>
+          <a:ext cx="0" cy="0"/>
+          <a:chOff x="0" y="0"/>
+          <a:chExt cx="0" cy="0"/>
+        </a:xfrm>
+      </p:grpSpPr>
+      <p:sp>
+        <p:nvSpPr>
+          <p:cNvPr id="14" name="TextBox 13"/>
+          <p:cNvSpPr txBox="1"/>
+          <p:nvPr/>
+        </p:nvSpPr>
+        <p:spPr>
+          <a:xfrm>
+            <a:off x="914400" y="0"/>
+            <a:ext cx="7467600" cy="646331"/>
+          </a:xfrm>
+          <a:prstGeom prst="rect">
+            <a:avLst/>
+          </a:prstGeom>
+          <a:noFill/>
+          <a:ln>
+            <a:solidFill>
+              <a:srgbClr val="800000"/>
+            </a:solidFill>
+            <a:prstDash val="sysDash"/>
+          </a:ln>
+        </p:spPr>
+        <p:txBody>
+          <a:bodyPr wrap="square" rtlCol="0">
+            <a:spAutoFit/>
+          </a:bodyPr>
+          <a:lstStyle/>
+          <a:p>
+            <a:endParaRPr lang="en-US" sz="800" dirty="0" smtClean="0">
+              <a:solidFill>
+                <a:srgbClr val="800000"/>
+              </a:solidFill>
+            </a:endParaRPr>
+          </a:p>
+          <a:p>
+            <a:pPr algn="ctr"/>
+            <a:r>
+              <a:rPr lang="en-US" sz="2800" dirty="0" smtClean="0">
+                <a:solidFill>
+                  <a:srgbClr val="800000"/>
+                </a:solidFill>
+              </a:rPr>
+              <a:t>Censoring</a:t>
+            </a:r>
+            <a:endParaRPr lang="en-US" dirty="0" smtClean="0">
+              <a:solidFill>
+                <a:schemeClr val="accent1">
+                  <a:lumMod val="75000"/>
+                </a:schemeClr>
+              </a:solidFill>
+            </a:endParaRPr>
+          </a:p>
+        </p:txBody>
+      </p:sp>
+      <p:sp>
+        <p:nvSpPr>
+          <p:cNvPr id="15" name="TextBox 14"/>
+          <p:cNvSpPr txBox="1"/>
+          <p:nvPr/>
+        </p:nvSpPr>
+        <p:spPr>
+          <a:xfrm>
+            <a:off x="457200" y="1143000"/>
+            <a:ext cx="8229600" cy="4524315"/>
+          </a:xfrm>
+          <a:prstGeom prst="rect">
+            <a:avLst/>
+          </a:prstGeom>
+          <a:noFill/>
+        </p:spPr>
+        <p:txBody>
+          <a:bodyPr wrap="square" rtlCol="0">
+            <a:spAutoFit/>
+          </a:bodyPr>
+          <a:lstStyle/>
+          <a:p>
+            <a:r>
+              <a:rPr lang="en-US" dirty="0" smtClean="0"/>
+              <a:t>The event time is larger than the observation time (right censoring).</a:t>
+            </a:r>
+          </a:p>
+          <a:p>
+            <a:pPr lvl="1"/>
+            <a:r>
+              <a:rPr lang="en-US" dirty="0" smtClean="0">
+                <a:solidFill>
+                  <a:schemeClr val="accent1">
+                    <a:lumMod val="75000"/>
+                  </a:schemeClr>
+                </a:solidFill>
+              </a:rPr>
+              <a:t>EXAMPLES:</a:t>
+            </a:r>
+          </a:p>
+          <a:p>
+            <a:pPr lvl="1"/>
+            <a:r>
+              <a:rPr lang="en-US" dirty="0" smtClean="0">
+                <a:solidFill>
+                  <a:schemeClr val="accent1">
+                    <a:lumMod val="75000"/>
+                  </a:schemeClr>
+                </a:solidFill>
+              </a:rPr>
+              <a:t>-The study is closed.</a:t>
+            </a:r>
+          </a:p>
+          <a:p>
+            <a:pPr lvl="1"/>
+            <a:r>
+              <a:rPr lang="en-US" dirty="0" smtClean="0">
+                <a:solidFill>
+                  <a:schemeClr val="accent1">
+                    <a:lumMod val="75000"/>
+                  </a:schemeClr>
+                </a:solidFill>
+              </a:rPr>
+              <a:t>-The subject is lost from follow-up.</a:t>
+            </a:r>
+          </a:p>
+          <a:p>
+            <a:endParaRPr lang="en-US" dirty="0" smtClean="0"/>
+          </a:p>
+          <a:p>
+            <a:r>
+              <a:rPr lang="en-US" dirty="0" smtClean="0"/>
+              <a:t>The time to event is shorter than the observed time (left censoring).</a:t>
+            </a:r>
+          </a:p>
+          <a:p>
+            <a:pPr lvl="1"/>
+            <a:r>
+              <a:rPr lang="en-US" dirty="0" smtClean="0">
+                <a:solidFill>
+                  <a:schemeClr val="accent1">
+                    <a:lumMod val="75000"/>
+                  </a:schemeClr>
+                </a:solidFill>
+              </a:rPr>
+              <a:t>EXAMPLE:</a:t>
+            </a:r>
+          </a:p>
+          <a:p>
+            <a:pPr lvl="1"/>
+            <a:r>
+              <a:rPr lang="en-US" dirty="0" smtClean="0">
+                <a:solidFill>
+                  <a:schemeClr val="accent1">
+                    <a:lumMod val="75000"/>
+                  </a:schemeClr>
+                </a:solidFill>
+              </a:rPr>
+              <a:t>-When did you started using cigarettes? “I cannot recall”.</a:t>
+            </a:r>
+          </a:p>
+          <a:p>
+            <a:pPr lvl="1"/>
+            <a:r>
+              <a:rPr lang="en-US" dirty="0" smtClean="0">
+                <a:solidFill>
+                  <a:schemeClr val="accent1">
+                    <a:lumMod val="75000"/>
+                  </a:schemeClr>
+                </a:solidFill>
+              </a:rPr>
+              <a:t>-At the beginning of an observational study following up diabetes incidence, some subjects have diabetes at the beginning. </a:t>
+            </a:r>
+          </a:p>
+          <a:p>
+            <a:pPr lvl="1"/>
+            <a:endParaRPr lang="en-US" dirty="0" smtClean="0">
+              <a:solidFill>
+                <a:schemeClr val="accent1">
+                  <a:lumMod val="75000"/>
+                </a:schemeClr>
+              </a:solidFill>
+            </a:endParaRPr>
+          </a:p>
+          <a:p>
+            <a:r>
+              <a:rPr lang="en-US" dirty="0" smtClean="0"/>
+              <a:t>The event is known to fall in an interval, but the exact time is unknown (interval censoring).</a:t>
+            </a:r>
+          </a:p>
+          <a:p>
+            <a:pPr lvl="1"/>
+            <a:r>
+              <a:rPr lang="en-US" dirty="0" smtClean="0">
+                <a:solidFill>
+                  <a:schemeClr val="accent1">
+                    <a:lumMod val="75000"/>
+                  </a:schemeClr>
+                </a:solidFill>
+              </a:rPr>
+              <a:t>EXAMPLE:</a:t>
+            </a:r>
+          </a:p>
+          <a:p>
+            <a:pPr lvl="1"/>
+            <a:r>
+              <a:rPr lang="en-US" dirty="0" smtClean="0">
+                <a:solidFill>
+                  <a:schemeClr val="accent1">
+                    <a:lumMod val="75000"/>
+                  </a:schemeClr>
+                </a:solidFill>
+              </a:rPr>
+              <a:t>-Phenotypes are collected every 5 years. </a:t>
+            </a:r>
+            <a:endParaRPr lang="en-US" dirty="0" smtClean="0"/>
+          </a:p>
+          <a:p>
+            <a:endParaRPr lang="en-US" dirty="0"/>
+          </a:p>
+        </p:txBody>
+      </p:sp>
+      <p:sp>
+        <p:nvSpPr>
+          <p:cNvPr id="5" name="Footer Placeholder 3"/>
+          <p:cNvSpPr>
+            <a:spLocks noGrp="1"/>
+          </p:cNvSpPr>
+          <p:nvPr>
+            <p:ph type="ftr" sz="quarter" idx="11"/>
+          </p:nvPr>
+        </p:nvSpPr>
+        <p:spPr>
+          <a:xfrm>
+            <a:off x="3124200" y="6356350"/>
+            <a:ext cx="2895600" cy="365125"/>
+          </a:xfrm>
+        </p:spPr>
+        <p:txBody>
+          <a:bodyPr/>
+          <a:lstStyle/>
+          <a:p>
+            <a:r>
+              <a:rPr lang="en-US" dirty="0" smtClean="0">
+                <a:solidFill>
+                  <a:schemeClr val="accent1"/>
+                </a:solidFill>
+              </a:rPr>
+              <a:t>STT 465, MSU, Fall, 2015</a:t>
+            </a:r>
+            <a:endParaRPr lang="en-US" dirty="0">
+              <a:solidFill>
+                <a:schemeClr val="accent1"/>
+              </a:solidFill>
+            </a:endParaRPr>
+          </a:p>
+        </p:txBody>
+      </p:sp>
+    </p:spTree>
+    <p:extLst>
+      <p:ext uri="{BB962C8B-B14F-4D97-AF65-F5344CB8AC3E}">
+        <p14:creationId xmlns:p14="http://schemas.microsoft.com/office/powerpoint/2010/main" val="2719005942"/>
+      </p:ext>
+    </p:extLst>
+  </p:cSld>
+  <p:clrMapOvr>
+    <a:masterClrMapping/>
+  </p:clrMapOvr>
+  <p:timing>
+    <p:tnLst>
+      <p:par>
+        <p:cTn xmlns:p14="http://schemas.microsoft.com/office/powerpoint/2010/main" id="1" dur="indefinite" restart="never" nodeType="tmRoot"/>
+      </p:par>
+    </p:tnLst>
+  </p:timing>
+</p:sld>
+</file>
+
+<file path=ppt/slides/slide18.xml><?xml version="1.0" encoding="utf-8"?>
+<p:sld xmlns:a="http://schemas.openxmlformats.org/drawingml/2006/main" xmlns:r="http://schemas.openxmlformats.org/officeDocument/2006/relationships" xmlns:p="http://schemas.openxmlformats.org/presentationml/2006/main">
+  <p:cSld>
+    <p:spTree>
+      <p:nvGrpSpPr>
+        <p:cNvPr id="1" name=""/>
+        <p:cNvGrpSpPr/>
+        <p:nvPr/>
+      </p:nvGrpSpPr>
+      <p:grpSpPr>
+        <a:xfrm>
+          <a:off x="0" y="0"/>
+          <a:ext cx="0" cy="0"/>
+          <a:chOff x="0" y="0"/>
+          <a:chExt cx="0" cy="0"/>
+        </a:xfrm>
+      </p:grpSpPr>
+      <p:sp>
+        <p:nvSpPr>
+          <p:cNvPr id="14" name="TextBox 13"/>
+          <p:cNvSpPr txBox="1"/>
+          <p:nvPr/>
+        </p:nvSpPr>
+        <p:spPr>
+          <a:xfrm>
+            <a:off x="914400" y="0"/>
+            <a:ext cx="7467600" cy="646331"/>
+          </a:xfrm>
+          <a:prstGeom prst="rect">
+            <a:avLst/>
+          </a:prstGeom>
+          <a:noFill/>
+          <a:ln>
+            <a:solidFill>
+              <a:srgbClr val="800000"/>
+            </a:solidFill>
+            <a:prstDash val="sysDash"/>
+          </a:ln>
+        </p:spPr>
+        <p:txBody>
+          <a:bodyPr wrap="square" rtlCol="0">
+            <a:spAutoFit/>
+          </a:bodyPr>
+          <a:lstStyle/>
+          <a:p>
+            <a:endParaRPr lang="en-US" sz="800" dirty="0" smtClean="0">
+              <a:solidFill>
+                <a:srgbClr val="800000"/>
+              </a:solidFill>
+            </a:endParaRPr>
+          </a:p>
+          <a:p>
+            <a:pPr algn="ctr"/>
+            <a:r>
+              <a:rPr lang="en-US" sz="2800" dirty="0" smtClean="0">
+                <a:solidFill>
+                  <a:srgbClr val="800000"/>
+                </a:solidFill>
+              </a:rPr>
+              <a:t>Censoring</a:t>
+            </a:r>
+            <a:endParaRPr lang="en-US" dirty="0" smtClean="0">
+              <a:solidFill>
+                <a:schemeClr val="accent1">
+                  <a:lumMod val="75000"/>
+                </a:schemeClr>
+              </a:solidFill>
+            </a:endParaRPr>
+          </a:p>
+        </p:txBody>
+      </p:sp>
+      <p:sp>
+        <p:nvSpPr>
+          <p:cNvPr id="15" name="TextBox 14"/>
+          <p:cNvSpPr txBox="1"/>
+          <p:nvPr/>
+        </p:nvSpPr>
+        <p:spPr>
+          <a:xfrm>
+            <a:off x="457200" y="1143000"/>
+            <a:ext cx="8229600" cy="4524315"/>
+          </a:xfrm>
+          <a:prstGeom prst="rect">
+            <a:avLst/>
+          </a:prstGeom>
+          <a:noFill/>
+        </p:spPr>
+        <p:txBody>
+          <a:bodyPr wrap="square" rtlCol="0">
+            <a:spAutoFit/>
+          </a:bodyPr>
+          <a:lstStyle/>
+          <a:p>
+            <a:r>
+              <a:rPr lang="en-US" dirty="0" smtClean="0"/>
+              <a:t>The event time is larger than the observation time (right censoring).</a:t>
+            </a:r>
+          </a:p>
+          <a:p>
+            <a:pPr lvl="1"/>
+            <a:r>
+              <a:rPr lang="en-US" dirty="0" smtClean="0">
+                <a:solidFill>
+                  <a:schemeClr val="accent1">
+                    <a:lumMod val="75000"/>
+                  </a:schemeClr>
+                </a:solidFill>
+              </a:rPr>
+              <a:t>EXAMPLES:</a:t>
+            </a:r>
+          </a:p>
+          <a:p>
+            <a:pPr lvl="1"/>
+            <a:r>
+              <a:rPr lang="en-US" dirty="0" smtClean="0">
+                <a:solidFill>
+                  <a:schemeClr val="accent1">
+                    <a:lumMod val="75000"/>
+                  </a:schemeClr>
+                </a:solidFill>
+              </a:rPr>
+              <a:t>-The study is closed.</a:t>
+            </a:r>
+          </a:p>
+          <a:p>
+            <a:pPr lvl="1"/>
+            <a:r>
+              <a:rPr lang="en-US" dirty="0" smtClean="0">
+                <a:solidFill>
+                  <a:schemeClr val="accent1">
+                    <a:lumMod val="75000"/>
+                  </a:schemeClr>
+                </a:solidFill>
+              </a:rPr>
+              <a:t>-The subject is lost from follow-up.</a:t>
+            </a:r>
+          </a:p>
+          <a:p>
+            <a:endParaRPr lang="en-US" dirty="0" smtClean="0"/>
+          </a:p>
+          <a:p>
+            <a:r>
+              <a:rPr lang="en-US" dirty="0" smtClean="0"/>
+              <a:t>The time to event is shorter than the observed time (left censoring).</a:t>
+            </a:r>
+          </a:p>
+          <a:p>
+            <a:pPr lvl="1"/>
+            <a:r>
+              <a:rPr lang="en-US" dirty="0" smtClean="0">
+                <a:solidFill>
+                  <a:schemeClr val="accent1">
+                    <a:lumMod val="75000"/>
+                  </a:schemeClr>
+                </a:solidFill>
+              </a:rPr>
+              <a:t>EXAMPLE:</a:t>
+            </a:r>
+          </a:p>
+          <a:p>
+            <a:pPr lvl="1"/>
+            <a:r>
+              <a:rPr lang="en-US" dirty="0" smtClean="0">
+                <a:solidFill>
+                  <a:schemeClr val="accent1">
+                    <a:lumMod val="75000"/>
+                  </a:schemeClr>
+                </a:solidFill>
+              </a:rPr>
+              <a:t>-When did you started using cigarettes? “I cannot recall”.</a:t>
+            </a:r>
+          </a:p>
+          <a:p>
+            <a:pPr lvl="1"/>
+            <a:r>
+              <a:rPr lang="en-US" dirty="0" smtClean="0">
+                <a:solidFill>
+                  <a:schemeClr val="accent1">
+                    <a:lumMod val="75000"/>
+                  </a:schemeClr>
+                </a:solidFill>
+              </a:rPr>
+              <a:t>-At the beginning of an observational study following up diabetes incidence, some subjects have diabetes at the beginning. </a:t>
+            </a:r>
+          </a:p>
+          <a:p>
+            <a:pPr lvl="1"/>
+            <a:endParaRPr lang="en-US" dirty="0" smtClean="0">
+              <a:solidFill>
+                <a:schemeClr val="accent1">
+                  <a:lumMod val="75000"/>
+                </a:schemeClr>
+              </a:solidFill>
+            </a:endParaRPr>
+          </a:p>
+          <a:p>
+            <a:r>
+              <a:rPr lang="en-US" dirty="0" smtClean="0"/>
+              <a:t>The event is known to fall in an interval, but the exact time is unknown (interval censoring).</a:t>
+            </a:r>
+          </a:p>
+          <a:p>
+            <a:pPr lvl="1"/>
+            <a:r>
+              <a:rPr lang="en-US" dirty="0" smtClean="0">
+                <a:solidFill>
+                  <a:schemeClr val="accent1">
+                    <a:lumMod val="75000"/>
+                  </a:schemeClr>
+                </a:solidFill>
+              </a:rPr>
+              <a:t>EXAMPLE:</a:t>
+            </a:r>
+          </a:p>
+          <a:p>
+            <a:pPr lvl="1"/>
+            <a:r>
+              <a:rPr lang="en-US" dirty="0" smtClean="0">
+                <a:solidFill>
+                  <a:schemeClr val="accent1">
+                    <a:lumMod val="75000"/>
+                  </a:schemeClr>
+                </a:solidFill>
+              </a:rPr>
+              <a:t>-Phenotypes are collected every 5 years. </a:t>
+            </a:r>
+            <a:endParaRPr lang="en-US" dirty="0" smtClean="0"/>
+          </a:p>
+          <a:p>
+            <a:endParaRPr lang="en-US" dirty="0"/>
+          </a:p>
+        </p:txBody>
+      </p:sp>
+      <p:sp>
+        <p:nvSpPr>
+          <p:cNvPr id="5" name="Footer Placeholder 3"/>
+          <p:cNvSpPr>
+            <a:spLocks noGrp="1"/>
+          </p:cNvSpPr>
+          <p:nvPr>
+            <p:ph type="ftr" sz="quarter" idx="11"/>
+          </p:nvPr>
+        </p:nvSpPr>
+        <p:spPr>
+          <a:xfrm>
+            <a:off x="3124200" y="6356350"/>
+            <a:ext cx="2895600" cy="365125"/>
+          </a:xfrm>
+        </p:spPr>
+        <p:txBody>
+          <a:bodyPr/>
+          <a:lstStyle/>
+          <a:p>
+            <a:r>
+              <a:rPr lang="en-US" dirty="0" smtClean="0">
+                <a:solidFill>
+                  <a:schemeClr val="accent1"/>
+                </a:solidFill>
+              </a:rPr>
+              <a:t>STT 465, MSU, Fall, 2015</a:t>
+            </a:r>
+            <a:endParaRPr lang="en-US" dirty="0">
+              <a:solidFill>
+                <a:schemeClr val="accent1"/>
+              </a:solidFill>
+            </a:endParaRPr>
+          </a:p>
+        </p:txBody>
+      </p:sp>
+    </p:spTree>
+    <p:extLst>
+      <p:ext uri="{BB962C8B-B14F-4D97-AF65-F5344CB8AC3E}">
+        <p14:creationId xmlns:p14="http://schemas.microsoft.com/office/powerpoint/2010/main" val="3559236635"/>
+      </p:ext>
+    </p:extLst>
+  </p:cSld>
+  <p:clrMapOvr>
+    <a:masterClrMapping/>
+  </p:clrMapOvr>
+  <p:timing>
+    <p:tnLst>
+      <p:par>
+        <p:cTn xmlns:p14="http://schemas.microsoft.com/office/powerpoint/2010/main" id="1" dur="indefinite" restart="never" nodeType="tmRoot"/>
+      </p:par>
+    </p:tnLst>
+  </p:timing>
+</p:sld>
+</file>
+
+<file path=ppt/slides/slide19.xml><?xml version="1.0" encoding="utf-8"?>
+<p:sld xmlns:a="http://schemas.openxmlformats.org/drawingml/2006/main" xmlns:r="http://schemas.openxmlformats.org/officeDocument/2006/relationships" xmlns:p="http://schemas.openxmlformats.org/presentationml/2006/main">
+  <p:cSld>
+    <p:spTree>
+      <p:nvGrpSpPr>
+        <p:cNvPr id="1" name=""/>
+        <p:cNvGrpSpPr/>
+        <p:nvPr/>
+      </p:nvGrpSpPr>
+      <p:grpSpPr>
+        <a:xfrm>
+          <a:off x="0" y="0"/>
+          <a:ext cx="0" cy="0"/>
+          <a:chOff x="0" y="0"/>
+          <a:chExt cx="0" cy="0"/>
+        </a:xfrm>
+      </p:grpSpPr>
+      <p:sp>
+        <p:nvSpPr>
+          <p:cNvPr id="5" name="TextBox 4"/>
+          <p:cNvSpPr txBox="1"/>
+          <p:nvPr/>
+        </p:nvSpPr>
+        <p:spPr>
+          <a:xfrm>
+            <a:off x="914400" y="0"/>
+            <a:ext cx="7467600" cy="646331"/>
+          </a:xfrm>
+          <a:prstGeom prst="rect">
+            <a:avLst/>
+          </a:prstGeom>
+          <a:noFill/>
+          <a:ln>
+            <a:solidFill>
+              <a:srgbClr val="800000"/>
+            </a:solidFill>
+            <a:prstDash val="sysDash"/>
+          </a:ln>
+        </p:spPr>
+        <p:txBody>
+          <a:bodyPr wrap="square" rtlCol="0">
+            <a:spAutoFit/>
+          </a:bodyPr>
+          <a:lstStyle/>
+          <a:p>
+            <a:endParaRPr lang="en-US" sz="800" dirty="0" smtClean="0">
+              <a:solidFill>
+                <a:srgbClr val="800000"/>
+              </a:solidFill>
+            </a:endParaRPr>
+          </a:p>
+          <a:p>
+            <a:pPr algn="ctr"/>
+            <a:r>
+              <a:rPr lang="en-US" sz="2800" dirty="0" smtClean="0">
+                <a:solidFill>
+                  <a:srgbClr val="800000"/>
+                </a:solidFill>
+              </a:rPr>
+              <a:t>Right-Censoring  </a:t>
+            </a:r>
+            <a:r>
+              <a:rPr lang="en-US" sz="2800" dirty="0" smtClean="0">
+                <a:solidFill>
+                  <a:srgbClr val="800000"/>
+                </a:solidFill>
+              </a:rPr>
+              <a:t>(Y</a:t>
+            </a:r>
+            <a:r>
+              <a:rPr lang="en-US" sz="2800" baseline="-25000" dirty="0" smtClean="0">
+                <a:solidFill>
+                  <a:srgbClr val="800000"/>
+                </a:solidFill>
+              </a:rPr>
+              <a:t>i</a:t>
+            </a:r>
+            <a:r>
+              <a:rPr lang="en-US" sz="2800" dirty="0" smtClean="0">
+                <a:solidFill>
+                  <a:srgbClr val="800000"/>
+                </a:solidFill>
+              </a:rPr>
+              <a:t>&gt;</a:t>
+            </a:r>
+            <a:r>
+              <a:rPr lang="en-US" sz="2800" dirty="0" err="1" smtClean="0">
+                <a:solidFill>
+                  <a:srgbClr val="800000"/>
+                </a:solidFill>
+              </a:rPr>
+              <a:t>C</a:t>
+            </a:r>
+            <a:r>
+              <a:rPr lang="en-US" sz="2800" baseline="-25000" dirty="0" err="1" smtClean="0">
+                <a:solidFill>
+                  <a:srgbClr val="800000"/>
+                </a:solidFill>
+              </a:rPr>
+              <a:t>i</a:t>
+            </a:r>
+            <a:r>
+              <a:rPr lang="en-US" sz="2800" dirty="0" smtClean="0">
+                <a:solidFill>
+                  <a:srgbClr val="800000"/>
+                </a:solidFill>
+              </a:rPr>
+              <a:t>)</a:t>
+            </a:r>
+          </a:p>
+        </p:txBody>
+      </p:sp>
+      <p:sp>
+        <p:nvSpPr>
+          <p:cNvPr id="6" name="TextBox 5"/>
+          <p:cNvSpPr txBox="1"/>
+          <p:nvPr/>
+        </p:nvSpPr>
+        <p:spPr>
+          <a:xfrm>
+            <a:off x="762000" y="1524000"/>
+            <a:ext cx="6172200" cy="369332"/>
+          </a:xfrm>
+          <a:prstGeom prst="rect">
+            <a:avLst/>
+          </a:prstGeom>
+          <a:noFill/>
+          <a:ln>
+            <a:noFill/>
+            <a:prstDash val="sysDash"/>
+          </a:ln>
+        </p:spPr>
+        <p:txBody>
+          <a:bodyPr wrap="square" rtlCol="0">
+            <a:spAutoFit/>
+          </a:bodyPr>
+          <a:lstStyle/>
+          <a:p>
+            <a:pPr algn="ctr"/>
+            <a:r>
+              <a:rPr lang="en-US" b="1" dirty="0" smtClean="0">
+                <a:solidFill>
+                  <a:srgbClr val="800000"/>
+                </a:solidFill>
+              </a:rPr>
+              <a:t>Time-frame of the study</a:t>
+            </a:r>
+            <a:endParaRPr lang="en-US" dirty="0">
+              <a:solidFill>
+                <a:schemeClr val="tx2"/>
+              </a:solidFill>
+            </a:endParaRPr>
+          </a:p>
+        </p:txBody>
+      </p:sp>
+      <p:cxnSp>
+        <p:nvCxnSpPr>
+          <p:cNvPr id="4" name="Straight Connector 3"/>
+          <p:cNvCxnSpPr/>
+          <p:nvPr/>
+        </p:nvCxnSpPr>
+        <p:spPr>
+          <a:xfrm>
+            <a:off x="838200" y="1981200"/>
+            <a:ext cx="0" cy="2590800"/>
+          </a:xfrm>
+          <a:prstGeom prst="line">
+            <a:avLst/>
+          </a:prstGeom>
+        </p:spPr>
+        <p:style>
+          <a:lnRef idx="2">
+            <a:schemeClr val="accent1"/>
+          </a:lnRef>
+          <a:fillRef idx="0">
+            <a:schemeClr val="accent1"/>
+          </a:fillRef>
+          <a:effectRef idx="1">
+            <a:schemeClr val="accent1"/>
+          </a:effectRef>
+          <a:fontRef idx="minor">
+            <a:schemeClr val="tx1"/>
+          </a:fontRef>
+        </p:style>
+      </p:cxnSp>
+      <p:cxnSp>
+        <p:nvCxnSpPr>
+          <p:cNvPr id="10" name="Straight Connector 9"/>
+          <p:cNvCxnSpPr/>
+          <p:nvPr/>
+        </p:nvCxnSpPr>
+        <p:spPr>
+          <a:xfrm>
+            <a:off x="6934200" y="1905000"/>
+            <a:ext cx="0" cy="2590800"/>
+          </a:xfrm>
+          <a:prstGeom prst="line">
+            <a:avLst/>
+          </a:prstGeom>
+        </p:spPr>
+        <p:style>
+          <a:lnRef idx="2">
+            <a:schemeClr val="accent1"/>
+          </a:lnRef>
+          <a:fillRef idx="0">
+            <a:schemeClr val="accent1"/>
+          </a:fillRef>
+          <a:effectRef idx="1">
+            <a:schemeClr val="accent1"/>
+          </a:effectRef>
+          <a:fontRef idx="minor">
+            <a:schemeClr val="tx1"/>
+          </a:fontRef>
+        </p:style>
+      </p:cxnSp>
+      <p:sp>
+        <p:nvSpPr>
+          <p:cNvPr id="11" name="TextBox 10"/>
+          <p:cNvSpPr txBox="1"/>
+          <p:nvPr/>
+        </p:nvSpPr>
+        <p:spPr>
+          <a:xfrm>
+            <a:off x="304800" y="4876800"/>
+            <a:ext cx="1371600" cy="369332"/>
+          </a:xfrm>
+          <a:prstGeom prst="rect">
+            <a:avLst/>
+          </a:prstGeom>
+          <a:noFill/>
+          <a:ln>
+            <a:noFill/>
+            <a:prstDash val="sysDash"/>
+          </a:ln>
+        </p:spPr>
+        <p:txBody>
+          <a:bodyPr wrap="square" rtlCol="0">
+            <a:spAutoFit/>
+          </a:bodyPr>
+          <a:lstStyle/>
+          <a:p>
+            <a:r>
+              <a:rPr lang="en-US" b="1" dirty="0" smtClean="0">
+                <a:solidFill>
+                  <a:srgbClr val="800000"/>
+                </a:solidFill>
+              </a:rPr>
+              <a:t>Beginning</a:t>
+            </a:r>
+            <a:endParaRPr lang="en-US" dirty="0">
+              <a:solidFill>
+                <a:schemeClr val="tx2"/>
+              </a:solidFill>
+            </a:endParaRPr>
+          </a:p>
+        </p:txBody>
+      </p:sp>
+      <p:sp>
+        <p:nvSpPr>
+          <p:cNvPr id="12" name="TextBox 11"/>
+          <p:cNvSpPr txBox="1"/>
+          <p:nvPr/>
+        </p:nvSpPr>
+        <p:spPr>
+          <a:xfrm>
+            <a:off x="6400800" y="4800600"/>
+            <a:ext cx="1371600" cy="369332"/>
+          </a:xfrm>
+          <a:prstGeom prst="rect">
+            <a:avLst/>
+          </a:prstGeom>
+          <a:noFill/>
+          <a:ln>
+            <a:noFill/>
+            <a:prstDash val="sysDash"/>
+          </a:ln>
+        </p:spPr>
+        <p:txBody>
+          <a:bodyPr wrap="square" rtlCol="0">
+            <a:spAutoFit/>
+          </a:bodyPr>
+          <a:lstStyle/>
+          <a:p>
+            <a:pPr algn="ctr"/>
+            <a:r>
+              <a:rPr lang="en-US" b="1" dirty="0" smtClean="0">
+                <a:solidFill>
+                  <a:srgbClr val="800000"/>
+                </a:solidFill>
+              </a:rPr>
+              <a:t>End</a:t>
+            </a:r>
+            <a:endParaRPr lang="en-US" dirty="0">
+              <a:solidFill>
+                <a:schemeClr val="tx2"/>
+              </a:solidFill>
+            </a:endParaRPr>
+          </a:p>
+        </p:txBody>
+      </p:sp>
+      <p:cxnSp>
+        <p:nvCxnSpPr>
+          <p:cNvPr id="22" name="Straight Connector 21"/>
+          <p:cNvCxnSpPr/>
+          <p:nvPr/>
+        </p:nvCxnSpPr>
+        <p:spPr>
+          <a:xfrm flipH="1">
+            <a:off x="838200" y="4495800"/>
+            <a:ext cx="6096000" cy="76200"/>
+          </a:xfrm>
+          <a:prstGeom prst="line">
+            <a:avLst/>
+          </a:prstGeom>
+        </p:spPr>
+        <p:style>
+          <a:lnRef idx="2">
+            <a:schemeClr val="accent1"/>
+          </a:lnRef>
+          <a:fillRef idx="0">
+            <a:schemeClr val="accent1"/>
+          </a:fillRef>
+          <a:effectRef idx="1">
+            <a:schemeClr val="accent1"/>
+          </a:effectRef>
+          <a:fontRef idx="minor">
+            <a:schemeClr val="tx1"/>
+          </a:fontRef>
+        </p:style>
+      </p:cxnSp>
+      <p:sp>
+        <p:nvSpPr>
+          <p:cNvPr id="29" name="TextBox 28"/>
+          <p:cNvSpPr txBox="1"/>
+          <p:nvPr/>
+        </p:nvSpPr>
+        <p:spPr>
+          <a:xfrm>
+            <a:off x="228600" y="5334000"/>
+            <a:ext cx="7848600" cy="1200329"/>
+          </a:xfrm>
+          <a:prstGeom prst="rect">
+            <a:avLst/>
+          </a:prstGeom>
+          <a:noFill/>
+        </p:spPr>
+        <p:txBody>
+          <a:bodyPr wrap="square" rtlCol="0">
+            <a:spAutoFit/>
+          </a:bodyPr>
+          <a:lstStyle/>
+          <a:p>
+            <a:r>
+              <a:rPr lang="en-US" dirty="0" smtClean="0">
+                <a:solidFill>
+                  <a:schemeClr val="tx2"/>
+                </a:solidFill>
+              </a:rPr>
+              <a:t>Rats 1,2 and 3: </a:t>
+            </a:r>
+            <a:r>
+              <a:rPr lang="en-US" dirty="0" smtClean="0"/>
+              <a:t>time to event is observed.</a:t>
+            </a:r>
+          </a:p>
+          <a:p>
+            <a:endParaRPr lang="en-US" dirty="0"/>
+          </a:p>
+          <a:p>
+            <a:r>
+              <a:rPr lang="en-US" dirty="0" smtClean="0">
+                <a:solidFill>
+                  <a:srgbClr val="1F497D"/>
+                </a:solidFill>
+              </a:rPr>
+              <a:t>Rat 4: </a:t>
+            </a:r>
+            <a:r>
+              <a:rPr lang="en-US" dirty="0" smtClean="0"/>
+              <a:t>time to event is unknown; however we know the time to censor, and we know that the event will happens after  T</a:t>
+            </a:r>
+            <a:r>
+              <a:rPr lang="en-US" baseline="-25000" dirty="0" smtClean="0"/>
+              <a:t>i</a:t>
+            </a:r>
+            <a:r>
+              <a:rPr lang="en-US" dirty="0" smtClean="0"/>
+              <a:t>&gt;</a:t>
+            </a:r>
+            <a:r>
+              <a:rPr lang="en-US" dirty="0" err="1"/>
+              <a:t>Ri</a:t>
+            </a:r>
+            <a:r>
+              <a:rPr lang="en-US" dirty="0"/>
+              <a:t> (right-censored data</a:t>
+            </a:r>
+            <a:r>
+              <a:rPr lang="en-US" dirty="0" smtClean="0"/>
+              <a:t>)</a:t>
+            </a:r>
+            <a:endParaRPr lang="en-US" baseline="-25000" dirty="0"/>
+          </a:p>
+        </p:txBody>
+      </p:sp>
+      <p:grpSp>
+        <p:nvGrpSpPr>
+          <p:cNvPr id="30" name="Group 29"/>
+          <p:cNvGrpSpPr/>
+          <p:nvPr/>
+        </p:nvGrpSpPr>
+        <p:grpSpPr>
+          <a:xfrm>
+            <a:off x="838200" y="2209800"/>
+            <a:ext cx="3886200" cy="381000"/>
+            <a:chOff x="838200" y="2209800"/>
+            <a:chExt cx="3886200" cy="381000"/>
+          </a:xfrm>
+        </p:grpSpPr>
+        <p:grpSp>
+          <p:nvGrpSpPr>
+            <p:cNvPr id="2" name="Group 24"/>
+            <p:cNvGrpSpPr/>
+            <p:nvPr/>
+          </p:nvGrpSpPr>
+          <p:grpSpPr>
+            <a:xfrm>
+              <a:off x="838200" y="2209800"/>
+              <a:ext cx="3429000" cy="369332"/>
+              <a:chOff x="1066800" y="2209800"/>
+              <a:chExt cx="3429000" cy="369332"/>
+            </a:xfrm>
+          </p:grpSpPr>
+          <p:cxnSp>
+            <p:nvCxnSpPr>
+              <p:cNvPr id="8" name="Straight Arrow Connector 7"/>
+              <p:cNvCxnSpPr/>
+              <p:nvPr/>
+            </p:nvCxnSpPr>
+            <p:spPr>
+              <a:xfrm>
+                <a:off x="1066800" y="2438400"/>
+                <a:ext cx="3429000" cy="0"/>
+              </a:xfrm>
+              <a:prstGeom prst="straightConnector1">
+                <a:avLst/>
+              </a:prstGeom>
+              <a:ln>
+                <a:solidFill>
+                  <a:srgbClr val="800000"/>
+                </a:solidFill>
+                <a:headEnd type="oval"/>
+                <a:tailEnd type="arrow"/>
+              </a:ln>
+              <a:effectLst/>
+            </p:spPr>
+            <p:style>
+              <a:lnRef idx="2">
+                <a:schemeClr val="accent1"/>
+              </a:lnRef>
+              <a:fillRef idx="0">
+                <a:schemeClr val="accent1"/>
+              </a:fillRef>
+              <a:effectRef idx="1">
+                <a:schemeClr val="accent1"/>
+              </a:effectRef>
+              <a:fontRef idx="minor">
+                <a:schemeClr val="tx1"/>
+              </a:fontRef>
+            </p:style>
+          </p:cxnSp>
+          <p:sp>
+            <p:nvSpPr>
+              <p:cNvPr id="13" name="TextBox 12"/>
+              <p:cNvSpPr txBox="1"/>
+              <p:nvPr/>
+            </p:nvSpPr>
+            <p:spPr>
+              <a:xfrm>
+                <a:off x="1600200" y="2209800"/>
+                <a:ext cx="1143000" cy="369332"/>
+              </a:xfrm>
+              <a:prstGeom prst="rect">
+                <a:avLst/>
+              </a:prstGeom>
+              <a:solidFill>
+                <a:schemeClr val="bg1"/>
+              </a:solidFill>
+            </p:spPr>
+            <p:txBody>
+              <a:bodyPr wrap="square" rtlCol="0">
+                <a:spAutoFit/>
+              </a:bodyPr>
+              <a:lstStyle/>
+              <a:p>
+                <a:r>
+                  <a:rPr lang="en-US" dirty="0" smtClean="0"/>
+                  <a:t>Rat 1</a:t>
+                </a:r>
+                <a:endParaRPr lang="en-US" dirty="0"/>
+              </a:p>
+            </p:txBody>
+          </p:sp>
+        </p:grpSp>
+        <p:sp>
+          <p:nvSpPr>
+            <p:cNvPr id="28" name="TextBox 27"/>
+            <p:cNvSpPr txBox="1"/>
+            <p:nvPr/>
+          </p:nvSpPr>
+          <p:spPr>
+            <a:xfrm>
+              <a:off x="4343400" y="2209800"/>
+              <a:ext cx="381000" cy="381000"/>
+            </a:xfrm>
+            <a:prstGeom prst="rect">
+              <a:avLst/>
+            </a:prstGeom>
+            <a:noFill/>
+          </p:spPr>
+          <p:txBody>
+            <a:bodyPr wrap="square" rtlCol="0">
+              <a:spAutoFit/>
+            </a:bodyPr>
+            <a:lstStyle/>
+            <a:p>
+              <a:r>
+                <a:rPr lang="en-US" dirty="0" smtClean="0"/>
+                <a:t>1</a:t>
+              </a:r>
+              <a:endParaRPr lang="en-US" dirty="0"/>
+            </a:p>
+          </p:txBody>
+        </p:sp>
+      </p:grpSp>
+      <p:grpSp>
+        <p:nvGrpSpPr>
+          <p:cNvPr id="35" name="Group 34"/>
+          <p:cNvGrpSpPr/>
+          <p:nvPr/>
+        </p:nvGrpSpPr>
+        <p:grpSpPr>
+          <a:xfrm>
+            <a:off x="838200" y="2754868"/>
+            <a:ext cx="2971800" cy="445532"/>
+            <a:chOff x="838200" y="2754868"/>
+            <a:chExt cx="2971800" cy="445532"/>
+          </a:xfrm>
+        </p:grpSpPr>
+        <p:grpSp>
+          <p:nvGrpSpPr>
+            <p:cNvPr id="3" name="Group 25"/>
+            <p:cNvGrpSpPr/>
+            <p:nvPr/>
+          </p:nvGrpSpPr>
+          <p:grpSpPr>
+            <a:xfrm>
+              <a:off x="838200" y="2754868"/>
+              <a:ext cx="2590800" cy="369332"/>
+              <a:chOff x="2286000" y="2754868"/>
+              <a:chExt cx="2590800" cy="369332"/>
+            </a:xfrm>
+          </p:grpSpPr>
+          <p:cxnSp>
+            <p:nvCxnSpPr>
+              <p:cNvPr id="14" name="Straight Arrow Connector 13"/>
+              <p:cNvCxnSpPr/>
+              <p:nvPr/>
+            </p:nvCxnSpPr>
+            <p:spPr>
+              <a:xfrm flipV="1">
+                <a:off x="2286000" y="2971800"/>
+                <a:ext cx="2590800" cy="11668"/>
+              </a:xfrm>
+              <a:prstGeom prst="straightConnector1">
+                <a:avLst/>
+              </a:prstGeom>
+              <a:ln>
+                <a:solidFill>
+                  <a:srgbClr val="800000"/>
+                </a:solidFill>
+                <a:headEnd type="oval"/>
+                <a:tailEnd type="arrow"/>
+              </a:ln>
+              <a:effectLst/>
+            </p:spPr>
+            <p:style>
+              <a:lnRef idx="2">
+                <a:schemeClr val="accent1"/>
+              </a:lnRef>
+              <a:fillRef idx="0">
+                <a:schemeClr val="accent1"/>
+              </a:fillRef>
+              <a:effectRef idx="1">
+                <a:schemeClr val="accent1"/>
+              </a:effectRef>
+              <a:fontRef idx="minor">
+                <a:schemeClr val="tx1"/>
+              </a:fontRef>
+            </p:style>
+          </p:cxnSp>
+          <p:sp>
+            <p:nvSpPr>
+              <p:cNvPr id="15" name="TextBox 14"/>
+              <p:cNvSpPr txBox="1"/>
+              <p:nvPr/>
+            </p:nvSpPr>
+            <p:spPr>
+              <a:xfrm>
+                <a:off x="2819400" y="2754868"/>
+                <a:ext cx="1143000" cy="369332"/>
+              </a:xfrm>
+              <a:prstGeom prst="rect">
+                <a:avLst/>
+              </a:prstGeom>
+              <a:solidFill>
+                <a:schemeClr val="bg1"/>
+              </a:solidFill>
+            </p:spPr>
+            <p:txBody>
+              <a:bodyPr wrap="square" rtlCol="0">
+                <a:spAutoFit/>
+              </a:bodyPr>
+              <a:lstStyle/>
+              <a:p>
+                <a:r>
+                  <a:rPr lang="en-US" dirty="0" smtClean="0"/>
+                  <a:t>Rat 2</a:t>
+                </a:r>
+                <a:endParaRPr lang="en-US" dirty="0"/>
+              </a:p>
+            </p:txBody>
+          </p:sp>
+        </p:grpSp>
+        <p:sp>
+          <p:nvSpPr>
+            <p:cNvPr id="31" name="TextBox 30"/>
+            <p:cNvSpPr txBox="1"/>
+            <p:nvPr/>
+          </p:nvSpPr>
+          <p:spPr>
+            <a:xfrm>
+              <a:off x="3505200" y="2819400"/>
+              <a:ext cx="304800" cy="381000"/>
+            </a:xfrm>
+            <a:prstGeom prst="rect">
+              <a:avLst/>
+            </a:prstGeom>
+            <a:noFill/>
+          </p:spPr>
+          <p:txBody>
+            <a:bodyPr wrap="square" rtlCol="0">
+              <a:spAutoFit/>
+            </a:bodyPr>
+            <a:lstStyle/>
+            <a:p>
+              <a:r>
+                <a:rPr lang="en-US" dirty="0" smtClean="0"/>
+                <a:t>1</a:t>
+              </a:r>
+              <a:endParaRPr lang="en-US" dirty="0"/>
+            </a:p>
+          </p:txBody>
+        </p:sp>
+      </p:grpSp>
+      <p:grpSp>
+        <p:nvGrpSpPr>
+          <p:cNvPr id="36" name="Group 35"/>
+          <p:cNvGrpSpPr/>
+          <p:nvPr/>
+        </p:nvGrpSpPr>
+        <p:grpSpPr>
+          <a:xfrm>
+            <a:off x="838200" y="3200400"/>
+            <a:ext cx="4876800" cy="381000"/>
+            <a:chOff x="838200" y="3200400"/>
+            <a:chExt cx="4876800" cy="381000"/>
+          </a:xfrm>
+        </p:grpSpPr>
+        <p:cxnSp>
+          <p:nvCxnSpPr>
+            <p:cNvPr id="24" name="Straight Arrow Connector 23"/>
+            <p:cNvCxnSpPr/>
+            <p:nvPr/>
+          </p:nvCxnSpPr>
+          <p:spPr>
+            <a:xfrm flipV="1">
+              <a:off x="838200" y="3429000"/>
+              <a:ext cx="4495800" cy="11668"/>
+            </a:xfrm>
+            <a:prstGeom prst="straightConnector1">
+              <a:avLst/>
+            </a:prstGeom>
+            <a:ln>
+              <a:solidFill>
+                <a:srgbClr val="800000"/>
+              </a:solidFill>
+              <a:headEnd type="oval"/>
+              <a:tailEnd type="arrow"/>
+            </a:ln>
+            <a:effectLst/>
+          </p:spPr>
+          <p:style>
+            <a:lnRef idx="2">
+              <a:schemeClr val="accent1"/>
+            </a:lnRef>
+            <a:fillRef idx="0">
+              <a:schemeClr val="accent1"/>
+            </a:fillRef>
+            <a:effectRef idx="1">
+              <a:schemeClr val="accent1"/>
+            </a:effectRef>
+            <a:fontRef idx="minor">
+              <a:schemeClr val="tx1"/>
+            </a:fontRef>
+          </p:style>
+        </p:cxnSp>
+        <p:sp>
+          <p:nvSpPr>
+            <p:cNvPr id="25" name="TextBox 24"/>
+            <p:cNvSpPr txBox="1"/>
+            <p:nvPr/>
+          </p:nvSpPr>
+          <p:spPr>
+            <a:xfrm>
+              <a:off x="1371600" y="3212068"/>
+              <a:ext cx="1143000" cy="369332"/>
+            </a:xfrm>
+            <a:prstGeom prst="rect">
+              <a:avLst/>
+            </a:prstGeom>
+            <a:solidFill>
+              <a:schemeClr val="bg1"/>
+            </a:solidFill>
+          </p:spPr>
+          <p:txBody>
+            <a:bodyPr wrap="square" rtlCol="0">
+              <a:spAutoFit/>
+            </a:bodyPr>
+            <a:lstStyle/>
+            <a:p>
+              <a:r>
+                <a:rPr lang="en-US" dirty="0" smtClean="0"/>
+                <a:t>Rat 3</a:t>
+              </a:r>
+              <a:endParaRPr lang="en-US" dirty="0"/>
+            </a:p>
+          </p:txBody>
+        </p:sp>
+        <p:sp>
+          <p:nvSpPr>
+            <p:cNvPr id="32" name="TextBox 31"/>
+            <p:cNvSpPr txBox="1"/>
+            <p:nvPr/>
+          </p:nvSpPr>
+          <p:spPr>
+            <a:xfrm>
+              <a:off x="5410200" y="3200400"/>
+              <a:ext cx="304800" cy="381000"/>
+            </a:xfrm>
+            <a:prstGeom prst="rect">
+              <a:avLst/>
+            </a:prstGeom>
+            <a:noFill/>
+          </p:spPr>
+          <p:txBody>
+            <a:bodyPr wrap="square" rtlCol="0">
+              <a:spAutoFit/>
+            </a:bodyPr>
+            <a:lstStyle/>
+            <a:p>
+              <a:r>
+                <a:rPr lang="en-US" dirty="0" smtClean="0"/>
+                <a:t>1</a:t>
+              </a:r>
+              <a:endParaRPr lang="en-US" dirty="0"/>
+            </a:p>
+          </p:txBody>
+        </p:sp>
+      </p:grpSp>
+      <p:grpSp>
+        <p:nvGrpSpPr>
+          <p:cNvPr id="38" name="Group 37"/>
+          <p:cNvGrpSpPr/>
+          <p:nvPr/>
+        </p:nvGrpSpPr>
+        <p:grpSpPr>
+          <a:xfrm>
+            <a:off x="838200" y="3429000"/>
+            <a:ext cx="6858000" cy="609600"/>
+            <a:chOff x="838200" y="3429000"/>
+            <a:chExt cx="6858000" cy="609600"/>
+          </a:xfrm>
+        </p:grpSpPr>
+        <p:grpSp>
+          <p:nvGrpSpPr>
+            <p:cNvPr id="7" name="Group 27"/>
+            <p:cNvGrpSpPr/>
+            <p:nvPr/>
+          </p:nvGrpSpPr>
+          <p:grpSpPr>
+            <a:xfrm>
+              <a:off x="838200" y="3669268"/>
+              <a:ext cx="6858000" cy="369332"/>
+              <a:chOff x="4343400" y="3669268"/>
+              <a:chExt cx="3429000" cy="369332"/>
+            </a:xfrm>
+          </p:grpSpPr>
+          <p:cxnSp>
+            <p:nvCxnSpPr>
+              <p:cNvPr id="16" name="Straight Arrow Connector 15"/>
+              <p:cNvCxnSpPr/>
+              <p:nvPr/>
+            </p:nvCxnSpPr>
+            <p:spPr>
+              <a:xfrm>
+                <a:off x="4343400" y="3897868"/>
+                <a:ext cx="3429000" cy="0"/>
+              </a:xfrm>
+              <a:prstGeom prst="straightConnector1">
+                <a:avLst/>
+              </a:prstGeom>
+              <a:ln>
+                <a:solidFill>
+                  <a:srgbClr val="800000"/>
+                </a:solidFill>
+                <a:headEnd type="oval"/>
+                <a:tailEnd type="arrow"/>
+              </a:ln>
+              <a:effectLst/>
+            </p:spPr>
+            <p:style>
+              <a:lnRef idx="2">
+                <a:schemeClr val="accent1"/>
+              </a:lnRef>
+              <a:fillRef idx="0">
+                <a:schemeClr val="accent1"/>
+              </a:fillRef>
+              <a:effectRef idx="1">
+                <a:schemeClr val="accent1"/>
+              </a:effectRef>
+              <a:fontRef idx="minor">
+                <a:schemeClr val="tx1"/>
+              </a:fontRef>
+            </p:style>
+          </p:cxnSp>
+          <p:sp>
+            <p:nvSpPr>
+              <p:cNvPr id="17" name="TextBox 16"/>
+              <p:cNvSpPr txBox="1"/>
+              <p:nvPr/>
+            </p:nvSpPr>
+            <p:spPr>
+              <a:xfrm>
+                <a:off x="4610100" y="3669268"/>
+                <a:ext cx="533400" cy="369332"/>
+              </a:xfrm>
+              <a:prstGeom prst="rect">
+                <a:avLst/>
+              </a:prstGeom>
+              <a:solidFill>
+                <a:schemeClr val="bg1"/>
+              </a:solidFill>
+            </p:spPr>
+            <p:txBody>
+              <a:bodyPr wrap="square" rtlCol="0">
+                <a:spAutoFit/>
+              </a:bodyPr>
+              <a:lstStyle/>
+              <a:p>
+                <a:r>
+                  <a:rPr lang="en-US" dirty="0" smtClean="0"/>
+                  <a:t>Rat 4</a:t>
+                </a:r>
+                <a:endParaRPr lang="en-US" dirty="0"/>
+              </a:p>
+            </p:txBody>
+          </p:sp>
+        </p:grpSp>
+        <p:sp>
+          <p:nvSpPr>
+            <p:cNvPr id="33" name="TextBox 32"/>
+            <p:cNvSpPr txBox="1"/>
+            <p:nvPr/>
+          </p:nvSpPr>
+          <p:spPr>
+            <a:xfrm>
+              <a:off x="6629400" y="3429000"/>
+              <a:ext cx="304800" cy="381000"/>
+            </a:xfrm>
+            <a:prstGeom prst="rect">
+              <a:avLst/>
+            </a:prstGeom>
+            <a:noFill/>
+          </p:spPr>
+          <p:txBody>
+            <a:bodyPr wrap="square" rtlCol="0">
+              <a:spAutoFit/>
+            </a:bodyPr>
+            <a:lstStyle/>
+            <a:p>
+              <a:r>
+                <a:rPr lang="en-US" dirty="0" smtClean="0"/>
+                <a:t>0</a:t>
+              </a:r>
+              <a:endParaRPr lang="en-US" dirty="0"/>
+            </a:p>
+          </p:txBody>
+        </p:sp>
+      </p:grpSp>
+      <p:grpSp>
+        <p:nvGrpSpPr>
+          <p:cNvPr id="37" name="Group 36"/>
+          <p:cNvGrpSpPr/>
+          <p:nvPr/>
+        </p:nvGrpSpPr>
+        <p:grpSpPr>
+          <a:xfrm>
+            <a:off x="838200" y="3657600"/>
+            <a:ext cx="7010400" cy="902732"/>
+            <a:chOff x="838200" y="3657600"/>
+            <a:chExt cx="7010400" cy="902732"/>
+          </a:xfrm>
+        </p:grpSpPr>
+        <p:grpSp>
+          <p:nvGrpSpPr>
+            <p:cNvPr id="9" name="Group 20"/>
+            <p:cNvGrpSpPr/>
+            <p:nvPr/>
+          </p:nvGrpSpPr>
+          <p:grpSpPr>
+            <a:xfrm>
+              <a:off x="838200" y="3962400"/>
+              <a:ext cx="6096000" cy="597932"/>
+              <a:chOff x="4343400" y="3962400"/>
+              <a:chExt cx="2590800" cy="597932"/>
+            </a:xfrm>
+          </p:grpSpPr>
+          <p:sp>
+            <p:nvSpPr>
+              <p:cNvPr id="19" name="Left Brace 18"/>
+              <p:cNvSpPr/>
+              <p:nvPr/>
+            </p:nvSpPr>
+            <p:spPr>
+              <a:xfrm rot="16200000">
+                <a:off x="5486400" y="2819400"/>
+                <a:ext cx="304800" cy="2590800"/>
+              </a:xfrm>
+              <a:prstGeom prst="leftBrace">
+                <a:avLst/>
+              </a:prstGeom>
+              <a:ln w="25400">
+                <a:solidFill>
+                  <a:srgbClr val="C00000"/>
+                </a:solidFill>
+              </a:ln>
+            </p:spPr>
+            <p:style>
+              <a:lnRef idx="1">
+                <a:schemeClr val="accent1"/>
+              </a:lnRef>
+              <a:fillRef idx="0">
+                <a:schemeClr val="accent1"/>
+              </a:fillRef>
+              <a:effectRef idx="0">
+                <a:schemeClr val="accent1"/>
+              </a:effectRef>
+              <a:fontRef idx="minor">
+                <a:schemeClr val="tx1"/>
+              </a:fontRef>
+            </p:style>
+            <p:txBody>
+              <a:bodyPr rtlCol="0" anchor="ctr"/>
+              <a:lstStyle/>
+              <a:p>
+                <a:pPr algn="ctr"/>
+                <a:endParaRPr lang="en-US">
+                  <a:solidFill>
+                    <a:srgbClr val="800000"/>
+                  </a:solidFill>
+                </a:endParaRPr>
+              </a:p>
+            </p:txBody>
+          </p:sp>
+          <p:sp>
+            <p:nvSpPr>
+              <p:cNvPr id="20" name="TextBox 19"/>
+              <p:cNvSpPr txBox="1"/>
+              <p:nvPr/>
+            </p:nvSpPr>
+            <p:spPr>
+              <a:xfrm>
+                <a:off x="5486400" y="4191000"/>
+                <a:ext cx="962025" cy="369332"/>
+              </a:xfrm>
+              <a:prstGeom prst="rect">
+                <a:avLst/>
+              </a:prstGeom>
+              <a:noFill/>
+            </p:spPr>
+            <p:txBody>
+              <a:bodyPr wrap="square" rtlCol="0">
+                <a:spAutoFit/>
+              </a:bodyPr>
+              <a:lstStyle/>
+              <a:p>
+                <a:r>
+                  <a:rPr lang="en-US" dirty="0" smtClean="0">
+                    <a:solidFill>
+                      <a:srgbClr val="800000"/>
+                    </a:solidFill>
+                  </a:rPr>
+                  <a:t>Time to censor </a:t>
+                </a:r>
+                <a:r>
+                  <a:rPr lang="en-US" dirty="0" smtClean="0">
+                    <a:solidFill>
+                      <a:srgbClr val="800000"/>
+                    </a:solidFill>
+                  </a:rPr>
+                  <a:t>(</a:t>
+                </a:r>
+                <a:r>
+                  <a:rPr lang="en-US" dirty="0" err="1" smtClean="0"/>
+                  <a:t>Ci</a:t>
+                </a:r>
+                <a:r>
+                  <a:rPr lang="en-US" dirty="0" smtClean="0"/>
+                  <a:t> </a:t>
+                </a:r>
+                <a:r>
+                  <a:rPr lang="en-US" dirty="0" smtClean="0">
+                    <a:solidFill>
+                      <a:srgbClr val="800000"/>
+                    </a:solidFill>
+                  </a:rPr>
+                  <a:t>)</a:t>
+                </a:r>
+                <a:endParaRPr lang="en-US" baseline="-25000" dirty="0">
+                  <a:solidFill>
+                    <a:srgbClr val="800000"/>
+                  </a:solidFill>
+                </a:endParaRPr>
+              </a:p>
+            </p:txBody>
+          </p:sp>
+        </p:grpSp>
+        <p:sp>
+          <p:nvSpPr>
+            <p:cNvPr id="34" name="Rectangle 33"/>
+            <p:cNvSpPr/>
+            <p:nvPr/>
+          </p:nvSpPr>
+          <p:spPr>
+            <a:xfrm>
+              <a:off x="7010400" y="3657600"/>
+              <a:ext cx="838200" cy="457200"/>
+            </a:xfrm>
+            <a:prstGeom prst="rect">
+              <a:avLst/>
+            </a:prstGeom>
+            <a:solidFill>
+              <a:schemeClr val="bg1">
+                <a:alpha val="82000"/>
+              </a:schemeClr>
+            </a:solidFill>
+            <a:ln>
+              <a:solidFill>
+                <a:schemeClr val="bg1"/>
+              </a:solidFill>
+            </a:ln>
+          </p:spPr>
+          <p:style>
+            <a:lnRef idx="2">
+              <a:schemeClr val="accent1">
+                <a:shade val="50000"/>
+              </a:schemeClr>
+            </a:lnRef>
+            <a:fillRef idx="1">
+              <a:schemeClr val="accent1"/>
+            </a:fillRef>
+            <a:effectRef idx="0">
+              <a:schemeClr val="accent1"/>
+            </a:effectRef>
+            <a:fontRef idx="minor">
+              <a:schemeClr val="lt1"/>
+            </a:fontRef>
+          </p:style>
+          <p:txBody>
+            <a:bodyPr rtlCol="0" anchor="ctr"/>
+            <a:lstStyle/>
+            <a:p>
+              <a:pPr algn="ctr"/>
+              <a:endParaRPr lang="en-US"/>
+            </a:p>
+          </p:txBody>
+        </p:sp>
+      </p:grpSp>
+      <p:sp>
+        <p:nvSpPr>
+          <p:cNvPr id="39" name="Footer Placeholder 3"/>
+          <p:cNvSpPr>
+            <a:spLocks noGrp="1"/>
+          </p:cNvSpPr>
+          <p:nvPr>
+            <p:ph type="ftr" sz="quarter" idx="11"/>
+          </p:nvPr>
+        </p:nvSpPr>
+        <p:spPr>
+          <a:xfrm>
+            <a:off x="3124200" y="6492875"/>
+            <a:ext cx="2895600" cy="365125"/>
+          </a:xfrm>
+        </p:spPr>
+        <p:txBody>
+          <a:bodyPr/>
+          <a:lstStyle/>
+          <a:p>
+            <a:r>
+              <a:rPr lang="en-US" dirty="0" smtClean="0">
+                <a:solidFill>
+                  <a:schemeClr val="accent1"/>
+                </a:solidFill>
+              </a:rPr>
+              <a:t>STT 465, MSU, Fall, 2015</a:t>
+            </a:r>
+            <a:endParaRPr lang="en-US" dirty="0">
+              <a:solidFill>
+                <a:schemeClr val="accent1"/>
+              </a:solidFill>
+            </a:endParaRPr>
+          </a:p>
+        </p:txBody>
+      </p:sp>
+    </p:spTree>
+    <p:extLst>
+      <p:ext uri="{BB962C8B-B14F-4D97-AF65-F5344CB8AC3E}">
+        <p14:creationId xmlns:p14="http://schemas.microsoft.com/office/powerpoint/2010/main" val="3588332530"/>
+      </p:ext>
+    </p:extLst>
+  </p:cSld>
+  <p:clrMapOvr>
+    <a:masterClrMapping/>
+  </p:clrMapOvr>
+  <p:timing>
+    <p:tnLst>
+      <p:par>
+        <p:cTn xmlns:p14="http://schemas.microsoft.com/office/powerpoint/2010/main" id="1" dur="indefinite" restart="never" nodeType="tmRoot">
+          <p:childTnLst>
+            <p:seq concurrent="1" nextAc="seek">
+              <p:cTn id="2" dur="indefinite" nodeType="mainSeq">
+                <p:childTnLst>
+                  <p:par>
+                    <p:cTn id="3" fill="hold">
+                      <p:stCondLst>
+                        <p:cond delay="indefinite"/>
+                      </p:stCondLst>
+                      <p:childTnLst>
+                        <p:par>
+                          <p:cTn id="4" fill="hold">
+                            <p:stCondLst>
+                              <p:cond delay="0"/>
+                            </p:stCondLst>
+                            <p:childTnLst>
+                              <p:par>
+                                <p:cTn id="5" presetID="1" presetClass="entr" presetSubtype="0" fill="hold" nodeType="clickEffect">
+                                  <p:stCondLst>
+                                    <p:cond delay="0"/>
+                                  </p:stCondLst>
+                                  <p:childTnLst>
+                                    <p:set>
+                                      <p:cBhvr>
+                                        <p:cTn id="6" dur="1" fill="hold">
+                                          <p:stCondLst>
+                                            <p:cond delay="0"/>
+                                          </p:stCondLst>
+                                        </p:cTn>
+                                        <p:tgtEl>
+                                          <p:spTgt spid="30"/>
+                                        </p:tgtEl>
+                                        <p:attrNameLst>
+                                          <p:attrName>style.visibility</p:attrName>
+                                        </p:attrNameLst>
+                                      </p:cBhvr>
+                                      <p:to>
+                                        <p:strVal val="visible"/>
+                                      </p:to>
+                                    </p:set>
+                                  </p:childTnLst>
+                                </p:cTn>
+                              </p:par>
+                            </p:childTnLst>
+                          </p:cTn>
+                        </p:par>
+                      </p:childTnLst>
+                    </p:cTn>
+                  </p:par>
+                  <p:par>
+                    <p:cTn id="7" fill="hold">
+                      <p:stCondLst>
+                        <p:cond delay="indefinite"/>
+                      </p:stCondLst>
+                      <p:childTnLst>
+                        <p:par>
+                          <p:cTn id="8" fill="hold">
+                            <p:stCondLst>
+                              <p:cond delay="0"/>
+                            </p:stCondLst>
+                            <p:childTnLst>
+                              <p:par>
+                                <p:cTn id="9" presetID="1" presetClass="entr" presetSubtype="0" fill="hold" nodeType="clickEffect">
+                                  <p:stCondLst>
+                                    <p:cond delay="0"/>
+                                  </p:stCondLst>
+                                  <p:childTnLst>
+                                    <p:set>
+                                      <p:cBhvr>
+                                        <p:cTn id="10" dur="1" fill="hold">
+                                          <p:stCondLst>
+                                            <p:cond delay="0"/>
+                                          </p:stCondLst>
+                                        </p:cTn>
+                                        <p:tgtEl>
+                                          <p:spTgt spid="35"/>
+                                        </p:tgtEl>
+                                        <p:attrNameLst>
+                                          <p:attrName>style.visibility</p:attrName>
+                                        </p:attrNameLst>
+                                      </p:cBhvr>
+                                      <p:to>
+                                        <p:strVal val="visible"/>
+                                      </p:to>
+                                    </p:set>
+                                  </p:childTnLst>
+                                </p:cTn>
+                              </p:par>
+                            </p:childTnLst>
+                          </p:cTn>
+                        </p:par>
+                      </p:childTnLst>
+                    </p:cTn>
+                  </p:par>
+                  <p:par>
+                    <p:cTn id="11" fill="hold">
+                      <p:stCondLst>
+                        <p:cond delay="indefinite"/>
+                      </p:stCondLst>
+                      <p:childTnLst>
+                        <p:par>
+                          <p:cTn id="12" fill="hold">
+                            <p:stCondLst>
+                              <p:cond delay="0"/>
+                            </p:stCondLst>
+                            <p:childTnLst>
+                              <p:par>
+                                <p:cTn id="13" presetID="1" presetClass="entr" presetSubtype="0" fill="hold" nodeType="clickEffect">
+                                  <p:stCondLst>
+                                    <p:cond delay="0"/>
+                                  </p:stCondLst>
+                                  <p:childTnLst>
+                                    <p:set>
+                                      <p:cBhvr>
+                                        <p:cTn id="14" dur="1" fill="hold">
+                                          <p:stCondLst>
+                                            <p:cond delay="0"/>
+                                          </p:stCondLst>
+                                        </p:cTn>
+                                        <p:tgtEl>
+                                          <p:spTgt spid="36"/>
+                                        </p:tgtEl>
+                                        <p:attrNameLst>
+                                          <p:attrName>style.visibility</p:attrName>
+                                        </p:attrNameLst>
+                                      </p:cBhvr>
+                                      <p:to>
+                                        <p:strVal val="visible"/>
+                                      </p:to>
+                                    </p:set>
+                                  </p:childTnLst>
+                                </p:cTn>
+                              </p:par>
+                            </p:childTnLst>
+                          </p:cTn>
+                        </p:par>
+                      </p:childTnLst>
+                    </p:cTn>
+                  </p:par>
+                  <p:par>
+                    <p:cTn id="15" fill="hold">
+                      <p:stCondLst>
+                        <p:cond delay="indefinite"/>
+                      </p:stCondLst>
+                      <p:childTnLst>
+                        <p:par>
+                          <p:cTn id="16" fill="hold">
+                            <p:stCondLst>
+                              <p:cond delay="0"/>
+                            </p:stCondLst>
+                            <p:childTnLst>
+                              <p:par>
+                                <p:cTn id="17" presetID="1" presetClass="entr" presetSubtype="0" fill="hold" nodeType="clickEffect">
+                                  <p:stCondLst>
+                                    <p:cond delay="0"/>
+                                  </p:stCondLst>
+                                  <p:childTnLst>
+                                    <p:set>
+                                      <p:cBhvr>
+                                        <p:cTn id="18" dur="1" fill="hold">
+                                          <p:stCondLst>
+                                            <p:cond delay="0"/>
+                                          </p:stCondLst>
+                                        </p:cTn>
+                                        <p:tgtEl>
+                                          <p:spTgt spid="38"/>
+                                        </p:tgtEl>
+                                        <p:attrNameLst>
+                                          <p:attrName>style.visibility</p:attrName>
+                                        </p:attrNameLst>
+                                      </p:cBhvr>
+                                      <p:to>
+                                        <p:strVal val="visible"/>
+                                      </p:to>
+                                    </p:set>
+                                  </p:childTnLst>
+                                </p:cTn>
+                              </p:par>
+                            </p:childTnLst>
+                          </p:cTn>
+                        </p:par>
+                      </p:childTnLst>
+                    </p:cTn>
+                  </p:par>
+                  <p:par>
+                    <p:cTn id="19" fill="hold">
+                      <p:stCondLst>
+                        <p:cond delay="indefinite"/>
+                      </p:stCondLst>
+                      <p:childTnLst>
+                        <p:par>
+                          <p:cTn id="20" fill="hold">
+                            <p:stCondLst>
+                              <p:cond delay="0"/>
+                            </p:stCondLst>
+                            <p:childTnLst>
+                              <p:par>
+                                <p:cTn id="21" presetID="1" presetClass="entr" presetSubtype="0" fill="hold" nodeType="clickEffect">
+                                  <p:stCondLst>
+                                    <p:cond delay="0"/>
+                                  </p:stCondLst>
+                                  <p:childTnLst>
+                                    <p:set>
+                                      <p:cBhvr>
+                                        <p:cTn id="22" dur="1" fill="hold">
+                                          <p:stCondLst>
+                                            <p:cond delay="0"/>
+                                          </p:stCondLst>
+                                        </p:cTn>
+                                        <p:tgtEl>
+                                          <p:spTgt spid="37"/>
+                                        </p:tgtEl>
+                                        <p:attrNameLst>
+                                          <p:attrName>style.visibility</p:attrName>
+                                        </p:attrNameLst>
+                                      </p:cBhvr>
+                                      <p:to>
+                                        <p:strVal val="visible"/>
+                                      </p:to>
+                                    </p:set>
+                                  </p:childTnLst>
+                                </p:cTn>
+                              </p:par>
+                            </p:childTnLst>
+                          </p:cTn>
+                        </p:par>
+                      </p:childTnLst>
+                    </p:cTn>
+                  </p:par>
+                  <p:par>
+                    <p:cTn id="23" fill="hold">
+                      <p:stCondLst>
+                        <p:cond delay="indefinite"/>
+                      </p:stCondLst>
+                      <p:childTnLst>
+                        <p:par>
+                          <p:cTn id="24" fill="hold">
+                            <p:stCondLst>
+                              <p:cond delay="0"/>
+                            </p:stCondLst>
+                            <p:childTnLst>
+                              <p:par>
+                                <p:cTn id="25" presetID="3" presetClass="entr" presetSubtype="10" fill="hold" grpId="0" nodeType="clickEffect">
+                                  <p:stCondLst>
+                                    <p:cond delay="0"/>
+                                  </p:stCondLst>
+                                  <p:childTnLst>
+                                    <p:set>
+                                      <p:cBhvr>
+                                        <p:cTn id="26" dur="1" fill="hold">
+                                          <p:stCondLst>
+                                            <p:cond delay="0"/>
+                                          </p:stCondLst>
+                                        </p:cTn>
+                                        <p:tgtEl>
+                                          <p:spTgt spid="29"/>
+                                        </p:tgtEl>
+                                        <p:attrNameLst>
+                                          <p:attrName>style.visibility</p:attrName>
+                                        </p:attrNameLst>
+                                      </p:cBhvr>
+                                      <p:to>
+                                        <p:strVal val="visible"/>
+                                      </p:to>
+                                    </p:set>
+                                    <p:animEffect transition="in" filter="blinds(horizontal)">
+                                      <p:cBhvr>
+                                        <p:cTn id="27" dur="500"/>
+                                        <p:tgtEl>
+                                          <p:spTgt spid="29"/>
+                                        </p:tgtEl>
+                                      </p:cBhvr>
+                                    </p:animEffect>
+                                  </p:childTnLst>
+                                </p:cTn>
+                              </p:par>
+                            </p:childTnLst>
+                          </p:cTn>
+                        </p:par>
+                      </p:childTnLst>
+                    </p:cTn>
+                  </p:par>
+                </p:childTnLst>
+              </p:cTn>
+              <p:prevCondLst>
+                <p:cond evt="onPrev" delay="0">
+                  <p:tgtEl>
+                    <p:sldTgt/>
+                  </p:tgtEl>
+                </p:cond>
+              </p:prevCondLst>
+              <p:nextCondLst>
+                <p:cond evt="onNext" delay="0">
+                  <p:tgtEl>
+                    <p:sldTgt/>
+                  </p:tgtEl>
+                </p:cond>
+              </p:nextCondLst>
+            </p:seq>
+          </p:childTnLst>
+        </p:cTn>
+      </p:par>
+    </p:tnLst>
+    <p:bldLst>
+      <p:bldP spid="29" grpId="0"/>
+    </p:bldLst>
   </p:timing>
 </p:sld>
 </file>
@@ -7597,7 +11296,7 @@
           <a:graphicData uri="http://schemas.openxmlformats.org/presentationml/2006/ole">
             <mc:AlternateContent xmlns:mc="http://schemas.openxmlformats.org/markup-compatibility/2006">
               <mc:Choice xmlns:v="urn:schemas-microsoft-com:vml" Requires="v">
-                <p:oleObj spid="_x0000_s1187" name="Equation" r:id="rId4" imgW="1092200" imgH="330200" progId="Equation.3">
+                <p:oleObj spid="_x0000_s1213" name="Equation" r:id="rId4" imgW="1092200" imgH="330200" progId="Equation.3">
                   <p:embed/>
                 </p:oleObj>
               </mc:Choice>
@@ -7654,7 +11353,7 @@
           <a:graphicData uri="http://schemas.openxmlformats.org/presentationml/2006/ole">
             <mc:AlternateContent xmlns:mc="http://schemas.openxmlformats.org/markup-compatibility/2006">
               <mc:Choice xmlns:v="urn:schemas-microsoft-com:vml" Requires="v">
-                <p:oleObj spid="_x0000_s1188" name="Equation" r:id="rId6" imgW="673100" imgH="203200" progId="Equation.3">
+                <p:oleObj spid="_x0000_s1214" name="Equation" r:id="rId6" imgW="673100" imgH="203200" progId="Equation.3">
                   <p:embed/>
                 </p:oleObj>
               </mc:Choice>
@@ -7711,7 +11410,7 @@
           <a:graphicData uri="http://schemas.openxmlformats.org/presentationml/2006/ole">
             <mc:AlternateContent xmlns:mc="http://schemas.openxmlformats.org/markup-compatibility/2006">
               <mc:Choice xmlns:v="urn:schemas-microsoft-com:vml" Requires="v">
-                <p:oleObj spid="_x0000_s1189" name="Equation" r:id="rId8" imgW="1054100" imgH="342900" progId="Equation.3">
+                <p:oleObj spid="_x0000_s1215" name="Equation" r:id="rId8" imgW="1054100" imgH="342900" progId="Equation.3">
                   <p:embed/>
                 </p:oleObj>
               </mc:Choice>
@@ -7768,7 +11467,7 @@
           <a:graphicData uri="http://schemas.openxmlformats.org/presentationml/2006/ole">
             <mc:AlternateContent xmlns:mc="http://schemas.openxmlformats.org/markup-compatibility/2006">
               <mc:Choice xmlns:v="urn:schemas-microsoft-com:vml" Requires="v">
-                <p:oleObj spid="_x0000_s1190" name="Equation" r:id="rId10" imgW="3975100" imgH="965200" progId="Equation.3">
+                <p:oleObj spid="_x0000_s1216" name="Equation" r:id="rId10" imgW="3975100" imgH="965200" progId="Equation.3">
                   <p:embed/>
                 </p:oleObj>
               </mc:Choice>
@@ -7823,6 +11522,1628 @@
 </p:sld>
 </file>
 
+<file path=ppt/slides/slide20.xml><?xml version="1.0" encoding="utf-8"?>
+<p:sld xmlns:a="http://schemas.openxmlformats.org/drawingml/2006/main" xmlns:r="http://schemas.openxmlformats.org/officeDocument/2006/relationships" xmlns:p="http://schemas.openxmlformats.org/presentationml/2006/main">
+  <p:cSld>
+    <p:spTree>
+      <p:nvGrpSpPr>
+        <p:cNvPr id="1" name=""/>
+        <p:cNvGrpSpPr/>
+        <p:nvPr/>
+      </p:nvGrpSpPr>
+      <p:grpSpPr>
+        <a:xfrm>
+          <a:off x="0" y="0"/>
+          <a:ext cx="0" cy="0"/>
+          <a:chOff x="0" y="0"/>
+          <a:chExt cx="0" cy="0"/>
+        </a:xfrm>
+      </p:grpSpPr>
+      <p:sp>
+        <p:nvSpPr>
+          <p:cNvPr id="14" name="TextBox 13"/>
+          <p:cNvSpPr txBox="1"/>
+          <p:nvPr/>
+        </p:nvSpPr>
+        <p:spPr>
+          <a:xfrm>
+            <a:off x="914400" y="0"/>
+            <a:ext cx="7467600" cy="646331"/>
+          </a:xfrm>
+          <a:prstGeom prst="rect">
+            <a:avLst/>
+          </a:prstGeom>
+          <a:noFill/>
+          <a:ln>
+            <a:solidFill>
+              <a:srgbClr val="800000"/>
+            </a:solidFill>
+            <a:prstDash val="sysDash"/>
+          </a:ln>
+        </p:spPr>
+        <p:txBody>
+          <a:bodyPr wrap="square" rtlCol="0">
+            <a:spAutoFit/>
+          </a:bodyPr>
+          <a:lstStyle/>
+          <a:p>
+            <a:endParaRPr lang="en-US" sz="800" dirty="0" smtClean="0">
+              <a:solidFill>
+                <a:srgbClr val="800000"/>
+              </a:solidFill>
+            </a:endParaRPr>
+          </a:p>
+          <a:p>
+            <a:pPr algn="ctr"/>
+            <a:r>
+              <a:rPr lang="en-US" sz="2800" dirty="0" smtClean="0">
+                <a:solidFill>
+                  <a:srgbClr val="800000"/>
+                </a:solidFill>
+              </a:rPr>
+              <a:t>Dealing with Censoring in Bayesian Regression</a:t>
+            </a:r>
+            <a:endParaRPr lang="en-US" dirty="0" smtClean="0">
+              <a:solidFill>
+                <a:schemeClr val="accent1">
+                  <a:lumMod val="75000"/>
+                </a:schemeClr>
+              </a:solidFill>
+            </a:endParaRPr>
+          </a:p>
+        </p:txBody>
+      </p:sp>
+      <p:sp>
+        <p:nvSpPr>
+          <p:cNvPr id="15" name="TextBox 14"/>
+          <p:cNvSpPr txBox="1"/>
+          <p:nvPr/>
+        </p:nvSpPr>
+        <p:spPr>
+          <a:xfrm>
+            <a:off x="457200" y="990600"/>
+            <a:ext cx="8229600" cy="5539979"/>
+          </a:xfrm>
+          <a:prstGeom prst="rect">
+            <a:avLst/>
+          </a:prstGeom>
+          <a:noFill/>
+        </p:spPr>
+        <p:txBody>
+          <a:bodyPr wrap="square" rtlCol="0">
+            <a:spAutoFit/>
+          </a:bodyPr>
+          <a:lstStyle/>
+          <a:p>
+            <a:r>
+              <a:rPr lang="en-US" sz="2400" b="1" u="sng" dirty="0" smtClean="0">
+                <a:solidFill>
+                  <a:srgbClr val="1F497D"/>
+                </a:solidFill>
+              </a:rPr>
+              <a:t>Our strategy will be as the same as before:</a:t>
+            </a:r>
+            <a:endParaRPr lang="en-US" sz="2400" b="1" u="sng" dirty="0" smtClean="0">
+              <a:solidFill>
+                <a:srgbClr val="1F497D"/>
+              </a:solidFill>
+            </a:endParaRPr>
+          </a:p>
+          <a:p>
+            <a:pPr lvl="1"/>
+            <a:r>
+              <a:rPr lang="en-US" dirty="0" smtClean="0">
+                <a:solidFill>
+                  <a:schemeClr val="accent1">
+                    <a:lumMod val="75000"/>
+                  </a:schemeClr>
+                </a:solidFill>
+              </a:rPr>
+              <a:t>-    Write down the likelihood (for censored data in this case)</a:t>
+            </a:r>
+            <a:endParaRPr lang="en-US" dirty="0" smtClean="0">
+              <a:solidFill>
+                <a:schemeClr val="accent1">
+                  <a:lumMod val="75000"/>
+                </a:schemeClr>
+              </a:solidFill>
+            </a:endParaRPr>
+          </a:p>
+          <a:p>
+            <a:pPr marL="742950" lvl="1" indent="-285750">
+              <a:buFontTx/>
+              <a:buChar char="-"/>
+            </a:pPr>
+            <a:r>
+              <a:rPr lang="en-US" dirty="0" smtClean="0">
+                <a:solidFill>
+                  <a:schemeClr val="accent1">
+                    <a:lumMod val="75000"/>
+                  </a:schemeClr>
+                </a:solidFill>
+              </a:rPr>
+              <a:t>Define the prior </a:t>
+            </a:r>
+          </a:p>
+          <a:p>
+            <a:pPr marL="742950" lvl="1" indent="-285750">
+              <a:buFontTx/>
+              <a:buChar char="-"/>
+            </a:pPr>
+            <a:r>
+              <a:rPr lang="en-US" dirty="0" smtClean="0">
+                <a:solidFill>
+                  <a:schemeClr val="accent1">
+                    <a:lumMod val="75000"/>
+                  </a:schemeClr>
+                </a:solidFill>
+              </a:rPr>
+              <a:t>Using the above, arrive at the joint posterior (it typically does not have a closed form)</a:t>
+            </a:r>
+          </a:p>
+          <a:p>
+            <a:pPr marL="742950" lvl="1" indent="-285750">
+              <a:buFontTx/>
+              <a:buChar char="-"/>
+            </a:pPr>
+            <a:r>
+              <a:rPr lang="en-US" dirty="0" smtClean="0">
+                <a:solidFill>
+                  <a:schemeClr val="accent1">
+                    <a:lumMod val="75000"/>
+                  </a:schemeClr>
+                </a:solidFill>
+              </a:rPr>
+              <a:t>From the joint posterior  derive the fully conditional distribution of the censored data points.</a:t>
+            </a:r>
+          </a:p>
+          <a:p>
+            <a:pPr marL="742950" lvl="1" indent="-285750">
+              <a:buFontTx/>
+              <a:buChar char="-"/>
+            </a:pPr>
+            <a:r>
+              <a:rPr lang="en-US" dirty="0" smtClean="0">
+                <a:solidFill>
+                  <a:schemeClr val="accent1">
+                    <a:lumMod val="75000"/>
+                  </a:schemeClr>
+                </a:solidFill>
+              </a:rPr>
+              <a:t>Incorporate the fully conditional on the Gibbs sampler.</a:t>
+            </a:r>
+          </a:p>
+          <a:p>
+            <a:pPr lvl="1"/>
+            <a:endParaRPr lang="en-US" dirty="0" smtClean="0">
+              <a:solidFill>
+                <a:schemeClr val="accent1">
+                  <a:lumMod val="75000"/>
+                </a:schemeClr>
+              </a:solidFill>
+            </a:endParaRPr>
+          </a:p>
+          <a:p>
+            <a:r>
+              <a:rPr lang="en-US" sz="2400" b="1" u="sng" dirty="0" smtClean="0">
+                <a:solidFill>
+                  <a:srgbClr val="1F497D"/>
+                </a:solidFill>
+              </a:rPr>
+              <a:t>Notation:</a:t>
+            </a:r>
+            <a:endParaRPr lang="en-US" sz="2400" b="1" u="sng" dirty="0">
+              <a:solidFill>
+                <a:srgbClr val="1F497D"/>
+              </a:solidFill>
+            </a:endParaRPr>
+          </a:p>
+          <a:p>
+            <a:pPr lvl="1"/>
+            <a:endParaRPr lang="en-US" dirty="0">
+              <a:solidFill>
+                <a:schemeClr val="accent1">
+                  <a:lumMod val="75000"/>
+                </a:schemeClr>
+              </a:solidFill>
+            </a:endParaRPr>
+          </a:p>
+          <a:p>
+            <a:pPr marL="742950" lvl="1" indent="-285750">
+              <a:buFontTx/>
+              <a:buChar char="-"/>
+            </a:pPr>
+            <a:r>
+              <a:rPr lang="en-US" dirty="0" smtClean="0">
+                <a:solidFill>
+                  <a:schemeClr val="accent1">
+                    <a:lumMod val="75000"/>
+                  </a:schemeClr>
+                </a:solidFill>
+              </a:rPr>
+              <a:t>Yi: response (e.g., time to event or censoring time)</a:t>
+            </a:r>
+          </a:p>
+          <a:p>
+            <a:pPr marL="742950" lvl="1" indent="-285750">
+              <a:buFontTx/>
+              <a:buChar char="-"/>
+            </a:pPr>
+            <a:r>
+              <a:rPr lang="en-US" dirty="0" err="1" smtClean="0">
+                <a:solidFill>
+                  <a:schemeClr val="accent1">
+                    <a:lumMod val="75000"/>
+                  </a:schemeClr>
+                </a:solidFill>
+              </a:rPr>
+              <a:t>Ci</a:t>
+            </a:r>
+            <a:r>
+              <a:rPr lang="en-US" dirty="0" smtClean="0">
+                <a:solidFill>
+                  <a:schemeClr val="accent1">
+                    <a:lumMod val="75000"/>
+                  </a:schemeClr>
+                </a:solidFill>
+              </a:rPr>
+              <a:t>: a dummy variable with 1 indicating event and 0 indicating censoring.</a:t>
+            </a:r>
+          </a:p>
+          <a:p>
+            <a:pPr marL="742950" lvl="1" indent="-285750">
+              <a:buFontTx/>
+              <a:buChar char="-"/>
+            </a:pPr>
+            <a:endParaRPr lang="en-US" dirty="0">
+              <a:solidFill>
+                <a:schemeClr val="accent1">
+                  <a:lumMod val="75000"/>
+                </a:schemeClr>
+              </a:solidFill>
+            </a:endParaRPr>
+          </a:p>
+          <a:p>
+            <a:pPr marL="742950" lvl="1" indent="-285750">
+              <a:buFontTx/>
+              <a:buChar char="-"/>
+            </a:pPr>
+            <a:endParaRPr lang="en-US" dirty="0" smtClean="0">
+              <a:solidFill>
+                <a:schemeClr val="accent1">
+                  <a:lumMod val="75000"/>
+                </a:schemeClr>
+              </a:solidFill>
+            </a:endParaRPr>
+          </a:p>
+          <a:p>
+            <a:pPr marL="742950" lvl="1" indent="-285750">
+              <a:buFontTx/>
+              <a:buChar char="-"/>
+            </a:pPr>
+            <a:endParaRPr lang="en-US" dirty="0">
+              <a:solidFill>
+                <a:schemeClr val="accent1">
+                  <a:lumMod val="75000"/>
+                </a:schemeClr>
+              </a:solidFill>
+            </a:endParaRPr>
+          </a:p>
+          <a:p>
+            <a:pPr lvl="1"/>
+            <a:endParaRPr lang="en-US" dirty="0">
+              <a:solidFill>
+                <a:schemeClr val="accent1">
+                  <a:lumMod val="75000"/>
+                </a:schemeClr>
+              </a:solidFill>
+            </a:endParaRPr>
+          </a:p>
+          <a:p>
+            <a:pPr lvl="1"/>
+            <a:endParaRPr lang="en-US" dirty="0">
+              <a:solidFill>
+                <a:schemeClr val="accent1">
+                  <a:lumMod val="75000"/>
+                </a:schemeClr>
+              </a:solidFill>
+            </a:endParaRPr>
+          </a:p>
+          <a:p>
+            <a:pPr marL="742950" lvl="1" indent="-285750">
+              <a:buFontTx/>
+              <a:buChar char="-"/>
+            </a:pPr>
+            <a:endParaRPr lang="en-US" dirty="0" smtClean="0">
+              <a:solidFill>
+                <a:schemeClr val="accent1">
+                  <a:lumMod val="75000"/>
+                </a:schemeClr>
+              </a:solidFill>
+            </a:endParaRPr>
+          </a:p>
+        </p:txBody>
+      </p:sp>
+      <p:sp>
+        <p:nvSpPr>
+          <p:cNvPr id="5" name="Footer Placeholder 3"/>
+          <p:cNvSpPr>
+            <a:spLocks noGrp="1"/>
+          </p:cNvSpPr>
+          <p:nvPr>
+            <p:ph type="ftr" sz="quarter" idx="11"/>
+          </p:nvPr>
+        </p:nvSpPr>
+        <p:spPr>
+          <a:xfrm>
+            <a:off x="3124200" y="6356350"/>
+            <a:ext cx="2895600" cy="365125"/>
+          </a:xfrm>
+        </p:spPr>
+        <p:txBody>
+          <a:bodyPr/>
+          <a:lstStyle/>
+          <a:p>
+            <a:r>
+              <a:rPr lang="en-US" dirty="0" smtClean="0">
+                <a:solidFill>
+                  <a:schemeClr val="accent1"/>
+                </a:solidFill>
+              </a:rPr>
+              <a:t>STT 465, MSU, Fall, 2015</a:t>
+            </a:r>
+            <a:endParaRPr lang="en-US" dirty="0">
+              <a:solidFill>
+                <a:schemeClr val="accent1"/>
+              </a:solidFill>
+            </a:endParaRPr>
+          </a:p>
+        </p:txBody>
+      </p:sp>
+    </p:spTree>
+    <p:extLst>
+      <p:ext uri="{BB962C8B-B14F-4D97-AF65-F5344CB8AC3E}">
+        <p14:creationId xmlns:p14="http://schemas.microsoft.com/office/powerpoint/2010/main" val="4269366763"/>
+      </p:ext>
+    </p:extLst>
+  </p:cSld>
+  <p:clrMapOvr>
+    <a:masterClrMapping/>
+  </p:clrMapOvr>
+  <p:timing>
+    <p:tnLst>
+      <p:par>
+        <p:cTn xmlns:p14="http://schemas.microsoft.com/office/powerpoint/2010/main" id="1" dur="indefinite" restart="never" nodeType="tmRoot"/>
+      </p:par>
+    </p:tnLst>
+  </p:timing>
+</p:sld>
+</file>
+
+<file path=ppt/slides/slide21.xml><?xml version="1.0" encoding="utf-8"?>
+<p:sld xmlns:a="http://schemas.openxmlformats.org/drawingml/2006/main" xmlns:r="http://schemas.openxmlformats.org/officeDocument/2006/relationships" xmlns:p="http://schemas.openxmlformats.org/presentationml/2006/main">
+  <p:cSld>
+    <p:spTree>
+      <p:nvGrpSpPr>
+        <p:cNvPr id="1" name=""/>
+        <p:cNvGrpSpPr/>
+        <p:nvPr/>
+      </p:nvGrpSpPr>
+      <p:grpSpPr>
+        <a:xfrm>
+          <a:off x="0" y="0"/>
+          <a:ext cx="0" cy="0"/>
+          <a:chOff x="0" y="0"/>
+          <a:chExt cx="0" cy="0"/>
+        </a:xfrm>
+      </p:grpSpPr>
+      <p:sp>
+        <p:nvSpPr>
+          <p:cNvPr id="2" name="Title 1"/>
+          <p:cNvSpPr>
+            <a:spLocks noGrp="1"/>
+          </p:cNvSpPr>
+          <p:nvPr>
+            <p:ph type="ctrTitle"/>
+          </p:nvPr>
+        </p:nvSpPr>
+        <p:spPr>
+          <a:xfrm>
+            <a:off x="914400" y="152400"/>
+            <a:ext cx="7772400" cy="762000"/>
+          </a:xfrm>
+        </p:spPr>
+        <p:txBody>
+          <a:bodyPr>
+            <a:normAutofit/>
+          </a:bodyPr>
+          <a:lstStyle/>
+          <a:p>
+            <a:r>
+              <a:rPr lang="en-US" sz="3200" dirty="0" smtClean="0">
+                <a:solidFill>
+                  <a:schemeClr val="accent2">
+                    <a:lumMod val="75000"/>
+                  </a:schemeClr>
+                </a:solidFill>
+              </a:rPr>
+              <a:t>Likelihood Function</a:t>
+            </a:r>
+            <a:endParaRPr lang="en-US" sz="3200" dirty="0">
+              <a:solidFill>
+                <a:schemeClr val="accent2">
+                  <a:lumMod val="75000"/>
+                </a:schemeClr>
+              </a:solidFill>
+            </a:endParaRPr>
+          </a:p>
+        </p:txBody>
+      </p:sp>
+      <p:sp>
+        <p:nvSpPr>
+          <p:cNvPr id="4" name="Footer Placeholder 3"/>
+          <p:cNvSpPr>
+            <a:spLocks noGrp="1"/>
+          </p:cNvSpPr>
+          <p:nvPr>
+            <p:ph type="ftr" sz="quarter" idx="11"/>
+          </p:nvPr>
+        </p:nvSpPr>
+        <p:spPr>
+          <a:xfrm>
+            <a:off x="3124200" y="6569075"/>
+            <a:ext cx="2895600" cy="365125"/>
+          </a:xfrm>
+        </p:spPr>
+        <p:txBody>
+          <a:bodyPr/>
+          <a:lstStyle/>
+          <a:p>
+            <a:r>
+              <a:rPr lang="en-US" dirty="0" smtClean="0">
+                <a:solidFill>
+                  <a:schemeClr val="accent1"/>
+                </a:solidFill>
+              </a:rPr>
+              <a:t>STT 465, MSU, Fall, 2015</a:t>
+            </a:r>
+            <a:endParaRPr lang="en-US" dirty="0">
+              <a:solidFill>
+                <a:schemeClr val="accent1"/>
+              </a:solidFill>
+            </a:endParaRPr>
+          </a:p>
+        </p:txBody>
+      </p:sp>
+      <p:sp>
+        <p:nvSpPr>
+          <p:cNvPr id="6" name="TextBox 5"/>
+          <p:cNvSpPr txBox="1"/>
+          <p:nvPr/>
+        </p:nvSpPr>
+        <p:spPr>
+          <a:xfrm>
+            <a:off x="76200" y="990600"/>
+            <a:ext cx="8991600" cy="5632310"/>
+          </a:xfrm>
+          <a:prstGeom prst="rect">
+            <a:avLst/>
+          </a:prstGeom>
+          <a:noFill/>
+          <a:ln>
+            <a:solidFill>
+              <a:srgbClr val="800000"/>
+            </a:solidFill>
+            <a:prstDash val="sysDash"/>
+          </a:ln>
+        </p:spPr>
+        <p:txBody>
+          <a:bodyPr wrap="square" rtlCol="0">
+            <a:spAutoFit/>
+          </a:bodyPr>
+          <a:lstStyle/>
+          <a:p>
+            <a:endParaRPr lang="en-US" sz="2400" dirty="0" smtClean="0">
+              <a:solidFill>
+                <a:schemeClr val="accent1">
+                  <a:lumMod val="75000"/>
+                </a:schemeClr>
+              </a:solidFill>
+            </a:endParaRPr>
+          </a:p>
+          <a:p>
+            <a:endParaRPr lang="en-US" sz="2400" dirty="0">
+              <a:solidFill>
+                <a:schemeClr val="accent1">
+                  <a:lumMod val="75000"/>
+                </a:schemeClr>
+              </a:solidFill>
+            </a:endParaRPr>
+          </a:p>
+          <a:p>
+            <a:endParaRPr lang="en-US" sz="2400" dirty="0" smtClean="0">
+              <a:solidFill>
+                <a:schemeClr val="accent1">
+                  <a:lumMod val="75000"/>
+                </a:schemeClr>
+              </a:solidFill>
+            </a:endParaRPr>
+          </a:p>
+          <a:p>
+            <a:endParaRPr lang="en-US" sz="2400" dirty="0">
+              <a:solidFill>
+                <a:schemeClr val="accent1">
+                  <a:lumMod val="75000"/>
+                </a:schemeClr>
+              </a:solidFill>
+            </a:endParaRPr>
+          </a:p>
+          <a:p>
+            <a:endParaRPr lang="en-US" sz="2400" dirty="0" smtClean="0">
+              <a:solidFill>
+                <a:schemeClr val="accent1">
+                  <a:lumMod val="75000"/>
+                </a:schemeClr>
+              </a:solidFill>
+            </a:endParaRPr>
+          </a:p>
+          <a:p>
+            <a:endParaRPr lang="en-US" sz="2400" dirty="0">
+              <a:solidFill>
+                <a:schemeClr val="accent1">
+                  <a:lumMod val="75000"/>
+                </a:schemeClr>
+              </a:solidFill>
+            </a:endParaRPr>
+          </a:p>
+          <a:p>
+            <a:endParaRPr lang="en-US" sz="2400" dirty="0" smtClean="0">
+              <a:solidFill>
+                <a:schemeClr val="accent1">
+                  <a:lumMod val="75000"/>
+                </a:schemeClr>
+              </a:solidFill>
+            </a:endParaRPr>
+          </a:p>
+          <a:p>
+            <a:endParaRPr lang="en-US" sz="2400" dirty="0">
+              <a:solidFill>
+                <a:schemeClr val="accent1">
+                  <a:lumMod val="75000"/>
+                </a:schemeClr>
+              </a:solidFill>
+            </a:endParaRPr>
+          </a:p>
+          <a:p>
+            <a:endParaRPr lang="en-US" sz="2400" dirty="0" smtClean="0">
+              <a:solidFill>
+                <a:schemeClr val="accent1">
+                  <a:lumMod val="75000"/>
+                </a:schemeClr>
+              </a:solidFill>
+            </a:endParaRPr>
+          </a:p>
+          <a:p>
+            <a:endParaRPr lang="en-US" sz="2400" dirty="0">
+              <a:solidFill>
+                <a:schemeClr val="accent1">
+                  <a:lumMod val="75000"/>
+                </a:schemeClr>
+              </a:solidFill>
+            </a:endParaRPr>
+          </a:p>
+          <a:p>
+            <a:endParaRPr lang="en-US" sz="2400" dirty="0" smtClean="0">
+              <a:solidFill>
+                <a:schemeClr val="accent1">
+                  <a:lumMod val="75000"/>
+                </a:schemeClr>
+              </a:solidFill>
+            </a:endParaRPr>
+          </a:p>
+          <a:p>
+            <a:endParaRPr lang="en-US" sz="2400" dirty="0">
+              <a:solidFill>
+                <a:schemeClr val="accent1">
+                  <a:lumMod val="75000"/>
+                </a:schemeClr>
+              </a:solidFill>
+            </a:endParaRPr>
+          </a:p>
+          <a:p>
+            <a:endParaRPr lang="en-US" sz="2400" dirty="0" smtClean="0">
+              <a:solidFill>
+                <a:schemeClr val="accent1">
+                  <a:lumMod val="75000"/>
+                </a:schemeClr>
+              </a:solidFill>
+            </a:endParaRPr>
+          </a:p>
+          <a:p>
+            <a:endParaRPr lang="en-US" sz="2400" dirty="0">
+              <a:solidFill>
+                <a:schemeClr val="accent1">
+                  <a:lumMod val="75000"/>
+                </a:schemeClr>
+              </a:solidFill>
+            </a:endParaRPr>
+          </a:p>
+          <a:p>
+            <a:endParaRPr lang="en-US" sz="2400" dirty="0">
+              <a:solidFill>
+                <a:schemeClr val="accent1">
+                  <a:lumMod val="75000"/>
+                </a:schemeClr>
+              </a:solidFill>
+            </a:endParaRPr>
+          </a:p>
+        </p:txBody>
+      </p:sp>
+      <p:graphicFrame>
+        <p:nvGraphicFramePr>
+          <p:cNvPr id="5" name="Object 4"/>
+          <p:cNvGraphicFramePr>
+            <a:graphicFrameLocks noChangeAspect="1"/>
+          </p:cNvGraphicFramePr>
+          <p:nvPr>
+            <p:extLst>
+              <p:ext uri="{D42A27DB-BD31-4B8C-83A1-F6EECF244321}">
+                <p14:modId xmlns:p14="http://schemas.microsoft.com/office/powerpoint/2010/main" val="3504116112"/>
+              </p:ext>
+            </p:extLst>
+          </p:nvPr>
+        </p:nvGraphicFramePr>
+        <p:xfrm>
+          <a:off x="1143000" y="4953000"/>
+          <a:ext cx="6134100" cy="1139825"/>
+        </p:xfrm>
+        <a:graphic>
+          <a:graphicData uri="http://schemas.openxmlformats.org/presentationml/2006/ole">
+            <mc:AlternateContent xmlns:mc="http://schemas.openxmlformats.org/markup-compatibility/2006">
+              <mc:Choice xmlns:v="urn:schemas-microsoft-com:vml" Requires="v">
+                <p:oleObj spid="_x0000_s56326" name="Equation" r:id="rId4" imgW="3695700" imgH="685800" progId="Equation.3">
+                  <p:embed/>
+                </p:oleObj>
+              </mc:Choice>
+              <mc:Fallback>
+                <p:oleObj name="Equation" r:id="rId4" imgW="3695700" imgH="685800" progId="Equation.3">
+                  <p:embed/>
+                  <p:pic>
+                    <p:nvPicPr>
+                      <p:cNvPr id="0" name=""/>
+                      <p:cNvPicPr/>
+                      <p:nvPr/>
+                    </p:nvPicPr>
+                    <p:blipFill>
+                      <a:blip r:embed="rId5"/>
+                      <a:stretch>
+                        <a:fillRect/>
+                      </a:stretch>
+                    </p:blipFill>
+                    <p:spPr>
+                      <a:xfrm>
+                        <a:off x="1143000" y="4953000"/>
+                        <a:ext cx="6134100" cy="1139825"/>
+                      </a:xfrm>
+                      <a:prstGeom prst="rect">
+                        <a:avLst/>
+                      </a:prstGeom>
+                    </p:spPr>
+                  </p:pic>
+                </p:oleObj>
+              </mc:Fallback>
+            </mc:AlternateContent>
+          </a:graphicData>
+        </a:graphic>
+      </p:graphicFrame>
+      <p:sp>
+        <p:nvSpPr>
+          <p:cNvPr id="3" name="TextBox 2"/>
+          <p:cNvSpPr txBox="1"/>
+          <p:nvPr/>
+        </p:nvSpPr>
+        <p:spPr>
+          <a:xfrm>
+            <a:off x="381000" y="1143000"/>
+            <a:ext cx="3276600" cy="461665"/>
+          </a:xfrm>
+          <a:prstGeom prst="rect">
+            <a:avLst/>
+          </a:prstGeom>
+          <a:noFill/>
+        </p:spPr>
+        <p:txBody>
+          <a:bodyPr wrap="square" rtlCol="0">
+            <a:spAutoFit/>
+          </a:bodyPr>
+          <a:lstStyle/>
+          <a:p>
+            <a:r>
+              <a:rPr lang="en-US" sz="2400" dirty="0" smtClean="0">
+                <a:solidFill>
+                  <a:schemeClr val="tx2"/>
+                </a:solidFill>
+              </a:rPr>
+              <a:t>Observed Data-points</a:t>
+            </a:r>
+            <a:endParaRPr lang="en-US" sz="2400" dirty="0">
+              <a:solidFill>
+                <a:schemeClr val="tx2"/>
+              </a:solidFill>
+            </a:endParaRPr>
+          </a:p>
+        </p:txBody>
+      </p:sp>
+      <p:graphicFrame>
+        <p:nvGraphicFramePr>
+          <p:cNvPr id="14" name="Object 13"/>
+          <p:cNvGraphicFramePr>
+            <a:graphicFrameLocks noChangeAspect="1"/>
+          </p:cNvGraphicFramePr>
+          <p:nvPr>
+            <p:extLst>
+              <p:ext uri="{D42A27DB-BD31-4B8C-83A1-F6EECF244321}">
+                <p14:modId xmlns:p14="http://schemas.microsoft.com/office/powerpoint/2010/main" val="707279349"/>
+              </p:ext>
+            </p:extLst>
+          </p:nvPr>
+        </p:nvGraphicFramePr>
+        <p:xfrm>
+          <a:off x="457200" y="1905000"/>
+          <a:ext cx="3061641" cy="1079500"/>
+        </p:xfrm>
+        <a:graphic>
+          <a:graphicData uri="http://schemas.openxmlformats.org/presentationml/2006/ole">
+            <mc:AlternateContent xmlns:mc="http://schemas.openxmlformats.org/markup-compatibility/2006">
+              <mc:Choice xmlns:v="urn:schemas-microsoft-com:vml" Requires="v">
+                <p:oleObj spid="_x0000_s56327" name="Equation" r:id="rId6" imgW="2235200" imgH="787400" progId="Equation.3">
+                  <p:embed/>
+                </p:oleObj>
+              </mc:Choice>
+              <mc:Fallback>
+                <p:oleObj name="Equation" r:id="rId6" imgW="2235200" imgH="787400" progId="Equation.3">
+                  <p:embed/>
+                  <p:pic>
+                    <p:nvPicPr>
+                      <p:cNvPr id="0" name=""/>
+                      <p:cNvPicPr/>
+                      <p:nvPr/>
+                    </p:nvPicPr>
+                    <p:blipFill>
+                      <a:blip r:embed="rId7"/>
+                      <a:stretch>
+                        <a:fillRect/>
+                      </a:stretch>
+                    </p:blipFill>
+                    <p:spPr>
+                      <a:xfrm>
+                        <a:off x="457200" y="1905000"/>
+                        <a:ext cx="3061641" cy="1079500"/>
+                      </a:xfrm>
+                      <a:prstGeom prst="rect">
+                        <a:avLst/>
+                      </a:prstGeom>
+                    </p:spPr>
+                  </p:pic>
+                </p:oleObj>
+              </mc:Fallback>
+            </mc:AlternateContent>
+          </a:graphicData>
+        </a:graphic>
+      </p:graphicFrame>
+      <p:sp>
+        <p:nvSpPr>
+          <p:cNvPr id="15" name="TextBox 14"/>
+          <p:cNvSpPr txBox="1"/>
+          <p:nvPr/>
+        </p:nvSpPr>
+        <p:spPr>
+          <a:xfrm>
+            <a:off x="5181600" y="1143000"/>
+            <a:ext cx="3276600" cy="461665"/>
+          </a:xfrm>
+          <a:prstGeom prst="rect">
+            <a:avLst/>
+          </a:prstGeom>
+          <a:noFill/>
+        </p:spPr>
+        <p:txBody>
+          <a:bodyPr wrap="square" rtlCol="0">
+            <a:spAutoFit/>
+          </a:bodyPr>
+          <a:lstStyle/>
+          <a:p>
+            <a:pPr algn="ctr"/>
+            <a:r>
+              <a:rPr lang="en-US" sz="2400" dirty="0" smtClean="0">
+                <a:solidFill>
+                  <a:schemeClr val="tx2"/>
+                </a:solidFill>
+              </a:rPr>
+              <a:t>Censored Data-points</a:t>
+            </a:r>
+            <a:endParaRPr lang="en-US" sz="2400" dirty="0">
+              <a:solidFill>
+                <a:schemeClr val="tx2"/>
+              </a:solidFill>
+            </a:endParaRPr>
+          </a:p>
+        </p:txBody>
+      </p:sp>
+      <p:graphicFrame>
+        <p:nvGraphicFramePr>
+          <p:cNvPr id="16" name="Object 15"/>
+          <p:cNvGraphicFramePr>
+            <a:graphicFrameLocks noChangeAspect="1"/>
+          </p:cNvGraphicFramePr>
+          <p:nvPr>
+            <p:extLst>
+              <p:ext uri="{D42A27DB-BD31-4B8C-83A1-F6EECF244321}">
+                <p14:modId xmlns:p14="http://schemas.microsoft.com/office/powerpoint/2010/main" val="2636123359"/>
+              </p:ext>
+            </p:extLst>
+          </p:nvPr>
+        </p:nvGraphicFramePr>
+        <p:xfrm>
+          <a:off x="4800600" y="1905000"/>
+          <a:ext cx="4008437" cy="1076933"/>
+        </p:xfrm>
+        <a:graphic>
+          <a:graphicData uri="http://schemas.openxmlformats.org/presentationml/2006/ole">
+            <mc:AlternateContent xmlns:mc="http://schemas.openxmlformats.org/markup-compatibility/2006">
+              <mc:Choice xmlns:v="urn:schemas-microsoft-com:vml" Requires="v">
+                <p:oleObj spid="_x0000_s56328" name="Equation" r:id="rId8" imgW="2933700" imgH="787400" progId="Equation.3">
+                  <p:embed/>
+                </p:oleObj>
+              </mc:Choice>
+              <mc:Fallback>
+                <p:oleObj name="Equation" r:id="rId8" imgW="2933700" imgH="787400" progId="Equation.3">
+                  <p:embed/>
+                  <p:pic>
+                    <p:nvPicPr>
+                      <p:cNvPr id="0" name=""/>
+                      <p:cNvPicPr/>
+                      <p:nvPr/>
+                    </p:nvPicPr>
+                    <p:blipFill>
+                      <a:blip r:embed="rId9"/>
+                      <a:stretch>
+                        <a:fillRect/>
+                      </a:stretch>
+                    </p:blipFill>
+                    <p:spPr>
+                      <a:xfrm>
+                        <a:off x="4800600" y="1905000"/>
+                        <a:ext cx="4008437" cy="1076933"/>
+                      </a:xfrm>
+                      <a:prstGeom prst="rect">
+                        <a:avLst/>
+                      </a:prstGeom>
+                    </p:spPr>
+                  </p:pic>
+                </p:oleObj>
+              </mc:Fallback>
+            </mc:AlternateContent>
+          </a:graphicData>
+        </a:graphic>
+      </p:graphicFrame>
+      <p:sp>
+        <p:nvSpPr>
+          <p:cNvPr id="17" name="TextBox 16"/>
+          <p:cNvSpPr txBox="1"/>
+          <p:nvPr/>
+        </p:nvSpPr>
+        <p:spPr>
+          <a:xfrm>
+            <a:off x="2895600" y="3962400"/>
+            <a:ext cx="3276600" cy="461665"/>
+          </a:xfrm>
+          <a:prstGeom prst="rect">
+            <a:avLst/>
+          </a:prstGeom>
+          <a:noFill/>
+        </p:spPr>
+        <p:txBody>
+          <a:bodyPr wrap="square" rtlCol="0">
+            <a:spAutoFit/>
+          </a:bodyPr>
+          <a:lstStyle/>
+          <a:p>
+            <a:r>
+              <a:rPr lang="en-US" sz="2400" dirty="0" smtClean="0">
+                <a:solidFill>
+                  <a:schemeClr val="tx2"/>
+                </a:solidFill>
+              </a:rPr>
+              <a:t>Likelihood Function</a:t>
+            </a:r>
+            <a:endParaRPr lang="en-US" sz="2400" dirty="0">
+              <a:solidFill>
+                <a:schemeClr val="tx2"/>
+              </a:solidFill>
+            </a:endParaRPr>
+          </a:p>
+        </p:txBody>
+      </p:sp>
+    </p:spTree>
+    <p:extLst>
+      <p:ext uri="{BB962C8B-B14F-4D97-AF65-F5344CB8AC3E}">
+        <p14:creationId xmlns:p14="http://schemas.microsoft.com/office/powerpoint/2010/main" val="2152463651"/>
+      </p:ext>
+    </p:extLst>
+  </p:cSld>
+  <p:clrMapOvr>
+    <a:masterClrMapping/>
+  </p:clrMapOvr>
+  <p:timing>
+    <p:tnLst>
+      <p:par>
+        <p:cTn xmlns:p14="http://schemas.microsoft.com/office/powerpoint/2010/main" id="1" dur="indefinite" restart="never" nodeType="tmRoot"/>
+      </p:par>
+    </p:tnLst>
+  </p:timing>
+</p:sld>
+</file>
+
+<file path=ppt/slides/slide22.xml><?xml version="1.0" encoding="utf-8"?>
+<p:sld xmlns:a="http://schemas.openxmlformats.org/drawingml/2006/main" xmlns:r="http://schemas.openxmlformats.org/officeDocument/2006/relationships" xmlns:p="http://schemas.openxmlformats.org/presentationml/2006/main">
+  <p:cSld>
+    <p:spTree>
+      <p:nvGrpSpPr>
+        <p:cNvPr id="1" name=""/>
+        <p:cNvGrpSpPr/>
+        <p:nvPr/>
+      </p:nvGrpSpPr>
+      <p:grpSpPr>
+        <a:xfrm>
+          <a:off x="0" y="0"/>
+          <a:ext cx="0" cy="0"/>
+          <a:chOff x="0" y="0"/>
+          <a:chExt cx="0" cy="0"/>
+        </a:xfrm>
+      </p:grpSpPr>
+      <p:sp>
+        <p:nvSpPr>
+          <p:cNvPr id="2" name="Title 1"/>
+          <p:cNvSpPr>
+            <a:spLocks noGrp="1"/>
+          </p:cNvSpPr>
+          <p:nvPr>
+            <p:ph type="ctrTitle"/>
+          </p:nvPr>
+        </p:nvSpPr>
+        <p:spPr>
+          <a:xfrm>
+            <a:off x="838200" y="25400"/>
+            <a:ext cx="7772400" cy="762000"/>
+          </a:xfrm>
+        </p:spPr>
+        <p:txBody>
+          <a:bodyPr>
+            <a:normAutofit/>
+          </a:bodyPr>
+          <a:lstStyle/>
+          <a:p>
+            <a:r>
+              <a:rPr lang="en-US" sz="3200" dirty="0" smtClean="0">
+                <a:solidFill>
+                  <a:schemeClr val="accent2">
+                    <a:lumMod val="75000"/>
+                  </a:schemeClr>
+                </a:solidFill>
+              </a:rPr>
+              <a:t>Fully Conditional Distribution</a:t>
+            </a:r>
+            <a:endParaRPr lang="en-US" sz="3200" dirty="0">
+              <a:solidFill>
+                <a:schemeClr val="accent2">
+                  <a:lumMod val="75000"/>
+                </a:schemeClr>
+              </a:solidFill>
+            </a:endParaRPr>
+          </a:p>
+        </p:txBody>
+      </p:sp>
+      <p:sp>
+        <p:nvSpPr>
+          <p:cNvPr id="4" name="Footer Placeholder 3"/>
+          <p:cNvSpPr>
+            <a:spLocks noGrp="1"/>
+          </p:cNvSpPr>
+          <p:nvPr>
+            <p:ph type="ftr" sz="quarter" idx="11"/>
+          </p:nvPr>
+        </p:nvSpPr>
+        <p:spPr>
+          <a:xfrm>
+            <a:off x="3124200" y="6569075"/>
+            <a:ext cx="2895600" cy="365125"/>
+          </a:xfrm>
+        </p:spPr>
+        <p:txBody>
+          <a:bodyPr/>
+          <a:lstStyle/>
+          <a:p>
+            <a:r>
+              <a:rPr lang="en-US" dirty="0" smtClean="0">
+                <a:solidFill>
+                  <a:schemeClr val="accent1"/>
+                </a:solidFill>
+              </a:rPr>
+              <a:t>STT 465, MSU, Fall, 2015</a:t>
+            </a:r>
+            <a:endParaRPr lang="en-US" dirty="0">
+              <a:solidFill>
+                <a:schemeClr val="accent1"/>
+              </a:solidFill>
+            </a:endParaRPr>
+          </a:p>
+        </p:txBody>
+      </p:sp>
+      <p:sp>
+        <p:nvSpPr>
+          <p:cNvPr id="6" name="TextBox 5"/>
+          <p:cNvSpPr txBox="1"/>
+          <p:nvPr/>
+        </p:nvSpPr>
+        <p:spPr>
+          <a:xfrm>
+            <a:off x="0" y="838200"/>
+            <a:ext cx="8991600" cy="5632310"/>
+          </a:xfrm>
+          <a:prstGeom prst="rect">
+            <a:avLst/>
+          </a:prstGeom>
+          <a:noFill/>
+          <a:ln>
+            <a:solidFill>
+              <a:srgbClr val="800000"/>
+            </a:solidFill>
+            <a:prstDash val="sysDash"/>
+          </a:ln>
+        </p:spPr>
+        <p:txBody>
+          <a:bodyPr wrap="square" rtlCol="0">
+            <a:spAutoFit/>
+          </a:bodyPr>
+          <a:lstStyle/>
+          <a:p>
+            <a:endParaRPr lang="en-US" sz="2400" dirty="0" smtClean="0">
+              <a:solidFill>
+                <a:schemeClr val="accent1">
+                  <a:lumMod val="75000"/>
+                </a:schemeClr>
+              </a:solidFill>
+            </a:endParaRPr>
+          </a:p>
+          <a:p>
+            <a:endParaRPr lang="en-US" sz="2400" dirty="0">
+              <a:solidFill>
+                <a:schemeClr val="accent1">
+                  <a:lumMod val="75000"/>
+                </a:schemeClr>
+              </a:solidFill>
+            </a:endParaRPr>
+          </a:p>
+          <a:p>
+            <a:endParaRPr lang="en-US" sz="2400" dirty="0" smtClean="0">
+              <a:solidFill>
+                <a:schemeClr val="accent1">
+                  <a:lumMod val="75000"/>
+                </a:schemeClr>
+              </a:solidFill>
+            </a:endParaRPr>
+          </a:p>
+          <a:p>
+            <a:endParaRPr lang="en-US" sz="2400" dirty="0">
+              <a:solidFill>
+                <a:schemeClr val="accent1">
+                  <a:lumMod val="75000"/>
+                </a:schemeClr>
+              </a:solidFill>
+            </a:endParaRPr>
+          </a:p>
+          <a:p>
+            <a:endParaRPr lang="en-US" sz="2400" dirty="0" smtClean="0">
+              <a:solidFill>
+                <a:schemeClr val="accent1">
+                  <a:lumMod val="75000"/>
+                </a:schemeClr>
+              </a:solidFill>
+            </a:endParaRPr>
+          </a:p>
+          <a:p>
+            <a:endParaRPr lang="en-US" sz="2400" dirty="0">
+              <a:solidFill>
+                <a:schemeClr val="accent1">
+                  <a:lumMod val="75000"/>
+                </a:schemeClr>
+              </a:solidFill>
+            </a:endParaRPr>
+          </a:p>
+          <a:p>
+            <a:endParaRPr lang="en-US" sz="2400" dirty="0" smtClean="0">
+              <a:solidFill>
+                <a:schemeClr val="accent1">
+                  <a:lumMod val="75000"/>
+                </a:schemeClr>
+              </a:solidFill>
+            </a:endParaRPr>
+          </a:p>
+          <a:p>
+            <a:endParaRPr lang="en-US" sz="2400" dirty="0">
+              <a:solidFill>
+                <a:schemeClr val="accent1">
+                  <a:lumMod val="75000"/>
+                </a:schemeClr>
+              </a:solidFill>
+            </a:endParaRPr>
+          </a:p>
+          <a:p>
+            <a:endParaRPr lang="en-US" sz="2400" dirty="0" smtClean="0">
+              <a:solidFill>
+                <a:schemeClr val="accent1">
+                  <a:lumMod val="75000"/>
+                </a:schemeClr>
+              </a:solidFill>
+            </a:endParaRPr>
+          </a:p>
+          <a:p>
+            <a:endParaRPr lang="en-US" sz="2400" dirty="0">
+              <a:solidFill>
+                <a:schemeClr val="accent1">
+                  <a:lumMod val="75000"/>
+                </a:schemeClr>
+              </a:solidFill>
+            </a:endParaRPr>
+          </a:p>
+          <a:p>
+            <a:endParaRPr lang="en-US" sz="2400" dirty="0" smtClean="0">
+              <a:solidFill>
+                <a:schemeClr val="accent1">
+                  <a:lumMod val="75000"/>
+                </a:schemeClr>
+              </a:solidFill>
+            </a:endParaRPr>
+          </a:p>
+          <a:p>
+            <a:endParaRPr lang="en-US" sz="2400" dirty="0">
+              <a:solidFill>
+                <a:schemeClr val="accent1">
+                  <a:lumMod val="75000"/>
+                </a:schemeClr>
+              </a:solidFill>
+            </a:endParaRPr>
+          </a:p>
+          <a:p>
+            <a:endParaRPr lang="en-US" sz="2400" dirty="0" smtClean="0">
+              <a:solidFill>
+                <a:schemeClr val="accent1">
+                  <a:lumMod val="75000"/>
+                </a:schemeClr>
+              </a:solidFill>
+            </a:endParaRPr>
+          </a:p>
+          <a:p>
+            <a:endParaRPr lang="en-US" sz="2400" dirty="0">
+              <a:solidFill>
+                <a:schemeClr val="accent1">
+                  <a:lumMod val="75000"/>
+                </a:schemeClr>
+              </a:solidFill>
+            </a:endParaRPr>
+          </a:p>
+          <a:p>
+            <a:endParaRPr lang="en-US" sz="2400" dirty="0">
+              <a:solidFill>
+                <a:schemeClr val="accent1">
+                  <a:lumMod val="75000"/>
+                </a:schemeClr>
+              </a:solidFill>
+            </a:endParaRPr>
+          </a:p>
+        </p:txBody>
+      </p:sp>
+      <p:graphicFrame>
+        <p:nvGraphicFramePr>
+          <p:cNvPr id="5" name="Object 4"/>
+          <p:cNvGraphicFramePr>
+            <a:graphicFrameLocks noChangeAspect="1"/>
+          </p:cNvGraphicFramePr>
+          <p:nvPr>
+            <p:extLst>
+              <p:ext uri="{D42A27DB-BD31-4B8C-83A1-F6EECF244321}">
+                <p14:modId xmlns:p14="http://schemas.microsoft.com/office/powerpoint/2010/main" val="102435715"/>
+              </p:ext>
+            </p:extLst>
+          </p:nvPr>
+        </p:nvGraphicFramePr>
+        <p:xfrm>
+          <a:off x="1752600" y="1066800"/>
+          <a:ext cx="6134100" cy="1139825"/>
+        </p:xfrm>
+        <a:graphic>
+          <a:graphicData uri="http://schemas.openxmlformats.org/presentationml/2006/ole">
+            <mc:AlternateContent xmlns:mc="http://schemas.openxmlformats.org/markup-compatibility/2006">
+              <mc:Choice xmlns:v="urn:schemas-microsoft-com:vml" Requires="v">
+                <p:oleObj spid="_x0000_s57349" name="Equation" r:id="rId4" imgW="3695700" imgH="685800" progId="Equation.3">
+                  <p:embed/>
+                </p:oleObj>
+              </mc:Choice>
+              <mc:Fallback>
+                <p:oleObj name="Equation" r:id="rId4" imgW="3695700" imgH="685800" progId="Equation.3">
+                  <p:embed/>
+                  <p:pic>
+                    <p:nvPicPr>
+                      <p:cNvPr id="0" name=""/>
+                      <p:cNvPicPr/>
+                      <p:nvPr/>
+                    </p:nvPicPr>
+                    <p:blipFill>
+                      <a:blip r:embed="rId5"/>
+                      <a:stretch>
+                        <a:fillRect/>
+                      </a:stretch>
+                    </p:blipFill>
+                    <p:spPr>
+                      <a:xfrm>
+                        <a:off x="1752600" y="1066800"/>
+                        <a:ext cx="6134100" cy="1139825"/>
+                      </a:xfrm>
+                      <a:prstGeom prst="rect">
+                        <a:avLst/>
+                      </a:prstGeom>
+                    </p:spPr>
+                  </p:pic>
+                </p:oleObj>
+              </mc:Fallback>
+            </mc:AlternateContent>
+          </a:graphicData>
+        </a:graphic>
+      </p:graphicFrame>
+      <p:sp>
+        <p:nvSpPr>
+          <p:cNvPr id="17" name="TextBox 16"/>
+          <p:cNvSpPr txBox="1"/>
+          <p:nvPr/>
+        </p:nvSpPr>
+        <p:spPr>
+          <a:xfrm>
+            <a:off x="228600" y="990600"/>
+            <a:ext cx="3276600" cy="461665"/>
+          </a:xfrm>
+          <a:prstGeom prst="rect">
+            <a:avLst/>
+          </a:prstGeom>
+          <a:noFill/>
+        </p:spPr>
+        <p:txBody>
+          <a:bodyPr wrap="square" rtlCol="0">
+            <a:spAutoFit/>
+          </a:bodyPr>
+          <a:lstStyle/>
+          <a:p>
+            <a:r>
+              <a:rPr lang="en-US" sz="2400" dirty="0" smtClean="0">
+                <a:solidFill>
+                  <a:schemeClr val="tx2"/>
+                </a:solidFill>
+              </a:rPr>
+              <a:t>Likelihood Function</a:t>
+            </a:r>
+            <a:endParaRPr lang="en-US" sz="2400" dirty="0">
+              <a:solidFill>
+                <a:schemeClr val="tx2"/>
+              </a:solidFill>
+            </a:endParaRPr>
+          </a:p>
+        </p:txBody>
+      </p:sp>
+      <p:sp>
+        <p:nvSpPr>
+          <p:cNvPr id="11" name="TextBox 10"/>
+          <p:cNvSpPr txBox="1"/>
+          <p:nvPr/>
+        </p:nvSpPr>
+        <p:spPr>
+          <a:xfrm>
+            <a:off x="304800" y="2362200"/>
+            <a:ext cx="3276600" cy="461665"/>
+          </a:xfrm>
+          <a:prstGeom prst="rect">
+            <a:avLst/>
+          </a:prstGeom>
+          <a:noFill/>
+        </p:spPr>
+        <p:txBody>
+          <a:bodyPr wrap="square" rtlCol="0">
+            <a:spAutoFit/>
+          </a:bodyPr>
+          <a:lstStyle/>
+          <a:p>
+            <a:r>
+              <a:rPr lang="en-US" sz="2400" dirty="0" smtClean="0">
+                <a:solidFill>
+                  <a:schemeClr val="tx2"/>
+                </a:solidFill>
+              </a:rPr>
+              <a:t>Prior</a:t>
+            </a:r>
+            <a:endParaRPr lang="en-US" sz="2400" dirty="0">
+              <a:solidFill>
+                <a:schemeClr val="tx2"/>
+              </a:solidFill>
+            </a:endParaRPr>
+          </a:p>
+        </p:txBody>
+      </p:sp>
+      <p:graphicFrame>
+        <p:nvGraphicFramePr>
+          <p:cNvPr id="13" name="Object 12"/>
+          <p:cNvGraphicFramePr>
+            <a:graphicFrameLocks noChangeAspect="1"/>
+          </p:cNvGraphicFramePr>
+          <p:nvPr>
+            <p:extLst>
+              <p:ext uri="{D42A27DB-BD31-4B8C-83A1-F6EECF244321}">
+                <p14:modId xmlns:p14="http://schemas.microsoft.com/office/powerpoint/2010/main" val="105409454"/>
+              </p:ext>
+            </p:extLst>
+          </p:nvPr>
+        </p:nvGraphicFramePr>
+        <p:xfrm>
+          <a:off x="1828800" y="2362200"/>
+          <a:ext cx="1558925" cy="485775"/>
+        </p:xfrm>
+        <a:graphic>
+          <a:graphicData uri="http://schemas.openxmlformats.org/presentationml/2006/ole">
+            <mc:AlternateContent xmlns:mc="http://schemas.openxmlformats.org/markup-compatibility/2006">
+              <mc:Choice xmlns:v="urn:schemas-microsoft-com:vml" Requires="v">
+                <p:oleObj spid="_x0000_s57350" name="Equation" r:id="rId6" imgW="939800" imgH="292100" progId="Equation.3">
+                  <p:embed/>
+                </p:oleObj>
+              </mc:Choice>
+              <mc:Fallback>
+                <p:oleObj name="Equation" r:id="rId6" imgW="939800" imgH="292100" progId="Equation.3">
+                  <p:embed/>
+                  <p:pic>
+                    <p:nvPicPr>
+                      <p:cNvPr id="0" name=""/>
+                      <p:cNvPicPr/>
+                      <p:nvPr/>
+                    </p:nvPicPr>
+                    <p:blipFill>
+                      <a:blip r:embed="rId7"/>
+                      <a:stretch>
+                        <a:fillRect/>
+                      </a:stretch>
+                    </p:blipFill>
+                    <p:spPr>
+                      <a:xfrm>
+                        <a:off x="1828800" y="2362200"/>
+                        <a:ext cx="1558925" cy="485775"/>
+                      </a:xfrm>
+                      <a:prstGeom prst="rect">
+                        <a:avLst/>
+                      </a:prstGeom>
+                    </p:spPr>
+                  </p:pic>
+                </p:oleObj>
+              </mc:Fallback>
+            </mc:AlternateContent>
+          </a:graphicData>
+        </a:graphic>
+      </p:graphicFrame>
+      <p:sp>
+        <p:nvSpPr>
+          <p:cNvPr id="18" name="TextBox 17"/>
+          <p:cNvSpPr txBox="1"/>
+          <p:nvPr/>
+        </p:nvSpPr>
+        <p:spPr>
+          <a:xfrm>
+            <a:off x="381000" y="3200400"/>
+            <a:ext cx="3276600" cy="461665"/>
+          </a:xfrm>
+          <a:prstGeom prst="rect">
+            <a:avLst/>
+          </a:prstGeom>
+          <a:noFill/>
+        </p:spPr>
+        <p:txBody>
+          <a:bodyPr wrap="square" rtlCol="0">
+            <a:spAutoFit/>
+          </a:bodyPr>
+          <a:lstStyle/>
+          <a:p>
+            <a:r>
+              <a:rPr lang="en-US" sz="2400" dirty="0" smtClean="0">
+                <a:solidFill>
+                  <a:schemeClr val="tx2"/>
+                </a:solidFill>
+              </a:rPr>
+              <a:t>Joint Posterior:</a:t>
+            </a:r>
+            <a:endParaRPr lang="en-US" sz="2400" dirty="0">
+              <a:solidFill>
+                <a:schemeClr val="tx2"/>
+              </a:solidFill>
+            </a:endParaRPr>
+          </a:p>
+        </p:txBody>
+      </p:sp>
+      <p:graphicFrame>
+        <p:nvGraphicFramePr>
+          <p:cNvPr id="19" name="Object 18"/>
+          <p:cNvGraphicFramePr>
+            <a:graphicFrameLocks noChangeAspect="1"/>
+          </p:cNvGraphicFramePr>
+          <p:nvPr>
+            <p:extLst>
+              <p:ext uri="{D42A27DB-BD31-4B8C-83A1-F6EECF244321}">
+                <p14:modId xmlns:p14="http://schemas.microsoft.com/office/powerpoint/2010/main" val="3315229544"/>
+              </p:ext>
+            </p:extLst>
+          </p:nvPr>
+        </p:nvGraphicFramePr>
+        <p:xfrm>
+          <a:off x="457200" y="3352800"/>
+          <a:ext cx="8383588" cy="1139825"/>
+        </p:xfrm>
+        <a:graphic>
+          <a:graphicData uri="http://schemas.openxmlformats.org/presentationml/2006/ole">
+            <mc:AlternateContent xmlns:mc="http://schemas.openxmlformats.org/markup-compatibility/2006">
+              <mc:Choice xmlns:v="urn:schemas-microsoft-com:vml" Requires="v">
+                <p:oleObj spid="_x0000_s57351" name="Equation" r:id="rId8" imgW="5054600" imgH="685800" progId="Equation.3">
+                  <p:embed/>
+                </p:oleObj>
+              </mc:Choice>
+              <mc:Fallback>
+                <p:oleObj name="Equation" r:id="rId8" imgW="5054600" imgH="685800" progId="Equation.3">
+                  <p:embed/>
+                  <p:pic>
+                    <p:nvPicPr>
+                      <p:cNvPr id="0" name=""/>
+                      <p:cNvPicPr/>
+                      <p:nvPr/>
+                    </p:nvPicPr>
+                    <p:blipFill>
+                      <a:blip r:embed="rId9"/>
+                      <a:stretch>
+                        <a:fillRect/>
+                      </a:stretch>
+                    </p:blipFill>
+                    <p:spPr>
+                      <a:xfrm>
+                        <a:off x="457200" y="3352800"/>
+                        <a:ext cx="8383588" cy="1139825"/>
+                      </a:xfrm>
+                      <a:prstGeom prst="rect">
+                        <a:avLst/>
+                      </a:prstGeom>
+                    </p:spPr>
+                  </p:pic>
+                </p:oleObj>
+              </mc:Fallback>
+            </mc:AlternateContent>
+          </a:graphicData>
+        </a:graphic>
+      </p:graphicFrame>
+      <p:sp>
+        <p:nvSpPr>
+          <p:cNvPr id="20" name="TextBox 19"/>
+          <p:cNvSpPr txBox="1"/>
+          <p:nvPr/>
+        </p:nvSpPr>
+        <p:spPr>
+          <a:xfrm>
+            <a:off x="381000" y="4648200"/>
+            <a:ext cx="6858000" cy="461665"/>
+          </a:xfrm>
+          <a:prstGeom prst="rect">
+            <a:avLst/>
+          </a:prstGeom>
+          <a:noFill/>
+        </p:spPr>
+        <p:txBody>
+          <a:bodyPr wrap="square" rtlCol="0">
+            <a:spAutoFit/>
+          </a:bodyPr>
+          <a:lstStyle/>
+          <a:p>
+            <a:r>
+              <a:rPr lang="en-US" sz="2400" dirty="0" smtClean="0">
+                <a:solidFill>
+                  <a:schemeClr val="tx2"/>
+                </a:solidFill>
+              </a:rPr>
+              <a:t>Fully Conditional (truncated normal):</a:t>
+            </a:r>
+            <a:endParaRPr lang="en-US" sz="2400" dirty="0">
+              <a:solidFill>
+                <a:schemeClr val="tx2"/>
+              </a:solidFill>
+            </a:endParaRPr>
+          </a:p>
+        </p:txBody>
+      </p:sp>
+      <p:graphicFrame>
+        <p:nvGraphicFramePr>
+          <p:cNvPr id="21" name="Object 20"/>
+          <p:cNvGraphicFramePr>
+            <a:graphicFrameLocks noChangeAspect="1"/>
+          </p:cNvGraphicFramePr>
+          <p:nvPr>
+            <p:extLst>
+              <p:ext uri="{D42A27DB-BD31-4B8C-83A1-F6EECF244321}">
+                <p14:modId xmlns:p14="http://schemas.microsoft.com/office/powerpoint/2010/main" val="3322417828"/>
+              </p:ext>
+            </p:extLst>
+          </p:nvPr>
+        </p:nvGraphicFramePr>
+        <p:xfrm>
+          <a:off x="2209800" y="5181600"/>
+          <a:ext cx="3244850" cy="1139825"/>
+        </p:xfrm>
+        <a:graphic>
+          <a:graphicData uri="http://schemas.openxmlformats.org/presentationml/2006/ole">
+            <mc:AlternateContent xmlns:mc="http://schemas.openxmlformats.org/markup-compatibility/2006">
+              <mc:Choice xmlns:v="urn:schemas-microsoft-com:vml" Requires="v">
+                <p:oleObj spid="_x0000_s57352" name="Equation" r:id="rId10" imgW="1955800" imgH="685800" progId="Equation.3">
+                  <p:embed/>
+                </p:oleObj>
+              </mc:Choice>
+              <mc:Fallback>
+                <p:oleObj name="Equation" r:id="rId10" imgW="1955800" imgH="685800" progId="Equation.3">
+                  <p:embed/>
+                  <p:pic>
+                    <p:nvPicPr>
+                      <p:cNvPr id="0" name=""/>
+                      <p:cNvPicPr/>
+                      <p:nvPr/>
+                    </p:nvPicPr>
+                    <p:blipFill>
+                      <a:blip r:embed="rId11"/>
+                      <a:stretch>
+                        <a:fillRect/>
+                      </a:stretch>
+                    </p:blipFill>
+                    <p:spPr>
+                      <a:xfrm>
+                        <a:off x="2209800" y="5181600"/>
+                        <a:ext cx="3244850" cy="1139825"/>
+                      </a:xfrm>
+                      <a:prstGeom prst="rect">
+                        <a:avLst/>
+                      </a:prstGeom>
+                    </p:spPr>
+                  </p:pic>
+                </p:oleObj>
+              </mc:Fallback>
+            </mc:AlternateContent>
+          </a:graphicData>
+        </a:graphic>
+      </p:graphicFrame>
+    </p:spTree>
+    <p:extLst>
+      <p:ext uri="{BB962C8B-B14F-4D97-AF65-F5344CB8AC3E}">
+        <p14:creationId xmlns:p14="http://schemas.microsoft.com/office/powerpoint/2010/main" val="966125101"/>
+      </p:ext>
+    </p:extLst>
+  </p:cSld>
+  <p:clrMapOvr>
+    <a:masterClrMapping/>
+  </p:clrMapOvr>
+  <p:timing>
+    <p:tnLst>
+      <p:par>
+        <p:cTn xmlns:p14="http://schemas.microsoft.com/office/powerpoint/2010/main" id="1" dur="indefinite" restart="never" nodeType="tmRoot"/>
+      </p:par>
+    </p:tnLst>
+  </p:timing>
+</p:sld>
+</file>
+
 <file path=ppt/slides/slide3.xml><?xml version="1.0" encoding="utf-8"?>
 <p:sld xmlns:a="http://schemas.openxmlformats.org/drawingml/2006/main" xmlns:r="http://schemas.openxmlformats.org/officeDocument/2006/relationships" xmlns:p="http://schemas.openxmlformats.org/presentationml/2006/main">
   <p:cSld>
@@ -8174,7 +13495,7 @@
           <a:graphicData uri="http://schemas.openxmlformats.org/presentationml/2006/ole">
             <mc:AlternateContent xmlns:mc="http://schemas.openxmlformats.org/markup-compatibility/2006">
               <mc:Choice xmlns:v="urn:schemas-microsoft-com:vml" Requires="v">
-                <p:oleObj spid="_x0000_s28756" name="Equation" r:id="rId4" imgW="1130300" imgH="508000" progId="Equation.3">
+                <p:oleObj spid="_x0000_s28776" name="Equation" r:id="rId4" imgW="1130300" imgH="508000" progId="Equation.3">
                   <p:embed/>
                 </p:oleObj>
               </mc:Choice>
@@ -8231,7 +13552,7 @@
           <a:graphicData uri="http://schemas.openxmlformats.org/presentationml/2006/ole">
             <mc:AlternateContent xmlns:mc="http://schemas.openxmlformats.org/markup-compatibility/2006">
               <mc:Choice xmlns:v="urn:schemas-microsoft-com:vml" Requires="v">
-                <p:oleObj spid="_x0000_s28757" name="Equation" r:id="rId6" imgW="1168400" imgH="431800" progId="Equation.3">
+                <p:oleObj spid="_x0000_s28777" name="Equation" r:id="rId6" imgW="1168400" imgH="431800" progId="Equation.3">
                   <p:embed/>
                 </p:oleObj>
               </mc:Choice>
@@ -8288,7 +13609,7 @@
           <a:graphicData uri="http://schemas.openxmlformats.org/presentationml/2006/ole">
             <mc:AlternateContent xmlns:mc="http://schemas.openxmlformats.org/markup-compatibility/2006">
               <mc:Choice xmlns:v="urn:schemas-microsoft-com:vml" Requires="v">
-                <p:oleObj spid="_x0000_s28758" name="Equation" r:id="rId8" imgW="1803400" imgH="203200" progId="Equation.3">
+                <p:oleObj spid="_x0000_s28778" name="Equation" r:id="rId8" imgW="1803400" imgH="203200" progId="Equation.3">
                   <p:embed/>
                 </p:oleObj>
               </mc:Choice>
@@ -8703,7 +14024,7 @@
           <a:graphicData uri="http://schemas.openxmlformats.org/presentationml/2006/ole">
             <mc:AlternateContent xmlns:mc="http://schemas.openxmlformats.org/markup-compatibility/2006">
               <mc:Choice xmlns:v="urn:schemas-microsoft-com:vml" Requires="v">
-                <p:oleObj spid="_x0000_s47117" name="Equation" r:id="rId4" imgW="1104900" imgH="317500" progId="Equation.3">
+                <p:oleObj spid="_x0000_s47131" name="Equation" r:id="rId4" imgW="1104900" imgH="317500" progId="Equation.3">
                   <p:embed/>
                 </p:oleObj>
               </mc:Choice>
@@ -8760,7 +14081,7 @@
           <a:graphicData uri="http://schemas.openxmlformats.org/presentationml/2006/ole">
             <mc:AlternateContent xmlns:mc="http://schemas.openxmlformats.org/markup-compatibility/2006">
               <mc:Choice xmlns:v="urn:schemas-microsoft-com:vml" Requires="v">
-                <p:oleObj spid="_x0000_s47118" name="Equation" r:id="rId6" imgW="4775200" imgH="1104900" progId="Equation.3">
+                <p:oleObj spid="_x0000_s47132" name="Equation" r:id="rId6" imgW="4775200" imgH="1104900" progId="Equation.3">
                   <p:embed/>
                 </p:oleObj>
               </mc:Choice>
@@ -9144,7 +14465,7 @@
           <a:graphicData uri="http://schemas.openxmlformats.org/presentationml/2006/ole">
             <mc:AlternateContent xmlns:mc="http://schemas.openxmlformats.org/markup-compatibility/2006">
               <mc:Choice xmlns:v="urn:schemas-microsoft-com:vml" Requires="v">
-                <p:oleObj spid="_x0000_s42015" name="Equation" r:id="rId4" imgW="3517900" imgH="622300" progId="Equation.3">
+                <p:oleObj spid="_x0000_s42029" name="Equation" r:id="rId4" imgW="3517900" imgH="622300" progId="Equation.3">
                   <p:embed/>
                 </p:oleObj>
               </mc:Choice>
@@ -9201,7 +14522,7 @@
           <a:graphicData uri="http://schemas.openxmlformats.org/presentationml/2006/ole">
             <mc:AlternateContent xmlns:mc="http://schemas.openxmlformats.org/markup-compatibility/2006">
               <mc:Choice xmlns:v="urn:schemas-microsoft-com:vml" Requires="v">
-                <p:oleObj spid="_x0000_s42016" name="Equation" r:id="rId6" imgW="2692400" imgH="292100" progId="Equation.3">
+                <p:oleObj spid="_x0000_s42030" name="Equation" r:id="rId6" imgW="2692400" imgH="292100" progId="Equation.3">
                   <p:embed/>
                 </p:oleObj>
               </mc:Choice>
@@ -9586,7 +14907,7 @@
           <a:graphicData uri="http://schemas.openxmlformats.org/presentationml/2006/ole">
             <mc:AlternateContent xmlns:mc="http://schemas.openxmlformats.org/markup-compatibility/2006">
               <mc:Choice xmlns:v="urn:schemas-microsoft-com:vml" Requires="v">
-                <p:oleObj spid="_x0000_s30821" name="Equation" r:id="rId4" imgW="5105400" imgH="1003300" progId="Equation.3">
+                <p:oleObj spid="_x0000_s30829" name="Equation" r:id="rId4" imgW="5105400" imgH="1003300" progId="Equation.3">
                   <p:embed/>
                 </p:oleObj>
               </mc:Choice>
@@ -9999,7 +15320,7 @@
           <a:graphicData uri="http://schemas.openxmlformats.org/presentationml/2006/ole">
             <mc:AlternateContent xmlns:mc="http://schemas.openxmlformats.org/markup-compatibility/2006">
               <mc:Choice xmlns:v="urn:schemas-microsoft-com:vml" Requires="v">
-                <p:oleObj spid="_x0000_s43054" name="Equation" r:id="rId4" imgW="1384300" imgH="749300" progId="Equation.3">
+                <p:oleObj spid="_x0000_s43074" name="Equation" r:id="rId4" imgW="1384300" imgH="749300" progId="Equation.3">
                   <p:embed/>
                 </p:oleObj>
               </mc:Choice>
@@ -10056,7 +15377,7 @@
           <a:graphicData uri="http://schemas.openxmlformats.org/presentationml/2006/ole">
             <mc:AlternateContent xmlns:mc="http://schemas.openxmlformats.org/markup-compatibility/2006">
               <mc:Choice xmlns:v="urn:schemas-microsoft-com:vml" Requires="v">
-                <p:oleObj spid="_x0000_s43055" name="Equation" r:id="rId6" imgW="4787900" imgH="1104900" progId="Equation.3">
+                <p:oleObj spid="_x0000_s43075" name="Equation" r:id="rId6" imgW="4787900" imgH="1104900" progId="Equation.3">
                   <p:embed/>
                 </p:oleObj>
               </mc:Choice>
@@ -10113,7 +15434,7 @@
           <a:graphicData uri="http://schemas.openxmlformats.org/presentationml/2006/ole">
             <mc:AlternateContent xmlns:mc="http://schemas.openxmlformats.org/markup-compatibility/2006">
               <mc:Choice xmlns:v="urn:schemas-microsoft-com:vml" Requires="v">
-                <p:oleObj spid="_x0000_s43056" name="Equation" r:id="rId8" imgW="2133600" imgH="292100" progId="Equation.3">
+                <p:oleObj spid="_x0000_s43076" name="Equation" r:id="rId8" imgW="2133600" imgH="292100" progId="Equation.3">
                   <p:embed/>
                 </p:oleObj>
               </mc:Choice>
@@ -10498,7 +15819,7 @@
           <a:graphicData uri="http://schemas.openxmlformats.org/presentationml/2006/ole">
             <mc:AlternateContent xmlns:mc="http://schemas.openxmlformats.org/markup-compatibility/2006">
               <mc:Choice xmlns:v="urn:schemas-microsoft-com:vml" Requires="v">
-                <p:oleObj spid="_x0000_s44047" name="Equation" r:id="rId4" imgW="3390900" imgH="1549400" progId="Equation.3">
+                <p:oleObj spid="_x0000_s44055" name="Equation" r:id="rId4" imgW="3390900" imgH="1549400" progId="Equation.3">
                   <p:embed/>
                 </p:oleObj>
               </mc:Choice>
@@ -10897,7 +16218,7 @@
           <a:graphicData uri="http://schemas.openxmlformats.org/presentationml/2006/ole">
             <mc:AlternateContent xmlns:mc="http://schemas.openxmlformats.org/markup-compatibility/2006">
               <mc:Choice xmlns:v="urn:schemas-microsoft-com:vml" Requires="v">
-                <p:oleObj spid="_x0000_s39973" name="Equation" r:id="rId4" imgW="2933700" imgH="304800" progId="Equation.3">
+                <p:oleObj spid="_x0000_s39987" name="Equation" r:id="rId4" imgW="2933700" imgH="304800" progId="Equation.3">
                   <p:embed/>
                 </p:oleObj>
               </mc:Choice>
@@ -10954,7 +16275,7 @@
           <a:graphicData uri="http://schemas.openxmlformats.org/presentationml/2006/ole">
             <mc:AlternateContent xmlns:mc="http://schemas.openxmlformats.org/markup-compatibility/2006">
               <mc:Choice xmlns:v="urn:schemas-microsoft-com:vml" Requires="v">
-                <p:oleObj spid="_x0000_s39974" name="Equation" r:id="rId6" imgW="2882900" imgH="393700" progId="Equation.3">
+                <p:oleObj spid="_x0000_s39988" name="Equation" r:id="rId6" imgW="2882900" imgH="393700" progId="Equation.3">
                   <p:embed/>
                 </p:oleObj>
               </mc:Choice>

--- a/STT465_13.pptx
+++ b/STT465_13.pptx
@@ -5,7 +5,7 @@
     <p:sldMasterId id="2147483648" r:id="rId1"/>
   </p:sldMasterIdLst>
   <p:notesMasterIdLst>
-    <p:notesMasterId r:id="rId24"/>
+    <p:notesMasterId r:id="rId26"/>
   </p:notesMasterIdLst>
   <p:sldIdLst>
     <p:sldId id="338" r:id="rId2"/>
@@ -30,6 +30,8 @@
     <p:sldId id="372" r:id="rId21"/>
     <p:sldId id="373" r:id="rId22"/>
     <p:sldId id="374" r:id="rId23"/>
+    <p:sldId id="375" r:id="rId24"/>
+    <p:sldId id="376" r:id="rId25"/>
   </p:sldIdLst>
   <p:sldSz cx="9144000" cy="6858000" type="screen4x3"/>
   <p:notesSz cx="6858000" cy="9144000"/>
@@ -1298,6 +1300,88 @@
               <a:rPr lang="en-US" smtClean="0"/>
               <a:pPr/>
               <a:t>22</a:t>
+            </a:fld>
+            <a:endParaRPr lang="en-US"/>
+          </a:p>
+        </p:txBody>
+      </p:sp>
+    </p:spTree>
+  </p:cSld>
+  <p:clrMapOvr>
+    <a:masterClrMapping/>
+  </p:clrMapOvr>
+</p:notes>
+</file>
+
+<file path=ppt/notesSlides/notesSlide19.xml><?xml version="1.0" encoding="utf-8"?>
+<p:notes xmlns:a="http://schemas.openxmlformats.org/drawingml/2006/main" xmlns:r="http://schemas.openxmlformats.org/officeDocument/2006/relationships" xmlns:p="http://schemas.openxmlformats.org/presentationml/2006/main">
+  <p:cSld>
+    <p:spTree>
+      <p:nvGrpSpPr>
+        <p:cNvPr id="1" name=""/>
+        <p:cNvGrpSpPr/>
+        <p:nvPr/>
+      </p:nvGrpSpPr>
+      <p:grpSpPr>
+        <a:xfrm>
+          <a:off x="0" y="0"/>
+          <a:ext cx="0" cy="0"/>
+          <a:chOff x="0" y="0"/>
+          <a:chExt cx="0" cy="0"/>
+        </a:xfrm>
+      </p:grpSpPr>
+      <p:sp>
+        <p:nvSpPr>
+          <p:cNvPr id="2" name="Slide Image Placeholder 1"/>
+          <p:cNvSpPr>
+            <a:spLocks noGrp="1" noRot="1" noChangeAspect="1"/>
+          </p:cNvSpPr>
+          <p:nvPr>
+            <p:ph type="sldImg"/>
+          </p:nvPr>
+        </p:nvSpPr>
+        <p:spPr/>
+      </p:sp>
+      <p:sp>
+        <p:nvSpPr>
+          <p:cNvPr id="3" name="Notes Placeholder 2"/>
+          <p:cNvSpPr>
+            <a:spLocks noGrp="1"/>
+          </p:cNvSpPr>
+          <p:nvPr>
+            <p:ph type="body" idx="1"/>
+          </p:nvPr>
+        </p:nvSpPr>
+        <p:spPr/>
+        <p:txBody>
+          <a:bodyPr>
+            <a:normAutofit/>
+          </a:bodyPr>
+          <a:lstStyle/>
+          <a:p>
+            <a:endParaRPr lang="en-US"/>
+          </a:p>
+        </p:txBody>
+      </p:sp>
+      <p:sp>
+        <p:nvSpPr>
+          <p:cNvPr id="4" name="Slide Number Placeholder 3"/>
+          <p:cNvSpPr>
+            <a:spLocks noGrp="1"/>
+          </p:cNvSpPr>
+          <p:nvPr>
+            <p:ph type="sldNum" sz="quarter" idx="10"/>
+          </p:nvPr>
+        </p:nvSpPr>
+        <p:spPr/>
+        <p:txBody>
+          <a:bodyPr/>
+          <a:lstStyle/>
+          <a:p>
+            <a:fld id="{CACBEE2F-8C26-493F-9430-82D1D1B7C623}" type="slidenum">
+              <a:rPr lang="en-US" smtClean="0"/>
+              <a:pPr/>
+              <a:t>23</a:t>
             </a:fld>
             <a:endParaRPr lang="en-US"/>
           </a:p>
@@ -5674,7 +5758,7 @@
           <a:graphicData uri="http://schemas.openxmlformats.org/presentationml/2006/ole">
             <mc:AlternateContent xmlns:mc="http://schemas.openxmlformats.org/markup-compatibility/2006">
               <mc:Choice xmlns:v="urn:schemas-microsoft-com:vml" Requires="v">
-                <p:oleObj spid="_x0000_s48166" name="Equation" r:id="rId4" imgW="2133600" imgH="292100" progId="Equation.3">
+                <p:oleObj spid="_x0000_s48170" name="Equation" r:id="rId4" imgW="2133600" imgH="292100" progId="Equation.3">
                   <p:embed/>
                 </p:oleObj>
               </mc:Choice>
@@ -5731,7 +5815,7 @@
           <a:graphicData uri="http://schemas.openxmlformats.org/presentationml/2006/ole">
             <mc:AlternateContent xmlns:mc="http://schemas.openxmlformats.org/markup-compatibility/2006">
               <mc:Choice xmlns:v="urn:schemas-microsoft-com:vml" Requires="v">
-                <p:oleObj spid="_x0000_s48167" name="Equation" r:id="rId6" imgW="2781300" imgH="279400" progId="Equation.3">
+                <p:oleObj spid="_x0000_s48171" name="Equation" r:id="rId6" imgW="2781300" imgH="279400" progId="Equation.3">
                   <p:embed/>
                 </p:oleObj>
               </mc:Choice>
@@ -5788,7 +5872,7 @@
           <a:graphicData uri="http://schemas.openxmlformats.org/presentationml/2006/ole">
             <mc:AlternateContent xmlns:mc="http://schemas.openxmlformats.org/markup-compatibility/2006">
               <mc:Choice xmlns:v="urn:schemas-microsoft-com:vml" Requires="v">
-                <p:oleObj spid="_x0000_s48168" name="Equation" r:id="rId8" imgW="698500" imgH="241300" progId="Equation.3">
+                <p:oleObj spid="_x0000_s48172" name="Equation" r:id="rId8" imgW="698500" imgH="241300" progId="Equation.3">
                   <p:embed/>
                 </p:oleObj>
               </mc:Choice>
@@ -7702,7 +7786,7 @@
           <a:graphicData uri="http://schemas.openxmlformats.org/presentationml/2006/ole">
             <mc:AlternateContent xmlns:mc="http://schemas.openxmlformats.org/markup-compatibility/2006">
               <mc:Choice xmlns:v="urn:schemas-microsoft-com:vml" Requires="v">
-                <p:oleObj spid="_x0000_s55318" name="Equation" r:id="rId4" imgW="2514600" imgH="787400" progId="Equation.3">
+                <p:oleObj spid="_x0000_s55323" name="Equation" r:id="rId4" imgW="2514600" imgH="787400" progId="Equation.3">
                   <p:embed/>
                 </p:oleObj>
               </mc:Choice>
@@ -7835,7 +7919,7 @@
           <a:graphicData uri="http://schemas.openxmlformats.org/presentationml/2006/ole">
             <mc:AlternateContent xmlns:mc="http://schemas.openxmlformats.org/markup-compatibility/2006">
               <mc:Choice xmlns:v="urn:schemas-microsoft-com:vml" Requires="v">
-                <p:oleObj spid="_x0000_s55319" name="Equation" r:id="rId6" imgW="939800" imgH="292100" progId="Equation.3">
+                <p:oleObj spid="_x0000_s55324" name="Equation" r:id="rId6" imgW="939800" imgH="292100" progId="Equation.3">
                   <p:embed/>
                 </p:oleObj>
               </mc:Choice>
@@ -7930,7 +8014,7 @@
           <a:graphicData uri="http://schemas.openxmlformats.org/presentationml/2006/ole">
             <mc:AlternateContent xmlns:mc="http://schemas.openxmlformats.org/markup-compatibility/2006">
               <mc:Choice xmlns:v="urn:schemas-microsoft-com:vml" Requires="v">
-                <p:oleObj spid="_x0000_s55320" name="Equation" r:id="rId8" imgW="3759200" imgH="787400" progId="Equation.3">
+                <p:oleObj spid="_x0000_s55325" name="Equation" r:id="rId8" imgW="3759200" imgH="787400" progId="Equation.3">
                   <p:embed/>
                 </p:oleObj>
               </mc:Choice>
@@ -7987,7 +8071,7 @@
           <a:graphicData uri="http://schemas.openxmlformats.org/presentationml/2006/ole">
             <mc:AlternateContent xmlns:mc="http://schemas.openxmlformats.org/markup-compatibility/2006">
               <mc:Choice xmlns:v="urn:schemas-microsoft-com:vml" Requires="v">
-                <p:oleObj spid="_x0000_s55321" name="Equation" r:id="rId10" imgW="3086100" imgH="787400" progId="Equation.3">
+                <p:oleObj spid="_x0000_s55326" name="Equation" r:id="rId10" imgW="3086100" imgH="787400" progId="Equation.3">
                   <p:embed/>
                 </p:oleObj>
               </mc:Choice>
@@ -8173,13 +8257,6 @@
               </a:rPr>
               <a:t>Regression with Censored Data</a:t>
             </a:r>
-            <a:endParaRPr lang="en-US" sz="3200" dirty="0" smtClean="0">
-              <a:solidFill>
-                <a:schemeClr val="accent2">
-                  <a:lumMod val="75000"/>
-                </a:schemeClr>
-              </a:solidFill>
-            </a:endParaRPr>
           </a:p>
         </p:txBody>
       </p:sp>
@@ -9418,15 +9495,7 @@
                   <a:srgbClr val="800000"/>
                 </a:solidFill>
               </a:rPr>
-              <a:t>Right-Censoring  </a:t>
-            </a:r>
-            <a:r>
-              <a:rPr lang="en-US" sz="2800" dirty="0" smtClean="0">
-                <a:solidFill>
-                  <a:srgbClr val="800000"/>
-                </a:solidFill>
-              </a:rPr>
-              <a:t>(Y</a:t>
+              <a:t>Right-Censoring  (Y</a:t>
             </a:r>
             <a:r>
               <a:rPr lang="en-US" sz="2800" baseline="-25000" dirty="0" smtClean="0">
@@ -10372,15 +10441,7 @@
                       <a:srgbClr val="800000"/>
                     </a:solidFill>
                   </a:rPr>
-                  <a:t>Time to censor </a:t>
-                </a:r>
-                <a:r>
-                  <a:rPr lang="en-US" dirty="0" smtClean="0">
-                    <a:solidFill>
-                      <a:srgbClr val="800000"/>
-                    </a:solidFill>
-                  </a:rPr>
-                  <a:t>(</a:t>
+                  <a:t>Time to censor (</a:t>
                 </a:r>
                 <a:r>
                   <a:rPr lang="en-US" dirty="0" err="1" smtClean="0"/>
@@ -11296,7 +11357,7 @@
           <a:graphicData uri="http://schemas.openxmlformats.org/presentationml/2006/ole">
             <mc:AlternateContent xmlns:mc="http://schemas.openxmlformats.org/markup-compatibility/2006">
               <mc:Choice xmlns:v="urn:schemas-microsoft-com:vml" Requires="v">
-                <p:oleObj spid="_x0000_s1213" name="Equation" r:id="rId4" imgW="1092200" imgH="330200" progId="Equation.3">
+                <p:oleObj spid="_x0000_s1218" name="Equation" r:id="rId4" imgW="1092200" imgH="330200" progId="Equation.3">
                   <p:embed/>
                 </p:oleObj>
               </mc:Choice>
@@ -11353,7 +11414,7 @@
           <a:graphicData uri="http://schemas.openxmlformats.org/presentationml/2006/ole">
             <mc:AlternateContent xmlns:mc="http://schemas.openxmlformats.org/markup-compatibility/2006">
               <mc:Choice xmlns:v="urn:schemas-microsoft-com:vml" Requires="v">
-                <p:oleObj spid="_x0000_s1214" name="Equation" r:id="rId6" imgW="673100" imgH="203200" progId="Equation.3">
+                <p:oleObj spid="_x0000_s1219" name="Equation" r:id="rId6" imgW="673100" imgH="203200" progId="Equation.3">
                   <p:embed/>
                 </p:oleObj>
               </mc:Choice>
@@ -11410,7 +11471,7 @@
           <a:graphicData uri="http://schemas.openxmlformats.org/presentationml/2006/ole">
             <mc:AlternateContent xmlns:mc="http://schemas.openxmlformats.org/markup-compatibility/2006">
               <mc:Choice xmlns:v="urn:schemas-microsoft-com:vml" Requires="v">
-                <p:oleObj spid="_x0000_s1215" name="Equation" r:id="rId8" imgW="1054100" imgH="342900" progId="Equation.3">
+                <p:oleObj spid="_x0000_s1220" name="Equation" r:id="rId8" imgW="1054100" imgH="342900" progId="Equation.3">
                   <p:embed/>
                 </p:oleObj>
               </mc:Choice>
@@ -11467,7 +11528,7 @@
           <a:graphicData uri="http://schemas.openxmlformats.org/presentationml/2006/ole">
             <mc:AlternateContent xmlns:mc="http://schemas.openxmlformats.org/markup-compatibility/2006">
               <mc:Choice xmlns:v="urn:schemas-microsoft-com:vml" Requires="v">
-                <p:oleObj spid="_x0000_s1216" name="Equation" r:id="rId10" imgW="3975100" imgH="965200" progId="Equation.3">
+                <p:oleObj spid="_x0000_s1221" name="Equation" r:id="rId10" imgW="3975100" imgH="965200" progId="Equation.3">
                   <p:embed/>
                 </p:oleObj>
               </mc:Choice>
@@ -11623,11 +11684,6 @@
               </a:rPr>
               <a:t>Our strategy will be as the same as before:</a:t>
             </a:r>
-            <a:endParaRPr lang="en-US" sz="2400" b="1" u="sng" dirty="0" smtClean="0">
-              <a:solidFill>
-                <a:srgbClr val="1F497D"/>
-              </a:solidFill>
-            </a:endParaRPr>
           </a:p>
           <a:p>
             <a:pPr lvl="1"/>
@@ -11641,13 +11697,6 @@
               </a:rPr>
               <a:t>-    Write down the likelihood (for censored data in this case)</a:t>
             </a:r>
-            <a:endParaRPr lang="en-US" dirty="0" smtClean="0">
-              <a:solidFill>
-                <a:schemeClr val="accent1">
-                  <a:lumMod val="75000"/>
-                </a:schemeClr>
-              </a:solidFill>
-            </a:endParaRPr>
           </a:p>
           <a:p>
             <a:pPr marL="742950" lvl="1" indent="-285750">
@@ -12201,7 +12250,7 @@
           <a:graphicData uri="http://schemas.openxmlformats.org/presentationml/2006/ole">
             <mc:AlternateContent xmlns:mc="http://schemas.openxmlformats.org/markup-compatibility/2006">
               <mc:Choice xmlns:v="urn:schemas-microsoft-com:vml" Requires="v">
-                <p:oleObj spid="_x0000_s56326" name="Equation" r:id="rId4" imgW="3695700" imgH="685800" progId="Equation.3">
+                <p:oleObj spid="_x0000_s56330" name="Equation" r:id="rId4" imgW="3695700" imgH="685800" progId="Equation.3">
                   <p:embed/>
                 </p:oleObj>
               </mc:Choice>
@@ -12296,7 +12345,7 @@
           <a:graphicData uri="http://schemas.openxmlformats.org/presentationml/2006/ole">
             <mc:AlternateContent xmlns:mc="http://schemas.openxmlformats.org/markup-compatibility/2006">
               <mc:Choice xmlns:v="urn:schemas-microsoft-com:vml" Requires="v">
-                <p:oleObj spid="_x0000_s56327" name="Equation" r:id="rId6" imgW="2235200" imgH="787400" progId="Equation.3">
+                <p:oleObj spid="_x0000_s56331" name="Equation" r:id="rId6" imgW="2235200" imgH="787400" progId="Equation.3">
                   <p:embed/>
                 </p:oleObj>
               </mc:Choice>
@@ -12392,7 +12441,7 @@
           <a:graphicData uri="http://schemas.openxmlformats.org/presentationml/2006/ole">
             <mc:AlternateContent xmlns:mc="http://schemas.openxmlformats.org/markup-compatibility/2006">
               <mc:Choice xmlns:v="urn:schemas-microsoft-com:vml" Requires="v">
-                <p:oleObj spid="_x0000_s56328" name="Equation" r:id="rId8" imgW="2933700" imgH="787400" progId="Equation.3">
+                <p:oleObj spid="_x0000_s56332" name="Equation" r:id="rId8" imgW="2933700" imgH="787400" progId="Equation.3">
                   <p:embed/>
                 </p:oleObj>
               </mc:Choice>
@@ -12766,7 +12815,7 @@
           <a:graphicData uri="http://schemas.openxmlformats.org/presentationml/2006/ole">
             <mc:AlternateContent xmlns:mc="http://schemas.openxmlformats.org/markup-compatibility/2006">
               <mc:Choice xmlns:v="urn:schemas-microsoft-com:vml" Requires="v">
-                <p:oleObj spid="_x0000_s57349" name="Equation" r:id="rId4" imgW="3695700" imgH="685800" progId="Equation.3">
+                <p:oleObj spid="_x0000_s57354" name="Equation" r:id="rId4" imgW="3695700" imgH="685800" progId="Equation.3">
                   <p:embed/>
                 </p:oleObj>
               </mc:Choice>
@@ -12899,7 +12948,7 @@
           <a:graphicData uri="http://schemas.openxmlformats.org/presentationml/2006/ole">
             <mc:AlternateContent xmlns:mc="http://schemas.openxmlformats.org/markup-compatibility/2006">
               <mc:Choice xmlns:v="urn:schemas-microsoft-com:vml" Requires="v">
-                <p:oleObj spid="_x0000_s57350" name="Equation" r:id="rId6" imgW="939800" imgH="292100" progId="Equation.3">
+                <p:oleObj spid="_x0000_s57355" name="Equation" r:id="rId6" imgW="939800" imgH="292100" progId="Equation.3">
                   <p:embed/>
                 </p:oleObj>
               </mc:Choice>
@@ -12994,7 +13043,7 @@
           <a:graphicData uri="http://schemas.openxmlformats.org/presentationml/2006/ole">
             <mc:AlternateContent xmlns:mc="http://schemas.openxmlformats.org/markup-compatibility/2006">
               <mc:Choice xmlns:v="urn:schemas-microsoft-com:vml" Requires="v">
-                <p:oleObj spid="_x0000_s57351" name="Equation" r:id="rId8" imgW="5054600" imgH="685800" progId="Equation.3">
+                <p:oleObj spid="_x0000_s57356" name="Equation" r:id="rId8" imgW="5054600" imgH="685800" progId="Equation.3">
                   <p:embed/>
                 </p:oleObj>
               </mc:Choice>
@@ -13089,7 +13138,7 @@
           <a:graphicData uri="http://schemas.openxmlformats.org/presentationml/2006/ole">
             <mc:AlternateContent xmlns:mc="http://schemas.openxmlformats.org/markup-compatibility/2006">
               <mc:Choice xmlns:v="urn:schemas-microsoft-com:vml" Requires="v">
-                <p:oleObj spid="_x0000_s57352" name="Equation" r:id="rId10" imgW="1955800" imgH="685800" progId="Equation.3">
+                <p:oleObj spid="_x0000_s57357" name="Equation" r:id="rId10" imgW="1955800" imgH="685800" progId="Equation.3">
                   <p:embed/>
                 </p:oleObj>
               </mc:Choice>
@@ -13144,6 +13193,778 @@
 </p:sld>
 </file>
 
+<file path=ppt/slides/slide23.xml><?xml version="1.0" encoding="utf-8"?>
+<p:sld xmlns:a="http://schemas.openxmlformats.org/drawingml/2006/main" xmlns:r="http://schemas.openxmlformats.org/officeDocument/2006/relationships" xmlns:p="http://schemas.openxmlformats.org/presentationml/2006/main">
+  <p:cSld>
+    <p:spTree>
+      <p:nvGrpSpPr>
+        <p:cNvPr id="1" name=""/>
+        <p:cNvGrpSpPr/>
+        <p:nvPr/>
+      </p:nvGrpSpPr>
+      <p:grpSpPr>
+        <a:xfrm>
+          <a:off x="0" y="0"/>
+          <a:ext cx="0" cy="0"/>
+          <a:chOff x="0" y="0"/>
+          <a:chExt cx="0" cy="0"/>
+        </a:xfrm>
+      </p:grpSpPr>
+      <p:sp>
+        <p:nvSpPr>
+          <p:cNvPr id="2" name="Title 1"/>
+          <p:cNvSpPr>
+            <a:spLocks noGrp="1"/>
+          </p:cNvSpPr>
+          <p:nvPr>
+            <p:ph type="ctrTitle"/>
+          </p:nvPr>
+        </p:nvSpPr>
+        <p:spPr>
+          <a:xfrm>
+            <a:off x="533400" y="2133600"/>
+            <a:ext cx="7772400" cy="1825482"/>
+          </a:xfrm>
+          <a:ln>
+            <a:solidFill>
+              <a:srgbClr val="800000"/>
+            </a:solidFill>
+            <a:prstDash val="sysDash"/>
+          </a:ln>
+        </p:spPr>
+        <p:txBody>
+          <a:bodyPr>
+            <a:normAutofit/>
+          </a:bodyPr>
+          <a:lstStyle/>
+          <a:p>
+            <a:r>
+              <a:rPr lang="en-US" sz="3200" dirty="0" smtClean="0">
+                <a:solidFill>
+                  <a:schemeClr val="accent2">
+                    <a:lumMod val="75000"/>
+                  </a:schemeClr>
+                </a:solidFill>
+              </a:rPr>
+              <a:t>Regression with </a:t>
+            </a:r>
+            <a:r>
+              <a:rPr lang="en-US" sz="3200" dirty="0" smtClean="0">
+                <a:solidFill>
+                  <a:schemeClr val="accent2">
+                    <a:lumMod val="75000"/>
+                  </a:schemeClr>
+                </a:solidFill>
+              </a:rPr>
+              <a:t>Binary Outcomes</a:t>
+            </a:r>
+            <a:endParaRPr lang="en-US" sz="3200" dirty="0" smtClean="0">
+              <a:solidFill>
+                <a:schemeClr val="accent2">
+                  <a:lumMod val="75000"/>
+                </a:schemeClr>
+              </a:solidFill>
+            </a:endParaRPr>
+          </a:p>
+        </p:txBody>
+      </p:sp>
+      <p:sp>
+        <p:nvSpPr>
+          <p:cNvPr id="4" name="Footer Placeholder 3"/>
+          <p:cNvSpPr>
+            <a:spLocks noGrp="1"/>
+          </p:cNvSpPr>
+          <p:nvPr>
+            <p:ph type="ftr" sz="quarter" idx="11"/>
+          </p:nvPr>
+        </p:nvSpPr>
+        <p:spPr/>
+        <p:txBody>
+          <a:bodyPr/>
+          <a:lstStyle/>
+          <a:p>
+            <a:r>
+              <a:rPr lang="en-US" dirty="0" smtClean="0">
+                <a:solidFill>
+                  <a:schemeClr val="accent1"/>
+                </a:solidFill>
+              </a:rPr>
+              <a:t>STT 465, MSU, Fall, 2015</a:t>
+            </a:r>
+            <a:endParaRPr lang="en-US" dirty="0">
+              <a:solidFill>
+                <a:schemeClr val="accent1"/>
+              </a:solidFill>
+            </a:endParaRPr>
+          </a:p>
+        </p:txBody>
+      </p:sp>
+    </p:spTree>
+    <p:extLst>
+      <p:ext uri="{BB962C8B-B14F-4D97-AF65-F5344CB8AC3E}">
+        <p14:creationId xmlns:p14="http://schemas.microsoft.com/office/powerpoint/2010/main" val="4187999207"/>
+      </p:ext>
+    </p:extLst>
+  </p:cSld>
+  <p:clrMapOvr>
+    <a:masterClrMapping/>
+  </p:clrMapOvr>
+  <p:timing>
+    <p:tnLst>
+      <p:par>
+        <p:cTn xmlns:p14="http://schemas.microsoft.com/office/powerpoint/2010/main" id="1" dur="indefinite" restart="never" nodeType="tmRoot"/>
+      </p:par>
+    </p:tnLst>
+  </p:timing>
+</p:sld>
+</file>
+
+<file path=ppt/slides/slide24.xml><?xml version="1.0" encoding="utf-8"?>
+<p:sld xmlns:a="http://schemas.openxmlformats.org/drawingml/2006/main" xmlns:r="http://schemas.openxmlformats.org/officeDocument/2006/relationships" xmlns:p="http://schemas.openxmlformats.org/presentationml/2006/main">
+  <p:cSld>
+    <p:spTree>
+      <p:nvGrpSpPr>
+        <p:cNvPr id="1" name=""/>
+        <p:cNvGrpSpPr/>
+        <p:nvPr/>
+      </p:nvGrpSpPr>
+      <p:grpSpPr>
+        <a:xfrm>
+          <a:off x="0" y="0"/>
+          <a:ext cx="0" cy="0"/>
+          <a:chOff x="0" y="0"/>
+          <a:chExt cx="0" cy="0"/>
+        </a:xfrm>
+      </p:grpSpPr>
+      <p:sp>
+        <p:nvSpPr>
+          <p:cNvPr id="14" name="TextBox 13"/>
+          <p:cNvSpPr txBox="1"/>
+          <p:nvPr/>
+        </p:nvSpPr>
+        <p:spPr>
+          <a:xfrm>
+            <a:off x="914400" y="0"/>
+            <a:ext cx="7467600" cy="646331"/>
+          </a:xfrm>
+          <a:prstGeom prst="rect">
+            <a:avLst/>
+          </a:prstGeom>
+          <a:noFill/>
+          <a:ln>
+            <a:solidFill>
+              <a:srgbClr val="800000"/>
+            </a:solidFill>
+            <a:prstDash val="sysDash"/>
+          </a:ln>
+        </p:spPr>
+        <p:txBody>
+          <a:bodyPr wrap="square" rtlCol="0">
+            <a:spAutoFit/>
+          </a:bodyPr>
+          <a:lstStyle/>
+          <a:p>
+            <a:endParaRPr lang="en-US" sz="800" dirty="0" smtClean="0">
+              <a:solidFill>
+                <a:srgbClr val="800000"/>
+              </a:solidFill>
+            </a:endParaRPr>
+          </a:p>
+          <a:p>
+            <a:pPr algn="ctr"/>
+            <a:r>
+              <a:rPr lang="en-US" sz="2800" dirty="0" smtClean="0">
+                <a:solidFill>
+                  <a:srgbClr val="800000"/>
+                </a:solidFill>
+              </a:rPr>
+              <a:t>Regression with Binary Outcomes</a:t>
+            </a:r>
+            <a:endParaRPr lang="en-US" dirty="0" smtClean="0">
+              <a:solidFill>
+                <a:schemeClr val="accent1">
+                  <a:lumMod val="75000"/>
+                </a:schemeClr>
+              </a:solidFill>
+            </a:endParaRPr>
+          </a:p>
+        </p:txBody>
+      </p:sp>
+      <p:sp>
+        <p:nvSpPr>
+          <p:cNvPr id="15" name="TextBox 14"/>
+          <p:cNvSpPr txBox="1"/>
+          <p:nvPr/>
+        </p:nvSpPr>
+        <p:spPr>
+          <a:xfrm>
+            <a:off x="457200" y="990600"/>
+            <a:ext cx="8229600" cy="5016758"/>
+          </a:xfrm>
+          <a:prstGeom prst="rect">
+            <a:avLst/>
+          </a:prstGeom>
+          <a:noFill/>
+        </p:spPr>
+        <p:txBody>
+          <a:bodyPr wrap="square" rtlCol="0">
+            <a:spAutoFit/>
+          </a:bodyPr>
+          <a:lstStyle/>
+          <a:p>
+            <a:r>
+              <a:rPr lang="en-US" sz="2000" dirty="0" smtClean="0">
+                <a:solidFill>
+                  <a:schemeClr val="accent1">
+                    <a:lumMod val="75000"/>
+                  </a:schemeClr>
+                </a:solidFill>
+              </a:rPr>
+              <a:t>-    Binar</a:t>
+            </a:r>
+            <a:r>
+              <a:rPr lang="en-US" sz="2000" dirty="0" smtClean="0">
+                <a:solidFill>
+                  <a:schemeClr val="accent1">
+                    <a:lumMod val="75000"/>
+                  </a:schemeClr>
+                </a:solidFill>
+              </a:rPr>
+              <a:t>y outcomes follow Bernoulli distributions</a:t>
+            </a:r>
+            <a:endParaRPr lang="en-US" sz="2000" dirty="0">
+              <a:solidFill>
+                <a:schemeClr val="accent1">
+                  <a:lumMod val="75000"/>
+                </a:schemeClr>
+              </a:solidFill>
+            </a:endParaRPr>
+          </a:p>
+          <a:p>
+            <a:endParaRPr lang="en-US" sz="2000" dirty="0" smtClean="0">
+              <a:solidFill>
+                <a:schemeClr val="accent1">
+                  <a:lumMod val="75000"/>
+                </a:schemeClr>
+              </a:solidFill>
+            </a:endParaRPr>
+          </a:p>
+          <a:p>
+            <a:endParaRPr lang="en-US" sz="2000" dirty="0">
+              <a:solidFill>
+                <a:schemeClr val="accent1">
+                  <a:lumMod val="75000"/>
+                </a:schemeClr>
+              </a:solidFill>
+            </a:endParaRPr>
+          </a:p>
+          <a:p>
+            <a:endParaRPr lang="en-US" sz="2000" dirty="0" smtClean="0">
+              <a:solidFill>
+                <a:schemeClr val="accent1">
+                  <a:lumMod val="75000"/>
+                </a:schemeClr>
+              </a:solidFill>
+            </a:endParaRPr>
+          </a:p>
+          <a:p>
+            <a:endParaRPr lang="en-US" sz="2000" dirty="0">
+              <a:solidFill>
+                <a:schemeClr val="accent1">
+                  <a:lumMod val="75000"/>
+                </a:schemeClr>
+              </a:solidFill>
+            </a:endParaRPr>
+          </a:p>
+          <a:p>
+            <a:pPr marL="342900" indent="-342900">
+              <a:buFontTx/>
+              <a:buChar char="-"/>
+            </a:pPr>
+            <a:r>
+              <a:rPr lang="en-US" sz="2000" dirty="0" smtClean="0">
+                <a:solidFill>
+                  <a:schemeClr val="accent1">
+                    <a:lumMod val="75000"/>
+                  </a:schemeClr>
+                </a:solidFill>
+              </a:rPr>
+              <a:t>Regression with Binary outcomes: we want to make </a:t>
+            </a:r>
+            <a:r>
+              <a:rPr lang="en-US" sz="2000" dirty="0" err="1" smtClean="0">
+                <a:solidFill>
+                  <a:schemeClr val="accent1">
+                    <a:lumMod val="75000"/>
+                  </a:schemeClr>
+                </a:solidFill>
+              </a:rPr>
+              <a:t>θ</a:t>
+            </a:r>
+            <a:r>
+              <a:rPr lang="en-US" sz="2000" dirty="0" smtClean="0">
+                <a:solidFill>
+                  <a:schemeClr val="accent1">
+                    <a:lumMod val="75000"/>
+                  </a:schemeClr>
+                </a:solidFill>
+              </a:rPr>
+              <a:t> a function of one or more predictors. </a:t>
+            </a:r>
+          </a:p>
+          <a:p>
+            <a:pPr marL="342900" indent="-342900">
+              <a:buFontTx/>
+              <a:buChar char="-"/>
+            </a:pPr>
+            <a:r>
+              <a:rPr lang="en-US" sz="2000" dirty="0" smtClean="0">
+                <a:solidFill>
+                  <a:schemeClr val="accent1">
+                    <a:lumMod val="75000"/>
+                  </a:schemeClr>
+                </a:solidFill>
+              </a:rPr>
+              <a:t>Problem:</a:t>
+            </a:r>
+          </a:p>
+          <a:p>
+            <a:r>
+              <a:rPr lang="en-US" sz="2000" dirty="0">
+                <a:solidFill>
+                  <a:schemeClr val="accent1">
+                    <a:lumMod val="75000"/>
+                  </a:schemeClr>
+                </a:solidFill>
+              </a:rPr>
+              <a:t>	</a:t>
+            </a:r>
+            <a:r>
+              <a:rPr lang="en-US" sz="2000" dirty="0" smtClean="0">
+                <a:solidFill>
+                  <a:schemeClr val="accent1">
+                    <a:lumMod val="75000"/>
+                  </a:schemeClr>
+                </a:solidFill>
+              </a:rPr>
+              <a:t>- </a:t>
+            </a:r>
+            <a:r>
+              <a:rPr lang="en-US" sz="2000" dirty="0" err="1" smtClean="0">
+                <a:solidFill>
+                  <a:schemeClr val="accent1">
+                    <a:lumMod val="75000"/>
+                  </a:schemeClr>
+                </a:solidFill>
+              </a:rPr>
+              <a:t>θ</a:t>
+            </a:r>
+            <a:r>
+              <a:rPr lang="en-US" sz="2000" dirty="0" smtClean="0">
+                <a:solidFill>
+                  <a:schemeClr val="accent1">
+                    <a:lumMod val="75000"/>
+                  </a:schemeClr>
+                </a:solidFill>
+              </a:rPr>
+              <a:t>  lives in the 0-1 interval, </a:t>
+            </a:r>
+          </a:p>
+          <a:p>
+            <a:r>
+              <a:rPr lang="en-US" sz="2000" dirty="0" smtClean="0">
+                <a:solidFill>
+                  <a:schemeClr val="accent1">
+                    <a:lumMod val="75000"/>
+                  </a:schemeClr>
+                </a:solidFill>
+              </a:rPr>
+              <a:t>	- </a:t>
+            </a:r>
+            <a:r>
+              <a:rPr lang="en-US" sz="2000" dirty="0">
+                <a:solidFill>
+                  <a:schemeClr val="accent1">
+                    <a:lumMod val="75000"/>
+                  </a:schemeClr>
+                </a:solidFill>
+              </a:rPr>
+              <a:t>while a regression </a:t>
+            </a:r>
+            <a:r>
+              <a:rPr lang="en-US" sz="2000" dirty="0" smtClean="0">
+                <a:solidFill>
+                  <a:schemeClr val="accent1">
+                    <a:lumMod val="75000"/>
+                  </a:schemeClr>
+                </a:solidFill>
+              </a:rPr>
+              <a:t>function                lives in the real line.</a:t>
+            </a:r>
+            <a:endParaRPr lang="en-US" sz="2000" dirty="0">
+              <a:solidFill>
+                <a:schemeClr val="accent1">
+                  <a:lumMod val="75000"/>
+                </a:schemeClr>
+              </a:solidFill>
+            </a:endParaRPr>
+          </a:p>
+          <a:p>
+            <a:endParaRPr lang="en-US" sz="2000" dirty="0">
+              <a:solidFill>
+                <a:schemeClr val="accent1">
+                  <a:lumMod val="75000"/>
+                </a:schemeClr>
+              </a:solidFill>
+            </a:endParaRPr>
+          </a:p>
+          <a:p>
+            <a:pPr marL="342900" indent="-342900">
+              <a:buFontTx/>
+              <a:buChar char="-"/>
+            </a:pPr>
+            <a:r>
+              <a:rPr lang="en-US" sz="2000" dirty="0" smtClean="0">
+                <a:solidFill>
+                  <a:schemeClr val="accent1">
+                    <a:lumMod val="75000"/>
+                  </a:schemeClr>
+                </a:solidFill>
+              </a:rPr>
+              <a:t>To get around this we need to introduce a link function that maps from the real line to the 0-1 interval.</a:t>
+            </a:r>
+          </a:p>
+          <a:p>
+            <a:pPr marL="342900" indent="-342900">
+              <a:buFontTx/>
+              <a:buChar char="-"/>
+            </a:pPr>
+            <a:endParaRPr lang="en-US" sz="2000" dirty="0">
+              <a:solidFill>
+                <a:schemeClr val="accent1">
+                  <a:lumMod val="75000"/>
+                </a:schemeClr>
+              </a:solidFill>
+            </a:endParaRPr>
+          </a:p>
+          <a:p>
+            <a:pPr marL="342900" indent="-342900">
+              <a:buFontTx/>
+              <a:buChar char="-"/>
+            </a:pPr>
+            <a:r>
+              <a:rPr lang="en-US" sz="2000" dirty="0" smtClean="0">
+                <a:solidFill>
+                  <a:schemeClr val="accent1">
+                    <a:lumMod val="75000"/>
+                  </a:schemeClr>
+                </a:solidFill>
+              </a:rPr>
+              <a:t>The most </a:t>
+            </a:r>
+            <a:r>
+              <a:rPr lang="en-US" sz="2000" dirty="0" err="1" smtClean="0">
+                <a:solidFill>
+                  <a:schemeClr val="accent1">
+                    <a:lumMod val="75000"/>
+                  </a:schemeClr>
+                </a:solidFill>
+              </a:rPr>
+              <a:t>comonly</a:t>
+            </a:r>
+            <a:r>
+              <a:rPr lang="en-US" sz="2000" dirty="0" smtClean="0">
+                <a:solidFill>
+                  <a:schemeClr val="accent1">
+                    <a:lumMod val="75000"/>
+                  </a:schemeClr>
+                </a:solidFill>
+              </a:rPr>
+              <a:t> used links are the </a:t>
+            </a:r>
+            <a:r>
+              <a:rPr lang="en-US" sz="2000" dirty="0" err="1" smtClean="0">
+                <a:solidFill>
+                  <a:schemeClr val="accent1">
+                    <a:lumMod val="75000"/>
+                  </a:schemeClr>
+                </a:solidFill>
+              </a:rPr>
+              <a:t>logit</a:t>
+            </a:r>
+            <a:r>
+              <a:rPr lang="en-US" sz="2000" dirty="0" smtClean="0">
+                <a:solidFill>
+                  <a:schemeClr val="accent1">
+                    <a:lumMod val="75000"/>
+                  </a:schemeClr>
+                </a:solidFill>
+              </a:rPr>
+              <a:t> and </a:t>
+            </a:r>
+            <a:r>
+              <a:rPr lang="en-US" sz="2000" dirty="0" err="1" smtClean="0">
+                <a:solidFill>
+                  <a:schemeClr val="accent1">
+                    <a:lumMod val="75000"/>
+                  </a:schemeClr>
+                </a:solidFill>
+              </a:rPr>
+              <a:t>probit</a:t>
+            </a:r>
+            <a:r>
+              <a:rPr lang="en-US" sz="2000" smtClean="0">
+                <a:solidFill>
+                  <a:schemeClr val="accent1">
+                    <a:lumMod val="75000"/>
+                  </a:schemeClr>
+                </a:solidFill>
+              </a:rPr>
+              <a:t> link.</a:t>
+            </a:r>
+          </a:p>
+          <a:p>
+            <a:pPr marL="342900" indent="-342900">
+              <a:buFontTx/>
+              <a:buChar char="-"/>
+            </a:pPr>
+            <a:endParaRPr lang="en-US" sz="2000" dirty="0" smtClean="0">
+              <a:solidFill>
+                <a:schemeClr val="accent1">
+                  <a:lumMod val="75000"/>
+                </a:schemeClr>
+              </a:solidFill>
+            </a:endParaRPr>
+          </a:p>
+        </p:txBody>
+      </p:sp>
+      <p:sp>
+        <p:nvSpPr>
+          <p:cNvPr id="5" name="Footer Placeholder 3"/>
+          <p:cNvSpPr>
+            <a:spLocks noGrp="1"/>
+          </p:cNvSpPr>
+          <p:nvPr>
+            <p:ph type="ftr" sz="quarter" idx="11"/>
+          </p:nvPr>
+        </p:nvSpPr>
+        <p:spPr>
+          <a:xfrm>
+            <a:off x="3124200" y="6356350"/>
+            <a:ext cx="2895600" cy="365125"/>
+          </a:xfrm>
+        </p:spPr>
+        <p:txBody>
+          <a:bodyPr/>
+          <a:lstStyle/>
+          <a:p>
+            <a:r>
+              <a:rPr lang="en-US" dirty="0" smtClean="0">
+                <a:solidFill>
+                  <a:schemeClr val="accent1"/>
+                </a:solidFill>
+              </a:rPr>
+              <a:t>STT 465, MSU, Fall, 2015</a:t>
+            </a:r>
+            <a:endParaRPr lang="en-US" dirty="0">
+              <a:solidFill>
+                <a:schemeClr val="accent1"/>
+              </a:solidFill>
+            </a:endParaRPr>
+          </a:p>
+        </p:txBody>
+      </p:sp>
+      <p:graphicFrame>
+        <p:nvGraphicFramePr>
+          <p:cNvPr id="6" name="Object 5"/>
+          <p:cNvGraphicFramePr>
+            <a:graphicFrameLocks noChangeAspect="1"/>
+          </p:cNvGraphicFramePr>
+          <p:nvPr>
+            <p:extLst>
+              <p:ext uri="{D42A27DB-BD31-4B8C-83A1-F6EECF244321}">
+                <p14:modId xmlns:p14="http://schemas.microsoft.com/office/powerpoint/2010/main" val="2189224114"/>
+              </p:ext>
+            </p:extLst>
+          </p:nvPr>
+        </p:nvGraphicFramePr>
+        <p:xfrm>
+          <a:off x="3657600" y="1676400"/>
+          <a:ext cx="2211387" cy="485775"/>
+        </p:xfrm>
+        <a:graphic>
+          <a:graphicData uri="http://schemas.openxmlformats.org/presentationml/2006/ole">
+            <mc:AlternateContent xmlns:mc="http://schemas.openxmlformats.org/markup-compatibility/2006">
+              <mc:Choice xmlns:v="urn:schemas-microsoft-com:vml" Requires="v">
+                <p:oleObj spid="_x0000_s58369" name="Equation" r:id="rId3" imgW="1333500" imgH="292100" progId="Equation.3">
+                  <p:embed/>
+                </p:oleObj>
+              </mc:Choice>
+              <mc:Fallback>
+                <p:oleObj name="Equation" r:id="rId3" imgW="1333500" imgH="292100" progId="Equation.3">
+                  <p:embed/>
+                  <p:pic>
+                    <p:nvPicPr>
+                      <p:cNvPr id="0" name=""/>
+                      <p:cNvPicPr/>
+                      <p:nvPr/>
+                    </p:nvPicPr>
+                    <p:blipFill>
+                      <a:blip r:embed="rId4"/>
+                      <a:stretch>
+                        <a:fillRect/>
+                      </a:stretch>
+                    </p:blipFill>
+                    <p:spPr>
+                      <a:xfrm>
+                        <a:off x="3657600" y="1676400"/>
+                        <a:ext cx="2211387" cy="485775"/>
+                      </a:xfrm>
+                      <a:prstGeom prst="rect">
+                        <a:avLst/>
+                      </a:prstGeom>
+                    </p:spPr>
+                  </p:pic>
+                </p:oleObj>
+              </mc:Fallback>
+            </mc:AlternateContent>
+          </a:graphicData>
+        </a:graphic>
+      </p:graphicFrame>
+      <p:graphicFrame>
+        <p:nvGraphicFramePr>
+          <p:cNvPr id="7" name="Object 6"/>
+          <p:cNvGraphicFramePr>
+            <a:graphicFrameLocks noChangeAspect="1"/>
+          </p:cNvGraphicFramePr>
+          <p:nvPr>
+            <p:extLst>
+              <p:ext uri="{D42A27DB-BD31-4B8C-83A1-F6EECF244321}">
+                <p14:modId xmlns:p14="http://schemas.microsoft.com/office/powerpoint/2010/main" val="1786920887"/>
+              </p:ext>
+            </p:extLst>
+          </p:nvPr>
+        </p:nvGraphicFramePr>
+        <p:xfrm>
+          <a:off x="1905000" y="1752600"/>
+          <a:ext cx="1073150" cy="400050"/>
+        </p:xfrm>
+        <a:graphic>
+          <a:graphicData uri="http://schemas.openxmlformats.org/presentationml/2006/ole">
+            <mc:AlternateContent xmlns:mc="http://schemas.openxmlformats.org/markup-compatibility/2006">
+              <mc:Choice xmlns:v="urn:schemas-microsoft-com:vml" Requires="v">
+                <p:oleObj spid="_x0000_s58370" name="Equation" r:id="rId5" imgW="647700" imgH="241300" progId="Equation.3">
+                  <p:embed/>
+                </p:oleObj>
+              </mc:Choice>
+              <mc:Fallback>
+                <p:oleObj name="Equation" r:id="rId5" imgW="647700" imgH="241300" progId="Equation.3">
+                  <p:embed/>
+                  <p:pic>
+                    <p:nvPicPr>
+                      <p:cNvPr id="0" name=""/>
+                      <p:cNvPicPr/>
+                      <p:nvPr/>
+                    </p:nvPicPr>
+                    <p:blipFill>
+                      <a:blip r:embed="rId6"/>
+                      <a:stretch>
+                        <a:fillRect/>
+                      </a:stretch>
+                    </p:blipFill>
+                    <p:spPr>
+                      <a:xfrm>
+                        <a:off x="1905000" y="1752600"/>
+                        <a:ext cx="1073150" cy="400050"/>
+                      </a:xfrm>
+                      <a:prstGeom prst="rect">
+                        <a:avLst/>
+                      </a:prstGeom>
+                    </p:spPr>
+                  </p:pic>
+                </p:oleObj>
+              </mc:Fallback>
+            </mc:AlternateContent>
+          </a:graphicData>
+        </a:graphic>
+      </p:graphicFrame>
+      <p:graphicFrame>
+        <p:nvGraphicFramePr>
+          <p:cNvPr id="8" name="Object 7"/>
+          <p:cNvGraphicFramePr>
+            <a:graphicFrameLocks noChangeAspect="1"/>
+          </p:cNvGraphicFramePr>
+          <p:nvPr>
+            <p:extLst>
+              <p:ext uri="{D42A27DB-BD31-4B8C-83A1-F6EECF244321}">
+                <p14:modId xmlns:p14="http://schemas.microsoft.com/office/powerpoint/2010/main" val="158786686"/>
+              </p:ext>
+            </p:extLst>
+          </p:nvPr>
+        </p:nvGraphicFramePr>
+        <p:xfrm>
+          <a:off x="4482403" y="3733800"/>
+          <a:ext cx="775397" cy="412750"/>
+        </p:xfrm>
+        <a:graphic>
+          <a:graphicData uri="http://schemas.openxmlformats.org/presentationml/2006/ole">
+            <mc:AlternateContent xmlns:mc="http://schemas.openxmlformats.org/markup-compatibility/2006">
+              <mc:Choice xmlns:v="urn:schemas-microsoft-com:vml" Requires="v">
+                <p:oleObj spid="_x0000_s58371" name="Equation" r:id="rId7" imgW="622300" imgH="330200" progId="Equation.3">
+                  <p:embed/>
+                </p:oleObj>
+              </mc:Choice>
+              <mc:Fallback>
+                <p:oleObj name="Equation" r:id="rId7" imgW="622300" imgH="330200" progId="Equation.3">
+                  <p:embed/>
+                  <p:pic>
+                    <p:nvPicPr>
+                      <p:cNvPr id="0" name=""/>
+                      <p:cNvPicPr/>
+                      <p:nvPr/>
+                    </p:nvPicPr>
+                    <p:blipFill>
+                      <a:blip r:embed="rId8"/>
+                      <a:stretch>
+                        <a:fillRect/>
+                      </a:stretch>
+                    </p:blipFill>
+                    <p:spPr>
+                      <a:xfrm>
+                        <a:off x="4482403" y="3733800"/>
+                        <a:ext cx="775397" cy="412750"/>
+                      </a:xfrm>
+                      <a:prstGeom prst="rect">
+                        <a:avLst/>
+                      </a:prstGeom>
+                    </p:spPr>
+                  </p:pic>
+                </p:oleObj>
+              </mc:Fallback>
+            </mc:AlternateContent>
+          </a:graphicData>
+        </a:graphic>
+      </p:graphicFrame>
+    </p:spTree>
+    <p:extLst>
+      <p:ext uri="{BB962C8B-B14F-4D97-AF65-F5344CB8AC3E}">
+        <p14:creationId xmlns:p14="http://schemas.microsoft.com/office/powerpoint/2010/main" val="1939629523"/>
+      </p:ext>
+    </p:extLst>
+  </p:cSld>
+  <p:clrMapOvr>
+    <a:masterClrMapping/>
+  </p:clrMapOvr>
+  <p:timing>
+    <p:tnLst>
+      <p:par>
+        <p:cTn xmlns:p14="http://schemas.microsoft.com/office/powerpoint/2010/main" id="1" dur="indefinite" restart="never" nodeType="tmRoot"/>
+      </p:par>
+    </p:tnLst>
+  </p:timing>
+</p:sld>
+</file>
+
 <file path=ppt/slides/slide3.xml><?xml version="1.0" encoding="utf-8"?>
 <p:sld xmlns:a="http://schemas.openxmlformats.org/drawingml/2006/main" xmlns:r="http://schemas.openxmlformats.org/officeDocument/2006/relationships" xmlns:p="http://schemas.openxmlformats.org/presentationml/2006/main">
   <p:cSld>
@@ -13495,7 +14316,7 @@
           <a:graphicData uri="http://schemas.openxmlformats.org/presentationml/2006/ole">
             <mc:AlternateContent xmlns:mc="http://schemas.openxmlformats.org/markup-compatibility/2006">
               <mc:Choice xmlns:v="urn:schemas-microsoft-com:vml" Requires="v">
-                <p:oleObj spid="_x0000_s28776" name="Equation" r:id="rId4" imgW="1130300" imgH="508000" progId="Equation.3">
+                <p:oleObj spid="_x0000_s28780" name="Equation" r:id="rId4" imgW="1130300" imgH="508000" progId="Equation.3">
                   <p:embed/>
                 </p:oleObj>
               </mc:Choice>
@@ -13552,7 +14373,7 @@
           <a:graphicData uri="http://schemas.openxmlformats.org/presentationml/2006/ole">
             <mc:AlternateContent xmlns:mc="http://schemas.openxmlformats.org/markup-compatibility/2006">
               <mc:Choice xmlns:v="urn:schemas-microsoft-com:vml" Requires="v">
-                <p:oleObj spid="_x0000_s28777" name="Equation" r:id="rId6" imgW="1168400" imgH="431800" progId="Equation.3">
+                <p:oleObj spid="_x0000_s28781" name="Equation" r:id="rId6" imgW="1168400" imgH="431800" progId="Equation.3">
                   <p:embed/>
                 </p:oleObj>
               </mc:Choice>
@@ -13609,7 +14430,7 @@
           <a:graphicData uri="http://schemas.openxmlformats.org/presentationml/2006/ole">
             <mc:AlternateContent xmlns:mc="http://schemas.openxmlformats.org/markup-compatibility/2006">
               <mc:Choice xmlns:v="urn:schemas-microsoft-com:vml" Requires="v">
-                <p:oleObj spid="_x0000_s28778" name="Equation" r:id="rId8" imgW="1803400" imgH="203200" progId="Equation.3">
+                <p:oleObj spid="_x0000_s28782" name="Equation" r:id="rId8" imgW="1803400" imgH="203200" progId="Equation.3">
                   <p:embed/>
                 </p:oleObj>
               </mc:Choice>
@@ -14024,7 +14845,7 @@
           <a:graphicData uri="http://schemas.openxmlformats.org/presentationml/2006/ole">
             <mc:AlternateContent xmlns:mc="http://schemas.openxmlformats.org/markup-compatibility/2006">
               <mc:Choice xmlns:v="urn:schemas-microsoft-com:vml" Requires="v">
-                <p:oleObj spid="_x0000_s47131" name="Equation" r:id="rId4" imgW="1104900" imgH="317500" progId="Equation.3">
+                <p:oleObj spid="_x0000_s47134" name="Equation" r:id="rId4" imgW="1104900" imgH="317500" progId="Equation.3">
                   <p:embed/>
                 </p:oleObj>
               </mc:Choice>
@@ -14081,7 +14902,7 @@
           <a:graphicData uri="http://schemas.openxmlformats.org/presentationml/2006/ole">
             <mc:AlternateContent xmlns:mc="http://schemas.openxmlformats.org/markup-compatibility/2006">
               <mc:Choice xmlns:v="urn:schemas-microsoft-com:vml" Requires="v">
-                <p:oleObj spid="_x0000_s47132" name="Equation" r:id="rId6" imgW="4775200" imgH="1104900" progId="Equation.3">
+                <p:oleObj spid="_x0000_s47135" name="Equation" r:id="rId6" imgW="4775200" imgH="1104900" progId="Equation.3">
                   <p:embed/>
                 </p:oleObj>
               </mc:Choice>
@@ -14465,7 +15286,7 @@
           <a:graphicData uri="http://schemas.openxmlformats.org/presentationml/2006/ole">
             <mc:AlternateContent xmlns:mc="http://schemas.openxmlformats.org/markup-compatibility/2006">
               <mc:Choice xmlns:v="urn:schemas-microsoft-com:vml" Requires="v">
-                <p:oleObj spid="_x0000_s42029" name="Equation" r:id="rId4" imgW="3517900" imgH="622300" progId="Equation.3">
+                <p:oleObj spid="_x0000_s42032" name="Equation" r:id="rId4" imgW="3517900" imgH="622300" progId="Equation.3">
                   <p:embed/>
                 </p:oleObj>
               </mc:Choice>
@@ -14522,7 +15343,7 @@
           <a:graphicData uri="http://schemas.openxmlformats.org/presentationml/2006/ole">
             <mc:AlternateContent xmlns:mc="http://schemas.openxmlformats.org/markup-compatibility/2006">
               <mc:Choice xmlns:v="urn:schemas-microsoft-com:vml" Requires="v">
-                <p:oleObj spid="_x0000_s42030" name="Equation" r:id="rId6" imgW="2692400" imgH="292100" progId="Equation.3">
+                <p:oleObj spid="_x0000_s42033" name="Equation" r:id="rId6" imgW="2692400" imgH="292100" progId="Equation.3">
                   <p:embed/>
                 </p:oleObj>
               </mc:Choice>
@@ -14907,7 +15728,7 @@
           <a:graphicData uri="http://schemas.openxmlformats.org/presentationml/2006/ole">
             <mc:AlternateContent xmlns:mc="http://schemas.openxmlformats.org/markup-compatibility/2006">
               <mc:Choice xmlns:v="urn:schemas-microsoft-com:vml" Requires="v">
-                <p:oleObj spid="_x0000_s30829" name="Equation" r:id="rId4" imgW="5105400" imgH="1003300" progId="Equation.3">
+                <p:oleObj spid="_x0000_s30831" name="Equation" r:id="rId4" imgW="5105400" imgH="1003300" progId="Equation.3">
                   <p:embed/>
                 </p:oleObj>
               </mc:Choice>
@@ -15320,7 +16141,7 @@
           <a:graphicData uri="http://schemas.openxmlformats.org/presentationml/2006/ole">
             <mc:AlternateContent xmlns:mc="http://schemas.openxmlformats.org/markup-compatibility/2006">
               <mc:Choice xmlns:v="urn:schemas-microsoft-com:vml" Requires="v">
-                <p:oleObj spid="_x0000_s43074" name="Equation" r:id="rId4" imgW="1384300" imgH="749300" progId="Equation.3">
+                <p:oleObj spid="_x0000_s43078" name="Equation" r:id="rId4" imgW="1384300" imgH="749300" progId="Equation.3">
                   <p:embed/>
                 </p:oleObj>
               </mc:Choice>
@@ -15377,7 +16198,7 @@
           <a:graphicData uri="http://schemas.openxmlformats.org/presentationml/2006/ole">
             <mc:AlternateContent xmlns:mc="http://schemas.openxmlformats.org/markup-compatibility/2006">
               <mc:Choice xmlns:v="urn:schemas-microsoft-com:vml" Requires="v">
-                <p:oleObj spid="_x0000_s43075" name="Equation" r:id="rId6" imgW="4787900" imgH="1104900" progId="Equation.3">
+                <p:oleObj spid="_x0000_s43079" name="Equation" r:id="rId6" imgW="4787900" imgH="1104900" progId="Equation.3">
                   <p:embed/>
                 </p:oleObj>
               </mc:Choice>
@@ -15434,7 +16255,7 @@
           <a:graphicData uri="http://schemas.openxmlformats.org/presentationml/2006/ole">
             <mc:AlternateContent xmlns:mc="http://schemas.openxmlformats.org/markup-compatibility/2006">
               <mc:Choice xmlns:v="urn:schemas-microsoft-com:vml" Requires="v">
-                <p:oleObj spid="_x0000_s43076" name="Equation" r:id="rId8" imgW="2133600" imgH="292100" progId="Equation.3">
+                <p:oleObj spid="_x0000_s43080" name="Equation" r:id="rId8" imgW="2133600" imgH="292100" progId="Equation.3">
                   <p:embed/>
                 </p:oleObj>
               </mc:Choice>
@@ -15819,7 +16640,7 @@
           <a:graphicData uri="http://schemas.openxmlformats.org/presentationml/2006/ole">
             <mc:AlternateContent xmlns:mc="http://schemas.openxmlformats.org/markup-compatibility/2006">
               <mc:Choice xmlns:v="urn:schemas-microsoft-com:vml" Requires="v">
-                <p:oleObj spid="_x0000_s44055" name="Equation" r:id="rId4" imgW="3390900" imgH="1549400" progId="Equation.3">
+                <p:oleObj spid="_x0000_s44057" name="Equation" r:id="rId4" imgW="3390900" imgH="1549400" progId="Equation.3">
                   <p:embed/>
                 </p:oleObj>
               </mc:Choice>
@@ -16218,7 +17039,7 @@
           <a:graphicData uri="http://schemas.openxmlformats.org/presentationml/2006/ole">
             <mc:AlternateContent xmlns:mc="http://schemas.openxmlformats.org/markup-compatibility/2006">
               <mc:Choice xmlns:v="urn:schemas-microsoft-com:vml" Requires="v">
-                <p:oleObj spid="_x0000_s39987" name="Equation" r:id="rId4" imgW="2933700" imgH="304800" progId="Equation.3">
+                <p:oleObj spid="_x0000_s39990" name="Equation" r:id="rId4" imgW="2933700" imgH="304800" progId="Equation.3">
                   <p:embed/>
                 </p:oleObj>
               </mc:Choice>
@@ -16275,7 +17096,7 @@
           <a:graphicData uri="http://schemas.openxmlformats.org/presentationml/2006/ole">
             <mc:AlternateContent xmlns:mc="http://schemas.openxmlformats.org/markup-compatibility/2006">
               <mc:Choice xmlns:v="urn:schemas-microsoft-com:vml" Requires="v">
-                <p:oleObj spid="_x0000_s39988" name="Equation" r:id="rId6" imgW="2882900" imgH="393700" progId="Equation.3">
+                <p:oleObj spid="_x0000_s39991" name="Equation" r:id="rId6" imgW="2882900" imgH="393700" progId="Equation.3">
                   <p:embed/>
                 </p:oleObj>
               </mc:Choice>

--- a/STT465_13.pptx
+++ b/STT465_13.pptx
@@ -5,7 +5,7 @@
     <p:sldMasterId id="2147483648" r:id="rId1"/>
   </p:sldMasterIdLst>
   <p:notesMasterIdLst>
-    <p:notesMasterId r:id="rId26"/>
+    <p:notesMasterId r:id="rId17"/>
   </p:notesMasterIdLst>
   <p:sldIdLst>
     <p:sldId id="338" r:id="rId2"/>
@@ -22,16 +22,7 @@
     <p:sldId id="362" r:id="rId13"/>
     <p:sldId id="363" r:id="rId14"/>
     <p:sldId id="364" r:id="rId15"/>
-    <p:sldId id="370" r:id="rId16"/>
-    <p:sldId id="367" r:id="rId17"/>
-    <p:sldId id="368" r:id="rId18"/>
-    <p:sldId id="371" r:id="rId19"/>
-    <p:sldId id="369" r:id="rId20"/>
-    <p:sldId id="372" r:id="rId21"/>
-    <p:sldId id="373" r:id="rId22"/>
-    <p:sldId id="374" r:id="rId23"/>
-    <p:sldId id="375" r:id="rId24"/>
-    <p:sldId id="376" r:id="rId25"/>
+    <p:sldId id="374" r:id="rId16"/>
   </p:sldIdLst>
   <p:sldSz cx="9144000" cy="6858000" type="screen4x3"/>
   <p:notesSz cx="6858000" cy="9144000"/>
@@ -222,7 +213,7 @@
             <a:fld id="{EC2AD4C0-0FC1-44D9-A720-D776D6428221}" type="datetimeFigureOut">
               <a:rPr lang="en-US" smtClean="0"/>
               <a:pPr/>
-              <a:t>11/24/15</a:t>
+              <a:t>11/25/15</a:t>
             </a:fld>
             <a:endParaRPr lang="en-US"/>
           </a:p>
@@ -1031,7 +1022,7 @@
           </a:bodyPr>
           <a:lstStyle/>
           <a:p>
-            <a:endParaRPr lang="en-US"/>
+            <a:endParaRPr lang="en-US" dirty="0"/>
           </a:p>
         </p:txBody>
       </p:sp>
@@ -1054,334 +1045,6 @@
               <a:rPr lang="en-US" smtClean="0"/>
               <a:pPr/>
               <a:t>15</a:t>
-            </a:fld>
-            <a:endParaRPr lang="en-US"/>
-          </a:p>
-        </p:txBody>
-      </p:sp>
-    </p:spTree>
-  </p:cSld>
-  <p:clrMapOvr>
-    <a:masterClrMapping/>
-  </p:clrMapOvr>
-</p:notes>
-</file>
-
-<file path=ppt/notesSlides/notesSlide16.xml><?xml version="1.0" encoding="utf-8"?>
-<p:notes xmlns:a="http://schemas.openxmlformats.org/drawingml/2006/main" xmlns:r="http://schemas.openxmlformats.org/officeDocument/2006/relationships" xmlns:p="http://schemas.openxmlformats.org/presentationml/2006/main">
-  <p:cSld>
-    <p:spTree>
-      <p:nvGrpSpPr>
-        <p:cNvPr id="1" name=""/>
-        <p:cNvGrpSpPr/>
-        <p:nvPr/>
-      </p:nvGrpSpPr>
-      <p:grpSpPr>
-        <a:xfrm>
-          <a:off x="0" y="0"/>
-          <a:ext cx="0" cy="0"/>
-          <a:chOff x="0" y="0"/>
-          <a:chExt cx="0" cy="0"/>
-        </a:xfrm>
-      </p:grpSpPr>
-      <p:sp>
-        <p:nvSpPr>
-          <p:cNvPr id="2" name="Slide Image Placeholder 1"/>
-          <p:cNvSpPr>
-            <a:spLocks noGrp="1" noRot="1" noChangeAspect="1"/>
-          </p:cNvSpPr>
-          <p:nvPr>
-            <p:ph type="sldImg"/>
-          </p:nvPr>
-        </p:nvSpPr>
-        <p:spPr/>
-      </p:sp>
-      <p:sp>
-        <p:nvSpPr>
-          <p:cNvPr id="3" name="Notes Placeholder 2"/>
-          <p:cNvSpPr>
-            <a:spLocks noGrp="1"/>
-          </p:cNvSpPr>
-          <p:nvPr>
-            <p:ph type="body" idx="1"/>
-          </p:nvPr>
-        </p:nvSpPr>
-        <p:spPr/>
-        <p:txBody>
-          <a:bodyPr>
-            <a:normAutofit/>
-          </a:bodyPr>
-          <a:lstStyle/>
-          <a:p>
-            <a:endParaRPr lang="en-US"/>
-          </a:p>
-        </p:txBody>
-      </p:sp>
-      <p:sp>
-        <p:nvSpPr>
-          <p:cNvPr id="4" name="Slide Number Placeholder 3"/>
-          <p:cNvSpPr>
-            <a:spLocks noGrp="1"/>
-          </p:cNvSpPr>
-          <p:nvPr>
-            <p:ph type="sldNum" sz="quarter" idx="10"/>
-          </p:nvPr>
-        </p:nvSpPr>
-        <p:spPr/>
-        <p:txBody>
-          <a:bodyPr/>
-          <a:lstStyle/>
-          <a:p>
-            <a:fld id="{CACBEE2F-8C26-493F-9430-82D1D1B7C623}" type="slidenum">
-              <a:rPr lang="en-US" smtClean="0"/>
-              <a:pPr/>
-              <a:t>19</a:t>
-            </a:fld>
-            <a:endParaRPr lang="en-US"/>
-          </a:p>
-        </p:txBody>
-      </p:sp>
-    </p:spTree>
-  </p:cSld>
-  <p:clrMapOvr>
-    <a:masterClrMapping/>
-  </p:clrMapOvr>
-</p:notes>
-</file>
-
-<file path=ppt/notesSlides/notesSlide17.xml><?xml version="1.0" encoding="utf-8"?>
-<p:notes xmlns:a="http://schemas.openxmlformats.org/drawingml/2006/main" xmlns:r="http://schemas.openxmlformats.org/officeDocument/2006/relationships" xmlns:p="http://schemas.openxmlformats.org/presentationml/2006/main">
-  <p:cSld>
-    <p:spTree>
-      <p:nvGrpSpPr>
-        <p:cNvPr id="1" name=""/>
-        <p:cNvGrpSpPr/>
-        <p:nvPr/>
-      </p:nvGrpSpPr>
-      <p:grpSpPr>
-        <a:xfrm>
-          <a:off x="0" y="0"/>
-          <a:ext cx="0" cy="0"/>
-          <a:chOff x="0" y="0"/>
-          <a:chExt cx="0" cy="0"/>
-        </a:xfrm>
-      </p:grpSpPr>
-      <p:sp>
-        <p:nvSpPr>
-          <p:cNvPr id="2" name="Slide Image Placeholder 1"/>
-          <p:cNvSpPr>
-            <a:spLocks noGrp="1" noRot="1" noChangeAspect="1"/>
-          </p:cNvSpPr>
-          <p:nvPr>
-            <p:ph type="sldImg"/>
-          </p:nvPr>
-        </p:nvSpPr>
-        <p:spPr/>
-      </p:sp>
-      <p:sp>
-        <p:nvSpPr>
-          <p:cNvPr id="3" name="Notes Placeholder 2"/>
-          <p:cNvSpPr>
-            <a:spLocks noGrp="1"/>
-          </p:cNvSpPr>
-          <p:nvPr>
-            <p:ph type="body" idx="1"/>
-          </p:nvPr>
-        </p:nvSpPr>
-        <p:spPr/>
-        <p:txBody>
-          <a:bodyPr>
-            <a:normAutofit/>
-          </a:bodyPr>
-          <a:lstStyle/>
-          <a:p>
-            <a:endParaRPr lang="en-US" dirty="0"/>
-          </a:p>
-        </p:txBody>
-      </p:sp>
-      <p:sp>
-        <p:nvSpPr>
-          <p:cNvPr id="4" name="Slide Number Placeholder 3"/>
-          <p:cNvSpPr>
-            <a:spLocks noGrp="1"/>
-          </p:cNvSpPr>
-          <p:nvPr>
-            <p:ph type="sldNum" sz="quarter" idx="10"/>
-          </p:nvPr>
-        </p:nvSpPr>
-        <p:spPr/>
-        <p:txBody>
-          <a:bodyPr/>
-          <a:lstStyle/>
-          <a:p>
-            <a:fld id="{CACBEE2F-8C26-493F-9430-82D1D1B7C623}" type="slidenum">
-              <a:rPr lang="en-US" smtClean="0"/>
-              <a:pPr/>
-              <a:t>21</a:t>
-            </a:fld>
-            <a:endParaRPr lang="en-US"/>
-          </a:p>
-        </p:txBody>
-      </p:sp>
-    </p:spTree>
-  </p:cSld>
-  <p:clrMapOvr>
-    <a:masterClrMapping/>
-  </p:clrMapOvr>
-</p:notes>
-</file>
-
-<file path=ppt/notesSlides/notesSlide18.xml><?xml version="1.0" encoding="utf-8"?>
-<p:notes xmlns:a="http://schemas.openxmlformats.org/drawingml/2006/main" xmlns:r="http://schemas.openxmlformats.org/officeDocument/2006/relationships" xmlns:p="http://schemas.openxmlformats.org/presentationml/2006/main">
-  <p:cSld>
-    <p:spTree>
-      <p:nvGrpSpPr>
-        <p:cNvPr id="1" name=""/>
-        <p:cNvGrpSpPr/>
-        <p:nvPr/>
-      </p:nvGrpSpPr>
-      <p:grpSpPr>
-        <a:xfrm>
-          <a:off x="0" y="0"/>
-          <a:ext cx="0" cy="0"/>
-          <a:chOff x="0" y="0"/>
-          <a:chExt cx="0" cy="0"/>
-        </a:xfrm>
-      </p:grpSpPr>
-      <p:sp>
-        <p:nvSpPr>
-          <p:cNvPr id="2" name="Slide Image Placeholder 1"/>
-          <p:cNvSpPr>
-            <a:spLocks noGrp="1" noRot="1" noChangeAspect="1"/>
-          </p:cNvSpPr>
-          <p:nvPr>
-            <p:ph type="sldImg"/>
-          </p:nvPr>
-        </p:nvSpPr>
-        <p:spPr/>
-      </p:sp>
-      <p:sp>
-        <p:nvSpPr>
-          <p:cNvPr id="3" name="Notes Placeholder 2"/>
-          <p:cNvSpPr>
-            <a:spLocks noGrp="1"/>
-          </p:cNvSpPr>
-          <p:nvPr>
-            <p:ph type="body" idx="1"/>
-          </p:nvPr>
-        </p:nvSpPr>
-        <p:spPr/>
-        <p:txBody>
-          <a:bodyPr>
-            <a:normAutofit/>
-          </a:bodyPr>
-          <a:lstStyle/>
-          <a:p>
-            <a:endParaRPr lang="en-US" dirty="0"/>
-          </a:p>
-        </p:txBody>
-      </p:sp>
-      <p:sp>
-        <p:nvSpPr>
-          <p:cNvPr id="4" name="Slide Number Placeholder 3"/>
-          <p:cNvSpPr>
-            <a:spLocks noGrp="1"/>
-          </p:cNvSpPr>
-          <p:nvPr>
-            <p:ph type="sldNum" sz="quarter" idx="10"/>
-          </p:nvPr>
-        </p:nvSpPr>
-        <p:spPr/>
-        <p:txBody>
-          <a:bodyPr/>
-          <a:lstStyle/>
-          <a:p>
-            <a:fld id="{CACBEE2F-8C26-493F-9430-82D1D1B7C623}" type="slidenum">
-              <a:rPr lang="en-US" smtClean="0"/>
-              <a:pPr/>
-              <a:t>22</a:t>
-            </a:fld>
-            <a:endParaRPr lang="en-US"/>
-          </a:p>
-        </p:txBody>
-      </p:sp>
-    </p:spTree>
-  </p:cSld>
-  <p:clrMapOvr>
-    <a:masterClrMapping/>
-  </p:clrMapOvr>
-</p:notes>
-</file>
-
-<file path=ppt/notesSlides/notesSlide19.xml><?xml version="1.0" encoding="utf-8"?>
-<p:notes xmlns:a="http://schemas.openxmlformats.org/drawingml/2006/main" xmlns:r="http://schemas.openxmlformats.org/officeDocument/2006/relationships" xmlns:p="http://schemas.openxmlformats.org/presentationml/2006/main">
-  <p:cSld>
-    <p:spTree>
-      <p:nvGrpSpPr>
-        <p:cNvPr id="1" name=""/>
-        <p:cNvGrpSpPr/>
-        <p:nvPr/>
-      </p:nvGrpSpPr>
-      <p:grpSpPr>
-        <a:xfrm>
-          <a:off x="0" y="0"/>
-          <a:ext cx="0" cy="0"/>
-          <a:chOff x="0" y="0"/>
-          <a:chExt cx="0" cy="0"/>
-        </a:xfrm>
-      </p:grpSpPr>
-      <p:sp>
-        <p:nvSpPr>
-          <p:cNvPr id="2" name="Slide Image Placeholder 1"/>
-          <p:cNvSpPr>
-            <a:spLocks noGrp="1" noRot="1" noChangeAspect="1"/>
-          </p:cNvSpPr>
-          <p:nvPr>
-            <p:ph type="sldImg"/>
-          </p:nvPr>
-        </p:nvSpPr>
-        <p:spPr/>
-      </p:sp>
-      <p:sp>
-        <p:nvSpPr>
-          <p:cNvPr id="3" name="Notes Placeholder 2"/>
-          <p:cNvSpPr>
-            <a:spLocks noGrp="1"/>
-          </p:cNvSpPr>
-          <p:nvPr>
-            <p:ph type="body" idx="1"/>
-          </p:nvPr>
-        </p:nvSpPr>
-        <p:spPr/>
-        <p:txBody>
-          <a:bodyPr>
-            <a:normAutofit/>
-          </a:bodyPr>
-          <a:lstStyle/>
-          <a:p>
-            <a:endParaRPr lang="en-US"/>
-          </a:p>
-        </p:txBody>
-      </p:sp>
-      <p:sp>
-        <p:nvSpPr>
-          <p:cNvPr id="4" name="Slide Number Placeholder 3"/>
-          <p:cNvSpPr>
-            <a:spLocks noGrp="1"/>
-          </p:cNvSpPr>
-          <p:nvPr>
-            <p:ph type="sldNum" sz="quarter" idx="10"/>
-          </p:nvPr>
-        </p:nvSpPr>
-        <p:spPr/>
-        <p:txBody>
-          <a:bodyPr/>
-          <a:lstStyle/>
-          <a:p>
-            <a:fld id="{CACBEE2F-8C26-493F-9430-82D1D1B7C623}" type="slidenum">
-              <a:rPr lang="en-US" smtClean="0"/>
-              <a:pPr/>
-              <a:t>23</a:t>
             </a:fld>
             <a:endParaRPr lang="en-US"/>
           </a:p>
@@ -2233,7 +1896,7 @@
             <a:fld id="{F9C811E6-0209-4075-80E7-F5953C8ECEE3}" type="datetime1">
               <a:rPr lang="en-US" smtClean="0"/>
               <a:pPr/>
-              <a:t>11/24/15</a:t>
+              <a:t>11/25/15</a:t>
             </a:fld>
             <a:endParaRPr lang="en-US"/>
           </a:p>
@@ -2404,7 +2067,7 @@
             <a:fld id="{648E6BB1-E6D9-4EE7-828F-046F7223761D}" type="datetime1">
               <a:rPr lang="en-US" smtClean="0"/>
               <a:pPr/>
-              <a:t>11/24/15</a:t>
+              <a:t>11/25/15</a:t>
             </a:fld>
             <a:endParaRPr lang="en-US"/>
           </a:p>
@@ -2585,7 +2248,7 @@
             <a:fld id="{B4B9C580-A780-4D76-B2D1-C34F1DA97DF0}" type="datetime1">
               <a:rPr lang="en-US" smtClean="0"/>
               <a:pPr/>
-              <a:t>11/24/15</a:t>
+              <a:t>11/25/15</a:t>
             </a:fld>
             <a:endParaRPr lang="en-US"/>
           </a:p>
@@ -2756,7 +2419,7 @@
             <a:fld id="{EB19DDAF-3255-4785-974C-BB4FAF02D67E}" type="datetime1">
               <a:rPr lang="en-US" smtClean="0"/>
               <a:pPr/>
-              <a:t>11/24/15</a:t>
+              <a:t>11/25/15</a:t>
             </a:fld>
             <a:endParaRPr lang="en-US"/>
           </a:p>
@@ -3003,7 +2666,7 @@
             <a:fld id="{C344AF86-11D1-4E84-BA60-17130236FDAA}" type="datetime1">
               <a:rPr lang="en-US" smtClean="0"/>
               <a:pPr/>
-              <a:t>11/24/15</a:t>
+              <a:t>11/25/15</a:t>
             </a:fld>
             <a:endParaRPr lang="en-US"/>
           </a:p>
@@ -3292,7 +2955,7 @@
             <a:fld id="{A8DD670F-7E07-4783-A6F8-B28127B5AF4A}" type="datetime1">
               <a:rPr lang="en-US" smtClean="0"/>
               <a:pPr/>
-              <a:t>11/24/15</a:t>
+              <a:t>11/25/15</a:t>
             </a:fld>
             <a:endParaRPr lang="en-US"/>
           </a:p>
@@ -3715,7 +3378,7 @@
             <a:fld id="{92676DD9-688F-48EE-8233-B3B78BDDA63D}" type="datetime1">
               <a:rPr lang="en-US" smtClean="0"/>
               <a:pPr/>
-              <a:t>11/24/15</a:t>
+              <a:t>11/25/15</a:t>
             </a:fld>
             <a:endParaRPr lang="en-US"/>
           </a:p>
@@ -3834,7 +3497,7 @@
             <a:fld id="{F6CC4A83-AE34-48B8-B90E-70388FDBF0F7}" type="datetime1">
               <a:rPr lang="en-US" smtClean="0"/>
               <a:pPr/>
-              <a:t>11/24/15</a:t>
+              <a:t>11/25/15</a:t>
             </a:fld>
             <a:endParaRPr lang="en-US"/>
           </a:p>
@@ -3930,7 +3593,7 @@
             <a:fld id="{510CA3E2-9601-488E-B92B-23013819BD02}" type="datetime1">
               <a:rPr lang="en-US" smtClean="0"/>
               <a:pPr/>
-              <a:t>11/24/15</a:t>
+              <a:t>11/25/15</a:t>
             </a:fld>
             <a:endParaRPr lang="en-US"/>
           </a:p>
@@ -4208,7 +3871,7 @@
             <a:fld id="{331F1CBD-358A-4E18-86FD-C337233E15F0}" type="datetime1">
               <a:rPr lang="en-US" smtClean="0"/>
               <a:pPr/>
-              <a:t>11/24/15</a:t>
+              <a:t>11/25/15</a:t>
             </a:fld>
             <a:endParaRPr lang="en-US"/>
           </a:p>
@@ -4462,7 +4125,7 @@
             <a:fld id="{3CB4F0D5-901F-4458-A8F8-F062616694B4}" type="datetime1">
               <a:rPr lang="en-US" smtClean="0"/>
               <a:pPr/>
-              <a:t>11/24/15</a:t>
+              <a:t>11/25/15</a:t>
             </a:fld>
             <a:endParaRPr lang="en-US"/>
           </a:p>
@@ -4676,7 +4339,7 @@
             <a:fld id="{F77D84EF-BDBF-448B-906E-D51D4CAF22DC}" type="datetime1">
               <a:rPr lang="en-US" smtClean="0"/>
               <a:pPr/>
-              <a:t>11/24/15</a:t>
+              <a:t>11/25/15</a:t>
             </a:fld>
             <a:endParaRPr lang="en-US"/>
           </a:p>
@@ -5162,7 +4825,7 @@
         <p:spPr>
           <a:xfrm>
             <a:off x="685800" y="2057400"/>
-            <a:ext cx="8077200" cy="4154983"/>
+            <a:ext cx="8077200" cy="3416320"/>
           </a:xfrm>
           <a:prstGeom prst="rect">
             <a:avLst/>
@@ -5259,17 +4922,15 @@
                   <a:schemeClr val="tx2"/>
                 </a:solidFill>
               </a:rPr>
-              <a:t> =&gt;   Dealing with missing values:</a:t>
-            </a:r>
-          </a:p>
-          <a:p>
-            <a:r>
-              <a:rPr lang="en-US" sz="2400" dirty="0">
+              <a:t> =&gt;   Dealing with </a:t>
+            </a:r>
+            <a:r>
+              <a:rPr lang="en-US" sz="2400" dirty="0" smtClean="0">
                 <a:solidFill>
                   <a:schemeClr val="tx2"/>
                 </a:solidFill>
               </a:rPr>
-              <a:t> </a:t>
+              <a:t>un-</a:t>
             </a:r>
             <a:r>
               <a:rPr lang="en-US" sz="2400" dirty="0" smtClean="0">
@@ -5277,26 +4938,21 @@
                   <a:schemeClr val="tx2"/>
                 </a:solidFill>
               </a:rPr>
-              <a:t>                    	- Un-informative missing</a:t>
-            </a:r>
-          </a:p>
-          <a:p>
-            <a:r>
-              <a:rPr lang="en-US" sz="2400" dirty="0">
+              <a:t>informative </a:t>
+            </a:r>
+            <a:r>
+              <a:rPr lang="en-US" sz="2400" dirty="0" smtClean="0">
                 <a:solidFill>
                   <a:schemeClr val="tx2"/>
                 </a:solidFill>
               </a:rPr>
-              <a:t>	</a:t>
-            </a:r>
-            <a:r>
-              <a:rPr lang="en-US" sz="2400" dirty="0" smtClean="0">
-                <a:solidFill>
-                  <a:schemeClr val="tx2"/>
-                </a:solidFill>
-              </a:rPr>
-              <a:t>	- Right Censored data</a:t>
-            </a:r>
+              <a:t>missing values </a:t>
+            </a:r>
+            <a:endParaRPr lang="en-US" sz="2400" dirty="0" smtClean="0">
+              <a:solidFill>
+                <a:schemeClr val="tx2"/>
+              </a:solidFill>
+            </a:endParaRPr>
           </a:p>
           <a:p>
             <a:endParaRPr lang="en-US" sz="2400" dirty="0" smtClean="0">
@@ -5758,7 +5414,7 @@
           <a:graphicData uri="http://schemas.openxmlformats.org/presentationml/2006/ole">
             <mc:AlternateContent xmlns:mc="http://schemas.openxmlformats.org/markup-compatibility/2006">
               <mc:Choice xmlns:v="urn:schemas-microsoft-com:vml" Requires="v">
-                <p:oleObj spid="_x0000_s48170" name="Equation" r:id="rId4" imgW="2133600" imgH="292100" progId="Equation.3">
+                <p:oleObj spid="_x0000_s48183" name="Equation" r:id="rId4" imgW="2133600" imgH="292100" progId="Equation.3">
                   <p:embed/>
                 </p:oleObj>
               </mc:Choice>
@@ -5815,7 +5471,7 @@
           <a:graphicData uri="http://schemas.openxmlformats.org/presentationml/2006/ole">
             <mc:AlternateContent xmlns:mc="http://schemas.openxmlformats.org/markup-compatibility/2006">
               <mc:Choice xmlns:v="urn:schemas-microsoft-com:vml" Requires="v">
-                <p:oleObj spid="_x0000_s48171" name="Equation" r:id="rId6" imgW="2781300" imgH="279400" progId="Equation.3">
+                <p:oleObj spid="_x0000_s48184" name="Equation" r:id="rId6" imgW="2781300" imgH="279400" progId="Equation.3">
                   <p:embed/>
                 </p:oleObj>
               </mc:Choice>
@@ -5872,7 +5528,7 @@
           <a:graphicData uri="http://schemas.openxmlformats.org/presentationml/2006/ole">
             <mc:AlternateContent xmlns:mc="http://schemas.openxmlformats.org/markup-compatibility/2006">
               <mc:Choice xmlns:v="urn:schemas-microsoft-com:vml" Requires="v">
-                <p:oleObj spid="_x0000_s48172" name="Equation" r:id="rId8" imgW="698500" imgH="241300" progId="Equation.3">
+                <p:oleObj spid="_x0000_s48185" name="Equation" r:id="rId8" imgW="698500" imgH="241300" progId="Equation.3">
                   <p:embed/>
                 </p:oleObj>
               </mc:Choice>
@@ -7786,7 +7442,7 @@
           <a:graphicData uri="http://schemas.openxmlformats.org/presentationml/2006/ole">
             <mc:AlternateContent xmlns:mc="http://schemas.openxmlformats.org/markup-compatibility/2006">
               <mc:Choice xmlns:v="urn:schemas-microsoft-com:vml" Requires="v">
-                <p:oleObj spid="_x0000_s55323" name="Equation" r:id="rId4" imgW="2514600" imgH="787400" progId="Equation.3">
+                <p:oleObj spid="_x0000_s55340" name="Equation" r:id="rId4" imgW="2514600" imgH="787400" progId="Equation.3">
                   <p:embed/>
                 </p:oleObj>
               </mc:Choice>
@@ -7919,7 +7575,7 @@
           <a:graphicData uri="http://schemas.openxmlformats.org/presentationml/2006/ole">
             <mc:AlternateContent xmlns:mc="http://schemas.openxmlformats.org/markup-compatibility/2006">
               <mc:Choice xmlns:v="urn:schemas-microsoft-com:vml" Requires="v">
-                <p:oleObj spid="_x0000_s55324" name="Equation" r:id="rId6" imgW="939800" imgH="292100" progId="Equation.3">
+                <p:oleObj spid="_x0000_s55341" name="Equation" r:id="rId6" imgW="939800" imgH="292100" progId="Equation.3">
                   <p:embed/>
                 </p:oleObj>
               </mc:Choice>
@@ -8014,7 +7670,7 @@
           <a:graphicData uri="http://schemas.openxmlformats.org/presentationml/2006/ole">
             <mc:AlternateContent xmlns:mc="http://schemas.openxmlformats.org/markup-compatibility/2006">
               <mc:Choice xmlns:v="urn:schemas-microsoft-com:vml" Requires="v">
-                <p:oleObj spid="_x0000_s55325" name="Equation" r:id="rId8" imgW="3759200" imgH="787400" progId="Equation.3">
+                <p:oleObj spid="_x0000_s55342" name="Equation" r:id="rId8" imgW="3759200" imgH="787400" progId="Equation.3">
                   <p:embed/>
                 </p:oleObj>
               </mc:Choice>
@@ -8071,7 +7727,7 @@
           <a:graphicData uri="http://schemas.openxmlformats.org/presentationml/2006/ole">
             <mc:AlternateContent xmlns:mc="http://schemas.openxmlformats.org/markup-compatibility/2006">
               <mc:Choice xmlns:v="urn:schemas-microsoft-com:vml" Requires="v">
-                <p:oleObj spid="_x0000_s55326" name="Equation" r:id="rId10" imgW="3086100" imgH="787400" progId="Equation.3">
+                <p:oleObj spid="_x0000_s55343" name="Equation" r:id="rId10" imgW="3086100" imgH="787400" progId="Equation.3">
                   <p:embed/>
                 </p:oleObj>
               </mc:Choice>
@@ -8231,9 +7887,87 @@
         </p:nvSpPr>
         <p:spPr>
           <a:xfrm>
-            <a:off x="533400" y="2133600"/>
-            <a:ext cx="7772400" cy="1825482"/>
+            <a:off x="838200" y="25400"/>
+            <a:ext cx="7772400" cy="762000"/>
           </a:xfrm>
+        </p:spPr>
+        <p:txBody>
+          <a:bodyPr>
+            <a:normAutofit/>
+          </a:bodyPr>
+          <a:lstStyle/>
+          <a:p>
+            <a:r>
+              <a:rPr lang="en-US" sz="3200" dirty="0" smtClean="0">
+                <a:solidFill>
+                  <a:schemeClr val="accent2">
+                    <a:lumMod val="75000"/>
+                  </a:schemeClr>
+                </a:solidFill>
+              </a:rPr>
+              <a:t>Fully Conditional Distribution</a:t>
+            </a:r>
+            <a:endParaRPr lang="en-US" sz="3200" dirty="0">
+              <a:solidFill>
+                <a:schemeClr val="accent2">
+                  <a:lumMod val="75000"/>
+                </a:schemeClr>
+              </a:solidFill>
+            </a:endParaRPr>
+          </a:p>
+        </p:txBody>
+      </p:sp>
+      <p:sp>
+        <p:nvSpPr>
+          <p:cNvPr id="4" name="Footer Placeholder 3"/>
+          <p:cNvSpPr>
+            <a:spLocks noGrp="1"/>
+          </p:cNvSpPr>
+          <p:nvPr>
+            <p:ph type="ftr" sz="quarter" idx="11"/>
+          </p:nvPr>
+        </p:nvSpPr>
+        <p:spPr>
+          <a:xfrm>
+            <a:off x="3124200" y="6569075"/>
+            <a:ext cx="2895600" cy="365125"/>
+          </a:xfrm>
+        </p:spPr>
+        <p:txBody>
+          <a:bodyPr/>
+          <a:lstStyle/>
+          <a:p>
+            <a:r>
+              <a:rPr lang="en-US" dirty="0" smtClean="0">
+                <a:solidFill>
+                  <a:schemeClr val="accent1"/>
+                </a:solidFill>
+              </a:rPr>
+              <a:t>STT 465, MSU, Fall, 2015</a:t>
+            </a:r>
+            <a:endParaRPr lang="en-US" dirty="0">
+              <a:solidFill>
+                <a:schemeClr val="accent1"/>
+              </a:solidFill>
+            </a:endParaRPr>
+          </a:p>
+        </p:txBody>
+      </p:sp>
+      <p:sp>
+        <p:nvSpPr>
+          <p:cNvPr id="6" name="TextBox 5"/>
+          <p:cNvSpPr txBox="1"/>
+          <p:nvPr/>
+        </p:nvSpPr>
+        <p:spPr>
+          <a:xfrm>
+            <a:off x="0" y="838200"/>
+            <a:ext cx="8991600" cy="5632310"/>
+          </a:xfrm>
+          <a:prstGeom prst="rect">
+            <a:avLst/>
+          </a:prstGeom>
+          <a:noFill/>
           <a:ln>
             <a:solidFill>
               <a:srgbClr val="800000"/>
@@ -8242,59 +7976,531 @@
           </a:ln>
         </p:spPr>
         <p:txBody>
-          <a:bodyPr>
-            <a:normAutofit/>
+          <a:bodyPr wrap="square" rtlCol="0">
+            <a:spAutoFit/>
           </a:bodyPr>
           <a:lstStyle/>
           <a:p>
-            <a:r>
-              <a:rPr lang="en-US" sz="3200" dirty="0" smtClean="0">
-                <a:solidFill>
-                  <a:schemeClr val="accent2">
-                    <a:lumMod val="75000"/>
-                  </a:schemeClr>
-                </a:solidFill>
-              </a:rPr>
-              <a:t>Regression with Censored Data</a:t>
-            </a:r>
-          </a:p>
-        </p:txBody>
-      </p:sp>
-      <p:sp>
-        <p:nvSpPr>
-          <p:cNvPr id="4" name="Footer Placeholder 3"/>
-          <p:cNvSpPr>
-            <a:spLocks noGrp="1"/>
-          </p:cNvSpPr>
-          <p:nvPr>
-            <p:ph type="ftr" sz="quarter" idx="11"/>
-          </p:nvPr>
-        </p:nvSpPr>
-        <p:spPr/>
-        <p:txBody>
-          <a:bodyPr/>
-          <a:lstStyle/>
-          <a:p>
-            <a:r>
-              <a:rPr lang="en-US" dirty="0" smtClean="0">
-                <a:solidFill>
-                  <a:schemeClr val="accent1"/>
-                </a:solidFill>
-              </a:rPr>
-              <a:t>STT 465, MSU, Fall, 2015</a:t>
-            </a:r>
-            <a:endParaRPr lang="en-US" dirty="0">
-              <a:solidFill>
-                <a:schemeClr val="accent1"/>
-              </a:solidFill>
-            </a:endParaRPr>
-          </a:p>
-        </p:txBody>
-      </p:sp>
+            <a:endParaRPr lang="en-US" sz="2400" dirty="0" smtClean="0">
+              <a:solidFill>
+                <a:schemeClr val="accent1">
+                  <a:lumMod val="75000"/>
+                </a:schemeClr>
+              </a:solidFill>
+            </a:endParaRPr>
+          </a:p>
+          <a:p>
+            <a:endParaRPr lang="en-US" sz="2400" dirty="0">
+              <a:solidFill>
+                <a:schemeClr val="accent1">
+                  <a:lumMod val="75000"/>
+                </a:schemeClr>
+              </a:solidFill>
+            </a:endParaRPr>
+          </a:p>
+          <a:p>
+            <a:endParaRPr lang="en-US" sz="2400" dirty="0" smtClean="0">
+              <a:solidFill>
+                <a:schemeClr val="accent1">
+                  <a:lumMod val="75000"/>
+                </a:schemeClr>
+              </a:solidFill>
+            </a:endParaRPr>
+          </a:p>
+          <a:p>
+            <a:endParaRPr lang="en-US" sz="2400" dirty="0">
+              <a:solidFill>
+                <a:schemeClr val="accent1">
+                  <a:lumMod val="75000"/>
+                </a:schemeClr>
+              </a:solidFill>
+            </a:endParaRPr>
+          </a:p>
+          <a:p>
+            <a:endParaRPr lang="en-US" sz="2400" dirty="0" smtClean="0">
+              <a:solidFill>
+                <a:schemeClr val="accent1">
+                  <a:lumMod val="75000"/>
+                </a:schemeClr>
+              </a:solidFill>
+            </a:endParaRPr>
+          </a:p>
+          <a:p>
+            <a:endParaRPr lang="en-US" sz="2400" dirty="0">
+              <a:solidFill>
+                <a:schemeClr val="accent1">
+                  <a:lumMod val="75000"/>
+                </a:schemeClr>
+              </a:solidFill>
+            </a:endParaRPr>
+          </a:p>
+          <a:p>
+            <a:endParaRPr lang="en-US" sz="2400" dirty="0" smtClean="0">
+              <a:solidFill>
+                <a:schemeClr val="accent1">
+                  <a:lumMod val="75000"/>
+                </a:schemeClr>
+              </a:solidFill>
+            </a:endParaRPr>
+          </a:p>
+          <a:p>
+            <a:endParaRPr lang="en-US" sz="2400" dirty="0">
+              <a:solidFill>
+                <a:schemeClr val="accent1">
+                  <a:lumMod val="75000"/>
+                </a:schemeClr>
+              </a:solidFill>
+            </a:endParaRPr>
+          </a:p>
+          <a:p>
+            <a:endParaRPr lang="en-US" sz="2400" dirty="0" smtClean="0">
+              <a:solidFill>
+                <a:schemeClr val="accent1">
+                  <a:lumMod val="75000"/>
+                </a:schemeClr>
+              </a:solidFill>
+            </a:endParaRPr>
+          </a:p>
+          <a:p>
+            <a:endParaRPr lang="en-US" sz="2400" dirty="0">
+              <a:solidFill>
+                <a:schemeClr val="accent1">
+                  <a:lumMod val="75000"/>
+                </a:schemeClr>
+              </a:solidFill>
+            </a:endParaRPr>
+          </a:p>
+          <a:p>
+            <a:endParaRPr lang="en-US" sz="2400" dirty="0" smtClean="0">
+              <a:solidFill>
+                <a:schemeClr val="accent1">
+                  <a:lumMod val="75000"/>
+                </a:schemeClr>
+              </a:solidFill>
+            </a:endParaRPr>
+          </a:p>
+          <a:p>
+            <a:endParaRPr lang="en-US" sz="2400" dirty="0">
+              <a:solidFill>
+                <a:schemeClr val="accent1">
+                  <a:lumMod val="75000"/>
+                </a:schemeClr>
+              </a:solidFill>
+            </a:endParaRPr>
+          </a:p>
+          <a:p>
+            <a:endParaRPr lang="en-US" sz="2400" dirty="0" smtClean="0">
+              <a:solidFill>
+                <a:schemeClr val="accent1">
+                  <a:lumMod val="75000"/>
+                </a:schemeClr>
+              </a:solidFill>
+            </a:endParaRPr>
+          </a:p>
+          <a:p>
+            <a:endParaRPr lang="en-US" sz="2400" dirty="0">
+              <a:solidFill>
+                <a:schemeClr val="accent1">
+                  <a:lumMod val="75000"/>
+                </a:schemeClr>
+              </a:solidFill>
+            </a:endParaRPr>
+          </a:p>
+          <a:p>
+            <a:endParaRPr lang="en-US" sz="2400" dirty="0">
+              <a:solidFill>
+                <a:schemeClr val="accent1">
+                  <a:lumMod val="75000"/>
+                </a:schemeClr>
+              </a:solidFill>
+            </a:endParaRPr>
+          </a:p>
+        </p:txBody>
+      </p:sp>
+      <p:graphicFrame>
+        <p:nvGraphicFramePr>
+          <p:cNvPr id="5" name="Object 4"/>
+          <p:cNvGraphicFramePr>
+            <a:graphicFrameLocks noChangeAspect="1"/>
+          </p:cNvGraphicFramePr>
+          <p:nvPr>
+            <p:extLst>
+              <p:ext uri="{D42A27DB-BD31-4B8C-83A1-F6EECF244321}">
+                <p14:modId xmlns:p14="http://schemas.microsoft.com/office/powerpoint/2010/main" val="102435715"/>
+              </p:ext>
+            </p:extLst>
+          </p:nvPr>
+        </p:nvGraphicFramePr>
+        <p:xfrm>
+          <a:off x="1752600" y="1066800"/>
+          <a:ext cx="6134100" cy="1139825"/>
+        </p:xfrm>
+        <a:graphic>
+          <a:graphicData uri="http://schemas.openxmlformats.org/presentationml/2006/ole">
+            <mc:AlternateContent xmlns:mc="http://schemas.openxmlformats.org/markup-compatibility/2006">
+              <mc:Choice xmlns:v="urn:schemas-microsoft-com:vml" Requires="v">
+                <p:oleObj spid="_x0000_s57371" name="Equation" r:id="rId4" imgW="3695700" imgH="685800" progId="Equation.3">
+                  <p:embed/>
+                </p:oleObj>
+              </mc:Choice>
+              <mc:Fallback>
+                <p:oleObj name="Equation" r:id="rId4" imgW="3695700" imgH="685800" progId="Equation.3">
+                  <p:embed/>
+                  <p:pic>
+                    <p:nvPicPr>
+                      <p:cNvPr id="0" name=""/>
+                      <p:cNvPicPr/>
+                      <p:nvPr/>
+                    </p:nvPicPr>
+                    <p:blipFill>
+                      <a:blip r:embed="rId5"/>
+                      <a:stretch>
+                        <a:fillRect/>
+                      </a:stretch>
+                    </p:blipFill>
+                    <p:spPr>
+                      <a:xfrm>
+                        <a:off x="1752600" y="1066800"/>
+                        <a:ext cx="6134100" cy="1139825"/>
+                      </a:xfrm>
+                      <a:prstGeom prst="rect">
+                        <a:avLst/>
+                      </a:prstGeom>
+                    </p:spPr>
+                  </p:pic>
+                </p:oleObj>
+              </mc:Fallback>
+            </mc:AlternateContent>
+          </a:graphicData>
+        </a:graphic>
+      </p:graphicFrame>
+      <p:sp>
+        <p:nvSpPr>
+          <p:cNvPr id="17" name="TextBox 16"/>
+          <p:cNvSpPr txBox="1"/>
+          <p:nvPr/>
+        </p:nvSpPr>
+        <p:spPr>
+          <a:xfrm>
+            <a:off x="228600" y="990600"/>
+            <a:ext cx="3276600" cy="461665"/>
+          </a:xfrm>
+          <a:prstGeom prst="rect">
+            <a:avLst/>
+          </a:prstGeom>
+          <a:noFill/>
+        </p:spPr>
+        <p:txBody>
+          <a:bodyPr wrap="square" rtlCol="0">
+            <a:spAutoFit/>
+          </a:bodyPr>
+          <a:lstStyle/>
+          <a:p>
+            <a:r>
+              <a:rPr lang="en-US" sz="2400" dirty="0" smtClean="0">
+                <a:solidFill>
+                  <a:schemeClr val="tx2"/>
+                </a:solidFill>
+              </a:rPr>
+              <a:t>Likelihood Function</a:t>
+            </a:r>
+            <a:endParaRPr lang="en-US" sz="2400" dirty="0">
+              <a:solidFill>
+                <a:schemeClr val="tx2"/>
+              </a:solidFill>
+            </a:endParaRPr>
+          </a:p>
+        </p:txBody>
+      </p:sp>
+      <p:sp>
+        <p:nvSpPr>
+          <p:cNvPr id="11" name="TextBox 10"/>
+          <p:cNvSpPr txBox="1"/>
+          <p:nvPr/>
+        </p:nvSpPr>
+        <p:spPr>
+          <a:xfrm>
+            <a:off x="304800" y="2362200"/>
+            <a:ext cx="3276600" cy="461665"/>
+          </a:xfrm>
+          <a:prstGeom prst="rect">
+            <a:avLst/>
+          </a:prstGeom>
+          <a:noFill/>
+        </p:spPr>
+        <p:txBody>
+          <a:bodyPr wrap="square" rtlCol="0">
+            <a:spAutoFit/>
+          </a:bodyPr>
+          <a:lstStyle/>
+          <a:p>
+            <a:r>
+              <a:rPr lang="en-US" sz="2400" dirty="0" smtClean="0">
+                <a:solidFill>
+                  <a:schemeClr val="tx2"/>
+                </a:solidFill>
+              </a:rPr>
+              <a:t>Prior</a:t>
+            </a:r>
+            <a:endParaRPr lang="en-US" sz="2400" dirty="0">
+              <a:solidFill>
+                <a:schemeClr val="tx2"/>
+              </a:solidFill>
+            </a:endParaRPr>
+          </a:p>
+        </p:txBody>
+      </p:sp>
+      <p:graphicFrame>
+        <p:nvGraphicFramePr>
+          <p:cNvPr id="13" name="Object 12"/>
+          <p:cNvGraphicFramePr>
+            <a:graphicFrameLocks noChangeAspect="1"/>
+          </p:cNvGraphicFramePr>
+          <p:nvPr>
+            <p:extLst>
+              <p:ext uri="{D42A27DB-BD31-4B8C-83A1-F6EECF244321}">
+                <p14:modId xmlns:p14="http://schemas.microsoft.com/office/powerpoint/2010/main" val="105409454"/>
+              </p:ext>
+            </p:extLst>
+          </p:nvPr>
+        </p:nvGraphicFramePr>
+        <p:xfrm>
+          <a:off x="1828800" y="2362200"/>
+          <a:ext cx="1558925" cy="485775"/>
+        </p:xfrm>
+        <a:graphic>
+          <a:graphicData uri="http://schemas.openxmlformats.org/presentationml/2006/ole">
+            <mc:AlternateContent xmlns:mc="http://schemas.openxmlformats.org/markup-compatibility/2006">
+              <mc:Choice xmlns:v="urn:schemas-microsoft-com:vml" Requires="v">
+                <p:oleObj spid="_x0000_s57372" name="Equation" r:id="rId6" imgW="939800" imgH="292100" progId="Equation.3">
+                  <p:embed/>
+                </p:oleObj>
+              </mc:Choice>
+              <mc:Fallback>
+                <p:oleObj name="Equation" r:id="rId6" imgW="939800" imgH="292100" progId="Equation.3">
+                  <p:embed/>
+                  <p:pic>
+                    <p:nvPicPr>
+                      <p:cNvPr id="0" name=""/>
+                      <p:cNvPicPr/>
+                      <p:nvPr/>
+                    </p:nvPicPr>
+                    <p:blipFill>
+                      <a:blip r:embed="rId7"/>
+                      <a:stretch>
+                        <a:fillRect/>
+                      </a:stretch>
+                    </p:blipFill>
+                    <p:spPr>
+                      <a:xfrm>
+                        <a:off x="1828800" y="2362200"/>
+                        <a:ext cx="1558925" cy="485775"/>
+                      </a:xfrm>
+                      <a:prstGeom prst="rect">
+                        <a:avLst/>
+                      </a:prstGeom>
+                    </p:spPr>
+                  </p:pic>
+                </p:oleObj>
+              </mc:Fallback>
+            </mc:AlternateContent>
+          </a:graphicData>
+        </a:graphic>
+      </p:graphicFrame>
+      <p:sp>
+        <p:nvSpPr>
+          <p:cNvPr id="18" name="TextBox 17"/>
+          <p:cNvSpPr txBox="1"/>
+          <p:nvPr/>
+        </p:nvSpPr>
+        <p:spPr>
+          <a:xfrm>
+            <a:off x="381000" y="3200400"/>
+            <a:ext cx="3276600" cy="461665"/>
+          </a:xfrm>
+          <a:prstGeom prst="rect">
+            <a:avLst/>
+          </a:prstGeom>
+          <a:noFill/>
+        </p:spPr>
+        <p:txBody>
+          <a:bodyPr wrap="square" rtlCol="0">
+            <a:spAutoFit/>
+          </a:bodyPr>
+          <a:lstStyle/>
+          <a:p>
+            <a:r>
+              <a:rPr lang="en-US" sz="2400" dirty="0" smtClean="0">
+                <a:solidFill>
+                  <a:schemeClr val="tx2"/>
+                </a:solidFill>
+              </a:rPr>
+              <a:t>Joint Posterior:</a:t>
+            </a:r>
+            <a:endParaRPr lang="en-US" sz="2400" dirty="0">
+              <a:solidFill>
+                <a:schemeClr val="tx2"/>
+              </a:solidFill>
+            </a:endParaRPr>
+          </a:p>
+        </p:txBody>
+      </p:sp>
+      <p:graphicFrame>
+        <p:nvGraphicFramePr>
+          <p:cNvPr id="19" name="Object 18"/>
+          <p:cNvGraphicFramePr>
+            <a:graphicFrameLocks noChangeAspect="1"/>
+          </p:cNvGraphicFramePr>
+          <p:nvPr>
+            <p:extLst>
+              <p:ext uri="{D42A27DB-BD31-4B8C-83A1-F6EECF244321}">
+                <p14:modId xmlns:p14="http://schemas.microsoft.com/office/powerpoint/2010/main" val="3315229544"/>
+              </p:ext>
+            </p:extLst>
+          </p:nvPr>
+        </p:nvGraphicFramePr>
+        <p:xfrm>
+          <a:off x="457200" y="3352800"/>
+          <a:ext cx="8383588" cy="1139825"/>
+        </p:xfrm>
+        <a:graphic>
+          <a:graphicData uri="http://schemas.openxmlformats.org/presentationml/2006/ole">
+            <mc:AlternateContent xmlns:mc="http://schemas.openxmlformats.org/markup-compatibility/2006">
+              <mc:Choice xmlns:v="urn:schemas-microsoft-com:vml" Requires="v">
+                <p:oleObj spid="_x0000_s57373" name="Equation" r:id="rId8" imgW="5054600" imgH="685800" progId="Equation.3">
+                  <p:embed/>
+                </p:oleObj>
+              </mc:Choice>
+              <mc:Fallback>
+                <p:oleObj name="Equation" r:id="rId8" imgW="5054600" imgH="685800" progId="Equation.3">
+                  <p:embed/>
+                  <p:pic>
+                    <p:nvPicPr>
+                      <p:cNvPr id="0" name=""/>
+                      <p:cNvPicPr/>
+                      <p:nvPr/>
+                    </p:nvPicPr>
+                    <p:blipFill>
+                      <a:blip r:embed="rId9"/>
+                      <a:stretch>
+                        <a:fillRect/>
+                      </a:stretch>
+                    </p:blipFill>
+                    <p:spPr>
+                      <a:xfrm>
+                        <a:off x="457200" y="3352800"/>
+                        <a:ext cx="8383588" cy="1139825"/>
+                      </a:xfrm>
+                      <a:prstGeom prst="rect">
+                        <a:avLst/>
+                      </a:prstGeom>
+                    </p:spPr>
+                  </p:pic>
+                </p:oleObj>
+              </mc:Fallback>
+            </mc:AlternateContent>
+          </a:graphicData>
+        </a:graphic>
+      </p:graphicFrame>
+      <p:sp>
+        <p:nvSpPr>
+          <p:cNvPr id="20" name="TextBox 19"/>
+          <p:cNvSpPr txBox="1"/>
+          <p:nvPr/>
+        </p:nvSpPr>
+        <p:spPr>
+          <a:xfrm>
+            <a:off x="381000" y="4648200"/>
+            <a:ext cx="6858000" cy="461665"/>
+          </a:xfrm>
+          <a:prstGeom prst="rect">
+            <a:avLst/>
+          </a:prstGeom>
+          <a:noFill/>
+        </p:spPr>
+        <p:txBody>
+          <a:bodyPr wrap="square" rtlCol="0">
+            <a:spAutoFit/>
+          </a:bodyPr>
+          <a:lstStyle/>
+          <a:p>
+            <a:r>
+              <a:rPr lang="en-US" sz="2400" dirty="0" smtClean="0">
+                <a:solidFill>
+                  <a:schemeClr val="tx2"/>
+                </a:solidFill>
+              </a:rPr>
+              <a:t>Fully Conditional (truncated normal):</a:t>
+            </a:r>
+            <a:endParaRPr lang="en-US" sz="2400" dirty="0">
+              <a:solidFill>
+                <a:schemeClr val="tx2"/>
+              </a:solidFill>
+            </a:endParaRPr>
+          </a:p>
+        </p:txBody>
+      </p:sp>
+      <p:graphicFrame>
+        <p:nvGraphicFramePr>
+          <p:cNvPr id="21" name="Object 20"/>
+          <p:cNvGraphicFramePr>
+            <a:graphicFrameLocks noChangeAspect="1"/>
+          </p:cNvGraphicFramePr>
+          <p:nvPr>
+            <p:extLst>
+              <p:ext uri="{D42A27DB-BD31-4B8C-83A1-F6EECF244321}">
+                <p14:modId xmlns:p14="http://schemas.microsoft.com/office/powerpoint/2010/main" val="3322417828"/>
+              </p:ext>
+            </p:extLst>
+          </p:nvPr>
+        </p:nvGraphicFramePr>
+        <p:xfrm>
+          <a:off x="2209800" y="5181600"/>
+          <a:ext cx="3244850" cy="1139825"/>
+        </p:xfrm>
+        <a:graphic>
+          <a:graphicData uri="http://schemas.openxmlformats.org/presentationml/2006/ole">
+            <mc:AlternateContent xmlns:mc="http://schemas.openxmlformats.org/markup-compatibility/2006">
+              <mc:Choice xmlns:v="urn:schemas-microsoft-com:vml" Requires="v">
+                <p:oleObj spid="_x0000_s57374" name="Equation" r:id="rId10" imgW="1955800" imgH="685800" progId="Equation.3">
+                  <p:embed/>
+                </p:oleObj>
+              </mc:Choice>
+              <mc:Fallback>
+                <p:oleObj name="Equation" r:id="rId10" imgW="1955800" imgH="685800" progId="Equation.3">
+                  <p:embed/>
+                  <p:pic>
+                    <p:nvPicPr>
+                      <p:cNvPr id="0" name=""/>
+                      <p:cNvPicPr/>
+                      <p:nvPr/>
+                    </p:nvPicPr>
+                    <p:blipFill>
+                      <a:blip r:embed="rId11"/>
+                      <a:stretch>
+                        <a:fillRect/>
+                      </a:stretch>
+                    </p:blipFill>
+                    <p:spPr>
+                      <a:xfrm>
+                        <a:off x="2209800" y="5181600"/>
+                        <a:ext cx="3244850" cy="1139825"/>
+                      </a:xfrm>
+                      <a:prstGeom prst="rect">
+                        <a:avLst/>
+                      </a:prstGeom>
+                    </p:spPr>
+                  </p:pic>
+                </p:oleObj>
+              </mc:Fallback>
+            </mc:AlternateContent>
+          </a:graphicData>
+        </a:graphic>
+      </p:graphicFrame>
     </p:spTree>
     <p:extLst>
       <p:ext uri="{BB962C8B-B14F-4D97-AF65-F5344CB8AC3E}">
-        <p14:creationId xmlns:p14="http://schemas.microsoft.com/office/powerpoint/2010/main" val="3092593804"/>
+        <p14:creationId xmlns:p14="http://schemas.microsoft.com/office/powerpoint/2010/main" val="966125101"/>
       </p:ext>
     </p:extLst>
   </p:cSld>
@@ -8307,2574 +8513,6 @@
         <p:cTn xmlns:p14="http://schemas.microsoft.com/office/powerpoint/2010/main" id="1" dur="indefinite" restart="never" nodeType="tmRoot"/>
       </p:par>
     </p:tnLst>
-  </p:timing>
-</p:sld>
-</file>
-
-<file path=ppt/slides/slide16.xml><?xml version="1.0" encoding="utf-8"?>
-<p:sld xmlns:a="http://schemas.openxmlformats.org/drawingml/2006/main" xmlns:r="http://schemas.openxmlformats.org/officeDocument/2006/relationships" xmlns:p="http://schemas.openxmlformats.org/presentationml/2006/main">
-  <p:cSld>
-    <p:spTree>
-      <p:nvGrpSpPr>
-        <p:cNvPr id="1" name=""/>
-        <p:cNvGrpSpPr/>
-        <p:nvPr/>
-      </p:nvGrpSpPr>
-      <p:grpSpPr>
-        <a:xfrm>
-          <a:off x="0" y="0"/>
-          <a:ext cx="0" cy="0"/>
-          <a:chOff x="0" y="0"/>
-          <a:chExt cx="0" cy="0"/>
-        </a:xfrm>
-      </p:grpSpPr>
-      <p:sp>
-        <p:nvSpPr>
-          <p:cNvPr id="5" name="TextBox 4"/>
-          <p:cNvSpPr txBox="1"/>
-          <p:nvPr/>
-        </p:nvSpPr>
-        <p:spPr>
-          <a:xfrm>
-            <a:off x="1828800" y="2057400"/>
-            <a:ext cx="1295400" cy="914400"/>
-          </a:xfrm>
-          <a:prstGeom prst="rect">
-            <a:avLst/>
-          </a:prstGeom>
-          <a:solidFill>
-            <a:schemeClr val="tx2">
-              <a:lumMod val="20000"/>
-              <a:lumOff val="80000"/>
-            </a:schemeClr>
-          </a:solidFill>
-          <a:ln>
-            <a:solidFill>
-              <a:schemeClr val="bg1"/>
-            </a:solidFill>
-          </a:ln>
-        </p:spPr>
-        <p:txBody>
-          <a:bodyPr wrap="square" rtlCol="0">
-            <a:spAutoFit/>
-          </a:bodyPr>
-          <a:lstStyle/>
-          <a:p>
-            <a:pPr algn="ctr"/>
-            <a:r>
-              <a:rPr lang="en-US" dirty="0" smtClean="0"/>
-              <a:t>Status</a:t>
-            </a:r>
-          </a:p>
-          <a:p>
-            <a:pPr algn="ctr"/>
-            <a:r>
-              <a:rPr lang="en-US" dirty="0" smtClean="0"/>
-              <a:t>0</a:t>
-            </a:r>
-          </a:p>
-          <a:p>
-            <a:pPr algn="ctr"/>
-            <a:r>
-              <a:rPr lang="en-US" dirty="0" smtClean="0"/>
-              <a:t>(alive)</a:t>
-            </a:r>
-            <a:endParaRPr lang="en-US" dirty="0"/>
-          </a:p>
-        </p:txBody>
-      </p:sp>
-      <p:sp>
-        <p:nvSpPr>
-          <p:cNvPr id="6" name="TextBox 5"/>
-          <p:cNvSpPr txBox="1"/>
-          <p:nvPr/>
-        </p:nvSpPr>
-        <p:spPr>
-          <a:xfrm>
-            <a:off x="4038600" y="2057400"/>
-            <a:ext cx="1295400" cy="914400"/>
-          </a:xfrm>
-          <a:prstGeom prst="rect">
-            <a:avLst/>
-          </a:prstGeom>
-          <a:solidFill>
-            <a:schemeClr val="tx2">
-              <a:lumMod val="20000"/>
-              <a:lumOff val="80000"/>
-            </a:schemeClr>
-          </a:solidFill>
-          <a:ln>
-            <a:solidFill>
-              <a:schemeClr val="bg1"/>
-            </a:solidFill>
-          </a:ln>
-        </p:spPr>
-        <p:txBody>
-          <a:bodyPr wrap="square" rtlCol="0">
-            <a:spAutoFit/>
-          </a:bodyPr>
-          <a:lstStyle/>
-          <a:p>
-            <a:pPr algn="ctr"/>
-            <a:r>
-              <a:rPr lang="en-US" dirty="0" smtClean="0"/>
-              <a:t>Status</a:t>
-            </a:r>
-          </a:p>
-          <a:p>
-            <a:pPr algn="ctr"/>
-            <a:r>
-              <a:rPr lang="en-US" dirty="0" smtClean="0"/>
-              <a:t>1</a:t>
-            </a:r>
-          </a:p>
-          <a:p>
-            <a:pPr algn="ctr"/>
-            <a:r>
-              <a:rPr lang="en-US" dirty="0" smtClean="0"/>
-              <a:t>(death)</a:t>
-            </a:r>
-            <a:endParaRPr lang="en-US" dirty="0"/>
-          </a:p>
-        </p:txBody>
-      </p:sp>
-      <p:cxnSp>
-        <p:nvCxnSpPr>
-          <p:cNvPr id="8" name="Straight Arrow Connector 7"/>
-          <p:cNvCxnSpPr/>
-          <p:nvPr/>
-        </p:nvCxnSpPr>
-        <p:spPr>
-          <a:xfrm>
-            <a:off x="3200400" y="2514600"/>
-            <a:ext cx="685800" cy="0"/>
-          </a:xfrm>
-          <a:prstGeom prst="straightConnector1">
-            <a:avLst/>
-          </a:prstGeom>
-          <a:ln>
-            <a:solidFill>
-              <a:schemeClr val="tx1"/>
-            </a:solidFill>
-            <a:tailEnd type="arrow"/>
-          </a:ln>
-        </p:spPr>
-        <p:style>
-          <a:lnRef idx="1">
-            <a:schemeClr val="accent1"/>
-          </a:lnRef>
-          <a:fillRef idx="0">
-            <a:schemeClr val="accent1"/>
-          </a:fillRef>
-          <a:effectRef idx="0">
-            <a:schemeClr val="accent1"/>
-          </a:effectRef>
-          <a:fontRef idx="minor">
-            <a:schemeClr val="tx1"/>
-          </a:fontRef>
-        </p:style>
-      </p:cxnSp>
-      <p:sp>
-        <p:nvSpPr>
-          <p:cNvPr id="9" name="TextBox 8"/>
-          <p:cNvSpPr txBox="1"/>
-          <p:nvPr/>
-        </p:nvSpPr>
-        <p:spPr>
-          <a:xfrm>
-            <a:off x="1828800" y="3505200"/>
-            <a:ext cx="1295400" cy="914400"/>
-          </a:xfrm>
-          <a:prstGeom prst="rect">
-            <a:avLst/>
-          </a:prstGeom>
-          <a:solidFill>
-            <a:schemeClr val="tx2">
-              <a:lumMod val="20000"/>
-              <a:lumOff val="80000"/>
-            </a:schemeClr>
-          </a:solidFill>
-          <a:ln>
-            <a:solidFill>
-              <a:schemeClr val="bg1"/>
-            </a:solidFill>
-          </a:ln>
-        </p:spPr>
-        <p:txBody>
-          <a:bodyPr wrap="square" rtlCol="0">
-            <a:spAutoFit/>
-          </a:bodyPr>
-          <a:lstStyle/>
-          <a:p>
-            <a:pPr algn="ctr"/>
-            <a:r>
-              <a:rPr lang="en-US" dirty="0" smtClean="0"/>
-              <a:t>Status</a:t>
-            </a:r>
-          </a:p>
-          <a:p>
-            <a:pPr algn="ctr"/>
-            <a:r>
-              <a:rPr lang="en-US" dirty="0" smtClean="0"/>
-              <a:t>0</a:t>
-            </a:r>
-          </a:p>
-          <a:p>
-            <a:pPr algn="ctr"/>
-            <a:r>
-              <a:rPr lang="en-US" dirty="0" smtClean="0"/>
-              <a:t>(alive)</a:t>
-            </a:r>
-            <a:endParaRPr lang="en-US" dirty="0"/>
-          </a:p>
-        </p:txBody>
-      </p:sp>
-      <p:sp>
-        <p:nvSpPr>
-          <p:cNvPr id="10" name="TextBox 9"/>
-          <p:cNvSpPr txBox="1"/>
-          <p:nvPr/>
-        </p:nvSpPr>
-        <p:spPr>
-          <a:xfrm>
-            <a:off x="7239000" y="3505200"/>
-            <a:ext cx="1295400" cy="914400"/>
-          </a:xfrm>
-          <a:prstGeom prst="rect">
-            <a:avLst/>
-          </a:prstGeom>
-          <a:solidFill>
-            <a:schemeClr val="tx2">
-              <a:lumMod val="20000"/>
-              <a:lumOff val="80000"/>
-            </a:schemeClr>
-          </a:solidFill>
-          <a:ln>
-            <a:solidFill>
-              <a:schemeClr val="bg1"/>
-            </a:solidFill>
-          </a:ln>
-        </p:spPr>
-        <p:txBody>
-          <a:bodyPr wrap="square" rtlCol="0">
-            <a:spAutoFit/>
-          </a:bodyPr>
-          <a:lstStyle/>
-          <a:p>
-            <a:pPr algn="ctr"/>
-            <a:r>
-              <a:rPr lang="en-US" dirty="0" smtClean="0"/>
-              <a:t>Status</a:t>
-            </a:r>
-          </a:p>
-          <a:p>
-            <a:pPr algn="ctr"/>
-            <a:r>
-              <a:rPr lang="en-US" dirty="0" smtClean="0"/>
-              <a:t>1</a:t>
-            </a:r>
-          </a:p>
-          <a:p>
-            <a:pPr algn="ctr"/>
-            <a:r>
-              <a:rPr lang="en-US" dirty="0" smtClean="0"/>
-              <a:t>(death)</a:t>
-            </a:r>
-            <a:endParaRPr lang="en-US" dirty="0"/>
-          </a:p>
-        </p:txBody>
-      </p:sp>
-      <p:cxnSp>
-        <p:nvCxnSpPr>
-          <p:cNvPr id="11" name="Straight Arrow Connector 10"/>
-          <p:cNvCxnSpPr>
-            <a:endCxn id="10" idx="1"/>
-          </p:cNvCxnSpPr>
-          <p:nvPr/>
-        </p:nvCxnSpPr>
-        <p:spPr>
-          <a:xfrm>
-            <a:off x="3048000" y="3962400"/>
-            <a:ext cx="4191000" cy="0"/>
-          </a:xfrm>
-          <a:prstGeom prst="straightConnector1">
-            <a:avLst/>
-          </a:prstGeom>
-          <a:ln>
-            <a:solidFill>
-              <a:schemeClr val="tx1"/>
-            </a:solidFill>
-            <a:tailEnd type="arrow"/>
-          </a:ln>
-        </p:spPr>
-        <p:style>
-          <a:lnRef idx="1">
-            <a:schemeClr val="accent1"/>
-          </a:lnRef>
-          <a:fillRef idx="0">
-            <a:schemeClr val="accent1"/>
-          </a:fillRef>
-          <a:effectRef idx="0">
-            <a:schemeClr val="accent1"/>
-          </a:effectRef>
-          <a:fontRef idx="minor">
-            <a:schemeClr val="tx1"/>
-          </a:fontRef>
-        </p:style>
-      </p:cxnSp>
-      <p:sp>
-        <p:nvSpPr>
-          <p:cNvPr id="14" name="TextBox 13"/>
-          <p:cNvSpPr txBox="1"/>
-          <p:nvPr/>
-        </p:nvSpPr>
-        <p:spPr>
-          <a:xfrm>
-            <a:off x="914400" y="0"/>
-            <a:ext cx="7467600" cy="646331"/>
-          </a:xfrm>
-          <a:prstGeom prst="rect">
-            <a:avLst/>
-          </a:prstGeom>
-          <a:noFill/>
-          <a:ln>
-            <a:solidFill>
-              <a:srgbClr val="800000"/>
-            </a:solidFill>
-            <a:prstDash val="sysDash"/>
-          </a:ln>
-        </p:spPr>
-        <p:txBody>
-          <a:bodyPr wrap="square" rtlCol="0">
-            <a:spAutoFit/>
-          </a:bodyPr>
-          <a:lstStyle/>
-          <a:p>
-            <a:endParaRPr lang="en-US" sz="800" dirty="0" smtClean="0">
-              <a:solidFill>
-                <a:srgbClr val="800000"/>
-              </a:solidFill>
-            </a:endParaRPr>
-          </a:p>
-          <a:p>
-            <a:pPr algn="ctr"/>
-            <a:r>
-              <a:rPr lang="en-US" sz="2800" dirty="0" smtClean="0">
-                <a:solidFill>
-                  <a:srgbClr val="800000"/>
-                </a:solidFill>
-              </a:rPr>
-              <a:t>Time to Event Data</a:t>
-            </a:r>
-            <a:endParaRPr lang="en-US" dirty="0" smtClean="0">
-              <a:solidFill>
-                <a:schemeClr val="accent1">
-                  <a:lumMod val="75000"/>
-                </a:schemeClr>
-              </a:solidFill>
-            </a:endParaRPr>
-          </a:p>
-        </p:txBody>
-      </p:sp>
-      <p:sp>
-        <p:nvSpPr>
-          <p:cNvPr id="12" name="Footer Placeholder 3"/>
-          <p:cNvSpPr>
-            <a:spLocks noGrp="1"/>
-          </p:cNvSpPr>
-          <p:nvPr>
-            <p:ph type="ftr" sz="quarter" idx="11"/>
-          </p:nvPr>
-        </p:nvSpPr>
-        <p:spPr>
-          <a:xfrm>
-            <a:off x="3124200" y="6356350"/>
-            <a:ext cx="2895600" cy="365125"/>
-          </a:xfrm>
-        </p:spPr>
-        <p:txBody>
-          <a:bodyPr/>
-          <a:lstStyle/>
-          <a:p>
-            <a:r>
-              <a:rPr lang="en-US" dirty="0" smtClean="0">
-                <a:solidFill>
-                  <a:schemeClr val="accent1"/>
-                </a:solidFill>
-              </a:rPr>
-              <a:t>STT 465, MSU, Fall, 2015</a:t>
-            </a:r>
-            <a:endParaRPr lang="en-US" dirty="0">
-              <a:solidFill>
-                <a:schemeClr val="accent1"/>
-              </a:solidFill>
-            </a:endParaRPr>
-          </a:p>
-        </p:txBody>
-      </p:sp>
-    </p:spTree>
-    <p:extLst>
-      <p:ext uri="{BB962C8B-B14F-4D97-AF65-F5344CB8AC3E}">
-        <p14:creationId xmlns:p14="http://schemas.microsoft.com/office/powerpoint/2010/main" val="3780603645"/>
-      </p:ext>
-    </p:extLst>
-  </p:cSld>
-  <p:clrMapOvr>
-    <a:masterClrMapping/>
-  </p:clrMapOvr>
-  <p:timing>
-    <p:tnLst>
-      <p:par>
-        <p:cTn xmlns:p14="http://schemas.microsoft.com/office/powerpoint/2010/main" id="1" dur="indefinite" restart="never" nodeType="tmRoot">
-          <p:childTnLst>
-            <p:seq concurrent="1" nextAc="seek">
-              <p:cTn id="2" dur="indefinite" nodeType="mainSeq">
-                <p:childTnLst>
-                  <p:par>
-                    <p:cTn id="3" fill="hold">
-                      <p:stCondLst>
-                        <p:cond delay="indefinite"/>
-                      </p:stCondLst>
-                      <p:childTnLst>
-                        <p:par>
-                          <p:cTn id="4" fill="hold">
-                            <p:stCondLst>
-                              <p:cond delay="0"/>
-                            </p:stCondLst>
-                            <p:childTnLst>
-                              <p:par>
-                                <p:cTn id="5" presetID="1" presetClass="entr" presetSubtype="0" fill="hold" grpId="0" nodeType="clickEffect">
-                                  <p:stCondLst>
-                                    <p:cond delay="0"/>
-                                  </p:stCondLst>
-                                  <p:childTnLst>
-                                    <p:set>
-                                      <p:cBhvr>
-                                        <p:cTn id="6" dur="1" fill="hold">
-                                          <p:stCondLst>
-                                            <p:cond delay="0"/>
-                                          </p:stCondLst>
-                                        </p:cTn>
-                                        <p:tgtEl>
-                                          <p:spTgt spid="9"/>
-                                        </p:tgtEl>
-                                        <p:attrNameLst>
-                                          <p:attrName>style.visibility</p:attrName>
-                                        </p:attrNameLst>
-                                      </p:cBhvr>
-                                      <p:to>
-                                        <p:strVal val="visible"/>
-                                      </p:to>
-                                    </p:set>
-                                  </p:childTnLst>
-                                </p:cTn>
-                              </p:par>
-                              <p:par>
-                                <p:cTn id="7" presetID="1" presetClass="entr" presetSubtype="0" fill="hold" nodeType="withEffect">
-                                  <p:stCondLst>
-                                    <p:cond delay="0"/>
-                                  </p:stCondLst>
-                                  <p:childTnLst>
-                                    <p:set>
-                                      <p:cBhvr>
-                                        <p:cTn id="8" dur="1" fill="hold">
-                                          <p:stCondLst>
-                                            <p:cond delay="0"/>
-                                          </p:stCondLst>
-                                        </p:cTn>
-                                        <p:tgtEl>
-                                          <p:spTgt spid="11"/>
-                                        </p:tgtEl>
-                                        <p:attrNameLst>
-                                          <p:attrName>style.visibility</p:attrName>
-                                        </p:attrNameLst>
-                                      </p:cBhvr>
-                                      <p:to>
-                                        <p:strVal val="visible"/>
-                                      </p:to>
-                                    </p:set>
-                                  </p:childTnLst>
-                                </p:cTn>
-                              </p:par>
-                              <p:par>
-                                <p:cTn id="9" presetID="1" presetClass="entr" presetSubtype="0" fill="hold" grpId="0" nodeType="withEffect">
-                                  <p:stCondLst>
-                                    <p:cond delay="0"/>
-                                  </p:stCondLst>
-                                  <p:childTnLst>
-                                    <p:set>
-                                      <p:cBhvr>
-                                        <p:cTn id="10" dur="1" fill="hold">
-                                          <p:stCondLst>
-                                            <p:cond delay="0"/>
-                                          </p:stCondLst>
-                                        </p:cTn>
-                                        <p:tgtEl>
-                                          <p:spTgt spid="10"/>
-                                        </p:tgtEl>
-                                        <p:attrNameLst>
-                                          <p:attrName>style.visibility</p:attrName>
-                                        </p:attrNameLst>
-                                      </p:cBhvr>
-                                      <p:to>
-                                        <p:strVal val="visible"/>
-                                      </p:to>
-                                    </p:set>
-                                  </p:childTnLst>
-                                </p:cTn>
-                              </p:par>
-                            </p:childTnLst>
-                          </p:cTn>
-                        </p:par>
-                      </p:childTnLst>
-                    </p:cTn>
-                  </p:par>
-                </p:childTnLst>
-              </p:cTn>
-              <p:prevCondLst>
-                <p:cond evt="onPrev" delay="0">
-                  <p:tgtEl>
-                    <p:sldTgt/>
-                  </p:tgtEl>
-                </p:cond>
-              </p:prevCondLst>
-              <p:nextCondLst>
-                <p:cond evt="onNext" delay="0">
-                  <p:tgtEl>
-                    <p:sldTgt/>
-                  </p:tgtEl>
-                </p:cond>
-              </p:nextCondLst>
-            </p:seq>
-          </p:childTnLst>
-        </p:cTn>
-      </p:par>
-    </p:tnLst>
-    <p:bldLst>
-      <p:bldP spid="9" grpId="0" animBg="1"/>
-      <p:bldP spid="10" grpId="0" animBg="1"/>
-    </p:bldLst>
-  </p:timing>
-</p:sld>
-</file>
-
-<file path=ppt/slides/slide17.xml><?xml version="1.0" encoding="utf-8"?>
-<p:sld xmlns:a="http://schemas.openxmlformats.org/drawingml/2006/main" xmlns:r="http://schemas.openxmlformats.org/officeDocument/2006/relationships" xmlns:p="http://schemas.openxmlformats.org/presentationml/2006/main">
-  <p:cSld>
-    <p:spTree>
-      <p:nvGrpSpPr>
-        <p:cNvPr id="1" name=""/>
-        <p:cNvGrpSpPr/>
-        <p:nvPr/>
-      </p:nvGrpSpPr>
-      <p:grpSpPr>
-        <a:xfrm>
-          <a:off x="0" y="0"/>
-          <a:ext cx="0" cy="0"/>
-          <a:chOff x="0" y="0"/>
-          <a:chExt cx="0" cy="0"/>
-        </a:xfrm>
-      </p:grpSpPr>
-      <p:sp>
-        <p:nvSpPr>
-          <p:cNvPr id="14" name="TextBox 13"/>
-          <p:cNvSpPr txBox="1"/>
-          <p:nvPr/>
-        </p:nvSpPr>
-        <p:spPr>
-          <a:xfrm>
-            <a:off x="914400" y="0"/>
-            <a:ext cx="7467600" cy="646331"/>
-          </a:xfrm>
-          <a:prstGeom prst="rect">
-            <a:avLst/>
-          </a:prstGeom>
-          <a:noFill/>
-          <a:ln>
-            <a:solidFill>
-              <a:srgbClr val="800000"/>
-            </a:solidFill>
-            <a:prstDash val="sysDash"/>
-          </a:ln>
-        </p:spPr>
-        <p:txBody>
-          <a:bodyPr wrap="square" rtlCol="0">
-            <a:spAutoFit/>
-          </a:bodyPr>
-          <a:lstStyle/>
-          <a:p>
-            <a:endParaRPr lang="en-US" sz="800" dirty="0" smtClean="0">
-              <a:solidFill>
-                <a:srgbClr val="800000"/>
-              </a:solidFill>
-            </a:endParaRPr>
-          </a:p>
-          <a:p>
-            <a:pPr algn="ctr"/>
-            <a:r>
-              <a:rPr lang="en-US" sz="2800" dirty="0" smtClean="0">
-                <a:solidFill>
-                  <a:srgbClr val="800000"/>
-                </a:solidFill>
-              </a:rPr>
-              <a:t>Censoring</a:t>
-            </a:r>
-            <a:endParaRPr lang="en-US" dirty="0" smtClean="0">
-              <a:solidFill>
-                <a:schemeClr val="accent1">
-                  <a:lumMod val="75000"/>
-                </a:schemeClr>
-              </a:solidFill>
-            </a:endParaRPr>
-          </a:p>
-        </p:txBody>
-      </p:sp>
-      <p:sp>
-        <p:nvSpPr>
-          <p:cNvPr id="15" name="TextBox 14"/>
-          <p:cNvSpPr txBox="1"/>
-          <p:nvPr/>
-        </p:nvSpPr>
-        <p:spPr>
-          <a:xfrm>
-            <a:off x="457200" y="1143000"/>
-            <a:ext cx="8229600" cy="4524315"/>
-          </a:xfrm>
-          <a:prstGeom prst="rect">
-            <a:avLst/>
-          </a:prstGeom>
-          <a:noFill/>
-        </p:spPr>
-        <p:txBody>
-          <a:bodyPr wrap="square" rtlCol="0">
-            <a:spAutoFit/>
-          </a:bodyPr>
-          <a:lstStyle/>
-          <a:p>
-            <a:r>
-              <a:rPr lang="en-US" dirty="0" smtClean="0"/>
-              <a:t>The event time is larger than the observation time (right censoring).</a:t>
-            </a:r>
-          </a:p>
-          <a:p>
-            <a:pPr lvl="1"/>
-            <a:r>
-              <a:rPr lang="en-US" dirty="0" smtClean="0">
-                <a:solidFill>
-                  <a:schemeClr val="accent1">
-                    <a:lumMod val="75000"/>
-                  </a:schemeClr>
-                </a:solidFill>
-              </a:rPr>
-              <a:t>EXAMPLES:</a:t>
-            </a:r>
-          </a:p>
-          <a:p>
-            <a:pPr lvl="1"/>
-            <a:r>
-              <a:rPr lang="en-US" dirty="0" smtClean="0">
-                <a:solidFill>
-                  <a:schemeClr val="accent1">
-                    <a:lumMod val="75000"/>
-                  </a:schemeClr>
-                </a:solidFill>
-              </a:rPr>
-              <a:t>-The study is closed.</a:t>
-            </a:r>
-          </a:p>
-          <a:p>
-            <a:pPr lvl="1"/>
-            <a:r>
-              <a:rPr lang="en-US" dirty="0" smtClean="0">
-                <a:solidFill>
-                  <a:schemeClr val="accent1">
-                    <a:lumMod val="75000"/>
-                  </a:schemeClr>
-                </a:solidFill>
-              </a:rPr>
-              <a:t>-The subject is lost from follow-up.</a:t>
-            </a:r>
-          </a:p>
-          <a:p>
-            <a:endParaRPr lang="en-US" dirty="0" smtClean="0"/>
-          </a:p>
-          <a:p>
-            <a:r>
-              <a:rPr lang="en-US" dirty="0" smtClean="0"/>
-              <a:t>The time to event is shorter than the observed time (left censoring).</a:t>
-            </a:r>
-          </a:p>
-          <a:p>
-            <a:pPr lvl="1"/>
-            <a:r>
-              <a:rPr lang="en-US" dirty="0" smtClean="0">
-                <a:solidFill>
-                  <a:schemeClr val="accent1">
-                    <a:lumMod val="75000"/>
-                  </a:schemeClr>
-                </a:solidFill>
-              </a:rPr>
-              <a:t>EXAMPLE:</a:t>
-            </a:r>
-          </a:p>
-          <a:p>
-            <a:pPr lvl="1"/>
-            <a:r>
-              <a:rPr lang="en-US" dirty="0" smtClean="0">
-                <a:solidFill>
-                  <a:schemeClr val="accent1">
-                    <a:lumMod val="75000"/>
-                  </a:schemeClr>
-                </a:solidFill>
-              </a:rPr>
-              <a:t>-When did you started using cigarettes? “I cannot recall”.</a:t>
-            </a:r>
-          </a:p>
-          <a:p>
-            <a:pPr lvl="1"/>
-            <a:r>
-              <a:rPr lang="en-US" dirty="0" smtClean="0">
-                <a:solidFill>
-                  <a:schemeClr val="accent1">
-                    <a:lumMod val="75000"/>
-                  </a:schemeClr>
-                </a:solidFill>
-              </a:rPr>
-              <a:t>-At the beginning of an observational study following up diabetes incidence, some subjects have diabetes at the beginning. </a:t>
-            </a:r>
-          </a:p>
-          <a:p>
-            <a:pPr lvl="1"/>
-            <a:endParaRPr lang="en-US" dirty="0" smtClean="0">
-              <a:solidFill>
-                <a:schemeClr val="accent1">
-                  <a:lumMod val="75000"/>
-                </a:schemeClr>
-              </a:solidFill>
-            </a:endParaRPr>
-          </a:p>
-          <a:p>
-            <a:r>
-              <a:rPr lang="en-US" dirty="0" smtClean="0"/>
-              <a:t>The event is known to fall in an interval, but the exact time is unknown (interval censoring).</a:t>
-            </a:r>
-          </a:p>
-          <a:p>
-            <a:pPr lvl="1"/>
-            <a:r>
-              <a:rPr lang="en-US" dirty="0" smtClean="0">
-                <a:solidFill>
-                  <a:schemeClr val="accent1">
-                    <a:lumMod val="75000"/>
-                  </a:schemeClr>
-                </a:solidFill>
-              </a:rPr>
-              <a:t>EXAMPLE:</a:t>
-            </a:r>
-          </a:p>
-          <a:p>
-            <a:pPr lvl="1"/>
-            <a:r>
-              <a:rPr lang="en-US" dirty="0" smtClean="0">
-                <a:solidFill>
-                  <a:schemeClr val="accent1">
-                    <a:lumMod val="75000"/>
-                  </a:schemeClr>
-                </a:solidFill>
-              </a:rPr>
-              <a:t>-Phenotypes are collected every 5 years. </a:t>
-            </a:r>
-            <a:endParaRPr lang="en-US" dirty="0" smtClean="0"/>
-          </a:p>
-          <a:p>
-            <a:endParaRPr lang="en-US" dirty="0"/>
-          </a:p>
-        </p:txBody>
-      </p:sp>
-      <p:sp>
-        <p:nvSpPr>
-          <p:cNvPr id="5" name="Footer Placeholder 3"/>
-          <p:cNvSpPr>
-            <a:spLocks noGrp="1"/>
-          </p:cNvSpPr>
-          <p:nvPr>
-            <p:ph type="ftr" sz="quarter" idx="11"/>
-          </p:nvPr>
-        </p:nvSpPr>
-        <p:spPr>
-          <a:xfrm>
-            <a:off x="3124200" y="6356350"/>
-            <a:ext cx="2895600" cy="365125"/>
-          </a:xfrm>
-        </p:spPr>
-        <p:txBody>
-          <a:bodyPr/>
-          <a:lstStyle/>
-          <a:p>
-            <a:r>
-              <a:rPr lang="en-US" dirty="0" smtClean="0">
-                <a:solidFill>
-                  <a:schemeClr val="accent1"/>
-                </a:solidFill>
-              </a:rPr>
-              <a:t>STT 465, MSU, Fall, 2015</a:t>
-            </a:r>
-            <a:endParaRPr lang="en-US" dirty="0">
-              <a:solidFill>
-                <a:schemeClr val="accent1"/>
-              </a:solidFill>
-            </a:endParaRPr>
-          </a:p>
-        </p:txBody>
-      </p:sp>
-    </p:spTree>
-    <p:extLst>
-      <p:ext uri="{BB962C8B-B14F-4D97-AF65-F5344CB8AC3E}">
-        <p14:creationId xmlns:p14="http://schemas.microsoft.com/office/powerpoint/2010/main" val="2719005942"/>
-      </p:ext>
-    </p:extLst>
-  </p:cSld>
-  <p:clrMapOvr>
-    <a:masterClrMapping/>
-  </p:clrMapOvr>
-  <p:timing>
-    <p:tnLst>
-      <p:par>
-        <p:cTn xmlns:p14="http://schemas.microsoft.com/office/powerpoint/2010/main" id="1" dur="indefinite" restart="never" nodeType="tmRoot"/>
-      </p:par>
-    </p:tnLst>
-  </p:timing>
-</p:sld>
-</file>
-
-<file path=ppt/slides/slide18.xml><?xml version="1.0" encoding="utf-8"?>
-<p:sld xmlns:a="http://schemas.openxmlformats.org/drawingml/2006/main" xmlns:r="http://schemas.openxmlformats.org/officeDocument/2006/relationships" xmlns:p="http://schemas.openxmlformats.org/presentationml/2006/main">
-  <p:cSld>
-    <p:spTree>
-      <p:nvGrpSpPr>
-        <p:cNvPr id="1" name=""/>
-        <p:cNvGrpSpPr/>
-        <p:nvPr/>
-      </p:nvGrpSpPr>
-      <p:grpSpPr>
-        <a:xfrm>
-          <a:off x="0" y="0"/>
-          <a:ext cx="0" cy="0"/>
-          <a:chOff x="0" y="0"/>
-          <a:chExt cx="0" cy="0"/>
-        </a:xfrm>
-      </p:grpSpPr>
-      <p:sp>
-        <p:nvSpPr>
-          <p:cNvPr id="14" name="TextBox 13"/>
-          <p:cNvSpPr txBox="1"/>
-          <p:nvPr/>
-        </p:nvSpPr>
-        <p:spPr>
-          <a:xfrm>
-            <a:off x="914400" y="0"/>
-            <a:ext cx="7467600" cy="646331"/>
-          </a:xfrm>
-          <a:prstGeom prst="rect">
-            <a:avLst/>
-          </a:prstGeom>
-          <a:noFill/>
-          <a:ln>
-            <a:solidFill>
-              <a:srgbClr val="800000"/>
-            </a:solidFill>
-            <a:prstDash val="sysDash"/>
-          </a:ln>
-        </p:spPr>
-        <p:txBody>
-          <a:bodyPr wrap="square" rtlCol="0">
-            <a:spAutoFit/>
-          </a:bodyPr>
-          <a:lstStyle/>
-          <a:p>
-            <a:endParaRPr lang="en-US" sz="800" dirty="0" smtClean="0">
-              <a:solidFill>
-                <a:srgbClr val="800000"/>
-              </a:solidFill>
-            </a:endParaRPr>
-          </a:p>
-          <a:p>
-            <a:pPr algn="ctr"/>
-            <a:r>
-              <a:rPr lang="en-US" sz="2800" dirty="0" smtClean="0">
-                <a:solidFill>
-                  <a:srgbClr val="800000"/>
-                </a:solidFill>
-              </a:rPr>
-              <a:t>Censoring</a:t>
-            </a:r>
-            <a:endParaRPr lang="en-US" dirty="0" smtClean="0">
-              <a:solidFill>
-                <a:schemeClr val="accent1">
-                  <a:lumMod val="75000"/>
-                </a:schemeClr>
-              </a:solidFill>
-            </a:endParaRPr>
-          </a:p>
-        </p:txBody>
-      </p:sp>
-      <p:sp>
-        <p:nvSpPr>
-          <p:cNvPr id="15" name="TextBox 14"/>
-          <p:cNvSpPr txBox="1"/>
-          <p:nvPr/>
-        </p:nvSpPr>
-        <p:spPr>
-          <a:xfrm>
-            <a:off x="457200" y="1143000"/>
-            <a:ext cx="8229600" cy="4524315"/>
-          </a:xfrm>
-          <a:prstGeom prst="rect">
-            <a:avLst/>
-          </a:prstGeom>
-          <a:noFill/>
-        </p:spPr>
-        <p:txBody>
-          <a:bodyPr wrap="square" rtlCol="0">
-            <a:spAutoFit/>
-          </a:bodyPr>
-          <a:lstStyle/>
-          <a:p>
-            <a:r>
-              <a:rPr lang="en-US" dirty="0" smtClean="0"/>
-              <a:t>The event time is larger than the observation time (right censoring).</a:t>
-            </a:r>
-          </a:p>
-          <a:p>
-            <a:pPr lvl="1"/>
-            <a:r>
-              <a:rPr lang="en-US" dirty="0" smtClean="0">
-                <a:solidFill>
-                  <a:schemeClr val="accent1">
-                    <a:lumMod val="75000"/>
-                  </a:schemeClr>
-                </a:solidFill>
-              </a:rPr>
-              <a:t>EXAMPLES:</a:t>
-            </a:r>
-          </a:p>
-          <a:p>
-            <a:pPr lvl="1"/>
-            <a:r>
-              <a:rPr lang="en-US" dirty="0" smtClean="0">
-                <a:solidFill>
-                  <a:schemeClr val="accent1">
-                    <a:lumMod val="75000"/>
-                  </a:schemeClr>
-                </a:solidFill>
-              </a:rPr>
-              <a:t>-The study is closed.</a:t>
-            </a:r>
-          </a:p>
-          <a:p>
-            <a:pPr lvl="1"/>
-            <a:r>
-              <a:rPr lang="en-US" dirty="0" smtClean="0">
-                <a:solidFill>
-                  <a:schemeClr val="accent1">
-                    <a:lumMod val="75000"/>
-                  </a:schemeClr>
-                </a:solidFill>
-              </a:rPr>
-              <a:t>-The subject is lost from follow-up.</a:t>
-            </a:r>
-          </a:p>
-          <a:p>
-            <a:endParaRPr lang="en-US" dirty="0" smtClean="0"/>
-          </a:p>
-          <a:p>
-            <a:r>
-              <a:rPr lang="en-US" dirty="0" smtClean="0"/>
-              <a:t>The time to event is shorter than the observed time (left censoring).</a:t>
-            </a:r>
-          </a:p>
-          <a:p>
-            <a:pPr lvl="1"/>
-            <a:r>
-              <a:rPr lang="en-US" dirty="0" smtClean="0">
-                <a:solidFill>
-                  <a:schemeClr val="accent1">
-                    <a:lumMod val="75000"/>
-                  </a:schemeClr>
-                </a:solidFill>
-              </a:rPr>
-              <a:t>EXAMPLE:</a:t>
-            </a:r>
-          </a:p>
-          <a:p>
-            <a:pPr lvl="1"/>
-            <a:r>
-              <a:rPr lang="en-US" dirty="0" smtClean="0">
-                <a:solidFill>
-                  <a:schemeClr val="accent1">
-                    <a:lumMod val="75000"/>
-                  </a:schemeClr>
-                </a:solidFill>
-              </a:rPr>
-              <a:t>-When did you started using cigarettes? “I cannot recall”.</a:t>
-            </a:r>
-          </a:p>
-          <a:p>
-            <a:pPr lvl="1"/>
-            <a:r>
-              <a:rPr lang="en-US" dirty="0" smtClean="0">
-                <a:solidFill>
-                  <a:schemeClr val="accent1">
-                    <a:lumMod val="75000"/>
-                  </a:schemeClr>
-                </a:solidFill>
-              </a:rPr>
-              <a:t>-At the beginning of an observational study following up diabetes incidence, some subjects have diabetes at the beginning. </a:t>
-            </a:r>
-          </a:p>
-          <a:p>
-            <a:pPr lvl="1"/>
-            <a:endParaRPr lang="en-US" dirty="0" smtClean="0">
-              <a:solidFill>
-                <a:schemeClr val="accent1">
-                  <a:lumMod val="75000"/>
-                </a:schemeClr>
-              </a:solidFill>
-            </a:endParaRPr>
-          </a:p>
-          <a:p>
-            <a:r>
-              <a:rPr lang="en-US" dirty="0" smtClean="0"/>
-              <a:t>The event is known to fall in an interval, but the exact time is unknown (interval censoring).</a:t>
-            </a:r>
-          </a:p>
-          <a:p>
-            <a:pPr lvl="1"/>
-            <a:r>
-              <a:rPr lang="en-US" dirty="0" smtClean="0">
-                <a:solidFill>
-                  <a:schemeClr val="accent1">
-                    <a:lumMod val="75000"/>
-                  </a:schemeClr>
-                </a:solidFill>
-              </a:rPr>
-              <a:t>EXAMPLE:</a:t>
-            </a:r>
-          </a:p>
-          <a:p>
-            <a:pPr lvl="1"/>
-            <a:r>
-              <a:rPr lang="en-US" dirty="0" smtClean="0">
-                <a:solidFill>
-                  <a:schemeClr val="accent1">
-                    <a:lumMod val="75000"/>
-                  </a:schemeClr>
-                </a:solidFill>
-              </a:rPr>
-              <a:t>-Phenotypes are collected every 5 years. </a:t>
-            </a:r>
-            <a:endParaRPr lang="en-US" dirty="0" smtClean="0"/>
-          </a:p>
-          <a:p>
-            <a:endParaRPr lang="en-US" dirty="0"/>
-          </a:p>
-        </p:txBody>
-      </p:sp>
-      <p:sp>
-        <p:nvSpPr>
-          <p:cNvPr id="5" name="Footer Placeholder 3"/>
-          <p:cNvSpPr>
-            <a:spLocks noGrp="1"/>
-          </p:cNvSpPr>
-          <p:nvPr>
-            <p:ph type="ftr" sz="quarter" idx="11"/>
-          </p:nvPr>
-        </p:nvSpPr>
-        <p:spPr>
-          <a:xfrm>
-            <a:off x="3124200" y="6356350"/>
-            <a:ext cx="2895600" cy="365125"/>
-          </a:xfrm>
-        </p:spPr>
-        <p:txBody>
-          <a:bodyPr/>
-          <a:lstStyle/>
-          <a:p>
-            <a:r>
-              <a:rPr lang="en-US" dirty="0" smtClean="0">
-                <a:solidFill>
-                  <a:schemeClr val="accent1"/>
-                </a:solidFill>
-              </a:rPr>
-              <a:t>STT 465, MSU, Fall, 2015</a:t>
-            </a:r>
-            <a:endParaRPr lang="en-US" dirty="0">
-              <a:solidFill>
-                <a:schemeClr val="accent1"/>
-              </a:solidFill>
-            </a:endParaRPr>
-          </a:p>
-        </p:txBody>
-      </p:sp>
-    </p:spTree>
-    <p:extLst>
-      <p:ext uri="{BB962C8B-B14F-4D97-AF65-F5344CB8AC3E}">
-        <p14:creationId xmlns:p14="http://schemas.microsoft.com/office/powerpoint/2010/main" val="3559236635"/>
-      </p:ext>
-    </p:extLst>
-  </p:cSld>
-  <p:clrMapOvr>
-    <a:masterClrMapping/>
-  </p:clrMapOvr>
-  <p:timing>
-    <p:tnLst>
-      <p:par>
-        <p:cTn xmlns:p14="http://schemas.microsoft.com/office/powerpoint/2010/main" id="1" dur="indefinite" restart="never" nodeType="tmRoot"/>
-      </p:par>
-    </p:tnLst>
-  </p:timing>
-</p:sld>
-</file>
-
-<file path=ppt/slides/slide19.xml><?xml version="1.0" encoding="utf-8"?>
-<p:sld xmlns:a="http://schemas.openxmlformats.org/drawingml/2006/main" xmlns:r="http://schemas.openxmlformats.org/officeDocument/2006/relationships" xmlns:p="http://schemas.openxmlformats.org/presentationml/2006/main">
-  <p:cSld>
-    <p:spTree>
-      <p:nvGrpSpPr>
-        <p:cNvPr id="1" name=""/>
-        <p:cNvGrpSpPr/>
-        <p:nvPr/>
-      </p:nvGrpSpPr>
-      <p:grpSpPr>
-        <a:xfrm>
-          <a:off x="0" y="0"/>
-          <a:ext cx="0" cy="0"/>
-          <a:chOff x="0" y="0"/>
-          <a:chExt cx="0" cy="0"/>
-        </a:xfrm>
-      </p:grpSpPr>
-      <p:sp>
-        <p:nvSpPr>
-          <p:cNvPr id="5" name="TextBox 4"/>
-          <p:cNvSpPr txBox="1"/>
-          <p:nvPr/>
-        </p:nvSpPr>
-        <p:spPr>
-          <a:xfrm>
-            <a:off x="914400" y="0"/>
-            <a:ext cx="7467600" cy="646331"/>
-          </a:xfrm>
-          <a:prstGeom prst="rect">
-            <a:avLst/>
-          </a:prstGeom>
-          <a:noFill/>
-          <a:ln>
-            <a:solidFill>
-              <a:srgbClr val="800000"/>
-            </a:solidFill>
-            <a:prstDash val="sysDash"/>
-          </a:ln>
-        </p:spPr>
-        <p:txBody>
-          <a:bodyPr wrap="square" rtlCol="0">
-            <a:spAutoFit/>
-          </a:bodyPr>
-          <a:lstStyle/>
-          <a:p>
-            <a:endParaRPr lang="en-US" sz="800" dirty="0" smtClean="0">
-              <a:solidFill>
-                <a:srgbClr val="800000"/>
-              </a:solidFill>
-            </a:endParaRPr>
-          </a:p>
-          <a:p>
-            <a:pPr algn="ctr"/>
-            <a:r>
-              <a:rPr lang="en-US" sz="2800" dirty="0" smtClean="0">
-                <a:solidFill>
-                  <a:srgbClr val="800000"/>
-                </a:solidFill>
-              </a:rPr>
-              <a:t>Right-Censoring  (Y</a:t>
-            </a:r>
-            <a:r>
-              <a:rPr lang="en-US" sz="2800" baseline="-25000" dirty="0" smtClean="0">
-                <a:solidFill>
-                  <a:srgbClr val="800000"/>
-                </a:solidFill>
-              </a:rPr>
-              <a:t>i</a:t>
-            </a:r>
-            <a:r>
-              <a:rPr lang="en-US" sz="2800" dirty="0" smtClean="0">
-                <a:solidFill>
-                  <a:srgbClr val="800000"/>
-                </a:solidFill>
-              </a:rPr>
-              <a:t>&gt;</a:t>
-            </a:r>
-            <a:r>
-              <a:rPr lang="en-US" sz="2800" dirty="0" err="1" smtClean="0">
-                <a:solidFill>
-                  <a:srgbClr val="800000"/>
-                </a:solidFill>
-              </a:rPr>
-              <a:t>C</a:t>
-            </a:r>
-            <a:r>
-              <a:rPr lang="en-US" sz="2800" baseline="-25000" dirty="0" err="1" smtClean="0">
-                <a:solidFill>
-                  <a:srgbClr val="800000"/>
-                </a:solidFill>
-              </a:rPr>
-              <a:t>i</a:t>
-            </a:r>
-            <a:r>
-              <a:rPr lang="en-US" sz="2800" dirty="0" smtClean="0">
-                <a:solidFill>
-                  <a:srgbClr val="800000"/>
-                </a:solidFill>
-              </a:rPr>
-              <a:t>)</a:t>
-            </a:r>
-          </a:p>
-        </p:txBody>
-      </p:sp>
-      <p:sp>
-        <p:nvSpPr>
-          <p:cNvPr id="6" name="TextBox 5"/>
-          <p:cNvSpPr txBox="1"/>
-          <p:nvPr/>
-        </p:nvSpPr>
-        <p:spPr>
-          <a:xfrm>
-            <a:off x="762000" y="1524000"/>
-            <a:ext cx="6172200" cy="369332"/>
-          </a:xfrm>
-          <a:prstGeom prst="rect">
-            <a:avLst/>
-          </a:prstGeom>
-          <a:noFill/>
-          <a:ln>
-            <a:noFill/>
-            <a:prstDash val="sysDash"/>
-          </a:ln>
-        </p:spPr>
-        <p:txBody>
-          <a:bodyPr wrap="square" rtlCol="0">
-            <a:spAutoFit/>
-          </a:bodyPr>
-          <a:lstStyle/>
-          <a:p>
-            <a:pPr algn="ctr"/>
-            <a:r>
-              <a:rPr lang="en-US" b="1" dirty="0" smtClean="0">
-                <a:solidFill>
-                  <a:srgbClr val="800000"/>
-                </a:solidFill>
-              </a:rPr>
-              <a:t>Time-frame of the study</a:t>
-            </a:r>
-            <a:endParaRPr lang="en-US" dirty="0">
-              <a:solidFill>
-                <a:schemeClr val="tx2"/>
-              </a:solidFill>
-            </a:endParaRPr>
-          </a:p>
-        </p:txBody>
-      </p:sp>
-      <p:cxnSp>
-        <p:nvCxnSpPr>
-          <p:cNvPr id="4" name="Straight Connector 3"/>
-          <p:cNvCxnSpPr/>
-          <p:nvPr/>
-        </p:nvCxnSpPr>
-        <p:spPr>
-          <a:xfrm>
-            <a:off x="838200" y="1981200"/>
-            <a:ext cx="0" cy="2590800"/>
-          </a:xfrm>
-          <a:prstGeom prst="line">
-            <a:avLst/>
-          </a:prstGeom>
-        </p:spPr>
-        <p:style>
-          <a:lnRef idx="2">
-            <a:schemeClr val="accent1"/>
-          </a:lnRef>
-          <a:fillRef idx="0">
-            <a:schemeClr val="accent1"/>
-          </a:fillRef>
-          <a:effectRef idx="1">
-            <a:schemeClr val="accent1"/>
-          </a:effectRef>
-          <a:fontRef idx="minor">
-            <a:schemeClr val="tx1"/>
-          </a:fontRef>
-        </p:style>
-      </p:cxnSp>
-      <p:cxnSp>
-        <p:nvCxnSpPr>
-          <p:cNvPr id="10" name="Straight Connector 9"/>
-          <p:cNvCxnSpPr/>
-          <p:nvPr/>
-        </p:nvCxnSpPr>
-        <p:spPr>
-          <a:xfrm>
-            <a:off x="6934200" y="1905000"/>
-            <a:ext cx="0" cy="2590800"/>
-          </a:xfrm>
-          <a:prstGeom prst="line">
-            <a:avLst/>
-          </a:prstGeom>
-        </p:spPr>
-        <p:style>
-          <a:lnRef idx="2">
-            <a:schemeClr val="accent1"/>
-          </a:lnRef>
-          <a:fillRef idx="0">
-            <a:schemeClr val="accent1"/>
-          </a:fillRef>
-          <a:effectRef idx="1">
-            <a:schemeClr val="accent1"/>
-          </a:effectRef>
-          <a:fontRef idx="minor">
-            <a:schemeClr val="tx1"/>
-          </a:fontRef>
-        </p:style>
-      </p:cxnSp>
-      <p:sp>
-        <p:nvSpPr>
-          <p:cNvPr id="11" name="TextBox 10"/>
-          <p:cNvSpPr txBox="1"/>
-          <p:nvPr/>
-        </p:nvSpPr>
-        <p:spPr>
-          <a:xfrm>
-            <a:off x="304800" y="4876800"/>
-            <a:ext cx="1371600" cy="369332"/>
-          </a:xfrm>
-          <a:prstGeom prst="rect">
-            <a:avLst/>
-          </a:prstGeom>
-          <a:noFill/>
-          <a:ln>
-            <a:noFill/>
-            <a:prstDash val="sysDash"/>
-          </a:ln>
-        </p:spPr>
-        <p:txBody>
-          <a:bodyPr wrap="square" rtlCol="0">
-            <a:spAutoFit/>
-          </a:bodyPr>
-          <a:lstStyle/>
-          <a:p>
-            <a:r>
-              <a:rPr lang="en-US" b="1" dirty="0" smtClean="0">
-                <a:solidFill>
-                  <a:srgbClr val="800000"/>
-                </a:solidFill>
-              </a:rPr>
-              <a:t>Beginning</a:t>
-            </a:r>
-            <a:endParaRPr lang="en-US" dirty="0">
-              <a:solidFill>
-                <a:schemeClr val="tx2"/>
-              </a:solidFill>
-            </a:endParaRPr>
-          </a:p>
-        </p:txBody>
-      </p:sp>
-      <p:sp>
-        <p:nvSpPr>
-          <p:cNvPr id="12" name="TextBox 11"/>
-          <p:cNvSpPr txBox="1"/>
-          <p:nvPr/>
-        </p:nvSpPr>
-        <p:spPr>
-          <a:xfrm>
-            <a:off x="6400800" y="4800600"/>
-            <a:ext cx="1371600" cy="369332"/>
-          </a:xfrm>
-          <a:prstGeom prst="rect">
-            <a:avLst/>
-          </a:prstGeom>
-          <a:noFill/>
-          <a:ln>
-            <a:noFill/>
-            <a:prstDash val="sysDash"/>
-          </a:ln>
-        </p:spPr>
-        <p:txBody>
-          <a:bodyPr wrap="square" rtlCol="0">
-            <a:spAutoFit/>
-          </a:bodyPr>
-          <a:lstStyle/>
-          <a:p>
-            <a:pPr algn="ctr"/>
-            <a:r>
-              <a:rPr lang="en-US" b="1" dirty="0" smtClean="0">
-                <a:solidFill>
-                  <a:srgbClr val="800000"/>
-                </a:solidFill>
-              </a:rPr>
-              <a:t>End</a:t>
-            </a:r>
-            <a:endParaRPr lang="en-US" dirty="0">
-              <a:solidFill>
-                <a:schemeClr val="tx2"/>
-              </a:solidFill>
-            </a:endParaRPr>
-          </a:p>
-        </p:txBody>
-      </p:sp>
-      <p:cxnSp>
-        <p:nvCxnSpPr>
-          <p:cNvPr id="22" name="Straight Connector 21"/>
-          <p:cNvCxnSpPr/>
-          <p:nvPr/>
-        </p:nvCxnSpPr>
-        <p:spPr>
-          <a:xfrm flipH="1">
-            <a:off x="838200" y="4495800"/>
-            <a:ext cx="6096000" cy="76200"/>
-          </a:xfrm>
-          <a:prstGeom prst="line">
-            <a:avLst/>
-          </a:prstGeom>
-        </p:spPr>
-        <p:style>
-          <a:lnRef idx="2">
-            <a:schemeClr val="accent1"/>
-          </a:lnRef>
-          <a:fillRef idx="0">
-            <a:schemeClr val="accent1"/>
-          </a:fillRef>
-          <a:effectRef idx="1">
-            <a:schemeClr val="accent1"/>
-          </a:effectRef>
-          <a:fontRef idx="minor">
-            <a:schemeClr val="tx1"/>
-          </a:fontRef>
-        </p:style>
-      </p:cxnSp>
-      <p:sp>
-        <p:nvSpPr>
-          <p:cNvPr id="29" name="TextBox 28"/>
-          <p:cNvSpPr txBox="1"/>
-          <p:nvPr/>
-        </p:nvSpPr>
-        <p:spPr>
-          <a:xfrm>
-            <a:off x="228600" y="5334000"/>
-            <a:ext cx="7848600" cy="1200329"/>
-          </a:xfrm>
-          <a:prstGeom prst="rect">
-            <a:avLst/>
-          </a:prstGeom>
-          <a:noFill/>
-        </p:spPr>
-        <p:txBody>
-          <a:bodyPr wrap="square" rtlCol="0">
-            <a:spAutoFit/>
-          </a:bodyPr>
-          <a:lstStyle/>
-          <a:p>
-            <a:r>
-              <a:rPr lang="en-US" dirty="0" smtClean="0">
-                <a:solidFill>
-                  <a:schemeClr val="tx2"/>
-                </a:solidFill>
-              </a:rPr>
-              <a:t>Rats 1,2 and 3: </a:t>
-            </a:r>
-            <a:r>
-              <a:rPr lang="en-US" dirty="0" smtClean="0"/>
-              <a:t>time to event is observed.</a:t>
-            </a:r>
-          </a:p>
-          <a:p>
-            <a:endParaRPr lang="en-US" dirty="0"/>
-          </a:p>
-          <a:p>
-            <a:r>
-              <a:rPr lang="en-US" dirty="0" smtClean="0">
-                <a:solidFill>
-                  <a:srgbClr val="1F497D"/>
-                </a:solidFill>
-              </a:rPr>
-              <a:t>Rat 4: </a:t>
-            </a:r>
-            <a:r>
-              <a:rPr lang="en-US" dirty="0" smtClean="0"/>
-              <a:t>time to event is unknown; however we know the time to censor, and we know that the event will happens after  T</a:t>
-            </a:r>
-            <a:r>
-              <a:rPr lang="en-US" baseline="-25000" dirty="0" smtClean="0"/>
-              <a:t>i</a:t>
-            </a:r>
-            <a:r>
-              <a:rPr lang="en-US" dirty="0" smtClean="0"/>
-              <a:t>&gt;</a:t>
-            </a:r>
-            <a:r>
-              <a:rPr lang="en-US" dirty="0" err="1"/>
-              <a:t>Ri</a:t>
-            </a:r>
-            <a:r>
-              <a:rPr lang="en-US" dirty="0"/>
-              <a:t> (right-censored data</a:t>
-            </a:r>
-            <a:r>
-              <a:rPr lang="en-US" dirty="0" smtClean="0"/>
-              <a:t>)</a:t>
-            </a:r>
-            <a:endParaRPr lang="en-US" baseline="-25000" dirty="0"/>
-          </a:p>
-        </p:txBody>
-      </p:sp>
-      <p:grpSp>
-        <p:nvGrpSpPr>
-          <p:cNvPr id="30" name="Group 29"/>
-          <p:cNvGrpSpPr/>
-          <p:nvPr/>
-        </p:nvGrpSpPr>
-        <p:grpSpPr>
-          <a:xfrm>
-            <a:off x="838200" y="2209800"/>
-            <a:ext cx="3886200" cy="381000"/>
-            <a:chOff x="838200" y="2209800"/>
-            <a:chExt cx="3886200" cy="381000"/>
-          </a:xfrm>
-        </p:grpSpPr>
-        <p:grpSp>
-          <p:nvGrpSpPr>
-            <p:cNvPr id="2" name="Group 24"/>
-            <p:cNvGrpSpPr/>
-            <p:nvPr/>
-          </p:nvGrpSpPr>
-          <p:grpSpPr>
-            <a:xfrm>
-              <a:off x="838200" y="2209800"/>
-              <a:ext cx="3429000" cy="369332"/>
-              <a:chOff x="1066800" y="2209800"/>
-              <a:chExt cx="3429000" cy="369332"/>
-            </a:xfrm>
-          </p:grpSpPr>
-          <p:cxnSp>
-            <p:nvCxnSpPr>
-              <p:cNvPr id="8" name="Straight Arrow Connector 7"/>
-              <p:cNvCxnSpPr/>
-              <p:nvPr/>
-            </p:nvCxnSpPr>
-            <p:spPr>
-              <a:xfrm>
-                <a:off x="1066800" y="2438400"/>
-                <a:ext cx="3429000" cy="0"/>
-              </a:xfrm>
-              <a:prstGeom prst="straightConnector1">
-                <a:avLst/>
-              </a:prstGeom>
-              <a:ln>
-                <a:solidFill>
-                  <a:srgbClr val="800000"/>
-                </a:solidFill>
-                <a:headEnd type="oval"/>
-                <a:tailEnd type="arrow"/>
-              </a:ln>
-              <a:effectLst/>
-            </p:spPr>
-            <p:style>
-              <a:lnRef idx="2">
-                <a:schemeClr val="accent1"/>
-              </a:lnRef>
-              <a:fillRef idx="0">
-                <a:schemeClr val="accent1"/>
-              </a:fillRef>
-              <a:effectRef idx="1">
-                <a:schemeClr val="accent1"/>
-              </a:effectRef>
-              <a:fontRef idx="minor">
-                <a:schemeClr val="tx1"/>
-              </a:fontRef>
-            </p:style>
-          </p:cxnSp>
-          <p:sp>
-            <p:nvSpPr>
-              <p:cNvPr id="13" name="TextBox 12"/>
-              <p:cNvSpPr txBox="1"/>
-              <p:nvPr/>
-            </p:nvSpPr>
-            <p:spPr>
-              <a:xfrm>
-                <a:off x="1600200" y="2209800"/>
-                <a:ext cx="1143000" cy="369332"/>
-              </a:xfrm>
-              <a:prstGeom prst="rect">
-                <a:avLst/>
-              </a:prstGeom>
-              <a:solidFill>
-                <a:schemeClr val="bg1"/>
-              </a:solidFill>
-            </p:spPr>
-            <p:txBody>
-              <a:bodyPr wrap="square" rtlCol="0">
-                <a:spAutoFit/>
-              </a:bodyPr>
-              <a:lstStyle/>
-              <a:p>
-                <a:r>
-                  <a:rPr lang="en-US" dirty="0" smtClean="0"/>
-                  <a:t>Rat 1</a:t>
-                </a:r>
-                <a:endParaRPr lang="en-US" dirty="0"/>
-              </a:p>
-            </p:txBody>
-          </p:sp>
-        </p:grpSp>
-        <p:sp>
-          <p:nvSpPr>
-            <p:cNvPr id="28" name="TextBox 27"/>
-            <p:cNvSpPr txBox="1"/>
-            <p:nvPr/>
-          </p:nvSpPr>
-          <p:spPr>
-            <a:xfrm>
-              <a:off x="4343400" y="2209800"/>
-              <a:ext cx="381000" cy="381000"/>
-            </a:xfrm>
-            <a:prstGeom prst="rect">
-              <a:avLst/>
-            </a:prstGeom>
-            <a:noFill/>
-          </p:spPr>
-          <p:txBody>
-            <a:bodyPr wrap="square" rtlCol="0">
-              <a:spAutoFit/>
-            </a:bodyPr>
-            <a:lstStyle/>
-            <a:p>
-              <a:r>
-                <a:rPr lang="en-US" dirty="0" smtClean="0"/>
-                <a:t>1</a:t>
-              </a:r>
-              <a:endParaRPr lang="en-US" dirty="0"/>
-            </a:p>
-          </p:txBody>
-        </p:sp>
-      </p:grpSp>
-      <p:grpSp>
-        <p:nvGrpSpPr>
-          <p:cNvPr id="35" name="Group 34"/>
-          <p:cNvGrpSpPr/>
-          <p:nvPr/>
-        </p:nvGrpSpPr>
-        <p:grpSpPr>
-          <a:xfrm>
-            <a:off x="838200" y="2754868"/>
-            <a:ext cx="2971800" cy="445532"/>
-            <a:chOff x="838200" y="2754868"/>
-            <a:chExt cx="2971800" cy="445532"/>
-          </a:xfrm>
-        </p:grpSpPr>
-        <p:grpSp>
-          <p:nvGrpSpPr>
-            <p:cNvPr id="3" name="Group 25"/>
-            <p:cNvGrpSpPr/>
-            <p:nvPr/>
-          </p:nvGrpSpPr>
-          <p:grpSpPr>
-            <a:xfrm>
-              <a:off x="838200" y="2754868"/>
-              <a:ext cx="2590800" cy="369332"/>
-              <a:chOff x="2286000" y="2754868"/>
-              <a:chExt cx="2590800" cy="369332"/>
-            </a:xfrm>
-          </p:grpSpPr>
-          <p:cxnSp>
-            <p:nvCxnSpPr>
-              <p:cNvPr id="14" name="Straight Arrow Connector 13"/>
-              <p:cNvCxnSpPr/>
-              <p:nvPr/>
-            </p:nvCxnSpPr>
-            <p:spPr>
-              <a:xfrm flipV="1">
-                <a:off x="2286000" y="2971800"/>
-                <a:ext cx="2590800" cy="11668"/>
-              </a:xfrm>
-              <a:prstGeom prst="straightConnector1">
-                <a:avLst/>
-              </a:prstGeom>
-              <a:ln>
-                <a:solidFill>
-                  <a:srgbClr val="800000"/>
-                </a:solidFill>
-                <a:headEnd type="oval"/>
-                <a:tailEnd type="arrow"/>
-              </a:ln>
-              <a:effectLst/>
-            </p:spPr>
-            <p:style>
-              <a:lnRef idx="2">
-                <a:schemeClr val="accent1"/>
-              </a:lnRef>
-              <a:fillRef idx="0">
-                <a:schemeClr val="accent1"/>
-              </a:fillRef>
-              <a:effectRef idx="1">
-                <a:schemeClr val="accent1"/>
-              </a:effectRef>
-              <a:fontRef idx="minor">
-                <a:schemeClr val="tx1"/>
-              </a:fontRef>
-            </p:style>
-          </p:cxnSp>
-          <p:sp>
-            <p:nvSpPr>
-              <p:cNvPr id="15" name="TextBox 14"/>
-              <p:cNvSpPr txBox="1"/>
-              <p:nvPr/>
-            </p:nvSpPr>
-            <p:spPr>
-              <a:xfrm>
-                <a:off x="2819400" y="2754868"/>
-                <a:ext cx="1143000" cy="369332"/>
-              </a:xfrm>
-              <a:prstGeom prst="rect">
-                <a:avLst/>
-              </a:prstGeom>
-              <a:solidFill>
-                <a:schemeClr val="bg1"/>
-              </a:solidFill>
-            </p:spPr>
-            <p:txBody>
-              <a:bodyPr wrap="square" rtlCol="0">
-                <a:spAutoFit/>
-              </a:bodyPr>
-              <a:lstStyle/>
-              <a:p>
-                <a:r>
-                  <a:rPr lang="en-US" dirty="0" smtClean="0"/>
-                  <a:t>Rat 2</a:t>
-                </a:r>
-                <a:endParaRPr lang="en-US" dirty="0"/>
-              </a:p>
-            </p:txBody>
-          </p:sp>
-        </p:grpSp>
-        <p:sp>
-          <p:nvSpPr>
-            <p:cNvPr id="31" name="TextBox 30"/>
-            <p:cNvSpPr txBox="1"/>
-            <p:nvPr/>
-          </p:nvSpPr>
-          <p:spPr>
-            <a:xfrm>
-              <a:off x="3505200" y="2819400"/>
-              <a:ext cx="304800" cy="381000"/>
-            </a:xfrm>
-            <a:prstGeom prst="rect">
-              <a:avLst/>
-            </a:prstGeom>
-            <a:noFill/>
-          </p:spPr>
-          <p:txBody>
-            <a:bodyPr wrap="square" rtlCol="0">
-              <a:spAutoFit/>
-            </a:bodyPr>
-            <a:lstStyle/>
-            <a:p>
-              <a:r>
-                <a:rPr lang="en-US" dirty="0" smtClean="0"/>
-                <a:t>1</a:t>
-              </a:r>
-              <a:endParaRPr lang="en-US" dirty="0"/>
-            </a:p>
-          </p:txBody>
-        </p:sp>
-      </p:grpSp>
-      <p:grpSp>
-        <p:nvGrpSpPr>
-          <p:cNvPr id="36" name="Group 35"/>
-          <p:cNvGrpSpPr/>
-          <p:nvPr/>
-        </p:nvGrpSpPr>
-        <p:grpSpPr>
-          <a:xfrm>
-            <a:off x="838200" y="3200400"/>
-            <a:ext cx="4876800" cy="381000"/>
-            <a:chOff x="838200" y="3200400"/>
-            <a:chExt cx="4876800" cy="381000"/>
-          </a:xfrm>
-        </p:grpSpPr>
-        <p:cxnSp>
-          <p:nvCxnSpPr>
-            <p:cNvPr id="24" name="Straight Arrow Connector 23"/>
-            <p:cNvCxnSpPr/>
-            <p:nvPr/>
-          </p:nvCxnSpPr>
-          <p:spPr>
-            <a:xfrm flipV="1">
-              <a:off x="838200" y="3429000"/>
-              <a:ext cx="4495800" cy="11668"/>
-            </a:xfrm>
-            <a:prstGeom prst="straightConnector1">
-              <a:avLst/>
-            </a:prstGeom>
-            <a:ln>
-              <a:solidFill>
-                <a:srgbClr val="800000"/>
-              </a:solidFill>
-              <a:headEnd type="oval"/>
-              <a:tailEnd type="arrow"/>
-            </a:ln>
-            <a:effectLst/>
-          </p:spPr>
-          <p:style>
-            <a:lnRef idx="2">
-              <a:schemeClr val="accent1"/>
-            </a:lnRef>
-            <a:fillRef idx="0">
-              <a:schemeClr val="accent1"/>
-            </a:fillRef>
-            <a:effectRef idx="1">
-              <a:schemeClr val="accent1"/>
-            </a:effectRef>
-            <a:fontRef idx="minor">
-              <a:schemeClr val="tx1"/>
-            </a:fontRef>
-          </p:style>
-        </p:cxnSp>
-        <p:sp>
-          <p:nvSpPr>
-            <p:cNvPr id="25" name="TextBox 24"/>
-            <p:cNvSpPr txBox="1"/>
-            <p:nvPr/>
-          </p:nvSpPr>
-          <p:spPr>
-            <a:xfrm>
-              <a:off x="1371600" y="3212068"/>
-              <a:ext cx="1143000" cy="369332"/>
-            </a:xfrm>
-            <a:prstGeom prst="rect">
-              <a:avLst/>
-            </a:prstGeom>
-            <a:solidFill>
-              <a:schemeClr val="bg1"/>
-            </a:solidFill>
-          </p:spPr>
-          <p:txBody>
-            <a:bodyPr wrap="square" rtlCol="0">
-              <a:spAutoFit/>
-            </a:bodyPr>
-            <a:lstStyle/>
-            <a:p>
-              <a:r>
-                <a:rPr lang="en-US" dirty="0" smtClean="0"/>
-                <a:t>Rat 3</a:t>
-              </a:r>
-              <a:endParaRPr lang="en-US" dirty="0"/>
-            </a:p>
-          </p:txBody>
-        </p:sp>
-        <p:sp>
-          <p:nvSpPr>
-            <p:cNvPr id="32" name="TextBox 31"/>
-            <p:cNvSpPr txBox="1"/>
-            <p:nvPr/>
-          </p:nvSpPr>
-          <p:spPr>
-            <a:xfrm>
-              <a:off x="5410200" y="3200400"/>
-              <a:ext cx="304800" cy="381000"/>
-            </a:xfrm>
-            <a:prstGeom prst="rect">
-              <a:avLst/>
-            </a:prstGeom>
-            <a:noFill/>
-          </p:spPr>
-          <p:txBody>
-            <a:bodyPr wrap="square" rtlCol="0">
-              <a:spAutoFit/>
-            </a:bodyPr>
-            <a:lstStyle/>
-            <a:p>
-              <a:r>
-                <a:rPr lang="en-US" dirty="0" smtClean="0"/>
-                <a:t>1</a:t>
-              </a:r>
-              <a:endParaRPr lang="en-US" dirty="0"/>
-            </a:p>
-          </p:txBody>
-        </p:sp>
-      </p:grpSp>
-      <p:grpSp>
-        <p:nvGrpSpPr>
-          <p:cNvPr id="38" name="Group 37"/>
-          <p:cNvGrpSpPr/>
-          <p:nvPr/>
-        </p:nvGrpSpPr>
-        <p:grpSpPr>
-          <a:xfrm>
-            <a:off x="838200" y="3429000"/>
-            <a:ext cx="6858000" cy="609600"/>
-            <a:chOff x="838200" y="3429000"/>
-            <a:chExt cx="6858000" cy="609600"/>
-          </a:xfrm>
-        </p:grpSpPr>
-        <p:grpSp>
-          <p:nvGrpSpPr>
-            <p:cNvPr id="7" name="Group 27"/>
-            <p:cNvGrpSpPr/>
-            <p:nvPr/>
-          </p:nvGrpSpPr>
-          <p:grpSpPr>
-            <a:xfrm>
-              <a:off x="838200" y="3669268"/>
-              <a:ext cx="6858000" cy="369332"/>
-              <a:chOff x="4343400" y="3669268"/>
-              <a:chExt cx="3429000" cy="369332"/>
-            </a:xfrm>
-          </p:grpSpPr>
-          <p:cxnSp>
-            <p:nvCxnSpPr>
-              <p:cNvPr id="16" name="Straight Arrow Connector 15"/>
-              <p:cNvCxnSpPr/>
-              <p:nvPr/>
-            </p:nvCxnSpPr>
-            <p:spPr>
-              <a:xfrm>
-                <a:off x="4343400" y="3897868"/>
-                <a:ext cx="3429000" cy="0"/>
-              </a:xfrm>
-              <a:prstGeom prst="straightConnector1">
-                <a:avLst/>
-              </a:prstGeom>
-              <a:ln>
-                <a:solidFill>
-                  <a:srgbClr val="800000"/>
-                </a:solidFill>
-                <a:headEnd type="oval"/>
-                <a:tailEnd type="arrow"/>
-              </a:ln>
-              <a:effectLst/>
-            </p:spPr>
-            <p:style>
-              <a:lnRef idx="2">
-                <a:schemeClr val="accent1"/>
-              </a:lnRef>
-              <a:fillRef idx="0">
-                <a:schemeClr val="accent1"/>
-              </a:fillRef>
-              <a:effectRef idx="1">
-                <a:schemeClr val="accent1"/>
-              </a:effectRef>
-              <a:fontRef idx="minor">
-                <a:schemeClr val="tx1"/>
-              </a:fontRef>
-            </p:style>
-          </p:cxnSp>
-          <p:sp>
-            <p:nvSpPr>
-              <p:cNvPr id="17" name="TextBox 16"/>
-              <p:cNvSpPr txBox="1"/>
-              <p:nvPr/>
-            </p:nvSpPr>
-            <p:spPr>
-              <a:xfrm>
-                <a:off x="4610100" y="3669268"/>
-                <a:ext cx="533400" cy="369332"/>
-              </a:xfrm>
-              <a:prstGeom prst="rect">
-                <a:avLst/>
-              </a:prstGeom>
-              <a:solidFill>
-                <a:schemeClr val="bg1"/>
-              </a:solidFill>
-            </p:spPr>
-            <p:txBody>
-              <a:bodyPr wrap="square" rtlCol="0">
-                <a:spAutoFit/>
-              </a:bodyPr>
-              <a:lstStyle/>
-              <a:p>
-                <a:r>
-                  <a:rPr lang="en-US" dirty="0" smtClean="0"/>
-                  <a:t>Rat 4</a:t>
-                </a:r>
-                <a:endParaRPr lang="en-US" dirty="0"/>
-              </a:p>
-            </p:txBody>
-          </p:sp>
-        </p:grpSp>
-        <p:sp>
-          <p:nvSpPr>
-            <p:cNvPr id="33" name="TextBox 32"/>
-            <p:cNvSpPr txBox="1"/>
-            <p:nvPr/>
-          </p:nvSpPr>
-          <p:spPr>
-            <a:xfrm>
-              <a:off x="6629400" y="3429000"/>
-              <a:ext cx="304800" cy="381000"/>
-            </a:xfrm>
-            <a:prstGeom prst="rect">
-              <a:avLst/>
-            </a:prstGeom>
-            <a:noFill/>
-          </p:spPr>
-          <p:txBody>
-            <a:bodyPr wrap="square" rtlCol="0">
-              <a:spAutoFit/>
-            </a:bodyPr>
-            <a:lstStyle/>
-            <a:p>
-              <a:r>
-                <a:rPr lang="en-US" dirty="0" smtClean="0"/>
-                <a:t>0</a:t>
-              </a:r>
-              <a:endParaRPr lang="en-US" dirty="0"/>
-            </a:p>
-          </p:txBody>
-        </p:sp>
-      </p:grpSp>
-      <p:grpSp>
-        <p:nvGrpSpPr>
-          <p:cNvPr id="37" name="Group 36"/>
-          <p:cNvGrpSpPr/>
-          <p:nvPr/>
-        </p:nvGrpSpPr>
-        <p:grpSpPr>
-          <a:xfrm>
-            <a:off x="838200" y="3657600"/>
-            <a:ext cx="7010400" cy="902732"/>
-            <a:chOff x="838200" y="3657600"/>
-            <a:chExt cx="7010400" cy="902732"/>
-          </a:xfrm>
-        </p:grpSpPr>
-        <p:grpSp>
-          <p:nvGrpSpPr>
-            <p:cNvPr id="9" name="Group 20"/>
-            <p:cNvGrpSpPr/>
-            <p:nvPr/>
-          </p:nvGrpSpPr>
-          <p:grpSpPr>
-            <a:xfrm>
-              <a:off x="838200" y="3962400"/>
-              <a:ext cx="6096000" cy="597932"/>
-              <a:chOff x="4343400" y="3962400"/>
-              <a:chExt cx="2590800" cy="597932"/>
-            </a:xfrm>
-          </p:grpSpPr>
-          <p:sp>
-            <p:nvSpPr>
-              <p:cNvPr id="19" name="Left Brace 18"/>
-              <p:cNvSpPr/>
-              <p:nvPr/>
-            </p:nvSpPr>
-            <p:spPr>
-              <a:xfrm rot="16200000">
-                <a:off x="5486400" y="2819400"/>
-                <a:ext cx="304800" cy="2590800"/>
-              </a:xfrm>
-              <a:prstGeom prst="leftBrace">
-                <a:avLst/>
-              </a:prstGeom>
-              <a:ln w="25400">
-                <a:solidFill>
-                  <a:srgbClr val="C00000"/>
-                </a:solidFill>
-              </a:ln>
-            </p:spPr>
-            <p:style>
-              <a:lnRef idx="1">
-                <a:schemeClr val="accent1"/>
-              </a:lnRef>
-              <a:fillRef idx="0">
-                <a:schemeClr val="accent1"/>
-              </a:fillRef>
-              <a:effectRef idx="0">
-                <a:schemeClr val="accent1"/>
-              </a:effectRef>
-              <a:fontRef idx="minor">
-                <a:schemeClr val="tx1"/>
-              </a:fontRef>
-            </p:style>
-            <p:txBody>
-              <a:bodyPr rtlCol="0" anchor="ctr"/>
-              <a:lstStyle/>
-              <a:p>
-                <a:pPr algn="ctr"/>
-                <a:endParaRPr lang="en-US">
-                  <a:solidFill>
-                    <a:srgbClr val="800000"/>
-                  </a:solidFill>
-                </a:endParaRPr>
-              </a:p>
-            </p:txBody>
-          </p:sp>
-          <p:sp>
-            <p:nvSpPr>
-              <p:cNvPr id="20" name="TextBox 19"/>
-              <p:cNvSpPr txBox="1"/>
-              <p:nvPr/>
-            </p:nvSpPr>
-            <p:spPr>
-              <a:xfrm>
-                <a:off x="5486400" y="4191000"/>
-                <a:ext cx="962025" cy="369332"/>
-              </a:xfrm>
-              <a:prstGeom prst="rect">
-                <a:avLst/>
-              </a:prstGeom>
-              <a:noFill/>
-            </p:spPr>
-            <p:txBody>
-              <a:bodyPr wrap="square" rtlCol="0">
-                <a:spAutoFit/>
-              </a:bodyPr>
-              <a:lstStyle/>
-              <a:p>
-                <a:r>
-                  <a:rPr lang="en-US" dirty="0" smtClean="0">
-                    <a:solidFill>
-                      <a:srgbClr val="800000"/>
-                    </a:solidFill>
-                  </a:rPr>
-                  <a:t>Time to censor (</a:t>
-                </a:r>
-                <a:r>
-                  <a:rPr lang="en-US" dirty="0" err="1" smtClean="0"/>
-                  <a:t>Ci</a:t>
-                </a:r>
-                <a:r>
-                  <a:rPr lang="en-US" dirty="0" smtClean="0"/>
-                  <a:t> </a:t>
-                </a:r>
-                <a:r>
-                  <a:rPr lang="en-US" dirty="0" smtClean="0">
-                    <a:solidFill>
-                      <a:srgbClr val="800000"/>
-                    </a:solidFill>
-                  </a:rPr>
-                  <a:t>)</a:t>
-                </a:r>
-                <a:endParaRPr lang="en-US" baseline="-25000" dirty="0">
-                  <a:solidFill>
-                    <a:srgbClr val="800000"/>
-                  </a:solidFill>
-                </a:endParaRPr>
-              </a:p>
-            </p:txBody>
-          </p:sp>
-        </p:grpSp>
-        <p:sp>
-          <p:nvSpPr>
-            <p:cNvPr id="34" name="Rectangle 33"/>
-            <p:cNvSpPr/>
-            <p:nvPr/>
-          </p:nvSpPr>
-          <p:spPr>
-            <a:xfrm>
-              <a:off x="7010400" y="3657600"/>
-              <a:ext cx="838200" cy="457200"/>
-            </a:xfrm>
-            <a:prstGeom prst="rect">
-              <a:avLst/>
-            </a:prstGeom>
-            <a:solidFill>
-              <a:schemeClr val="bg1">
-                <a:alpha val="82000"/>
-              </a:schemeClr>
-            </a:solidFill>
-            <a:ln>
-              <a:solidFill>
-                <a:schemeClr val="bg1"/>
-              </a:solidFill>
-            </a:ln>
-          </p:spPr>
-          <p:style>
-            <a:lnRef idx="2">
-              <a:schemeClr val="accent1">
-                <a:shade val="50000"/>
-              </a:schemeClr>
-            </a:lnRef>
-            <a:fillRef idx="1">
-              <a:schemeClr val="accent1"/>
-            </a:fillRef>
-            <a:effectRef idx="0">
-              <a:schemeClr val="accent1"/>
-            </a:effectRef>
-            <a:fontRef idx="minor">
-              <a:schemeClr val="lt1"/>
-            </a:fontRef>
-          </p:style>
-          <p:txBody>
-            <a:bodyPr rtlCol="0" anchor="ctr"/>
-            <a:lstStyle/>
-            <a:p>
-              <a:pPr algn="ctr"/>
-              <a:endParaRPr lang="en-US"/>
-            </a:p>
-          </p:txBody>
-        </p:sp>
-      </p:grpSp>
-      <p:sp>
-        <p:nvSpPr>
-          <p:cNvPr id="39" name="Footer Placeholder 3"/>
-          <p:cNvSpPr>
-            <a:spLocks noGrp="1"/>
-          </p:cNvSpPr>
-          <p:nvPr>
-            <p:ph type="ftr" sz="quarter" idx="11"/>
-          </p:nvPr>
-        </p:nvSpPr>
-        <p:spPr>
-          <a:xfrm>
-            <a:off x="3124200" y="6492875"/>
-            <a:ext cx="2895600" cy="365125"/>
-          </a:xfrm>
-        </p:spPr>
-        <p:txBody>
-          <a:bodyPr/>
-          <a:lstStyle/>
-          <a:p>
-            <a:r>
-              <a:rPr lang="en-US" dirty="0" smtClean="0">
-                <a:solidFill>
-                  <a:schemeClr val="accent1"/>
-                </a:solidFill>
-              </a:rPr>
-              <a:t>STT 465, MSU, Fall, 2015</a:t>
-            </a:r>
-            <a:endParaRPr lang="en-US" dirty="0">
-              <a:solidFill>
-                <a:schemeClr val="accent1"/>
-              </a:solidFill>
-            </a:endParaRPr>
-          </a:p>
-        </p:txBody>
-      </p:sp>
-    </p:spTree>
-    <p:extLst>
-      <p:ext uri="{BB962C8B-B14F-4D97-AF65-F5344CB8AC3E}">
-        <p14:creationId xmlns:p14="http://schemas.microsoft.com/office/powerpoint/2010/main" val="3588332530"/>
-      </p:ext>
-    </p:extLst>
-  </p:cSld>
-  <p:clrMapOvr>
-    <a:masterClrMapping/>
-  </p:clrMapOvr>
-  <p:timing>
-    <p:tnLst>
-      <p:par>
-        <p:cTn xmlns:p14="http://schemas.microsoft.com/office/powerpoint/2010/main" id="1" dur="indefinite" restart="never" nodeType="tmRoot">
-          <p:childTnLst>
-            <p:seq concurrent="1" nextAc="seek">
-              <p:cTn id="2" dur="indefinite" nodeType="mainSeq">
-                <p:childTnLst>
-                  <p:par>
-                    <p:cTn id="3" fill="hold">
-                      <p:stCondLst>
-                        <p:cond delay="indefinite"/>
-                      </p:stCondLst>
-                      <p:childTnLst>
-                        <p:par>
-                          <p:cTn id="4" fill="hold">
-                            <p:stCondLst>
-                              <p:cond delay="0"/>
-                            </p:stCondLst>
-                            <p:childTnLst>
-                              <p:par>
-                                <p:cTn id="5" presetID="1" presetClass="entr" presetSubtype="0" fill="hold" nodeType="clickEffect">
-                                  <p:stCondLst>
-                                    <p:cond delay="0"/>
-                                  </p:stCondLst>
-                                  <p:childTnLst>
-                                    <p:set>
-                                      <p:cBhvr>
-                                        <p:cTn id="6" dur="1" fill="hold">
-                                          <p:stCondLst>
-                                            <p:cond delay="0"/>
-                                          </p:stCondLst>
-                                        </p:cTn>
-                                        <p:tgtEl>
-                                          <p:spTgt spid="30"/>
-                                        </p:tgtEl>
-                                        <p:attrNameLst>
-                                          <p:attrName>style.visibility</p:attrName>
-                                        </p:attrNameLst>
-                                      </p:cBhvr>
-                                      <p:to>
-                                        <p:strVal val="visible"/>
-                                      </p:to>
-                                    </p:set>
-                                  </p:childTnLst>
-                                </p:cTn>
-                              </p:par>
-                            </p:childTnLst>
-                          </p:cTn>
-                        </p:par>
-                      </p:childTnLst>
-                    </p:cTn>
-                  </p:par>
-                  <p:par>
-                    <p:cTn id="7" fill="hold">
-                      <p:stCondLst>
-                        <p:cond delay="indefinite"/>
-                      </p:stCondLst>
-                      <p:childTnLst>
-                        <p:par>
-                          <p:cTn id="8" fill="hold">
-                            <p:stCondLst>
-                              <p:cond delay="0"/>
-                            </p:stCondLst>
-                            <p:childTnLst>
-                              <p:par>
-                                <p:cTn id="9" presetID="1" presetClass="entr" presetSubtype="0" fill="hold" nodeType="clickEffect">
-                                  <p:stCondLst>
-                                    <p:cond delay="0"/>
-                                  </p:stCondLst>
-                                  <p:childTnLst>
-                                    <p:set>
-                                      <p:cBhvr>
-                                        <p:cTn id="10" dur="1" fill="hold">
-                                          <p:stCondLst>
-                                            <p:cond delay="0"/>
-                                          </p:stCondLst>
-                                        </p:cTn>
-                                        <p:tgtEl>
-                                          <p:spTgt spid="35"/>
-                                        </p:tgtEl>
-                                        <p:attrNameLst>
-                                          <p:attrName>style.visibility</p:attrName>
-                                        </p:attrNameLst>
-                                      </p:cBhvr>
-                                      <p:to>
-                                        <p:strVal val="visible"/>
-                                      </p:to>
-                                    </p:set>
-                                  </p:childTnLst>
-                                </p:cTn>
-                              </p:par>
-                            </p:childTnLst>
-                          </p:cTn>
-                        </p:par>
-                      </p:childTnLst>
-                    </p:cTn>
-                  </p:par>
-                  <p:par>
-                    <p:cTn id="11" fill="hold">
-                      <p:stCondLst>
-                        <p:cond delay="indefinite"/>
-                      </p:stCondLst>
-                      <p:childTnLst>
-                        <p:par>
-                          <p:cTn id="12" fill="hold">
-                            <p:stCondLst>
-                              <p:cond delay="0"/>
-                            </p:stCondLst>
-                            <p:childTnLst>
-                              <p:par>
-                                <p:cTn id="13" presetID="1" presetClass="entr" presetSubtype="0" fill="hold" nodeType="clickEffect">
-                                  <p:stCondLst>
-                                    <p:cond delay="0"/>
-                                  </p:stCondLst>
-                                  <p:childTnLst>
-                                    <p:set>
-                                      <p:cBhvr>
-                                        <p:cTn id="14" dur="1" fill="hold">
-                                          <p:stCondLst>
-                                            <p:cond delay="0"/>
-                                          </p:stCondLst>
-                                        </p:cTn>
-                                        <p:tgtEl>
-                                          <p:spTgt spid="36"/>
-                                        </p:tgtEl>
-                                        <p:attrNameLst>
-                                          <p:attrName>style.visibility</p:attrName>
-                                        </p:attrNameLst>
-                                      </p:cBhvr>
-                                      <p:to>
-                                        <p:strVal val="visible"/>
-                                      </p:to>
-                                    </p:set>
-                                  </p:childTnLst>
-                                </p:cTn>
-                              </p:par>
-                            </p:childTnLst>
-                          </p:cTn>
-                        </p:par>
-                      </p:childTnLst>
-                    </p:cTn>
-                  </p:par>
-                  <p:par>
-                    <p:cTn id="15" fill="hold">
-                      <p:stCondLst>
-                        <p:cond delay="indefinite"/>
-                      </p:stCondLst>
-                      <p:childTnLst>
-                        <p:par>
-                          <p:cTn id="16" fill="hold">
-                            <p:stCondLst>
-                              <p:cond delay="0"/>
-                            </p:stCondLst>
-                            <p:childTnLst>
-                              <p:par>
-                                <p:cTn id="17" presetID="1" presetClass="entr" presetSubtype="0" fill="hold" nodeType="clickEffect">
-                                  <p:stCondLst>
-                                    <p:cond delay="0"/>
-                                  </p:stCondLst>
-                                  <p:childTnLst>
-                                    <p:set>
-                                      <p:cBhvr>
-                                        <p:cTn id="18" dur="1" fill="hold">
-                                          <p:stCondLst>
-                                            <p:cond delay="0"/>
-                                          </p:stCondLst>
-                                        </p:cTn>
-                                        <p:tgtEl>
-                                          <p:spTgt spid="38"/>
-                                        </p:tgtEl>
-                                        <p:attrNameLst>
-                                          <p:attrName>style.visibility</p:attrName>
-                                        </p:attrNameLst>
-                                      </p:cBhvr>
-                                      <p:to>
-                                        <p:strVal val="visible"/>
-                                      </p:to>
-                                    </p:set>
-                                  </p:childTnLst>
-                                </p:cTn>
-                              </p:par>
-                            </p:childTnLst>
-                          </p:cTn>
-                        </p:par>
-                      </p:childTnLst>
-                    </p:cTn>
-                  </p:par>
-                  <p:par>
-                    <p:cTn id="19" fill="hold">
-                      <p:stCondLst>
-                        <p:cond delay="indefinite"/>
-                      </p:stCondLst>
-                      <p:childTnLst>
-                        <p:par>
-                          <p:cTn id="20" fill="hold">
-                            <p:stCondLst>
-                              <p:cond delay="0"/>
-                            </p:stCondLst>
-                            <p:childTnLst>
-                              <p:par>
-                                <p:cTn id="21" presetID="1" presetClass="entr" presetSubtype="0" fill="hold" nodeType="clickEffect">
-                                  <p:stCondLst>
-                                    <p:cond delay="0"/>
-                                  </p:stCondLst>
-                                  <p:childTnLst>
-                                    <p:set>
-                                      <p:cBhvr>
-                                        <p:cTn id="22" dur="1" fill="hold">
-                                          <p:stCondLst>
-                                            <p:cond delay="0"/>
-                                          </p:stCondLst>
-                                        </p:cTn>
-                                        <p:tgtEl>
-                                          <p:spTgt spid="37"/>
-                                        </p:tgtEl>
-                                        <p:attrNameLst>
-                                          <p:attrName>style.visibility</p:attrName>
-                                        </p:attrNameLst>
-                                      </p:cBhvr>
-                                      <p:to>
-                                        <p:strVal val="visible"/>
-                                      </p:to>
-                                    </p:set>
-                                  </p:childTnLst>
-                                </p:cTn>
-                              </p:par>
-                            </p:childTnLst>
-                          </p:cTn>
-                        </p:par>
-                      </p:childTnLst>
-                    </p:cTn>
-                  </p:par>
-                  <p:par>
-                    <p:cTn id="23" fill="hold">
-                      <p:stCondLst>
-                        <p:cond delay="indefinite"/>
-                      </p:stCondLst>
-                      <p:childTnLst>
-                        <p:par>
-                          <p:cTn id="24" fill="hold">
-                            <p:stCondLst>
-                              <p:cond delay="0"/>
-                            </p:stCondLst>
-                            <p:childTnLst>
-                              <p:par>
-                                <p:cTn id="25" presetID="3" presetClass="entr" presetSubtype="10" fill="hold" grpId="0" nodeType="clickEffect">
-                                  <p:stCondLst>
-                                    <p:cond delay="0"/>
-                                  </p:stCondLst>
-                                  <p:childTnLst>
-                                    <p:set>
-                                      <p:cBhvr>
-                                        <p:cTn id="26" dur="1" fill="hold">
-                                          <p:stCondLst>
-                                            <p:cond delay="0"/>
-                                          </p:stCondLst>
-                                        </p:cTn>
-                                        <p:tgtEl>
-                                          <p:spTgt spid="29"/>
-                                        </p:tgtEl>
-                                        <p:attrNameLst>
-                                          <p:attrName>style.visibility</p:attrName>
-                                        </p:attrNameLst>
-                                      </p:cBhvr>
-                                      <p:to>
-                                        <p:strVal val="visible"/>
-                                      </p:to>
-                                    </p:set>
-                                    <p:animEffect transition="in" filter="blinds(horizontal)">
-                                      <p:cBhvr>
-                                        <p:cTn id="27" dur="500"/>
-                                        <p:tgtEl>
-                                          <p:spTgt spid="29"/>
-                                        </p:tgtEl>
-                                      </p:cBhvr>
-                                    </p:animEffect>
-                                  </p:childTnLst>
-                                </p:cTn>
-                              </p:par>
-                            </p:childTnLst>
-                          </p:cTn>
-                        </p:par>
-                      </p:childTnLst>
-                    </p:cTn>
-                  </p:par>
-                </p:childTnLst>
-              </p:cTn>
-              <p:prevCondLst>
-                <p:cond evt="onPrev" delay="0">
-                  <p:tgtEl>
-                    <p:sldTgt/>
-                  </p:tgtEl>
-                </p:cond>
-              </p:prevCondLst>
-              <p:nextCondLst>
-                <p:cond evt="onNext" delay="0">
-                  <p:tgtEl>
-                    <p:sldTgt/>
-                  </p:tgtEl>
-                </p:cond>
-              </p:nextCondLst>
-            </p:seq>
-          </p:childTnLst>
-        </p:cTn>
-      </p:par>
-    </p:tnLst>
-    <p:bldLst>
-      <p:bldP spid="29" grpId="0"/>
-    </p:bldLst>
   </p:timing>
 </p:sld>
 </file>
@@ -11357,7 +8995,7 @@
           <a:graphicData uri="http://schemas.openxmlformats.org/presentationml/2006/ole">
             <mc:AlternateContent xmlns:mc="http://schemas.openxmlformats.org/markup-compatibility/2006">
               <mc:Choice xmlns:v="urn:schemas-microsoft-com:vml" Requires="v">
-                <p:oleObj spid="_x0000_s1218" name="Equation" r:id="rId4" imgW="1092200" imgH="330200" progId="Equation.3">
+                <p:oleObj spid="_x0000_s1235" name="Equation" r:id="rId4" imgW="1092200" imgH="330200" progId="Equation.3">
                   <p:embed/>
                 </p:oleObj>
               </mc:Choice>
@@ -11414,7 +9052,7 @@
           <a:graphicData uri="http://schemas.openxmlformats.org/presentationml/2006/ole">
             <mc:AlternateContent xmlns:mc="http://schemas.openxmlformats.org/markup-compatibility/2006">
               <mc:Choice xmlns:v="urn:schemas-microsoft-com:vml" Requires="v">
-                <p:oleObj spid="_x0000_s1219" name="Equation" r:id="rId6" imgW="673100" imgH="203200" progId="Equation.3">
+                <p:oleObj spid="_x0000_s1236" name="Equation" r:id="rId6" imgW="673100" imgH="203200" progId="Equation.3">
                   <p:embed/>
                 </p:oleObj>
               </mc:Choice>
@@ -11471,7 +9109,7 @@
           <a:graphicData uri="http://schemas.openxmlformats.org/presentationml/2006/ole">
             <mc:AlternateContent xmlns:mc="http://schemas.openxmlformats.org/markup-compatibility/2006">
               <mc:Choice xmlns:v="urn:schemas-microsoft-com:vml" Requires="v">
-                <p:oleObj spid="_x0000_s1220" name="Equation" r:id="rId8" imgW="1054100" imgH="342900" progId="Equation.3">
+                <p:oleObj spid="_x0000_s1237" name="Equation" r:id="rId8" imgW="1054100" imgH="342900" progId="Equation.3">
                   <p:embed/>
                 </p:oleObj>
               </mc:Choice>
@@ -11528,7 +9166,7 @@
           <a:graphicData uri="http://schemas.openxmlformats.org/presentationml/2006/ole">
             <mc:AlternateContent xmlns:mc="http://schemas.openxmlformats.org/markup-compatibility/2006">
               <mc:Choice xmlns:v="urn:schemas-microsoft-com:vml" Requires="v">
-                <p:oleObj spid="_x0000_s1221" name="Equation" r:id="rId10" imgW="3975100" imgH="965200" progId="Equation.3">
+                <p:oleObj spid="_x0000_s1238" name="Equation" r:id="rId10" imgW="3975100" imgH="965200" progId="Equation.3">
                   <p:embed/>
                 </p:oleObj>
               </mc:Choice>
@@ -11583,2388 +9221,6 @@
 </p:sld>
 </file>
 
-<file path=ppt/slides/slide20.xml><?xml version="1.0" encoding="utf-8"?>
-<p:sld xmlns:a="http://schemas.openxmlformats.org/drawingml/2006/main" xmlns:r="http://schemas.openxmlformats.org/officeDocument/2006/relationships" xmlns:p="http://schemas.openxmlformats.org/presentationml/2006/main">
-  <p:cSld>
-    <p:spTree>
-      <p:nvGrpSpPr>
-        <p:cNvPr id="1" name=""/>
-        <p:cNvGrpSpPr/>
-        <p:nvPr/>
-      </p:nvGrpSpPr>
-      <p:grpSpPr>
-        <a:xfrm>
-          <a:off x="0" y="0"/>
-          <a:ext cx="0" cy="0"/>
-          <a:chOff x="0" y="0"/>
-          <a:chExt cx="0" cy="0"/>
-        </a:xfrm>
-      </p:grpSpPr>
-      <p:sp>
-        <p:nvSpPr>
-          <p:cNvPr id="14" name="TextBox 13"/>
-          <p:cNvSpPr txBox="1"/>
-          <p:nvPr/>
-        </p:nvSpPr>
-        <p:spPr>
-          <a:xfrm>
-            <a:off x="914400" y="0"/>
-            <a:ext cx="7467600" cy="646331"/>
-          </a:xfrm>
-          <a:prstGeom prst="rect">
-            <a:avLst/>
-          </a:prstGeom>
-          <a:noFill/>
-          <a:ln>
-            <a:solidFill>
-              <a:srgbClr val="800000"/>
-            </a:solidFill>
-            <a:prstDash val="sysDash"/>
-          </a:ln>
-        </p:spPr>
-        <p:txBody>
-          <a:bodyPr wrap="square" rtlCol="0">
-            <a:spAutoFit/>
-          </a:bodyPr>
-          <a:lstStyle/>
-          <a:p>
-            <a:endParaRPr lang="en-US" sz="800" dirty="0" smtClean="0">
-              <a:solidFill>
-                <a:srgbClr val="800000"/>
-              </a:solidFill>
-            </a:endParaRPr>
-          </a:p>
-          <a:p>
-            <a:pPr algn="ctr"/>
-            <a:r>
-              <a:rPr lang="en-US" sz="2800" dirty="0" smtClean="0">
-                <a:solidFill>
-                  <a:srgbClr val="800000"/>
-                </a:solidFill>
-              </a:rPr>
-              <a:t>Dealing with Censoring in Bayesian Regression</a:t>
-            </a:r>
-            <a:endParaRPr lang="en-US" dirty="0" smtClean="0">
-              <a:solidFill>
-                <a:schemeClr val="accent1">
-                  <a:lumMod val="75000"/>
-                </a:schemeClr>
-              </a:solidFill>
-            </a:endParaRPr>
-          </a:p>
-        </p:txBody>
-      </p:sp>
-      <p:sp>
-        <p:nvSpPr>
-          <p:cNvPr id="15" name="TextBox 14"/>
-          <p:cNvSpPr txBox="1"/>
-          <p:nvPr/>
-        </p:nvSpPr>
-        <p:spPr>
-          <a:xfrm>
-            <a:off x="457200" y="990600"/>
-            <a:ext cx="8229600" cy="5539979"/>
-          </a:xfrm>
-          <a:prstGeom prst="rect">
-            <a:avLst/>
-          </a:prstGeom>
-          <a:noFill/>
-        </p:spPr>
-        <p:txBody>
-          <a:bodyPr wrap="square" rtlCol="0">
-            <a:spAutoFit/>
-          </a:bodyPr>
-          <a:lstStyle/>
-          <a:p>
-            <a:r>
-              <a:rPr lang="en-US" sz="2400" b="1" u="sng" dirty="0" smtClean="0">
-                <a:solidFill>
-                  <a:srgbClr val="1F497D"/>
-                </a:solidFill>
-              </a:rPr>
-              <a:t>Our strategy will be as the same as before:</a:t>
-            </a:r>
-          </a:p>
-          <a:p>
-            <a:pPr lvl="1"/>
-            <a:r>
-              <a:rPr lang="en-US" dirty="0" smtClean="0">
-                <a:solidFill>
-                  <a:schemeClr val="accent1">
-                    <a:lumMod val="75000"/>
-                  </a:schemeClr>
-                </a:solidFill>
-              </a:rPr>
-              <a:t>-    Write down the likelihood (for censored data in this case)</a:t>
-            </a:r>
-          </a:p>
-          <a:p>
-            <a:pPr marL="742950" lvl="1" indent="-285750">
-              <a:buFontTx/>
-              <a:buChar char="-"/>
-            </a:pPr>
-            <a:r>
-              <a:rPr lang="en-US" dirty="0" smtClean="0">
-                <a:solidFill>
-                  <a:schemeClr val="accent1">
-                    <a:lumMod val="75000"/>
-                  </a:schemeClr>
-                </a:solidFill>
-              </a:rPr>
-              <a:t>Define the prior </a:t>
-            </a:r>
-          </a:p>
-          <a:p>
-            <a:pPr marL="742950" lvl="1" indent="-285750">
-              <a:buFontTx/>
-              <a:buChar char="-"/>
-            </a:pPr>
-            <a:r>
-              <a:rPr lang="en-US" dirty="0" smtClean="0">
-                <a:solidFill>
-                  <a:schemeClr val="accent1">
-                    <a:lumMod val="75000"/>
-                  </a:schemeClr>
-                </a:solidFill>
-              </a:rPr>
-              <a:t>Using the above, arrive at the joint posterior (it typically does not have a closed form)</a:t>
-            </a:r>
-          </a:p>
-          <a:p>
-            <a:pPr marL="742950" lvl="1" indent="-285750">
-              <a:buFontTx/>
-              <a:buChar char="-"/>
-            </a:pPr>
-            <a:r>
-              <a:rPr lang="en-US" dirty="0" smtClean="0">
-                <a:solidFill>
-                  <a:schemeClr val="accent1">
-                    <a:lumMod val="75000"/>
-                  </a:schemeClr>
-                </a:solidFill>
-              </a:rPr>
-              <a:t>From the joint posterior  derive the fully conditional distribution of the censored data points.</a:t>
-            </a:r>
-          </a:p>
-          <a:p>
-            <a:pPr marL="742950" lvl="1" indent="-285750">
-              <a:buFontTx/>
-              <a:buChar char="-"/>
-            </a:pPr>
-            <a:r>
-              <a:rPr lang="en-US" dirty="0" smtClean="0">
-                <a:solidFill>
-                  <a:schemeClr val="accent1">
-                    <a:lumMod val="75000"/>
-                  </a:schemeClr>
-                </a:solidFill>
-              </a:rPr>
-              <a:t>Incorporate the fully conditional on the Gibbs sampler.</a:t>
-            </a:r>
-          </a:p>
-          <a:p>
-            <a:pPr lvl="1"/>
-            <a:endParaRPr lang="en-US" dirty="0" smtClean="0">
-              <a:solidFill>
-                <a:schemeClr val="accent1">
-                  <a:lumMod val="75000"/>
-                </a:schemeClr>
-              </a:solidFill>
-            </a:endParaRPr>
-          </a:p>
-          <a:p>
-            <a:r>
-              <a:rPr lang="en-US" sz="2400" b="1" u="sng" dirty="0" smtClean="0">
-                <a:solidFill>
-                  <a:srgbClr val="1F497D"/>
-                </a:solidFill>
-              </a:rPr>
-              <a:t>Notation:</a:t>
-            </a:r>
-            <a:endParaRPr lang="en-US" sz="2400" b="1" u="sng" dirty="0">
-              <a:solidFill>
-                <a:srgbClr val="1F497D"/>
-              </a:solidFill>
-            </a:endParaRPr>
-          </a:p>
-          <a:p>
-            <a:pPr lvl="1"/>
-            <a:endParaRPr lang="en-US" dirty="0">
-              <a:solidFill>
-                <a:schemeClr val="accent1">
-                  <a:lumMod val="75000"/>
-                </a:schemeClr>
-              </a:solidFill>
-            </a:endParaRPr>
-          </a:p>
-          <a:p>
-            <a:pPr marL="742950" lvl="1" indent="-285750">
-              <a:buFontTx/>
-              <a:buChar char="-"/>
-            </a:pPr>
-            <a:r>
-              <a:rPr lang="en-US" dirty="0" smtClean="0">
-                <a:solidFill>
-                  <a:schemeClr val="accent1">
-                    <a:lumMod val="75000"/>
-                  </a:schemeClr>
-                </a:solidFill>
-              </a:rPr>
-              <a:t>Yi: response (e.g., time to event or censoring time)</a:t>
-            </a:r>
-          </a:p>
-          <a:p>
-            <a:pPr marL="742950" lvl="1" indent="-285750">
-              <a:buFontTx/>
-              <a:buChar char="-"/>
-            </a:pPr>
-            <a:r>
-              <a:rPr lang="en-US" dirty="0" err="1" smtClean="0">
-                <a:solidFill>
-                  <a:schemeClr val="accent1">
-                    <a:lumMod val="75000"/>
-                  </a:schemeClr>
-                </a:solidFill>
-              </a:rPr>
-              <a:t>Ci</a:t>
-            </a:r>
-            <a:r>
-              <a:rPr lang="en-US" dirty="0" smtClean="0">
-                <a:solidFill>
-                  <a:schemeClr val="accent1">
-                    <a:lumMod val="75000"/>
-                  </a:schemeClr>
-                </a:solidFill>
-              </a:rPr>
-              <a:t>: a dummy variable with 1 indicating event and 0 indicating censoring.</a:t>
-            </a:r>
-          </a:p>
-          <a:p>
-            <a:pPr marL="742950" lvl="1" indent="-285750">
-              <a:buFontTx/>
-              <a:buChar char="-"/>
-            </a:pPr>
-            <a:endParaRPr lang="en-US" dirty="0">
-              <a:solidFill>
-                <a:schemeClr val="accent1">
-                  <a:lumMod val="75000"/>
-                </a:schemeClr>
-              </a:solidFill>
-            </a:endParaRPr>
-          </a:p>
-          <a:p>
-            <a:pPr marL="742950" lvl="1" indent="-285750">
-              <a:buFontTx/>
-              <a:buChar char="-"/>
-            </a:pPr>
-            <a:endParaRPr lang="en-US" dirty="0" smtClean="0">
-              <a:solidFill>
-                <a:schemeClr val="accent1">
-                  <a:lumMod val="75000"/>
-                </a:schemeClr>
-              </a:solidFill>
-            </a:endParaRPr>
-          </a:p>
-          <a:p>
-            <a:pPr marL="742950" lvl="1" indent="-285750">
-              <a:buFontTx/>
-              <a:buChar char="-"/>
-            </a:pPr>
-            <a:endParaRPr lang="en-US" dirty="0">
-              <a:solidFill>
-                <a:schemeClr val="accent1">
-                  <a:lumMod val="75000"/>
-                </a:schemeClr>
-              </a:solidFill>
-            </a:endParaRPr>
-          </a:p>
-          <a:p>
-            <a:pPr lvl="1"/>
-            <a:endParaRPr lang="en-US" dirty="0">
-              <a:solidFill>
-                <a:schemeClr val="accent1">
-                  <a:lumMod val="75000"/>
-                </a:schemeClr>
-              </a:solidFill>
-            </a:endParaRPr>
-          </a:p>
-          <a:p>
-            <a:pPr lvl="1"/>
-            <a:endParaRPr lang="en-US" dirty="0">
-              <a:solidFill>
-                <a:schemeClr val="accent1">
-                  <a:lumMod val="75000"/>
-                </a:schemeClr>
-              </a:solidFill>
-            </a:endParaRPr>
-          </a:p>
-          <a:p>
-            <a:pPr marL="742950" lvl="1" indent="-285750">
-              <a:buFontTx/>
-              <a:buChar char="-"/>
-            </a:pPr>
-            <a:endParaRPr lang="en-US" dirty="0" smtClean="0">
-              <a:solidFill>
-                <a:schemeClr val="accent1">
-                  <a:lumMod val="75000"/>
-                </a:schemeClr>
-              </a:solidFill>
-            </a:endParaRPr>
-          </a:p>
-        </p:txBody>
-      </p:sp>
-      <p:sp>
-        <p:nvSpPr>
-          <p:cNvPr id="5" name="Footer Placeholder 3"/>
-          <p:cNvSpPr>
-            <a:spLocks noGrp="1"/>
-          </p:cNvSpPr>
-          <p:nvPr>
-            <p:ph type="ftr" sz="quarter" idx="11"/>
-          </p:nvPr>
-        </p:nvSpPr>
-        <p:spPr>
-          <a:xfrm>
-            <a:off x="3124200" y="6356350"/>
-            <a:ext cx="2895600" cy="365125"/>
-          </a:xfrm>
-        </p:spPr>
-        <p:txBody>
-          <a:bodyPr/>
-          <a:lstStyle/>
-          <a:p>
-            <a:r>
-              <a:rPr lang="en-US" dirty="0" smtClean="0">
-                <a:solidFill>
-                  <a:schemeClr val="accent1"/>
-                </a:solidFill>
-              </a:rPr>
-              <a:t>STT 465, MSU, Fall, 2015</a:t>
-            </a:r>
-            <a:endParaRPr lang="en-US" dirty="0">
-              <a:solidFill>
-                <a:schemeClr val="accent1"/>
-              </a:solidFill>
-            </a:endParaRPr>
-          </a:p>
-        </p:txBody>
-      </p:sp>
-    </p:spTree>
-    <p:extLst>
-      <p:ext uri="{BB962C8B-B14F-4D97-AF65-F5344CB8AC3E}">
-        <p14:creationId xmlns:p14="http://schemas.microsoft.com/office/powerpoint/2010/main" val="4269366763"/>
-      </p:ext>
-    </p:extLst>
-  </p:cSld>
-  <p:clrMapOvr>
-    <a:masterClrMapping/>
-  </p:clrMapOvr>
-  <p:timing>
-    <p:tnLst>
-      <p:par>
-        <p:cTn xmlns:p14="http://schemas.microsoft.com/office/powerpoint/2010/main" id="1" dur="indefinite" restart="never" nodeType="tmRoot"/>
-      </p:par>
-    </p:tnLst>
-  </p:timing>
-</p:sld>
-</file>
-
-<file path=ppt/slides/slide21.xml><?xml version="1.0" encoding="utf-8"?>
-<p:sld xmlns:a="http://schemas.openxmlformats.org/drawingml/2006/main" xmlns:r="http://schemas.openxmlformats.org/officeDocument/2006/relationships" xmlns:p="http://schemas.openxmlformats.org/presentationml/2006/main">
-  <p:cSld>
-    <p:spTree>
-      <p:nvGrpSpPr>
-        <p:cNvPr id="1" name=""/>
-        <p:cNvGrpSpPr/>
-        <p:nvPr/>
-      </p:nvGrpSpPr>
-      <p:grpSpPr>
-        <a:xfrm>
-          <a:off x="0" y="0"/>
-          <a:ext cx="0" cy="0"/>
-          <a:chOff x="0" y="0"/>
-          <a:chExt cx="0" cy="0"/>
-        </a:xfrm>
-      </p:grpSpPr>
-      <p:sp>
-        <p:nvSpPr>
-          <p:cNvPr id="2" name="Title 1"/>
-          <p:cNvSpPr>
-            <a:spLocks noGrp="1"/>
-          </p:cNvSpPr>
-          <p:nvPr>
-            <p:ph type="ctrTitle"/>
-          </p:nvPr>
-        </p:nvSpPr>
-        <p:spPr>
-          <a:xfrm>
-            <a:off x="914400" y="152400"/>
-            <a:ext cx="7772400" cy="762000"/>
-          </a:xfrm>
-        </p:spPr>
-        <p:txBody>
-          <a:bodyPr>
-            <a:normAutofit/>
-          </a:bodyPr>
-          <a:lstStyle/>
-          <a:p>
-            <a:r>
-              <a:rPr lang="en-US" sz="3200" dirty="0" smtClean="0">
-                <a:solidFill>
-                  <a:schemeClr val="accent2">
-                    <a:lumMod val="75000"/>
-                  </a:schemeClr>
-                </a:solidFill>
-              </a:rPr>
-              <a:t>Likelihood Function</a:t>
-            </a:r>
-            <a:endParaRPr lang="en-US" sz="3200" dirty="0">
-              <a:solidFill>
-                <a:schemeClr val="accent2">
-                  <a:lumMod val="75000"/>
-                </a:schemeClr>
-              </a:solidFill>
-            </a:endParaRPr>
-          </a:p>
-        </p:txBody>
-      </p:sp>
-      <p:sp>
-        <p:nvSpPr>
-          <p:cNvPr id="4" name="Footer Placeholder 3"/>
-          <p:cNvSpPr>
-            <a:spLocks noGrp="1"/>
-          </p:cNvSpPr>
-          <p:nvPr>
-            <p:ph type="ftr" sz="quarter" idx="11"/>
-          </p:nvPr>
-        </p:nvSpPr>
-        <p:spPr>
-          <a:xfrm>
-            <a:off x="3124200" y="6569075"/>
-            <a:ext cx="2895600" cy="365125"/>
-          </a:xfrm>
-        </p:spPr>
-        <p:txBody>
-          <a:bodyPr/>
-          <a:lstStyle/>
-          <a:p>
-            <a:r>
-              <a:rPr lang="en-US" dirty="0" smtClean="0">
-                <a:solidFill>
-                  <a:schemeClr val="accent1"/>
-                </a:solidFill>
-              </a:rPr>
-              <a:t>STT 465, MSU, Fall, 2015</a:t>
-            </a:r>
-            <a:endParaRPr lang="en-US" dirty="0">
-              <a:solidFill>
-                <a:schemeClr val="accent1"/>
-              </a:solidFill>
-            </a:endParaRPr>
-          </a:p>
-        </p:txBody>
-      </p:sp>
-      <p:sp>
-        <p:nvSpPr>
-          <p:cNvPr id="6" name="TextBox 5"/>
-          <p:cNvSpPr txBox="1"/>
-          <p:nvPr/>
-        </p:nvSpPr>
-        <p:spPr>
-          <a:xfrm>
-            <a:off x="76200" y="990600"/>
-            <a:ext cx="8991600" cy="5632310"/>
-          </a:xfrm>
-          <a:prstGeom prst="rect">
-            <a:avLst/>
-          </a:prstGeom>
-          <a:noFill/>
-          <a:ln>
-            <a:solidFill>
-              <a:srgbClr val="800000"/>
-            </a:solidFill>
-            <a:prstDash val="sysDash"/>
-          </a:ln>
-        </p:spPr>
-        <p:txBody>
-          <a:bodyPr wrap="square" rtlCol="0">
-            <a:spAutoFit/>
-          </a:bodyPr>
-          <a:lstStyle/>
-          <a:p>
-            <a:endParaRPr lang="en-US" sz="2400" dirty="0" smtClean="0">
-              <a:solidFill>
-                <a:schemeClr val="accent1">
-                  <a:lumMod val="75000"/>
-                </a:schemeClr>
-              </a:solidFill>
-            </a:endParaRPr>
-          </a:p>
-          <a:p>
-            <a:endParaRPr lang="en-US" sz="2400" dirty="0">
-              <a:solidFill>
-                <a:schemeClr val="accent1">
-                  <a:lumMod val="75000"/>
-                </a:schemeClr>
-              </a:solidFill>
-            </a:endParaRPr>
-          </a:p>
-          <a:p>
-            <a:endParaRPr lang="en-US" sz="2400" dirty="0" smtClean="0">
-              <a:solidFill>
-                <a:schemeClr val="accent1">
-                  <a:lumMod val="75000"/>
-                </a:schemeClr>
-              </a:solidFill>
-            </a:endParaRPr>
-          </a:p>
-          <a:p>
-            <a:endParaRPr lang="en-US" sz="2400" dirty="0">
-              <a:solidFill>
-                <a:schemeClr val="accent1">
-                  <a:lumMod val="75000"/>
-                </a:schemeClr>
-              </a:solidFill>
-            </a:endParaRPr>
-          </a:p>
-          <a:p>
-            <a:endParaRPr lang="en-US" sz="2400" dirty="0" smtClean="0">
-              <a:solidFill>
-                <a:schemeClr val="accent1">
-                  <a:lumMod val="75000"/>
-                </a:schemeClr>
-              </a:solidFill>
-            </a:endParaRPr>
-          </a:p>
-          <a:p>
-            <a:endParaRPr lang="en-US" sz="2400" dirty="0">
-              <a:solidFill>
-                <a:schemeClr val="accent1">
-                  <a:lumMod val="75000"/>
-                </a:schemeClr>
-              </a:solidFill>
-            </a:endParaRPr>
-          </a:p>
-          <a:p>
-            <a:endParaRPr lang="en-US" sz="2400" dirty="0" smtClean="0">
-              <a:solidFill>
-                <a:schemeClr val="accent1">
-                  <a:lumMod val="75000"/>
-                </a:schemeClr>
-              </a:solidFill>
-            </a:endParaRPr>
-          </a:p>
-          <a:p>
-            <a:endParaRPr lang="en-US" sz="2400" dirty="0">
-              <a:solidFill>
-                <a:schemeClr val="accent1">
-                  <a:lumMod val="75000"/>
-                </a:schemeClr>
-              </a:solidFill>
-            </a:endParaRPr>
-          </a:p>
-          <a:p>
-            <a:endParaRPr lang="en-US" sz="2400" dirty="0" smtClean="0">
-              <a:solidFill>
-                <a:schemeClr val="accent1">
-                  <a:lumMod val="75000"/>
-                </a:schemeClr>
-              </a:solidFill>
-            </a:endParaRPr>
-          </a:p>
-          <a:p>
-            <a:endParaRPr lang="en-US" sz="2400" dirty="0">
-              <a:solidFill>
-                <a:schemeClr val="accent1">
-                  <a:lumMod val="75000"/>
-                </a:schemeClr>
-              </a:solidFill>
-            </a:endParaRPr>
-          </a:p>
-          <a:p>
-            <a:endParaRPr lang="en-US" sz="2400" dirty="0" smtClean="0">
-              <a:solidFill>
-                <a:schemeClr val="accent1">
-                  <a:lumMod val="75000"/>
-                </a:schemeClr>
-              </a:solidFill>
-            </a:endParaRPr>
-          </a:p>
-          <a:p>
-            <a:endParaRPr lang="en-US" sz="2400" dirty="0">
-              <a:solidFill>
-                <a:schemeClr val="accent1">
-                  <a:lumMod val="75000"/>
-                </a:schemeClr>
-              </a:solidFill>
-            </a:endParaRPr>
-          </a:p>
-          <a:p>
-            <a:endParaRPr lang="en-US" sz="2400" dirty="0" smtClean="0">
-              <a:solidFill>
-                <a:schemeClr val="accent1">
-                  <a:lumMod val="75000"/>
-                </a:schemeClr>
-              </a:solidFill>
-            </a:endParaRPr>
-          </a:p>
-          <a:p>
-            <a:endParaRPr lang="en-US" sz="2400" dirty="0">
-              <a:solidFill>
-                <a:schemeClr val="accent1">
-                  <a:lumMod val="75000"/>
-                </a:schemeClr>
-              </a:solidFill>
-            </a:endParaRPr>
-          </a:p>
-          <a:p>
-            <a:endParaRPr lang="en-US" sz="2400" dirty="0">
-              <a:solidFill>
-                <a:schemeClr val="accent1">
-                  <a:lumMod val="75000"/>
-                </a:schemeClr>
-              </a:solidFill>
-            </a:endParaRPr>
-          </a:p>
-        </p:txBody>
-      </p:sp>
-      <p:graphicFrame>
-        <p:nvGraphicFramePr>
-          <p:cNvPr id="5" name="Object 4"/>
-          <p:cNvGraphicFramePr>
-            <a:graphicFrameLocks noChangeAspect="1"/>
-          </p:cNvGraphicFramePr>
-          <p:nvPr>
-            <p:extLst>
-              <p:ext uri="{D42A27DB-BD31-4B8C-83A1-F6EECF244321}">
-                <p14:modId xmlns:p14="http://schemas.microsoft.com/office/powerpoint/2010/main" val="3504116112"/>
-              </p:ext>
-            </p:extLst>
-          </p:nvPr>
-        </p:nvGraphicFramePr>
-        <p:xfrm>
-          <a:off x="1143000" y="4953000"/>
-          <a:ext cx="6134100" cy="1139825"/>
-        </p:xfrm>
-        <a:graphic>
-          <a:graphicData uri="http://schemas.openxmlformats.org/presentationml/2006/ole">
-            <mc:AlternateContent xmlns:mc="http://schemas.openxmlformats.org/markup-compatibility/2006">
-              <mc:Choice xmlns:v="urn:schemas-microsoft-com:vml" Requires="v">
-                <p:oleObj spid="_x0000_s56330" name="Equation" r:id="rId4" imgW="3695700" imgH="685800" progId="Equation.3">
-                  <p:embed/>
-                </p:oleObj>
-              </mc:Choice>
-              <mc:Fallback>
-                <p:oleObj name="Equation" r:id="rId4" imgW="3695700" imgH="685800" progId="Equation.3">
-                  <p:embed/>
-                  <p:pic>
-                    <p:nvPicPr>
-                      <p:cNvPr id="0" name=""/>
-                      <p:cNvPicPr/>
-                      <p:nvPr/>
-                    </p:nvPicPr>
-                    <p:blipFill>
-                      <a:blip r:embed="rId5"/>
-                      <a:stretch>
-                        <a:fillRect/>
-                      </a:stretch>
-                    </p:blipFill>
-                    <p:spPr>
-                      <a:xfrm>
-                        <a:off x="1143000" y="4953000"/>
-                        <a:ext cx="6134100" cy="1139825"/>
-                      </a:xfrm>
-                      <a:prstGeom prst="rect">
-                        <a:avLst/>
-                      </a:prstGeom>
-                    </p:spPr>
-                  </p:pic>
-                </p:oleObj>
-              </mc:Fallback>
-            </mc:AlternateContent>
-          </a:graphicData>
-        </a:graphic>
-      </p:graphicFrame>
-      <p:sp>
-        <p:nvSpPr>
-          <p:cNvPr id="3" name="TextBox 2"/>
-          <p:cNvSpPr txBox="1"/>
-          <p:nvPr/>
-        </p:nvSpPr>
-        <p:spPr>
-          <a:xfrm>
-            <a:off x="381000" y="1143000"/>
-            <a:ext cx="3276600" cy="461665"/>
-          </a:xfrm>
-          <a:prstGeom prst="rect">
-            <a:avLst/>
-          </a:prstGeom>
-          <a:noFill/>
-        </p:spPr>
-        <p:txBody>
-          <a:bodyPr wrap="square" rtlCol="0">
-            <a:spAutoFit/>
-          </a:bodyPr>
-          <a:lstStyle/>
-          <a:p>
-            <a:r>
-              <a:rPr lang="en-US" sz="2400" dirty="0" smtClean="0">
-                <a:solidFill>
-                  <a:schemeClr val="tx2"/>
-                </a:solidFill>
-              </a:rPr>
-              <a:t>Observed Data-points</a:t>
-            </a:r>
-            <a:endParaRPr lang="en-US" sz="2400" dirty="0">
-              <a:solidFill>
-                <a:schemeClr val="tx2"/>
-              </a:solidFill>
-            </a:endParaRPr>
-          </a:p>
-        </p:txBody>
-      </p:sp>
-      <p:graphicFrame>
-        <p:nvGraphicFramePr>
-          <p:cNvPr id="14" name="Object 13"/>
-          <p:cNvGraphicFramePr>
-            <a:graphicFrameLocks noChangeAspect="1"/>
-          </p:cNvGraphicFramePr>
-          <p:nvPr>
-            <p:extLst>
-              <p:ext uri="{D42A27DB-BD31-4B8C-83A1-F6EECF244321}">
-                <p14:modId xmlns:p14="http://schemas.microsoft.com/office/powerpoint/2010/main" val="707279349"/>
-              </p:ext>
-            </p:extLst>
-          </p:nvPr>
-        </p:nvGraphicFramePr>
-        <p:xfrm>
-          <a:off x="457200" y="1905000"/>
-          <a:ext cx="3061641" cy="1079500"/>
-        </p:xfrm>
-        <a:graphic>
-          <a:graphicData uri="http://schemas.openxmlformats.org/presentationml/2006/ole">
-            <mc:AlternateContent xmlns:mc="http://schemas.openxmlformats.org/markup-compatibility/2006">
-              <mc:Choice xmlns:v="urn:schemas-microsoft-com:vml" Requires="v">
-                <p:oleObj spid="_x0000_s56331" name="Equation" r:id="rId6" imgW="2235200" imgH="787400" progId="Equation.3">
-                  <p:embed/>
-                </p:oleObj>
-              </mc:Choice>
-              <mc:Fallback>
-                <p:oleObj name="Equation" r:id="rId6" imgW="2235200" imgH="787400" progId="Equation.3">
-                  <p:embed/>
-                  <p:pic>
-                    <p:nvPicPr>
-                      <p:cNvPr id="0" name=""/>
-                      <p:cNvPicPr/>
-                      <p:nvPr/>
-                    </p:nvPicPr>
-                    <p:blipFill>
-                      <a:blip r:embed="rId7"/>
-                      <a:stretch>
-                        <a:fillRect/>
-                      </a:stretch>
-                    </p:blipFill>
-                    <p:spPr>
-                      <a:xfrm>
-                        <a:off x="457200" y="1905000"/>
-                        <a:ext cx="3061641" cy="1079500"/>
-                      </a:xfrm>
-                      <a:prstGeom prst="rect">
-                        <a:avLst/>
-                      </a:prstGeom>
-                    </p:spPr>
-                  </p:pic>
-                </p:oleObj>
-              </mc:Fallback>
-            </mc:AlternateContent>
-          </a:graphicData>
-        </a:graphic>
-      </p:graphicFrame>
-      <p:sp>
-        <p:nvSpPr>
-          <p:cNvPr id="15" name="TextBox 14"/>
-          <p:cNvSpPr txBox="1"/>
-          <p:nvPr/>
-        </p:nvSpPr>
-        <p:spPr>
-          <a:xfrm>
-            <a:off x="5181600" y="1143000"/>
-            <a:ext cx="3276600" cy="461665"/>
-          </a:xfrm>
-          <a:prstGeom prst="rect">
-            <a:avLst/>
-          </a:prstGeom>
-          <a:noFill/>
-        </p:spPr>
-        <p:txBody>
-          <a:bodyPr wrap="square" rtlCol="0">
-            <a:spAutoFit/>
-          </a:bodyPr>
-          <a:lstStyle/>
-          <a:p>
-            <a:pPr algn="ctr"/>
-            <a:r>
-              <a:rPr lang="en-US" sz="2400" dirty="0" smtClean="0">
-                <a:solidFill>
-                  <a:schemeClr val="tx2"/>
-                </a:solidFill>
-              </a:rPr>
-              <a:t>Censored Data-points</a:t>
-            </a:r>
-            <a:endParaRPr lang="en-US" sz="2400" dirty="0">
-              <a:solidFill>
-                <a:schemeClr val="tx2"/>
-              </a:solidFill>
-            </a:endParaRPr>
-          </a:p>
-        </p:txBody>
-      </p:sp>
-      <p:graphicFrame>
-        <p:nvGraphicFramePr>
-          <p:cNvPr id="16" name="Object 15"/>
-          <p:cNvGraphicFramePr>
-            <a:graphicFrameLocks noChangeAspect="1"/>
-          </p:cNvGraphicFramePr>
-          <p:nvPr>
-            <p:extLst>
-              <p:ext uri="{D42A27DB-BD31-4B8C-83A1-F6EECF244321}">
-                <p14:modId xmlns:p14="http://schemas.microsoft.com/office/powerpoint/2010/main" val="2636123359"/>
-              </p:ext>
-            </p:extLst>
-          </p:nvPr>
-        </p:nvGraphicFramePr>
-        <p:xfrm>
-          <a:off x="4800600" y="1905000"/>
-          <a:ext cx="4008437" cy="1076933"/>
-        </p:xfrm>
-        <a:graphic>
-          <a:graphicData uri="http://schemas.openxmlformats.org/presentationml/2006/ole">
-            <mc:AlternateContent xmlns:mc="http://schemas.openxmlformats.org/markup-compatibility/2006">
-              <mc:Choice xmlns:v="urn:schemas-microsoft-com:vml" Requires="v">
-                <p:oleObj spid="_x0000_s56332" name="Equation" r:id="rId8" imgW="2933700" imgH="787400" progId="Equation.3">
-                  <p:embed/>
-                </p:oleObj>
-              </mc:Choice>
-              <mc:Fallback>
-                <p:oleObj name="Equation" r:id="rId8" imgW="2933700" imgH="787400" progId="Equation.3">
-                  <p:embed/>
-                  <p:pic>
-                    <p:nvPicPr>
-                      <p:cNvPr id="0" name=""/>
-                      <p:cNvPicPr/>
-                      <p:nvPr/>
-                    </p:nvPicPr>
-                    <p:blipFill>
-                      <a:blip r:embed="rId9"/>
-                      <a:stretch>
-                        <a:fillRect/>
-                      </a:stretch>
-                    </p:blipFill>
-                    <p:spPr>
-                      <a:xfrm>
-                        <a:off x="4800600" y="1905000"/>
-                        <a:ext cx="4008437" cy="1076933"/>
-                      </a:xfrm>
-                      <a:prstGeom prst="rect">
-                        <a:avLst/>
-                      </a:prstGeom>
-                    </p:spPr>
-                  </p:pic>
-                </p:oleObj>
-              </mc:Fallback>
-            </mc:AlternateContent>
-          </a:graphicData>
-        </a:graphic>
-      </p:graphicFrame>
-      <p:sp>
-        <p:nvSpPr>
-          <p:cNvPr id="17" name="TextBox 16"/>
-          <p:cNvSpPr txBox="1"/>
-          <p:nvPr/>
-        </p:nvSpPr>
-        <p:spPr>
-          <a:xfrm>
-            <a:off x="2895600" y="3962400"/>
-            <a:ext cx="3276600" cy="461665"/>
-          </a:xfrm>
-          <a:prstGeom prst="rect">
-            <a:avLst/>
-          </a:prstGeom>
-          <a:noFill/>
-        </p:spPr>
-        <p:txBody>
-          <a:bodyPr wrap="square" rtlCol="0">
-            <a:spAutoFit/>
-          </a:bodyPr>
-          <a:lstStyle/>
-          <a:p>
-            <a:r>
-              <a:rPr lang="en-US" sz="2400" dirty="0" smtClean="0">
-                <a:solidFill>
-                  <a:schemeClr val="tx2"/>
-                </a:solidFill>
-              </a:rPr>
-              <a:t>Likelihood Function</a:t>
-            </a:r>
-            <a:endParaRPr lang="en-US" sz="2400" dirty="0">
-              <a:solidFill>
-                <a:schemeClr val="tx2"/>
-              </a:solidFill>
-            </a:endParaRPr>
-          </a:p>
-        </p:txBody>
-      </p:sp>
-    </p:spTree>
-    <p:extLst>
-      <p:ext uri="{BB962C8B-B14F-4D97-AF65-F5344CB8AC3E}">
-        <p14:creationId xmlns:p14="http://schemas.microsoft.com/office/powerpoint/2010/main" val="2152463651"/>
-      </p:ext>
-    </p:extLst>
-  </p:cSld>
-  <p:clrMapOvr>
-    <a:masterClrMapping/>
-  </p:clrMapOvr>
-  <p:timing>
-    <p:tnLst>
-      <p:par>
-        <p:cTn xmlns:p14="http://schemas.microsoft.com/office/powerpoint/2010/main" id="1" dur="indefinite" restart="never" nodeType="tmRoot"/>
-      </p:par>
-    </p:tnLst>
-  </p:timing>
-</p:sld>
-</file>
-
-<file path=ppt/slides/slide22.xml><?xml version="1.0" encoding="utf-8"?>
-<p:sld xmlns:a="http://schemas.openxmlformats.org/drawingml/2006/main" xmlns:r="http://schemas.openxmlformats.org/officeDocument/2006/relationships" xmlns:p="http://schemas.openxmlformats.org/presentationml/2006/main">
-  <p:cSld>
-    <p:spTree>
-      <p:nvGrpSpPr>
-        <p:cNvPr id="1" name=""/>
-        <p:cNvGrpSpPr/>
-        <p:nvPr/>
-      </p:nvGrpSpPr>
-      <p:grpSpPr>
-        <a:xfrm>
-          <a:off x="0" y="0"/>
-          <a:ext cx="0" cy="0"/>
-          <a:chOff x="0" y="0"/>
-          <a:chExt cx="0" cy="0"/>
-        </a:xfrm>
-      </p:grpSpPr>
-      <p:sp>
-        <p:nvSpPr>
-          <p:cNvPr id="2" name="Title 1"/>
-          <p:cNvSpPr>
-            <a:spLocks noGrp="1"/>
-          </p:cNvSpPr>
-          <p:nvPr>
-            <p:ph type="ctrTitle"/>
-          </p:nvPr>
-        </p:nvSpPr>
-        <p:spPr>
-          <a:xfrm>
-            <a:off x="838200" y="25400"/>
-            <a:ext cx="7772400" cy="762000"/>
-          </a:xfrm>
-        </p:spPr>
-        <p:txBody>
-          <a:bodyPr>
-            <a:normAutofit/>
-          </a:bodyPr>
-          <a:lstStyle/>
-          <a:p>
-            <a:r>
-              <a:rPr lang="en-US" sz="3200" dirty="0" smtClean="0">
-                <a:solidFill>
-                  <a:schemeClr val="accent2">
-                    <a:lumMod val="75000"/>
-                  </a:schemeClr>
-                </a:solidFill>
-              </a:rPr>
-              <a:t>Fully Conditional Distribution</a:t>
-            </a:r>
-            <a:endParaRPr lang="en-US" sz="3200" dirty="0">
-              <a:solidFill>
-                <a:schemeClr val="accent2">
-                  <a:lumMod val="75000"/>
-                </a:schemeClr>
-              </a:solidFill>
-            </a:endParaRPr>
-          </a:p>
-        </p:txBody>
-      </p:sp>
-      <p:sp>
-        <p:nvSpPr>
-          <p:cNvPr id="4" name="Footer Placeholder 3"/>
-          <p:cNvSpPr>
-            <a:spLocks noGrp="1"/>
-          </p:cNvSpPr>
-          <p:nvPr>
-            <p:ph type="ftr" sz="quarter" idx="11"/>
-          </p:nvPr>
-        </p:nvSpPr>
-        <p:spPr>
-          <a:xfrm>
-            <a:off x="3124200" y="6569075"/>
-            <a:ext cx="2895600" cy="365125"/>
-          </a:xfrm>
-        </p:spPr>
-        <p:txBody>
-          <a:bodyPr/>
-          <a:lstStyle/>
-          <a:p>
-            <a:r>
-              <a:rPr lang="en-US" dirty="0" smtClean="0">
-                <a:solidFill>
-                  <a:schemeClr val="accent1"/>
-                </a:solidFill>
-              </a:rPr>
-              <a:t>STT 465, MSU, Fall, 2015</a:t>
-            </a:r>
-            <a:endParaRPr lang="en-US" dirty="0">
-              <a:solidFill>
-                <a:schemeClr val="accent1"/>
-              </a:solidFill>
-            </a:endParaRPr>
-          </a:p>
-        </p:txBody>
-      </p:sp>
-      <p:sp>
-        <p:nvSpPr>
-          <p:cNvPr id="6" name="TextBox 5"/>
-          <p:cNvSpPr txBox="1"/>
-          <p:nvPr/>
-        </p:nvSpPr>
-        <p:spPr>
-          <a:xfrm>
-            <a:off x="0" y="838200"/>
-            <a:ext cx="8991600" cy="5632310"/>
-          </a:xfrm>
-          <a:prstGeom prst="rect">
-            <a:avLst/>
-          </a:prstGeom>
-          <a:noFill/>
-          <a:ln>
-            <a:solidFill>
-              <a:srgbClr val="800000"/>
-            </a:solidFill>
-            <a:prstDash val="sysDash"/>
-          </a:ln>
-        </p:spPr>
-        <p:txBody>
-          <a:bodyPr wrap="square" rtlCol="0">
-            <a:spAutoFit/>
-          </a:bodyPr>
-          <a:lstStyle/>
-          <a:p>
-            <a:endParaRPr lang="en-US" sz="2400" dirty="0" smtClean="0">
-              <a:solidFill>
-                <a:schemeClr val="accent1">
-                  <a:lumMod val="75000"/>
-                </a:schemeClr>
-              </a:solidFill>
-            </a:endParaRPr>
-          </a:p>
-          <a:p>
-            <a:endParaRPr lang="en-US" sz="2400" dirty="0">
-              <a:solidFill>
-                <a:schemeClr val="accent1">
-                  <a:lumMod val="75000"/>
-                </a:schemeClr>
-              </a:solidFill>
-            </a:endParaRPr>
-          </a:p>
-          <a:p>
-            <a:endParaRPr lang="en-US" sz="2400" dirty="0" smtClean="0">
-              <a:solidFill>
-                <a:schemeClr val="accent1">
-                  <a:lumMod val="75000"/>
-                </a:schemeClr>
-              </a:solidFill>
-            </a:endParaRPr>
-          </a:p>
-          <a:p>
-            <a:endParaRPr lang="en-US" sz="2400" dirty="0">
-              <a:solidFill>
-                <a:schemeClr val="accent1">
-                  <a:lumMod val="75000"/>
-                </a:schemeClr>
-              </a:solidFill>
-            </a:endParaRPr>
-          </a:p>
-          <a:p>
-            <a:endParaRPr lang="en-US" sz="2400" dirty="0" smtClean="0">
-              <a:solidFill>
-                <a:schemeClr val="accent1">
-                  <a:lumMod val="75000"/>
-                </a:schemeClr>
-              </a:solidFill>
-            </a:endParaRPr>
-          </a:p>
-          <a:p>
-            <a:endParaRPr lang="en-US" sz="2400" dirty="0">
-              <a:solidFill>
-                <a:schemeClr val="accent1">
-                  <a:lumMod val="75000"/>
-                </a:schemeClr>
-              </a:solidFill>
-            </a:endParaRPr>
-          </a:p>
-          <a:p>
-            <a:endParaRPr lang="en-US" sz="2400" dirty="0" smtClean="0">
-              <a:solidFill>
-                <a:schemeClr val="accent1">
-                  <a:lumMod val="75000"/>
-                </a:schemeClr>
-              </a:solidFill>
-            </a:endParaRPr>
-          </a:p>
-          <a:p>
-            <a:endParaRPr lang="en-US" sz="2400" dirty="0">
-              <a:solidFill>
-                <a:schemeClr val="accent1">
-                  <a:lumMod val="75000"/>
-                </a:schemeClr>
-              </a:solidFill>
-            </a:endParaRPr>
-          </a:p>
-          <a:p>
-            <a:endParaRPr lang="en-US" sz="2400" dirty="0" smtClean="0">
-              <a:solidFill>
-                <a:schemeClr val="accent1">
-                  <a:lumMod val="75000"/>
-                </a:schemeClr>
-              </a:solidFill>
-            </a:endParaRPr>
-          </a:p>
-          <a:p>
-            <a:endParaRPr lang="en-US" sz="2400" dirty="0">
-              <a:solidFill>
-                <a:schemeClr val="accent1">
-                  <a:lumMod val="75000"/>
-                </a:schemeClr>
-              </a:solidFill>
-            </a:endParaRPr>
-          </a:p>
-          <a:p>
-            <a:endParaRPr lang="en-US" sz="2400" dirty="0" smtClean="0">
-              <a:solidFill>
-                <a:schemeClr val="accent1">
-                  <a:lumMod val="75000"/>
-                </a:schemeClr>
-              </a:solidFill>
-            </a:endParaRPr>
-          </a:p>
-          <a:p>
-            <a:endParaRPr lang="en-US" sz="2400" dirty="0">
-              <a:solidFill>
-                <a:schemeClr val="accent1">
-                  <a:lumMod val="75000"/>
-                </a:schemeClr>
-              </a:solidFill>
-            </a:endParaRPr>
-          </a:p>
-          <a:p>
-            <a:endParaRPr lang="en-US" sz="2400" dirty="0" smtClean="0">
-              <a:solidFill>
-                <a:schemeClr val="accent1">
-                  <a:lumMod val="75000"/>
-                </a:schemeClr>
-              </a:solidFill>
-            </a:endParaRPr>
-          </a:p>
-          <a:p>
-            <a:endParaRPr lang="en-US" sz="2400" dirty="0">
-              <a:solidFill>
-                <a:schemeClr val="accent1">
-                  <a:lumMod val="75000"/>
-                </a:schemeClr>
-              </a:solidFill>
-            </a:endParaRPr>
-          </a:p>
-          <a:p>
-            <a:endParaRPr lang="en-US" sz="2400" dirty="0">
-              <a:solidFill>
-                <a:schemeClr val="accent1">
-                  <a:lumMod val="75000"/>
-                </a:schemeClr>
-              </a:solidFill>
-            </a:endParaRPr>
-          </a:p>
-        </p:txBody>
-      </p:sp>
-      <p:graphicFrame>
-        <p:nvGraphicFramePr>
-          <p:cNvPr id="5" name="Object 4"/>
-          <p:cNvGraphicFramePr>
-            <a:graphicFrameLocks noChangeAspect="1"/>
-          </p:cNvGraphicFramePr>
-          <p:nvPr>
-            <p:extLst>
-              <p:ext uri="{D42A27DB-BD31-4B8C-83A1-F6EECF244321}">
-                <p14:modId xmlns:p14="http://schemas.microsoft.com/office/powerpoint/2010/main" val="102435715"/>
-              </p:ext>
-            </p:extLst>
-          </p:nvPr>
-        </p:nvGraphicFramePr>
-        <p:xfrm>
-          <a:off x="1752600" y="1066800"/>
-          <a:ext cx="6134100" cy="1139825"/>
-        </p:xfrm>
-        <a:graphic>
-          <a:graphicData uri="http://schemas.openxmlformats.org/presentationml/2006/ole">
-            <mc:AlternateContent xmlns:mc="http://schemas.openxmlformats.org/markup-compatibility/2006">
-              <mc:Choice xmlns:v="urn:schemas-microsoft-com:vml" Requires="v">
-                <p:oleObj spid="_x0000_s57354" name="Equation" r:id="rId4" imgW="3695700" imgH="685800" progId="Equation.3">
-                  <p:embed/>
-                </p:oleObj>
-              </mc:Choice>
-              <mc:Fallback>
-                <p:oleObj name="Equation" r:id="rId4" imgW="3695700" imgH="685800" progId="Equation.3">
-                  <p:embed/>
-                  <p:pic>
-                    <p:nvPicPr>
-                      <p:cNvPr id="0" name=""/>
-                      <p:cNvPicPr/>
-                      <p:nvPr/>
-                    </p:nvPicPr>
-                    <p:blipFill>
-                      <a:blip r:embed="rId5"/>
-                      <a:stretch>
-                        <a:fillRect/>
-                      </a:stretch>
-                    </p:blipFill>
-                    <p:spPr>
-                      <a:xfrm>
-                        <a:off x="1752600" y="1066800"/>
-                        <a:ext cx="6134100" cy="1139825"/>
-                      </a:xfrm>
-                      <a:prstGeom prst="rect">
-                        <a:avLst/>
-                      </a:prstGeom>
-                    </p:spPr>
-                  </p:pic>
-                </p:oleObj>
-              </mc:Fallback>
-            </mc:AlternateContent>
-          </a:graphicData>
-        </a:graphic>
-      </p:graphicFrame>
-      <p:sp>
-        <p:nvSpPr>
-          <p:cNvPr id="17" name="TextBox 16"/>
-          <p:cNvSpPr txBox="1"/>
-          <p:nvPr/>
-        </p:nvSpPr>
-        <p:spPr>
-          <a:xfrm>
-            <a:off x="228600" y="990600"/>
-            <a:ext cx="3276600" cy="461665"/>
-          </a:xfrm>
-          <a:prstGeom prst="rect">
-            <a:avLst/>
-          </a:prstGeom>
-          <a:noFill/>
-        </p:spPr>
-        <p:txBody>
-          <a:bodyPr wrap="square" rtlCol="0">
-            <a:spAutoFit/>
-          </a:bodyPr>
-          <a:lstStyle/>
-          <a:p>
-            <a:r>
-              <a:rPr lang="en-US" sz="2400" dirty="0" smtClean="0">
-                <a:solidFill>
-                  <a:schemeClr val="tx2"/>
-                </a:solidFill>
-              </a:rPr>
-              <a:t>Likelihood Function</a:t>
-            </a:r>
-            <a:endParaRPr lang="en-US" sz="2400" dirty="0">
-              <a:solidFill>
-                <a:schemeClr val="tx2"/>
-              </a:solidFill>
-            </a:endParaRPr>
-          </a:p>
-        </p:txBody>
-      </p:sp>
-      <p:sp>
-        <p:nvSpPr>
-          <p:cNvPr id="11" name="TextBox 10"/>
-          <p:cNvSpPr txBox="1"/>
-          <p:nvPr/>
-        </p:nvSpPr>
-        <p:spPr>
-          <a:xfrm>
-            <a:off x="304800" y="2362200"/>
-            <a:ext cx="3276600" cy="461665"/>
-          </a:xfrm>
-          <a:prstGeom prst="rect">
-            <a:avLst/>
-          </a:prstGeom>
-          <a:noFill/>
-        </p:spPr>
-        <p:txBody>
-          <a:bodyPr wrap="square" rtlCol="0">
-            <a:spAutoFit/>
-          </a:bodyPr>
-          <a:lstStyle/>
-          <a:p>
-            <a:r>
-              <a:rPr lang="en-US" sz="2400" dirty="0" smtClean="0">
-                <a:solidFill>
-                  <a:schemeClr val="tx2"/>
-                </a:solidFill>
-              </a:rPr>
-              <a:t>Prior</a:t>
-            </a:r>
-            <a:endParaRPr lang="en-US" sz="2400" dirty="0">
-              <a:solidFill>
-                <a:schemeClr val="tx2"/>
-              </a:solidFill>
-            </a:endParaRPr>
-          </a:p>
-        </p:txBody>
-      </p:sp>
-      <p:graphicFrame>
-        <p:nvGraphicFramePr>
-          <p:cNvPr id="13" name="Object 12"/>
-          <p:cNvGraphicFramePr>
-            <a:graphicFrameLocks noChangeAspect="1"/>
-          </p:cNvGraphicFramePr>
-          <p:nvPr>
-            <p:extLst>
-              <p:ext uri="{D42A27DB-BD31-4B8C-83A1-F6EECF244321}">
-                <p14:modId xmlns:p14="http://schemas.microsoft.com/office/powerpoint/2010/main" val="105409454"/>
-              </p:ext>
-            </p:extLst>
-          </p:nvPr>
-        </p:nvGraphicFramePr>
-        <p:xfrm>
-          <a:off x="1828800" y="2362200"/>
-          <a:ext cx="1558925" cy="485775"/>
-        </p:xfrm>
-        <a:graphic>
-          <a:graphicData uri="http://schemas.openxmlformats.org/presentationml/2006/ole">
-            <mc:AlternateContent xmlns:mc="http://schemas.openxmlformats.org/markup-compatibility/2006">
-              <mc:Choice xmlns:v="urn:schemas-microsoft-com:vml" Requires="v">
-                <p:oleObj spid="_x0000_s57355" name="Equation" r:id="rId6" imgW="939800" imgH="292100" progId="Equation.3">
-                  <p:embed/>
-                </p:oleObj>
-              </mc:Choice>
-              <mc:Fallback>
-                <p:oleObj name="Equation" r:id="rId6" imgW="939800" imgH="292100" progId="Equation.3">
-                  <p:embed/>
-                  <p:pic>
-                    <p:nvPicPr>
-                      <p:cNvPr id="0" name=""/>
-                      <p:cNvPicPr/>
-                      <p:nvPr/>
-                    </p:nvPicPr>
-                    <p:blipFill>
-                      <a:blip r:embed="rId7"/>
-                      <a:stretch>
-                        <a:fillRect/>
-                      </a:stretch>
-                    </p:blipFill>
-                    <p:spPr>
-                      <a:xfrm>
-                        <a:off x="1828800" y="2362200"/>
-                        <a:ext cx="1558925" cy="485775"/>
-                      </a:xfrm>
-                      <a:prstGeom prst="rect">
-                        <a:avLst/>
-                      </a:prstGeom>
-                    </p:spPr>
-                  </p:pic>
-                </p:oleObj>
-              </mc:Fallback>
-            </mc:AlternateContent>
-          </a:graphicData>
-        </a:graphic>
-      </p:graphicFrame>
-      <p:sp>
-        <p:nvSpPr>
-          <p:cNvPr id="18" name="TextBox 17"/>
-          <p:cNvSpPr txBox="1"/>
-          <p:nvPr/>
-        </p:nvSpPr>
-        <p:spPr>
-          <a:xfrm>
-            <a:off x="381000" y="3200400"/>
-            <a:ext cx="3276600" cy="461665"/>
-          </a:xfrm>
-          <a:prstGeom prst="rect">
-            <a:avLst/>
-          </a:prstGeom>
-          <a:noFill/>
-        </p:spPr>
-        <p:txBody>
-          <a:bodyPr wrap="square" rtlCol="0">
-            <a:spAutoFit/>
-          </a:bodyPr>
-          <a:lstStyle/>
-          <a:p>
-            <a:r>
-              <a:rPr lang="en-US" sz="2400" dirty="0" smtClean="0">
-                <a:solidFill>
-                  <a:schemeClr val="tx2"/>
-                </a:solidFill>
-              </a:rPr>
-              <a:t>Joint Posterior:</a:t>
-            </a:r>
-            <a:endParaRPr lang="en-US" sz="2400" dirty="0">
-              <a:solidFill>
-                <a:schemeClr val="tx2"/>
-              </a:solidFill>
-            </a:endParaRPr>
-          </a:p>
-        </p:txBody>
-      </p:sp>
-      <p:graphicFrame>
-        <p:nvGraphicFramePr>
-          <p:cNvPr id="19" name="Object 18"/>
-          <p:cNvGraphicFramePr>
-            <a:graphicFrameLocks noChangeAspect="1"/>
-          </p:cNvGraphicFramePr>
-          <p:nvPr>
-            <p:extLst>
-              <p:ext uri="{D42A27DB-BD31-4B8C-83A1-F6EECF244321}">
-                <p14:modId xmlns:p14="http://schemas.microsoft.com/office/powerpoint/2010/main" val="3315229544"/>
-              </p:ext>
-            </p:extLst>
-          </p:nvPr>
-        </p:nvGraphicFramePr>
-        <p:xfrm>
-          <a:off x="457200" y="3352800"/>
-          <a:ext cx="8383588" cy="1139825"/>
-        </p:xfrm>
-        <a:graphic>
-          <a:graphicData uri="http://schemas.openxmlformats.org/presentationml/2006/ole">
-            <mc:AlternateContent xmlns:mc="http://schemas.openxmlformats.org/markup-compatibility/2006">
-              <mc:Choice xmlns:v="urn:schemas-microsoft-com:vml" Requires="v">
-                <p:oleObj spid="_x0000_s57356" name="Equation" r:id="rId8" imgW="5054600" imgH="685800" progId="Equation.3">
-                  <p:embed/>
-                </p:oleObj>
-              </mc:Choice>
-              <mc:Fallback>
-                <p:oleObj name="Equation" r:id="rId8" imgW="5054600" imgH="685800" progId="Equation.3">
-                  <p:embed/>
-                  <p:pic>
-                    <p:nvPicPr>
-                      <p:cNvPr id="0" name=""/>
-                      <p:cNvPicPr/>
-                      <p:nvPr/>
-                    </p:nvPicPr>
-                    <p:blipFill>
-                      <a:blip r:embed="rId9"/>
-                      <a:stretch>
-                        <a:fillRect/>
-                      </a:stretch>
-                    </p:blipFill>
-                    <p:spPr>
-                      <a:xfrm>
-                        <a:off x="457200" y="3352800"/>
-                        <a:ext cx="8383588" cy="1139825"/>
-                      </a:xfrm>
-                      <a:prstGeom prst="rect">
-                        <a:avLst/>
-                      </a:prstGeom>
-                    </p:spPr>
-                  </p:pic>
-                </p:oleObj>
-              </mc:Fallback>
-            </mc:AlternateContent>
-          </a:graphicData>
-        </a:graphic>
-      </p:graphicFrame>
-      <p:sp>
-        <p:nvSpPr>
-          <p:cNvPr id="20" name="TextBox 19"/>
-          <p:cNvSpPr txBox="1"/>
-          <p:nvPr/>
-        </p:nvSpPr>
-        <p:spPr>
-          <a:xfrm>
-            <a:off x="381000" y="4648200"/>
-            <a:ext cx="6858000" cy="461665"/>
-          </a:xfrm>
-          <a:prstGeom prst="rect">
-            <a:avLst/>
-          </a:prstGeom>
-          <a:noFill/>
-        </p:spPr>
-        <p:txBody>
-          <a:bodyPr wrap="square" rtlCol="0">
-            <a:spAutoFit/>
-          </a:bodyPr>
-          <a:lstStyle/>
-          <a:p>
-            <a:r>
-              <a:rPr lang="en-US" sz="2400" dirty="0" smtClean="0">
-                <a:solidFill>
-                  <a:schemeClr val="tx2"/>
-                </a:solidFill>
-              </a:rPr>
-              <a:t>Fully Conditional (truncated normal):</a:t>
-            </a:r>
-            <a:endParaRPr lang="en-US" sz="2400" dirty="0">
-              <a:solidFill>
-                <a:schemeClr val="tx2"/>
-              </a:solidFill>
-            </a:endParaRPr>
-          </a:p>
-        </p:txBody>
-      </p:sp>
-      <p:graphicFrame>
-        <p:nvGraphicFramePr>
-          <p:cNvPr id="21" name="Object 20"/>
-          <p:cNvGraphicFramePr>
-            <a:graphicFrameLocks noChangeAspect="1"/>
-          </p:cNvGraphicFramePr>
-          <p:nvPr>
-            <p:extLst>
-              <p:ext uri="{D42A27DB-BD31-4B8C-83A1-F6EECF244321}">
-                <p14:modId xmlns:p14="http://schemas.microsoft.com/office/powerpoint/2010/main" val="3322417828"/>
-              </p:ext>
-            </p:extLst>
-          </p:nvPr>
-        </p:nvGraphicFramePr>
-        <p:xfrm>
-          <a:off x="2209800" y="5181600"/>
-          <a:ext cx="3244850" cy="1139825"/>
-        </p:xfrm>
-        <a:graphic>
-          <a:graphicData uri="http://schemas.openxmlformats.org/presentationml/2006/ole">
-            <mc:AlternateContent xmlns:mc="http://schemas.openxmlformats.org/markup-compatibility/2006">
-              <mc:Choice xmlns:v="urn:schemas-microsoft-com:vml" Requires="v">
-                <p:oleObj spid="_x0000_s57357" name="Equation" r:id="rId10" imgW="1955800" imgH="685800" progId="Equation.3">
-                  <p:embed/>
-                </p:oleObj>
-              </mc:Choice>
-              <mc:Fallback>
-                <p:oleObj name="Equation" r:id="rId10" imgW="1955800" imgH="685800" progId="Equation.3">
-                  <p:embed/>
-                  <p:pic>
-                    <p:nvPicPr>
-                      <p:cNvPr id="0" name=""/>
-                      <p:cNvPicPr/>
-                      <p:nvPr/>
-                    </p:nvPicPr>
-                    <p:blipFill>
-                      <a:blip r:embed="rId11"/>
-                      <a:stretch>
-                        <a:fillRect/>
-                      </a:stretch>
-                    </p:blipFill>
-                    <p:spPr>
-                      <a:xfrm>
-                        <a:off x="2209800" y="5181600"/>
-                        <a:ext cx="3244850" cy="1139825"/>
-                      </a:xfrm>
-                      <a:prstGeom prst="rect">
-                        <a:avLst/>
-                      </a:prstGeom>
-                    </p:spPr>
-                  </p:pic>
-                </p:oleObj>
-              </mc:Fallback>
-            </mc:AlternateContent>
-          </a:graphicData>
-        </a:graphic>
-      </p:graphicFrame>
-    </p:spTree>
-    <p:extLst>
-      <p:ext uri="{BB962C8B-B14F-4D97-AF65-F5344CB8AC3E}">
-        <p14:creationId xmlns:p14="http://schemas.microsoft.com/office/powerpoint/2010/main" val="966125101"/>
-      </p:ext>
-    </p:extLst>
-  </p:cSld>
-  <p:clrMapOvr>
-    <a:masterClrMapping/>
-  </p:clrMapOvr>
-  <p:timing>
-    <p:tnLst>
-      <p:par>
-        <p:cTn xmlns:p14="http://schemas.microsoft.com/office/powerpoint/2010/main" id="1" dur="indefinite" restart="never" nodeType="tmRoot"/>
-      </p:par>
-    </p:tnLst>
-  </p:timing>
-</p:sld>
-</file>
-
-<file path=ppt/slides/slide23.xml><?xml version="1.0" encoding="utf-8"?>
-<p:sld xmlns:a="http://schemas.openxmlformats.org/drawingml/2006/main" xmlns:r="http://schemas.openxmlformats.org/officeDocument/2006/relationships" xmlns:p="http://schemas.openxmlformats.org/presentationml/2006/main">
-  <p:cSld>
-    <p:spTree>
-      <p:nvGrpSpPr>
-        <p:cNvPr id="1" name=""/>
-        <p:cNvGrpSpPr/>
-        <p:nvPr/>
-      </p:nvGrpSpPr>
-      <p:grpSpPr>
-        <a:xfrm>
-          <a:off x="0" y="0"/>
-          <a:ext cx="0" cy="0"/>
-          <a:chOff x="0" y="0"/>
-          <a:chExt cx="0" cy="0"/>
-        </a:xfrm>
-      </p:grpSpPr>
-      <p:sp>
-        <p:nvSpPr>
-          <p:cNvPr id="2" name="Title 1"/>
-          <p:cNvSpPr>
-            <a:spLocks noGrp="1"/>
-          </p:cNvSpPr>
-          <p:nvPr>
-            <p:ph type="ctrTitle"/>
-          </p:nvPr>
-        </p:nvSpPr>
-        <p:spPr>
-          <a:xfrm>
-            <a:off x="533400" y="2133600"/>
-            <a:ext cx="7772400" cy="1825482"/>
-          </a:xfrm>
-          <a:ln>
-            <a:solidFill>
-              <a:srgbClr val="800000"/>
-            </a:solidFill>
-            <a:prstDash val="sysDash"/>
-          </a:ln>
-        </p:spPr>
-        <p:txBody>
-          <a:bodyPr>
-            <a:normAutofit/>
-          </a:bodyPr>
-          <a:lstStyle/>
-          <a:p>
-            <a:r>
-              <a:rPr lang="en-US" sz="3200" dirty="0" smtClean="0">
-                <a:solidFill>
-                  <a:schemeClr val="accent2">
-                    <a:lumMod val="75000"/>
-                  </a:schemeClr>
-                </a:solidFill>
-              </a:rPr>
-              <a:t>Regression with </a:t>
-            </a:r>
-            <a:r>
-              <a:rPr lang="en-US" sz="3200" dirty="0" smtClean="0">
-                <a:solidFill>
-                  <a:schemeClr val="accent2">
-                    <a:lumMod val="75000"/>
-                  </a:schemeClr>
-                </a:solidFill>
-              </a:rPr>
-              <a:t>Binary Outcomes</a:t>
-            </a:r>
-            <a:endParaRPr lang="en-US" sz="3200" dirty="0" smtClean="0">
-              <a:solidFill>
-                <a:schemeClr val="accent2">
-                  <a:lumMod val="75000"/>
-                </a:schemeClr>
-              </a:solidFill>
-            </a:endParaRPr>
-          </a:p>
-        </p:txBody>
-      </p:sp>
-      <p:sp>
-        <p:nvSpPr>
-          <p:cNvPr id="4" name="Footer Placeholder 3"/>
-          <p:cNvSpPr>
-            <a:spLocks noGrp="1"/>
-          </p:cNvSpPr>
-          <p:nvPr>
-            <p:ph type="ftr" sz="quarter" idx="11"/>
-          </p:nvPr>
-        </p:nvSpPr>
-        <p:spPr/>
-        <p:txBody>
-          <a:bodyPr/>
-          <a:lstStyle/>
-          <a:p>
-            <a:r>
-              <a:rPr lang="en-US" dirty="0" smtClean="0">
-                <a:solidFill>
-                  <a:schemeClr val="accent1"/>
-                </a:solidFill>
-              </a:rPr>
-              <a:t>STT 465, MSU, Fall, 2015</a:t>
-            </a:r>
-            <a:endParaRPr lang="en-US" dirty="0">
-              <a:solidFill>
-                <a:schemeClr val="accent1"/>
-              </a:solidFill>
-            </a:endParaRPr>
-          </a:p>
-        </p:txBody>
-      </p:sp>
-    </p:spTree>
-    <p:extLst>
-      <p:ext uri="{BB962C8B-B14F-4D97-AF65-F5344CB8AC3E}">
-        <p14:creationId xmlns:p14="http://schemas.microsoft.com/office/powerpoint/2010/main" val="4187999207"/>
-      </p:ext>
-    </p:extLst>
-  </p:cSld>
-  <p:clrMapOvr>
-    <a:masterClrMapping/>
-  </p:clrMapOvr>
-  <p:timing>
-    <p:tnLst>
-      <p:par>
-        <p:cTn xmlns:p14="http://schemas.microsoft.com/office/powerpoint/2010/main" id="1" dur="indefinite" restart="never" nodeType="tmRoot"/>
-      </p:par>
-    </p:tnLst>
-  </p:timing>
-</p:sld>
-</file>
-
-<file path=ppt/slides/slide24.xml><?xml version="1.0" encoding="utf-8"?>
-<p:sld xmlns:a="http://schemas.openxmlformats.org/drawingml/2006/main" xmlns:r="http://schemas.openxmlformats.org/officeDocument/2006/relationships" xmlns:p="http://schemas.openxmlformats.org/presentationml/2006/main">
-  <p:cSld>
-    <p:spTree>
-      <p:nvGrpSpPr>
-        <p:cNvPr id="1" name=""/>
-        <p:cNvGrpSpPr/>
-        <p:nvPr/>
-      </p:nvGrpSpPr>
-      <p:grpSpPr>
-        <a:xfrm>
-          <a:off x="0" y="0"/>
-          <a:ext cx="0" cy="0"/>
-          <a:chOff x="0" y="0"/>
-          <a:chExt cx="0" cy="0"/>
-        </a:xfrm>
-      </p:grpSpPr>
-      <p:sp>
-        <p:nvSpPr>
-          <p:cNvPr id="14" name="TextBox 13"/>
-          <p:cNvSpPr txBox="1"/>
-          <p:nvPr/>
-        </p:nvSpPr>
-        <p:spPr>
-          <a:xfrm>
-            <a:off x="914400" y="0"/>
-            <a:ext cx="7467600" cy="646331"/>
-          </a:xfrm>
-          <a:prstGeom prst="rect">
-            <a:avLst/>
-          </a:prstGeom>
-          <a:noFill/>
-          <a:ln>
-            <a:solidFill>
-              <a:srgbClr val="800000"/>
-            </a:solidFill>
-            <a:prstDash val="sysDash"/>
-          </a:ln>
-        </p:spPr>
-        <p:txBody>
-          <a:bodyPr wrap="square" rtlCol="0">
-            <a:spAutoFit/>
-          </a:bodyPr>
-          <a:lstStyle/>
-          <a:p>
-            <a:endParaRPr lang="en-US" sz="800" dirty="0" smtClean="0">
-              <a:solidFill>
-                <a:srgbClr val="800000"/>
-              </a:solidFill>
-            </a:endParaRPr>
-          </a:p>
-          <a:p>
-            <a:pPr algn="ctr"/>
-            <a:r>
-              <a:rPr lang="en-US" sz="2800" dirty="0" smtClean="0">
-                <a:solidFill>
-                  <a:srgbClr val="800000"/>
-                </a:solidFill>
-              </a:rPr>
-              <a:t>Regression with Binary Outcomes</a:t>
-            </a:r>
-            <a:endParaRPr lang="en-US" dirty="0" smtClean="0">
-              <a:solidFill>
-                <a:schemeClr val="accent1">
-                  <a:lumMod val="75000"/>
-                </a:schemeClr>
-              </a:solidFill>
-            </a:endParaRPr>
-          </a:p>
-        </p:txBody>
-      </p:sp>
-      <p:sp>
-        <p:nvSpPr>
-          <p:cNvPr id="15" name="TextBox 14"/>
-          <p:cNvSpPr txBox="1"/>
-          <p:nvPr/>
-        </p:nvSpPr>
-        <p:spPr>
-          <a:xfrm>
-            <a:off x="457200" y="990600"/>
-            <a:ext cx="8229600" cy="5016758"/>
-          </a:xfrm>
-          <a:prstGeom prst="rect">
-            <a:avLst/>
-          </a:prstGeom>
-          <a:noFill/>
-        </p:spPr>
-        <p:txBody>
-          <a:bodyPr wrap="square" rtlCol="0">
-            <a:spAutoFit/>
-          </a:bodyPr>
-          <a:lstStyle/>
-          <a:p>
-            <a:r>
-              <a:rPr lang="en-US" sz="2000" dirty="0" smtClean="0">
-                <a:solidFill>
-                  <a:schemeClr val="accent1">
-                    <a:lumMod val="75000"/>
-                  </a:schemeClr>
-                </a:solidFill>
-              </a:rPr>
-              <a:t>-    Binar</a:t>
-            </a:r>
-            <a:r>
-              <a:rPr lang="en-US" sz="2000" dirty="0" smtClean="0">
-                <a:solidFill>
-                  <a:schemeClr val="accent1">
-                    <a:lumMod val="75000"/>
-                  </a:schemeClr>
-                </a:solidFill>
-              </a:rPr>
-              <a:t>y outcomes follow Bernoulli distributions</a:t>
-            </a:r>
-            <a:endParaRPr lang="en-US" sz="2000" dirty="0">
-              <a:solidFill>
-                <a:schemeClr val="accent1">
-                  <a:lumMod val="75000"/>
-                </a:schemeClr>
-              </a:solidFill>
-            </a:endParaRPr>
-          </a:p>
-          <a:p>
-            <a:endParaRPr lang="en-US" sz="2000" dirty="0" smtClean="0">
-              <a:solidFill>
-                <a:schemeClr val="accent1">
-                  <a:lumMod val="75000"/>
-                </a:schemeClr>
-              </a:solidFill>
-            </a:endParaRPr>
-          </a:p>
-          <a:p>
-            <a:endParaRPr lang="en-US" sz="2000" dirty="0">
-              <a:solidFill>
-                <a:schemeClr val="accent1">
-                  <a:lumMod val="75000"/>
-                </a:schemeClr>
-              </a:solidFill>
-            </a:endParaRPr>
-          </a:p>
-          <a:p>
-            <a:endParaRPr lang="en-US" sz="2000" dirty="0" smtClean="0">
-              <a:solidFill>
-                <a:schemeClr val="accent1">
-                  <a:lumMod val="75000"/>
-                </a:schemeClr>
-              </a:solidFill>
-            </a:endParaRPr>
-          </a:p>
-          <a:p>
-            <a:endParaRPr lang="en-US" sz="2000" dirty="0">
-              <a:solidFill>
-                <a:schemeClr val="accent1">
-                  <a:lumMod val="75000"/>
-                </a:schemeClr>
-              </a:solidFill>
-            </a:endParaRPr>
-          </a:p>
-          <a:p>
-            <a:pPr marL="342900" indent="-342900">
-              <a:buFontTx/>
-              <a:buChar char="-"/>
-            </a:pPr>
-            <a:r>
-              <a:rPr lang="en-US" sz="2000" dirty="0" smtClean="0">
-                <a:solidFill>
-                  <a:schemeClr val="accent1">
-                    <a:lumMod val="75000"/>
-                  </a:schemeClr>
-                </a:solidFill>
-              </a:rPr>
-              <a:t>Regression with Binary outcomes: we want to make </a:t>
-            </a:r>
-            <a:r>
-              <a:rPr lang="en-US" sz="2000" dirty="0" err="1" smtClean="0">
-                <a:solidFill>
-                  <a:schemeClr val="accent1">
-                    <a:lumMod val="75000"/>
-                  </a:schemeClr>
-                </a:solidFill>
-              </a:rPr>
-              <a:t>θ</a:t>
-            </a:r>
-            <a:r>
-              <a:rPr lang="en-US" sz="2000" dirty="0" smtClean="0">
-                <a:solidFill>
-                  <a:schemeClr val="accent1">
-                    <a:lumMod val="75000"/>
-                  </a:schemeClr>
-                </a:solidFill>
-              </a:rPr>
-              <a:t> a function of one or more predictors. </a:t>
-            </a:r>
-          </a:p>
-          <a:p>
-            <a:pPr marL="342900" indent="-342900">
-              <a:buFontTx/>
-              <a:buChar char="-"/>
-            </a:pPr>
-            <a:r>
-              <a:rPr lang="en-US" sz="2000" dirty="0" smtClean="0">
-                <a:solidFill>
-                  <a:schemeClr val="accent1">
-                    <a:lumMod val="75000"/>
-                  </a:schemeClr>
-                </a:solidFill>
-              </a:rPr>
-              <a:t>Problem:</a:t>
-            </a:r>
-          </a:p>
-          <a:p>
-            <a:r>
-              <a:rPr lang="en-US" sz="2000" dirty="0">
-                <a:solidFill>
-                  <a:schemeClr val="accent1">
-                    <a:lumMod val="75000"/>
-                  </a:schemeClr>
-                </a:solidFill>
-              </a:rPr>
-              <a:t>	</a:t>
-            </a:r>
-            <a:r>
-              <a:rPr lang="en-US" sz="2000" dirty="0" smtClean="0">
-                <a:solidFill>
-                  <a:schemeClr val="accent1">
-                    <a:lumMod val="75000"/>
-                  </a:schemeClr>
-                </a:solidFill>
-              </a:rPr>
-              <a:t>- </a:t>
-            </a:r>
-            <a:r>
-              <a:rPr lang="en-US" sz="2000" dirty="0" err="1" smtClean="0">
-                <a:solidFill>
-                  <a:schemeClr val="accent1">
-                    <a:lumMod val="75000"/>
-                  </a:schemeClr>
-                </a:solidFill>
-              </a:rPr>
-              <a:t>θ</a:t>
-            </a:r>
-            <a:r>
-              <a:rPr lang="en-US" sz="2000" dirty="0" smtClean="0">
-                <a:solidFill>
-                  <a:schemeClr val="accent1">
-                    <a:lumMod val="75000"/>
-                  </a:schemeClr>
-                </a:solidFill>
-              </a:rPr>
-              <a:t>  lives in the 0-1 interval, </a:t>
-            </a:r>
-          </a:p>
-          <a:p>
-            <a:r>
-              <a:rPr lang="en-US" sz="2000" dirty="0" smtClean="0">
-                <a:solidFill>
-                  <a:schemeClr val="accent1">
-                    <a:lumMod val="75000"/>
-                  </a:schemeClr>
-                </a:solidFill>
-              </a:rPr>
-              <a:t>	- </a:t>
-            </a:r>
-            <a:r>
-              <a:rPr lang="en-US" sz="2000" dirty="0">
-                <a:solidFill>
-                  <a:schemeClr val="accent1">
-                    <a:lumMod val="75000"/>
-                  </a:schemeClr>
-                </a:solidFill>
-              </a:rPr>
-              <a:t>while a regression </a:t>
-            </a:r>
-            <a:r>
-              <a:rPr lang="en-US" sz="2000" dirty="0" smtClean="0">
-                <a:solidFill>
-                  <a:schemeClr val="accent1">
-                    <a:lumMod val="75000"/>
-                  </a:schemeClr>
-                </a:solidFill>
-              </a:rPr>
-              <a:t>function                lives in the real line.</a:t>
-            </a:r>
-            <a:endParaRPr lang="en-US" sz="2000" dirty="0">
-              <a:solidFill>
-                <a:schemeClr val="accent1">
-                  <a:lumMod val="75000"/>
-                </a:schemeClr>
-              </a:solidFill>
-            </a:endParaRPr>
-          </a:p>
-          <a:p>
-            <a:endParaRPr lang="en-US" sz="2000" dirty="0">
-              <a:solidFill>
-                <a:schemeClr val="accent1">
-                  <a:lumMod val="75000"/>
-                </a:schemeClr>
-              </a:solidFill>
-            </a:endParaRPr>
-          </a:p>
-          <a:p>
-            <a:pPr marL="342900" indent="-342900">
-              <a:buFontTx/>
-              <a:buChar char="-"/>
-            </a:pPr>
-            <a:r>
-              <a:rPr lang="en-US" sz="2000" dirty="0" smtClean="0">
-                <a:solidFill>
-                  <a:schemeClr val="accent1">
-                    <a:lumMod val="75000"/>
-                  </a:schemeClr>
-                </a:solidFill>
-              </a:rPr>
-              <a:t>To get around this we need to introduce a link function that maps from the real line to the 0-1 interval.</a:t>
-            </a:r>
-          </a:p>
-          <a:p>
-            <a:pPr marL="342900" indent="-342900">
-              <a:buFontTx/>
-              <a:buChar char="-"/>
-            </a:pPr>
-            <a:endParaRPr lang="en-US" sz="2000" dirty="0">
-              <a:solidFill>
-                <a:schemeClr val="accent1">
-                  <a:lumMod val="75000"/>
-                </a:schemeClr>
-              </a:solidFill>
-            </a:endParaRPr>
-          </a:p>
-          <a:p>
-            <a:pPr marL="342900" indent="-342900">
-              <a:buFontTx/>
-              <a:buChar char="-"/>
-            </a:pPr>
-            <a:r>
-              <a:rPr lang="en-US" sz="2000" dirty="0" smtClean="0">
-                <a:solidFill>
-                  <a:schemeClr val="accent1">
-                    <a:lumMod val="75000"/>
-                  </a:schemeClr>
-                </a:solidFill>
-              </a:rPr>
-              <a:t>The most </a:t>
-            </a:r>
-            <a:r>
-              <a:rPr lang="en-US" sz="2000" dirty="0" err="1" smtClean="0">
-                <a:solidFill>
-                  <a:schemeClr val="accent1">
-                    <a:lumMod val="75000"/>
-                  </a:schemeClr>
-                </a:solidFill>
-              </a:rPr>
-              <a:t>comonly</a:t>
-            </a:r>
-            <a:r>
-              <a:rPr lang="en-US" sz="2000" dirty="0" smtClean="0">
-                <a:solidFill>
-                  <a:schemeClr val="accent1">
-                    <a:lumMod val="75000"/>
-                  </a:schemeClr>
-                </a:solidFill>
-              </a:rPr>
-              <a:t> used links are the </a:t>
-            </a:r>
-            <a:r>
-              <a:rPr lang="en-US" sz="2000" dirty="0" err="1" smtClean="0">
-                <a:solidFill>
-                  <a:schemeClr val="accent1">
-                    <a:lumMod val="75000"/>
-                  </a:schemeClr>
-                </a:solidFill>
-              </a:rPr>
-              <a:t>logit</a:t>
-            </a:r>
-            <a:r>
-              <a:rPr lang="en-US" sz="2000" dirty="0" smtClean="0">
-                <a:solidFill>
-                  <a:schemeClr val="accent1">
-                    <a:lumMod val="75000"/>
-                  </a:schemeClr>
-                </a:solidFill>
-              </a:rPr>
-              <a:t> and </a:t>
-            </a:r>
-            <a:r>
-              <a:rPr lang="en-US" sz="2000" dirty="0" err="1" smtClean="0">
-                <a:solidFill>
-                  <a:schemeClr val="accent1">
-                    <a:lumMod val="75000"/>
-                  </a:schemeClr>
-                </a:solidFill>
-              </a:rPr>
-              <a:t>probit</a:t>
-            </a:r>
-            <a:r>
-              <a:rPr lang="en-US" sz="2000" smtClean="0">
-                <a:solidFill>
-                  <a:schemeClr val="accent1">
-                    <a:lumMod val="75000"/>
-                  </a:schemeClr>
-                </a:solidFill>
-              </a:rPr>
-              <a:t> link.</a:t>
-            </a:r>
-          </a:p>
-          <a:p>
-            <a:pPr marL="342900" indent="-342900">
-              <a:buFontTx/>
-              <a:buChar char="-"/>
-            </a:pPr>
-            <a:endParaRPr lang="en-US" sz="2000" dirty="0" smtClean="0">
-              <a:solidFill>
-                <a:schemeClr val="accent1">
-                  <a:lumMod val="75000"/>
-                </a:schemeClr>
-              </a:solidFill>
-            </a:endParaRPr>
-          </a:p>
-        </p:txBody>
-      </p:sp>
-      <p:sp>
-        <p:nvSpPr>
-          <p:cNvPr id="5" name="Footer Placeholder 3"/>
-          <p:cNvSpPr>
-            <a:spLocks noGrp="1"/>
-          </p:cNvSpPr>
-          <p:nvPr>
-            <p:ph type="ftr" sz="quarter" idx="11"/>
-          </p:nvPr>
-        </p:nvSpPr>
-        <p:spPr>
-          <a:xfrm>
-            <a:off x="3124200" y="6356350"/>
-            <a:ext cx="2895600" cy="365125"/>
-          </a:xfrm>
-        </p:spPr>
-        <p:txBody>
-          <a:bodyPr/>
-          <a:lstStyle/>
-          <a:p>
-            <a:r>
-              <a:rPr lang="en-US" dirty="0" smtClean="0">
-                <a:solidFill>
-                  <a:schemeClr val="accent1"/>
-                </a:solidFill>
-              </a:rPr>
-              <a:t>STT 465, MSU, Fall, 2015</a:t>
-            </a:r>
-            <a:endParaRPr lang="en-US" dirty="0">
-              <a:solidFill>
-                <a:schemeClr val="accent1"/>
-              </a:solidFill>
-            </a:endParaRPr>
-          </a:p>
-        </p:txBody>
-      </p:sp>
-      <p:graphicFrame>
-        <p:nvGraphicFramePr>
-          <p:cNvPr id="6" name="Object 5"/>
-          <p:cNvGraphicFramePr>
-            <a:graphicFrameLocks noChangeAspect="1"/>
-          </p:cNvGraphicFramePr>
-          <p:nvPr>
-            <p:extLst>
-              <p:ext uri="{D42A27DB-BD31-4B8C-83A1-F6EECF244321}">
-                <p14:modId xmlns:p14="http://schemas.microsoft.com/office/powerpoint/2010/main" val="2189224114"/>
-              </p:ext>
-            </p:extLst>
-          </p:nvPr>
-        </p:nvGraphicFramePr>
-        <p:xfrm>
-          <a:off x="3657600" y="1676400"/>
-          <a:ext cx="2211387" cy="485775"/>
-        </p:xfrm>
-        <a:graphic>
-          <a:graphicData uri="http://schemas.openxmlformats.org/presentationml/2006/ole">
-            <mc:AlternateContent xmlns:mc="http://schemas.openxmlformats.org/markup-compatibility/2006">
-              <mc:Choice xmlns:v="urn:schemas-microsoft-com:vml" Requires="v">
-                <p:oleObj spid="_x0000_s58369" name="Equation" r:id="rId3" imgW="1333500" imgH="292100" progId="Equation.3">
-                  <p:embed/>
-                </p:oleObj>
-              </mc:Choice>
-              <mc:Fallback>
-                <p:oleObj name="Equation" r:id="rId3" imgW="1333500" imgH="292100" progId="Equation.3">
-                  <p:embed/>
-                  <p:pic>
-                    <p:nvPicPr>
-                      <p:cNvPr id="0" name=""/>
-                      <p:cNvPicPr/>
-                      <p:nvPr/>
-                    </p:nvPicPr>
-                    <p:blipFill>
-                      <a:blip r:embed="rId4"/>
-                      <a:stretch>
-                        <a:fillRect/>
-                      </a:stretch>
-                    </p:blipFill>
-                    <p:spPr>
-                      <a:xfrm>
-                        <a:off x="3657600" y="1676400"/>
-                        <a:ext cx="2211387" cy="485775"/>
-                      </a:xfrm>
-                      <a:prstGeom prst="rect">
-                        <a:avLst/>
-                      </a:prstGeom>
-                    </p:spPr>
-                  </p:pic>
-                </p:oleObj>
-              </mc:Fallback>
-            </mc:AlternateContent>
-          </a:graphicData>
-        </a:graphic>
-      </p:graphicFrame>
-      <p:graphicFrame>
-        <p:nvGraphicFramePr>
-          <p:cNvPr id="7" name="Object 6"/>
-          <p:cNvGraphicFramePr>
-            <a:graphicFrameLocks noChangeAspect="1"/>
-          </p:cNvGraphicFramePr>
-          <p:nvPr>
-            <p:extLst>
-              <p:ext uri="{D42A27DB-BD31-4B8C-83A1-F6EECF244321}">
-                <p14:modId xmlns:p14="http://schemas.microsoft.com/office/powerpoint/2010/main" val="1786920887"/>
-              </p:ext>
-            </p:extLst>
-          </p:nvPr>
-        </p:nvGraphicFramePr>
-        <p:xfrm>
-          <a:off x="1905000" y="1752600"/>
-          <a:ext cx="1073150" cy="400050"/>
-        </p:xfrm>
-        <a:graphic>
-          <a:graphicData uri="http://schemas.openxmlformats.org/presentationml/2006/ole">
-            <mc:AlternateContent xmlns:mc="http://schemas.openxmlformats.org/markup-compatibility/2006">
-              <mc:Choice xmlns:v="urn:schemas-microsoft-com:vml" Requires="v">
-                <p:oleObj spid="_x0000_s58370" name="Equation" r:id="rId5" imgW="647700" imgH="241300" progId="Equation.3">
-                  <p:embed/>
-                </p:oleObj>
-              </mc:Choice>
-              <mc:Fallback>
-                <p:oleObj name="Equation" r:id="rId5" imgW="647700" imgH="241300" progId="Equation.3">
-                  <p:embed/>
-                  <p:pic>
-                    <p:nvPicPr>
-                      <p:cNvPr id="0" name=""/>
-                      <p:cNvPicPr/>
-                      <p:nvPr/>
-                    </p:nvPicPr>
-                    <p:blipFill>
-                      <a:blip r:embed="rId6"/>
-                      <a:stretch>
-                        <a:fillRect/>
-                      </a:stretch>
-                    </p:blipFill>
-                    <p:spPr>
-                      <a:xfrm>
-                        <a:off x="1905000" y="1752600"/>
-                        <a:ext cx="1073150" cy="400050"/>
-                      </a:xfrm>
-                      <a:prstGeom prst="rect">
-                        <a:avLst/>
-                      </a:prstGeom>
-                    </p:spPr>
-                  </p:pic>
-                </p:oleObj>
-              </mc:Fallback>
-            </mc:AlternateContent>
-          </a:graphicData>
-        </a:graphic>
-      </p:graphicFrame>
-      <p:graphicFrame>
-        <p:nvGraphicFramePr>
-          <p:cNvPr id="8" name="Object 7"/>
-          <p:cNvGraphicFramePr>
-            <a:graphicFrameLocks noChangeAspect="1"/>
-          </p:cNvGraphicFramePr>
-          <p:nvPr>
-            <p:extLst>
-              <p:ext uri="{D42A27DB-BD31-4B8C-83A1-F6EECF244321}">
-                <p14:modId xmlns:p14="http://schemas.microsoft.com/office/powerpoint/2010/main" val="158786686"/>
-              </p:ext>
-            </p:extLst>
-          </p:nvPr>
-        </p:nvGraphicFramePr>
-        <p:xfrm>
-          <a:off x="4482403" y="3733800"/>
-          <a:ext cx="775397" cy="412750"/>
-        </p:xfrm>
-        <a:graphic>
-          <a:graphicData uri="http://schemas.openxmlformats.org/presentationml/2006/ole">
-            <mc:AlternateContent xmlns:mc="http://schemas.openxmlformats.org/markup-compatibility/2006">
-              <mc:Choice xmlns:v="urn:schemas-microsoft-com:vml" Requires="v">
-                <p:oleObj spid="_x0000_s58371" name="Equation" r:id="rId7" imgW="622300" imgH="330200" progId="Equation.3">
-                  <p:embed/>
-                </p:oleObj>
-              </mc:Choice>
-              <mc:Fallback>
-                <p:oleObj name="Equation" r:id="rId7" imgW="622300" imgH="330200" progId="Equation.3">
-                  <p:embed/>
-                  <p:pic>
-                    <p:nvPicPr>
-                      <p:cNvPr id="0" name=""/>
-                      <p:cNvPicPr/>
-                      <p:nvPr/>
-                    </p:nvPicPr>
-                    <p:blipFill>
-                      <a:blip r:embed="rId8"/>
-                      <a:stretch>
-                        <a:fillRect/>
-                      </a:stretch>
-                    </p:blipFill>
-                    <p:spPr>
-                      <a:xfrm>
-                        <a:off x="4482403" y="3733800"/>
-                        <a:ext cx="775397" cy="412750"/>
-                      </a:xfrm>
-                      <a:prstGeom prst="rect">
-                        <a:avLst/>
-                      </a:prstGeom>
-                    </p:spPr>
-                  </p:pic>
-                </p:oleObj>
-              </mc:Fallback>
-            </mc:AlternateContent>
-          </a:graphicData>
-        </a:graphic>
-      </p:graphicFrame>
-    </p:spTree>
-    <p:extLst>
-      <p:ext uri="{BB962C8B-B14F-4D97-AF65-F5344CB8AC3E}">
-        <p14:creationId xmlns:p14="http://schemas.microsoft.com/office/powerpoint/2010/main" val="1939629523"/>
-      </p:ext>
-    </p:extLst>
-  </p:cSld>
-  <p:clrMapOvr>
-    <a:masterClrMapping/>
-  </p:clrMapOvr>
-  <p:timing>
-    <p:tnLst>
-      <p:par>
-        <p:cTn xmlns:p14="http://schemas.microsoft.com/office/powerpoint/2010/main" id="1" dur="indefinite" restart="never" nodeType="tmRoot"/>
-      </p:par>
-    </p:tnLst>
-  </p:timing>
-</p:sld>
-</file>
-
 <file path=ppt/slides/slide3.xml><?xml version="1.0" encoding="utf-8"?>
 <p:sld xmlns:a="http://schemas.openxmlformats.org/drawingml/2006/main" xmlns:r="http://schemas.openxmlformats.org/officeDocument/2006/relationships" xmlns:p="http://schemas.openxmlformats.org/presentationml/2006/main">
   <p:cSld>
@@ -14316,7 +9572,7 @@
           <a:graphicData uri="http://schemas.openxmlformats.org/presentationml/2006/ole">
             <mc:AlternateContent xmlns:mc="http://schemas.openxmlformats.org/markup-compatibility/2006">
               <mc:Choice xmlns:v="urn:schemas-microsoft-com:vml" Requires="v">
-                <p:oleObj spid="_x0000_s28780" name="Equation" r:id="rId4" imgW="1130300" imgH="508000" progId="Equation.3">
+                <p:oleObj spid="_x0000_s28793" name="Equation" r:id="rId4" imgW="1130300" imgH="508000" progId="Equation.3">
                   <p:embed/>
                 </p:oleObj>
               </mc:Choice>
@@ -14373,7 +9629,7 @@
           <a:graphicData uri="http://schemas.openxmlformats.org/presentationml/2006/ole">
             <mc:AlternateContent xmlns:mc="http://schemas.openxmlformats.org/markup-compatibility/2006">
               <mc:Choice xmlns:v="urn:schemas-microsoft-com:vml" Requires="v">
-                <p:oleObj spid="_x0000_s28781" name="Equation" r:id="rId6" imgW="1168400" imgH="431800" progId="Equation.3">
+                <p:oleObj spid="_x0000_s28794" name="Equation" r:id="rId6" imgW="1168400" imgH="431800" progId="Equation.3">
                   <p:embed/>
                 </p:oleObj>
               </mc:Choice>
@@ -14430,7 +9686,7 @@
           <a:graphicData uri="http://schemas.openxmlformats.org/presentationml/2006/ole">
             <mc:AlternateContent xmlns:mc="http://schemas.openxmlformats.org/markup-compatibility/2006">
               <mc:Choice xmlns:v="urn:schemas-microsoft-com:vml" Requires="v">
-                <p:oleObj spid="_x0000_s28782" name="Equation" r:id="rId8" imgW="1803400" imgH="203200" progId="Equation.3">
+                <p:oleObj spid="_x0000_s28795" name="Equation" r:id="rId8" imgW="1803400" imgH="203200" progId="Equation.3">
                   <p:embed/>
                 </p:oleObj>
               </mc:Choice>
@@ -14845,7 +10101,7 @@
           <a:graphicData uri="http://schemas.openxmlformats.org/presentationml/2006/ole">
             <mc:AlternateContent xmlns:mc="http://schemas.openxmlformats.org/markup-compatibility/2006">
               <mc:Choice xmlns:v="urn:schemas-microsoft-com:vml" Requires="v">
-                <p:oleObj spid="_x0000_s47134" name="Equation" r:id="rId4" imgW="1104900" imgH="317500" progId="Equation.3">
+                <p:oleObj spid="_x0000_s47143" name="Equation" r:id="rId4" imgW="1104900" imgH="317500" progId="Equation.3">
                   <p:embed/>
                 </p:oleObj>
               </mc:Choice>
@@ -14902,7 +10158,7 @@
           <a:graphicData uri="http://schemas.openxmlformats.org/presentationml/2006/ole">
             <mc:AlternateContent xmlns:mc="http://schemas.openxmlformats.org/markup-compatibility/2006">
               <mc:Choice xmlns:v="urn:schemas-microsoft-com:vml" Requires="v">
-                <p:oleObj spid="_x0000_s47135" name="Equation" r:id="rId6" imgW="4775200" imgH="1104900" progId="Equation.3">
+                <p:oleObj spid="_x0000_s47144" name="Equation" r:id="rId6" imgW="4775200" imgH="1104900" progId="Equation.3">
                   <p:embed/>
                 </p:oleObj>
               </mc:Choice>
@@ -15286,7 +10542,7 @@
           <a:graphicData uri="http://schemas.openxmlformats.org/presentationml/2006/ole">
             <mc:AlternateContent xmlns:mc="http://schemas.openxmlformats.org/markup-compatibility/2006">
               <mc:Choice xmlns:v="urn:schemas-microsoft-com:vml" Requires="v">
-                <p:oleObj spid="_x0000_s42032" name="Equation" r:id="rId4" imgW="3517900" imgH="622300" progId="Equation.3">
+                <p:oleObj spid="_x0000_s42041" name="Equation" r:id="rId4" imgW="3517900" imgH="622300" progId="Equation.3">
                   <p:embed/>
                 </p:oleObj>
               </mc:Choice>
@@ -15343,7 +10599,7 @@
           <a:graphicData uri="http://schemas.openxmlformats.org/presentationml/2006/ole">
             <mc:AlternateContent xmlns:mc="http://schemas.openxmlformats.org/markup-compatibility/2006">
               <mc:Choice xmlns:v="urn:schemas-microsoft-com:vml" Requires="v">
-                <p:oleObj spid="_x0000_s42033" name="Equation" r:id="rId6" imgW="2692400" imgH="292100" progId="Equation.3">
+                <p:oleObj spid="_x0000_s42042" name="Equation" r:id="rId6" imgW="2692400" imgH="292100" progId="Equation.3">
                   <p:embed/>
                 </p:oleObj>
               </mc:Choice>
@@ -15728,7 +10984,7 @@
           <a:graphicData uri="http://schemas.openxmlformats.org/presentationml/2006/ole">
             <mc:AlternateContent xmlns:mc="http://schemas.openxmlformats.org/markup-compatibility/2006">
               <mc:Choice xmlns:v="urn:schemas-microsoft-com:vml" Requires="v">
-                <p:oleObj spid="_x0000_s30831" name="Equation" r:id="rId4" imgW="5105400" imgH="1003300" progId="Equation.3">
+                <p:oleObj spid="_x0000_s30836" name="Equation" r:id="rId4" imgW="5105400" imgH="1003300" progId="Equation.3">
                   <p:embed/>
                 </p:oleObj>
               </mc:Choice>
@@ -16141,7 +11397,7 @@
           <a:graphicData uri="http://schemas.openxmlformats.org/presentationml/2006/ole">
             <mc:AlternateContent xmlns:mc="http://schemas.openxmlformats.org/markup-compatibility/2006">
               <mc:Choice xmlns:v="urn:schemas-microsoft-com:vml" Requires="v">
-                <p:oleObj spid="_x0000_s43078" name="Equation" r:id="rId4" imgW="1384300" imgH="749300" progId="Equation.3">
+                <p:oleObj spid="_x0000_s43091" name="Equation" r:id="rId4" imgW="1384300" imgH="749300" progId="Equation.3">
                   <p:embed/>
                 </p:oleObj>
               </mc:Choice>
@@ -16198,7 +11454,7 @@
           <a:graphicData uri="http://schemas.openxmlformats.org/presentationml/2006/ole">
             <mc:AlternateContent xmlns:mc="http://schemas.openxmlformats.org/markup-compatibility/2006">
               <mc:Choice xmlns:v="urn:schemas-microsoft-com:vml" Requires="v">
-                <p:oleObj spid="_x0000_s43079" name="Equation" r:id="rId6" imgW="4787900" imgH="1104900" progId="Equation.3">
+                <p:oleObj spid="_x0000_s43092" name="Equation" r:id="rId6" imgW="4787900" imgH="1104900" progId="Equation.3">
                   <p:embed/>
                 </p:oleObj>
               </mc:Choice>
@@ -16255,7 +11511,7 @@
           <a:graphicData uri="http://schemas.openxmlformats.org/presentationml/2006/ole">
             <mc:AlternateContent xmlns:mc="http://schemas.openxmlformats.org/markup-compatibility/2006">
               <mc:Choice xmlns:v="urn:schemas-microsoft-com:vml" Requires="v">
-                <p:oleObj spid="_x0000_s43080" name="Equation" r:id="rId8" imgW="2133600" imgH="292100" progId="Equation.3">
+                <p:oleObj spid="_x0000_s43093" name="Equation" r:id="rId8" imgW="2133600" imgH="292100" progId="Equation.3">
                   <p:embed/>
                 </p:oleObj>
               </mc:Choice>
@@ -16640,7 +11896,7 @@
           <a:graphicData uri="http://schemas.openxmlformats.org/presentationml/2006/ole">
             <mc:AlternateContent xmlns:mc="http://schemas.openxmlformats.org/markup-compatibility/2006">
               <mc:Choice xmlns:v="urn:schemas-microsoft-com:vml" Requires="v">
-                <p:oleObj spid="_x0000_s44057" name="Equation" r:id="rId4" imgW="3390900" imgH="1549400" progId="Equation.3">
+                <p:oleObj spid="_x0000_s44062" name="Equation" r:id="rId4" imgW="3390900" imgH="1549400" progId="Equation.3">
                   <p:embed/>
                 </p:oleObj>
               </mc:Choice>
@@ -17039,7 +12295,7 @@
           <a:graphicData uri="http://schemas.openxmlformats.org/presentationml/2006/ole">
             <mc:AlternateContent xmlns:mc="http://schemas.openxmlformats.org/markup-compatibility/2006">
               <mc:Choice xmlns:v="urn:schemas-microsoft-com:vml" Requires="v">
-                <p:oleObj spid="_x0000_s39990" name="Equation" r:id="rId4" imgW="2933700" imgH="304800" progId="Equation.3">
+                <p:oleObj spid="_x0000_s39999" name="Equation" r:id="rId4" imgW="2933700" imgH="304800" progId="Equation.3">
                   <p:embed/>
                 </p:oleObj>
               </mc:Choice>
@@ -17096,7 +12352,7 @@
           <a:graphicData uri="http://schemas.openxmlformats.org/presentationml/2006/ole">
             <mc:AlternateContent xmlns:mc="http://schemas.openxmlformats.org/markup-compatibility/2006">
               <mc:Choice xmlns:v="urn:schemas-microsoft-com:vml" Requires="v">
-                <p:oleObj spid="_x0000_s39991" name="Equation" r:id="rId6" imgW="2882900" imgH="393700" progId="Equation.3">
+                <p:oleObj spid="_x0000_s40000" name="Equation" r:id="rId6" imgW="2882900" imgH="393700" progId="Equation.3">
                   <p:embed/>
                 </p:oleObj>
               </mc:Choice>
